--- a/output/images/raw/figure01_conceptual.pptx
+++ b/output/images/raw/figure01_conceptual.pptx
@@ -104,7 +104,849 @@
       </a:defRPr>
     </a:lvl9pPr>
   </p:defaultTextStyle>
+  <p:extLst>
+    <p:ext uri="{EFAFB233-063F-42B5-8137-9DF3F51BA10A}">
+      <p15:sldGuideLst xmlns:p15="http://schemas.microsoft.com/office/powerpoint/2012/main"/>
+    </p:ext>
+  </p:extLst>
 </p:presentation>
+</file>
+
+<file path=ppt/revisionInfo.xml><?xml version="1.0" encoding="utf-8"?>
+<p1510:revInfo xmlns:a="http://schemas.openxmlformats.org/drawingml/2006/main" xmlns:r="http://schemas.openxmlformats.org/officeDocument/2006/relationships" xmlns:p1510="http://schemas.microsoft.com/office/powerpoint/2015/10/main">
+  <p1510:revLst>
+    <p1510:client id="{EF6F24C5-38C6-4B78-ADE6-AEC5E0F11A2F}" v="387" dt="2022-12-15T09:58:11.528"/>
+  </p1510:revLst>
+</p1510:revInfo>
+</file>
+
+<file path=ppt/changesInfos/changesInfo1.xml><?xml version="1.0" encoding="utf-8"?>
+<pc:chgInfo xmlns:a="http://schemas.openxmlformats.org/drawingml/2006/main" xmlns:r="http://schemas.openxmlformats.org/officeDocument/2006/relationships" xmlns:ac="http://schemas.microsoft.com/office/drawing/2013/main/command" xmlns:pc="http://schemas.microsoft.com/office/powerpoint/2013/main/command">
+  <pc:docChgLst>
+    <pc:chgData name="Sam Welch" userId="346ebfb30976329f" providerId="LiveId" clId="{EF6F24C5-38C6-4B78-ADE6-AEC5E0F11A2F}"/>
+    <pc:docChg chg="undo custSel modSld">
+      <pc:chgData name="Sam Welch" userId="346ebfb30976329f" providerId="LiveId" clId="{EF6F24C5-38C6-4B78-ADE6-AEC5E0F11A2F}" dt="2022-12-15T09:58:17.360" v="706" actId="1076"/>
+      <pc:docMkLst>
+        <pc:docMk/>
+      </pc:docMkLst>
+      <pc:sldChg chg="addSp delSp modSp mod">
+        <pc:chgData name="Sam Welch" userId="346ebfb30976329f" providerId="LiveId" clId="{EF6F24C5-38C6-4B78-ADE6-AEC5E0F11A2F}" dt="2022-12-15T09:58:17.360" v="706" actId="1076"/>
+        <pc:sldMkLst>
+          <pc:docMk/>
+          <pc:sldMk cId="997638543" sldId="256"/>
+        </pc:sldMkLst>
+        <pc:spChg chg="add del mod">
+          <ac:chgData name="Sam Welch" userId="346ebfb30976329f" providerId="LiveId" clId="{EF6F24C5-38C6-4B78-ADE6-AEC5E0F11A2F}" dt="2022-12-15T09:39:34.445" v="70" actId="478"/>
+          <ac:spMkLst>
+            <pc:docMk/>
+            <pc:sldMk cId="997638543" sldId="256"/>
+            <ac:spMk id="3" creationId="{43414A1E-54A9-40B1-9EE6-4938E88E5981}"/>
+          </ac:spMkLst>
+        </pc:spChg>
+        <pc:spChg chg="add mod">
+          <ac:chgData name="Sam Welch" userId="346ebfb30976329f" providerId="LiveId" clId="{EF6F24C5-38C6-4B78-ADE6-AEC5E0F11A2F}" dt="2022-12-15T09:40:53.770" v="142" actId="1076"/>
+          <ac:spMkLst>
+            <pc:docMk/>
+            <pc:sldMk cId="997638543" sldId="256"/>
+            <ac:spMk id="4" creationId="{9DD78998-DE57-4F8A-9FE7-581A791A83D6}"/>
+          </ac:spMkLst>
+        </pc:spChg>
+        <pc:spChg chg="add mod">
+          <ac:chgData name="Sam Welch" userId="346ebfb30976329f" providerId="LiveId" clId="{EF6F24C5-38C6-4B78-ADE6-AEC5E0F11A2F}" dt="2022-12-15T09:46:30.622" v="364" actId="164"/>
+          <ac:spMkLst>
+            <pc:docMk/>
+            <pc:sldMk cId="997638543" sldId="256"/>
+            <ac:spMk id="7" creationId="{BDFEBDAC-53FC-462D-9966-6DC340AA7518}"/>
+          </ac:spMkLst>
+        </pc:spChg>
+        <pc:spChg chg="add mod">
+          <ac:chgData name="Sam Welch" userId="346ebfb30976329f" providerId="LiveId" clId="{EF6F24C5-38C6-4B78-ADE6-AEC5E0F11A2F}" dt="2022-12-15T09:51:26.209" v="474" actId="164"/>
+          <ac:spMkLst>
+            <pc:docMk/>
+            <pc:sldMk cId="997638543" sldId="256"/>
+            <ac:spMk id="11" creationId="{A67145D0-D72A-4FF6-88A1-EB9544912975}"/>
+          </ac:spMkLst>
+        </pc:spChg>
+        <pc:spChg chg="add mod">
+          <ac:chgData name="Sam Welch" userId="346ebfb30976329f" providerId="LiveId" clId="{EF6F24C5-38C6-4B78-ADE6-AEC5E0F11A2F}" dt="2022-12-15T09:51:26.209" v="474" actId="164"/>
+          <ac:spMkLst>
+            <pc:docMk/>
+            <pc:sldMk cId="997638543" sldId="256"/>
+            <ac:spMk id="14" creationId="{3FDFA530-631F-479E-A305-8DE025BDACDE}"/>
+          </ac:spMkLst>
+        </pc:spChg>
+        <pc:spChg chg="add mod">
+          <ac:chgData name="Sam Welch" userId="346ebfb30976329f" providerId="LiveId" clId="{EF6F24C5-38C6-4B78-ADE6-AEC5E0F11A2F}" dt="2022-12-15T09:51:26.209" v="474" actId="164"/>
+          <ac:spMkLst>
+            <pc:docMk/>
+            <pc:sldMk cId="997638543" sldId="256"/>
+            <ac:spMk id="15" creationId="{23E7AAF3-8822-49E0-9C4D-DE2254129CD8}"/>
+          </ac:spMkLst>
+        </pc:spChg>
+        <pc:spChg chg="mod">
+          <ac:chgData name="Sam Welch" userId="346ebfb30976329f" providerId="LiveId" clId="{EF6F24C5-38C6-4B78-ADE6-AEC5E0F11A2F}" dt="2022-12-15T09:42:07.023" v="205" actId="20577"/>
+          <ac:spMkLst>
+            <pc:docMk/>
+            <pc:sldMk cId="997638543" sldId="256"/>
+            <ac:spMk id="24" creationId="{BAE75AE2-EFA4-410D-D33A-46A66C1CD620}"/>
+          </ac:spMkLst>
+        </pc:spChg>
+        <pc:spChg chg="mod">
+          <ac:chgData name="Sam Welch" userId="346ebfb30976329f" providerId="LiveId" clId="{EF6F24C5-38C6-4B78-ADE6-AEC5E0F11A2F}" dt="2022-12-15T09:46:42.717" v="370" actId="20577"/>
+          <ac:spMkLst>
+            <pc:docMk/>
+            <pc:sldMk cId="997638543" sldId="256"/>
+            <ac:spMk id="45" creationId="{7552F390-9A22-AA99-6A9D-CD1E310E08D8}"/>
+          </ac:spMkLst>
+        </pc:spChg>
+        <pc:spChg chg="mod topLvl">
+          <ac:chgData name="Sam Welch" userId="346ebfb30976329f" providerId="LiveId" clId="{EF6F24C5-38C6-4B78-ADE6-AEC5E0F11A2F}" dt="2022-12-15T09:51:51.690" v="487" actId="164"/>
+          <ac:spMkLst>
+            <pc:docMk/>
+            <pc:sldMk cId="997638543" sldId="256"/>
+            <ac:spMk id="55" creationId="{9951FE14-827F-ADB1-02C0-F7C614B4A792}"/>
+          </ac:spMkLst>
+        </pc:spChg>
+        <pc:spChg chg="mod">
+          <ac:chgData name="Sam Welch" userId="346ebfb30976329f" providerId="LiveId" clId="{EF6F24C5-38C6-4B78-ADE6-AEC5E0F11A2F}" dt="2022-12-15T09:39:56.272" v="102" actId="20577"/>
+          <ac:spMkLst>
+            <pc:docMk/>
+            <pc:sldMk cId="997638543" sldId="256"/>
+            <ac:spMk id="58" creationId="{FA021B54-ED38-5903-5E36-BE96487FA49E}"/>
+          </ac:spMkLst>
+        </pc:spChg>
+        <pc:spChg chg="mod">
+          <ac:chgData name="Sam Welch" userId="346ebfb30976329f" providerId="LiveId" clId="{EF6F24C5-38C6-4B78-ADE6-AEC5E0F11A2F}" dt="2022-12-15T09:40:04.880" v="104" actId="20577"/>
+          <ac:spMkLst>
+            <pc:docMk/>
+            <pc:sldMk cId="997638543" sldId="256"/>
+            <ac:spMk id="77" creationId="{F4B1D2A3-3C82-43C3-97CE-EC3485E33627}"/>
+          </ac:spMkLst>
+        </pc:spChg>
+        <pc:spChg chg="mod">
+          <ac:chgData name="Sam Welch" userId="346ebfb30976329f" providerId="LiveId" clId="{EF6F24C5-38C6-4B78-ADE6-AEC5E0F11A2F}" dt="2022-12-15T09:42:19.271" v="210" actId="14100"/>
+          <ac:spMkLst>
+            <pc:docMk/>
+            <pc:sldMk cId="997638543" sldId="256"/>
+            <ac:spMk id="78" creationId="{D1FD302E-B6E1-4B93-8195-26A31850708E}"/>
+          </ac:spMkLst>
+        </pc:spChg>
+        <pc:spChg chg="mod">
+          <ac:chgData name="Sam Welch" userId="346ebfb30976329f" providerId="LiveId" clId="{EF6F24C5-38C6-4B78-ADE6-AEC5E0F11A2F}" dt="2022-12-15T09:46:46.582" v="371" actId="14100"/>
+          <ac:spMkLst>
+            <pc:docMk/>
+            <pc:sldMk cId="997638543" sldId="256"/>
+            <ac:spMk id="88" creationId="{82196E97-26F7-B4B1-1D69-ECC33CFF94AB}"/>
+          </ac:spMkLst>
+        </pc:spChg>
+        <pc:spChg chg="mod">
+          <ac:chgData name="Sam Welch" userId="346ebfb30976329f" providerId="LiveId" clId="{EF6F24C5-38C6-4B78-ADE6-AEC5E0F11A2F}" dt="2022-12-15T09:48:53.770" v="434" actId="1076"/>
+          <ac:spMkLst>
+            <pc:docMk/>
+            <pc:sldMk cId="997638543" sldId="256"/>
+            <ac:spMk id="90" creationId="{9D4D0254-488D-6C79-5A41-A213A1ECD8C4}"/>
+          </ac:spMkLst>
+        </pc:spChg>
+        <pc:spChg chg="mod">
+          <ac:chgData name="Sam Welch" userId="346ebfb30976329f" providerId="LiveId" clId="{EF6F24C5-38C6-4B78-ADE6-AEC5E0F11A2F}" dt="2022-12-15T09:48:18.289" v="425" actId="20577"/>
+          <ac:spMkLst>
+            <pc:docMk/>
+            <pc:sldMk cId="997638543" sldId="256"/>
+            <ac:spMk id="91" creationId="{4CBE362A-D471-420A-968F-7F8406C57F55}"/>
+          </ac:spMkLst>
+        </pc:spChg>
+        <pc:spChg chg="mod">
+          <ac:chgData name="Sam Welch" userId="346ebfb30976329f" providerId="LiveId" clId="{EF6F24C5-38C6-4B78-ADE6-AEC5E0F11A2F}" dt="2022-12-15T09:51:51.690" v="487" actId="164"/>
+          <ac:spMkLst>
+            <pc:docMk/>
+            <pc:sldMk cId="997638543" sldId="256"/>
+            <ac:spMk id="92" creationId="{6E3095E4-3ACD-4ADF-BCEF-3F81B268D4E9}"/>
+          </ac:spMkLst>
+        </pc:spChg>
+        <pc:spChg chg="mod">
+          <ac:chgData name="Sam Welch" userId="346ebfb30976329f" providerId="LiveId" clId="{EF6F24C5-38C6-4B78-ADE6-AEC5E0F11A2F}" dt="2022-12-15T09:40:02.894" v="103" actId="20577"/>
+          <ac:spMkLst>
+            <pc:docMk/>
+            <pc:sldMk cId="997638543" sldId="256"/>
+            <ac:spMk id="94" creationId="{4104ECCF-EC23-4F44-886D-F087A5BB3FCC}"/>
+          </ac:spMkLst>
+        </pc:spChg>
+        <pc:spChg chg="mod">
+          <ac:chgData name="Sam Welch" userId="346ebfb30976329f" providerId="LiveId" clId="{EF6F24C5-38C6-4B78-ADE6-AEC5E0F11A2F}" dt="2022-12-15T09:42:53.814" v="232" actId="1038"/>
+          <ac:spMkLst>
+            <pc:docMk/>
+            <pc:sldMk cId="997638543" sldId="256"/>
+            <ac:spMk id="95" creationId="{1C499811-BFB4-4FCA-9F90-E31EF176E120}"/>
+          </ac:spMkLst>
+        </pc:spChg>
+        <pc:spChg chg="mod">
+          <ac:chgData name="Sam Welch" userId="346ebfb30976329f" providerId="LiveId" clId="{EF6F24C5-38C6-4B78-ADE6-AEC5E0F11A2F}" dt="2022-12-15T09:42:21.870" v="211" actId="20577"/>
+          <ac:spMkLst>
+            <pc:docMk/>
+            <pc:sldMk cId="997638543" sldId="256"/>
+            <ac:spMk id="96" creationId="{5314EA6E-2C5F-494E-87F9-AF896DF134EF}"/>
+          </ac:spMkLst>
+        </pc:spChg>
+        <pc:spChg chg="mod">
+          <ac:chgData name="Sam Welch" userId="346ebfb30976329f" providerId="LiveId" clId="{EF6F24C5-38C6-4B78-ADE6-AEC5E0F11A2F}" dt="2022-12-15T09:39:46.351" v="81" actId="1076"/>
+          <ac:spMkLst>
+            <pc:docMk/>
+            <pc:sldMk cId="997638543" sldId="256"/>
+            <ac:spMk id="100" creationId="{D74E6E6D-1F81-4772-911C-9CFD46EC2284}"/>
+          </ac:spMkLst>
+        </pc:spChg>
+        <pc:spChg chg="mod topLvl">
+          <ac:chgData name="Sam Welch" userId="346ebfb30976329f" providerId="LiveId" clId="{EF6F24C5-38C6-4B78-ADE6-AEC5E0F11A2F}" dt="2022-12-15T09:42:44.863" v="223" actId="1076"/>
+          <ac:spMkLst>
+            <pc:docMk/>
+            <pc:sldMk cId="997638543" sldId="256"/>
+            <ac:spMk id="103" creationId="{4D186F02-5CD8-4D8F-B63C-15A0CB4F7777}"/>
+          </ac:spMkLst>
+        </pc:spChg>
+        <pc:spChg chg="add mod">
+          <ac:chgData name="Sam Welch" userId="346ebfb30976329f" providerId="LiveId" clId="{EF6F24C5-38C6-4B78-ADE6-AEC5E0F11A2F}" dt="2022-12-15T09:41:06.329" v="145" actId="1076"/>
+          <ac:spMkLst>
+            <pc:docMk/>
+            <pc:sldMk cId="997638543" sldId="256"/>
+            <ac:spMk id="105" creationId="{12C7C091-1875-44CE-AA00-5346CB3517FF}"/>
+          </ac:spMkLst>
+        </pc:spChg>
+        <pc:spChg chg="add mod">
+          <ac:chgData name="Sam Welch" userId="346ebfb30976329f" providerId="LiveId" clId="{EF6F24C5-38C6-4B78-ADE6-AEC5E0F11A2F}" dt="2022-12-15T09:42:50.920" v="225" actId="1038"/>
+          <ac:spMkLst>
+            <pc:docMk/>
+            <pc:sldMk cId="997638543" sldId="256"/>
+            <ac:spMk id="106" creationId="{990F4968-55C9-4148-AF76-9B7D4AD275C1}"/>
+          </ac:spMkLst>
+        </pc:spChg>
+        <pc:spChg chg="add mod">
+          <ac:chgData name="Sam Welch" userId="346ebfb30976329f" providerId="LiveId" clId="{EF6F24C5-38C6-4B78-ADE6-AEC5E0F11A2F}" dt="2022-12-15T09:43:45.863" v="282" actId="1076"/>
+          <ac:spMkLst>
+            <pc:docMk/>
+            <pc:sldMk cId="997638543" sldId="256"/>
+            <ac:spMk id="107" creationId="{492CEE41-CF2A-40DD-AD83-AE133587F918}"/>
+          </ac:spMkLst>
+        </pc:spChg>
+        <pc:spChg chg="add mod">
+          <ac:chgData name="Sam Welch" userId="346ebfb30976329f" providerId="LiveId" clId="{EF6F24C5-38C6-4B78-ADE6-AEC5E0F11A2F}" dt="2022-12-15T09:47:40.171" v="413" actId="1076"/>
+          <ac:spMkLst>
+            <pc:docMk/>
+            <pc:sldMk cId="997638543" sldId="256"/>
+            <ac:spMk id="108" creationId="{EBC01BC7-F38D-4EA0-87AC-EE225FA0B84B}"/>
+          </ac:spMkLst>
+        </pc:spChg>
+        <pc:spChg chg="add mod">
+          <ac:chgData name="Sam Welch" userId="346ebfb30976329f" providerId="LiveId" clId="{EF6F24C5-38C6-4B78-ADE6-AEC5E0F11A2F}" dt="2022-12-15T09:46:30.622" v="364" actId="164"/>
+          <ac:spMkLst>
+            <pc:docMk/>
+            <pc:sldMk cId="997638543" sldId="256"/>
+            <ac:spMk id="109" creationId="{67AA2C7D-3513-4D83-84B2-E6DA96E43674}"/>
+          </ac:spMkLst>
+        </pc:spChg>
+        <pc:spChg chg="add mod">
+          <ac:chgData name="Sam Welch" userId="346ebfb30976329f" providerId="LiveId" clId="{EF6F24C5-38C6-4B78-ADE6-AEC5E0F11A2F}" dt="2022-12-15T09:46:51.489" v="373" actId="1076"/>
+          <ac:spMkLst>
+            <pc:docMk/>
+            <pc:sldMk cId="997638543" sldId="256"/>
+            <ac:spMk id="110" creationId="{5309850E-E948-4AE3-8D15-7D2429918AB7}"/>
+          </ac:spMkLst>
+        </pc:spChg>
+        <pc:spChg chg="add mod">
+          <ac:chgData name="Sam Welch" userId="346ebfb30976329f" providerId="LiveId" clId="{EF6F24C5-38C6-4B78-ADE6-AEC5E0F11A2F}" dt="2022-12-15T09:46:48.652" v="372" actId="1076"/>
+          <ac:spMkLst>
+            <pc:docMk/>
+            <pc:sldMk cId="997638543" sldId="256"/>
+            <ac:spMk id="111" creationId="{E91E92A7-FE30-41E6-AE5C-3F083450716B}"/>
+          </ac:spMkLst>
+        </pc:spChg>
+        <pc:spChg chg="add mod">
+          <ac:chgData name="Sam Welch" userId="346ebfb30976329f" providerId="LiveId" clId="{EF6F24C5-38C6-4B78-ADE6-AEC5E0F11A2F}" dt="2022-12-15T09:47:20.008" v="405" actId="20577"/>
+          <ac:spMkLst>
+            <pc:docMk/>
+            <pc:sldMk cId="997638543" sldId="256"/>
+            <ac:spMk id="112" creationId="{0E5993C8-E4B0-4C50-B420-098EB0F3F0A6}"/>
+          </ac:spMkLst>
+        </pc:spChg>
+        <pc:spChg chg="add mod">
+          <ac:chgData name="Sam Welch" userId="346ebfb30976329f" providerId="LiveId" clId="{EF6F24C5-38C6-4B78-ADE6-AEC5E0F11A2F}" dt="2022-12-15T09:48:13.002" v="424" actId="1076"/>
+          <ac:spMkLst>
+            <pc:docMk/>
+            <pc:sldMk cId="997638543" sldId="256"/>
+            <ac:spMk id="113" creationId="{89F3A573-91C8-4026-8D24-3E525D4D8D11}"/>
+          </ac:spMkLst>
+        </pc:spChg>
+        <pc:spChg chg="add mod">
+          <ac:chgData name="Sam Welch" userId="346ebfb30976329f" providerId="LiveId" clId="{EF6F24C5-38C6-4B78-ADE6-AEC5E0F11A2F}" dt="2022-12-15T09:48:53.770" v="434" actId="1076"/>
+          <ac:spMkLst>
+            <pc:docMk/>
+            <pc:sldMk cId="997638543" sldId="256"/>
+            <ac:spMk id="114" creationId="{C4223936-1B92-44A4-B9BA-5BFC9D06740B}"/>
+          </ac:spMkLst>
+        </pc:spChg>
+        <pc:spChg chg="add del">
+          <ac:chgData name="Sam Welch" userId="346ebfb30976329f" providerId="LiveId" clId="{EF6F24C5-38C6-4B78-ADE6-AEC5E0F11A2F}" dt="2022-12-15T09:51:50.255" v="486"/>
+          <ac:spMkLst>
+            <pc:docMk/>
+            <pc:sldMk cId="997638543" sldId="256"/>
+            <ac:spMk id="115" creationId="{889943D6-EAF7-4D95-9C28-8EE1714654BA}"/>
+          </ac:spMkLst>
+        </pc:spChg>
+        <pc:spChg chg="add del">
+          <ac:chgData name="Sam Welch" userId="346ebfb30976329f" providerId="LiveId" clId="{EF6F24C5-38C6-4B78-ADE6-AEC5E0F11A2F}" dt="2022-12-15T09:51:50.255" v="486"/>
+          <ac:spMkLst>
+            <pc:docMk/>
+            <pc:sldMk cId="997638543" sldId="256"/>
+            <ac:spMk id="116" creationId="{F794CFC8-46A9-4626-85C3-65F87315992B}"/>
+          </ac:spMkLst>
+        </pc:spChg>
+        <pc:spChg chg="mod">
+          <ac:chgData name="Sam Welch" userId="346ebfb30976329f" providerId="LiveId" clId="{EF6F24C5-38C6-4B78-ADE6-AEC5E0F11A2F}" dt="2022-12-15T09:53:29.528" v="547" actId="313"/>
+          <ac:spMkLst>
+            <pc:docMk/>
+            <pc:sldMk cId="997638543" sldId="256"/>
+            <ac:spMk id="122" creationId="{F4F268FE-C29F-46CA-B56A-8AA6172DA996}"/>
+          </ac:spMkLst>
+        </pc:spChg>
+        <pc:spChg chg="mod">
+          <ac:chgData name="Sam Welch" userId="346ebfb30976329f" providerId="LiveId" clId="{EF6F24C5-38C6-4B78-ADE6-AEC5E0F11A2F}" dt="2022-12-15T09:53:01.937" v="499" actId="20577"/>
+          <ac:spMkLst>
+            <pc:docMk/>
+            <pc:sldMk cId="997638543" sldId="256"/>
+            <ac:spMk id="123" creationId="{C47F77CE-3843-4A7F-8DAB-959C3FC2A60E}"/>
+          </ac:spMkLst>
+        </pc:spChg>
+        <pc:spChg chg="mod">
+          <ac:chgData name="Sam Welch" userId="346ebfb30976329f" providerId="LiveId" clId="{EF6F24C5-38C6-4B78-ADE6-AEC5E0F11A2F}" dt="2022-12-15T09:52:41.321" v="495" actId="1076"/>
+          <ac:spMkLst>
+            <pc:docMk/>
+            <pc:sldMk cId="997638543" sldId="256"/>
+            <ac:spMk id="125" creationId="{D477DAB5-05DF-4966-8FE1-C742ACCD9BB6}"/>
+          </ac:spMkLst>
+        </pc:spChg>
+        <pc:spChg chg="mod">
+          <ac:chgData name="Sam Welch" userId="346ebfb30976329f" providerId="LiveId" clId="{EF6F24C5-38C6-4B78-ADE6-AEC5E0F11A2F}" dt="2022-12-15T09:52:53.827" v="498" actId="255"/>
+          <ac:spMkLst>
+            <pc:docMk/>
+            <pc:sldMk cId="997638543" sldId="256"/>
+            <ac:spMk id="126" creationId="{8C6B6632-9E0D-45E9-A1EA-B1C7EEB81E62}"/>
+          </ac:spMkLst>
+        </pc:spChg>
+        <pc:spChg chg="add mod">
+          <ac:chgData name="Sam Welch" userId="346ebfb30976329f" providerId="LiveId" clId="{EF6F24C5-38C6-4B78-ADE6-AEC5E0F11A2F}" dt="2022-12-15T09:56:01.653" v="600" actId="1076"/>
+          <ac:spMkLst>
+            <pc:docMk/>
+            <pc:sldMk cId="997638543" sldId="256"/>
+            <ac:spMk id="128" creationId="{EB99E14E-2448-4D56-8D36-551554C60E2F}"/>
+          </ac:spMkLst>
+        </pc:spChg>
+        <pc:spChg chg="add mod">
+          <ac:chgData name="Sam Welch" userId="346ebfb30976329f" providerId="LiveId" clId="{EF6F24C5-38C6-4B78-ADE6-AEC5E0F11A2F}" dt="2022-12-15T09:58:17.360" v="706" actId="1076"/>
+          <ac:spMkLst>
+            <pc:docMk/>
+            <pc:sldMk cId="997638543" sldId="256"/>
+            <ac:spMk id="129" creationId="{EC3F9F2A-4E71-4A69-8612-114402A76BA2}"/>
+          </ac:spMkLst>
+        </pc:spChg>
+        <pc:grpChg chg="add mod">
+          <ac:chgData name="Sam Welch" userId="346ebfb30976329f" providerId="LiveId" clId="{EF6F24C5-38C6-4B78-ADE6-AEC5E0F11A2F}" dt="2022-12-15T09:46:54.484" v="374" actId="1076"/>
+          <ac:grpSpMkLst>
+            <pc:docMk/>
+            <pc:sldMk cId="997638543" sldId="256"/>
+            <ac:grpSpMk id="8" creationId="{AB77D1FB-AE29-48CE-9700-6AB9A4438A6A}"/>
+          </ac:grpSpMkLst>
+        </pc:grpChg>
+        <pc:grpChg chg="add mod">
+          <ac:chgData name="Sam Welch" userId="346ebfb30976329f" providerId="LiveId" clId="{EF6F24C5-38C6-4B78-ADE6-AEC5E0F11A2F}" dt="2022-12-15T09:51:51.690" v="487" actId="164"/>
+          <ac:grpSpMkLst>
+            <pc:docMk/>
+            <pc:sldMk cId="997638543" sldId="256"/>
+            <ac:grpSpMk id="16" creationId="{B82D7878-CB5A-4B11-BA2C-AD9D5D4CE122}"/>
+          </ac:grpSpMkLst>
+        </pc:grpChg>
+        <pc:grpChg chg="add mod">
+          <ac:chgData name="Sam Welch" userId="346ebfb30976329f" providerId="LiveId" clId="{EF6F24C5-38C6-4B78-ADE6-AEC5E0F11A2F}" dt="2022-12-15T09:51:58.840" v="490" actId="1076"/>
+          <ac:grpSpMkLst>
+            <pc:docMk/>
+            <pc:sldMk cId="997638543" sldId="256"/>
+            <ac:grpSpMk id="22" creationId="{1FC72797-0BD0-46B8-A92C-F522B5679333}"/>
+          </ac:grpSpMkLst>
+        </pc:grpChg>
+        <pc:grpChg chg="mod">
+          <ac:chgData name="Sam Welch" userId="346ebfb30976329f" providerId="LiveId" clId="{EF6F24C5-38C6-4B78-ADE6-AEC5E0F11A2F}" dt="2022-12-15T09:42:37.366" v="221" actId="1076"/>
+          <ac:grpSpMkLst>
+            <pc:docMk/>
+            <pc:sldMk cId="997638543" sldId="256"/>
+            <ac:grpSpMk id="31" creationId="{C6C1FCEF-6A43-B637-7DB7-BD801DF191C7}"/>
+          </ac:grpSpMkLst>
+        </pc:grpChg>
+        <pc:grpChg chg="del mod">
+          <ac:chgData name="Sam Welch" userId="346ebfb30976329f" providerId="LiveId" clId="{EF6F24C5-38C6-4B78-ADE6-AEC5E0F11A2F}" dt="2022-12-15T09:51:39" v="483" actId="478"/>
+          <ac:grpSpMkLst>
+            <pc:docMk/>
+            <pc:sldMk cId="997638543" sldId="256"/>
+            <ac:grpSpMk id="53" creationId="{373A21C6-C07D-664A-5368-D257DB99C423}"/>
+          </ac:grpSpMkLst>
+        </pc:grpChg>
+        <pc:grpChg chg="add del mod">
+          <ac:chgData name="Sam Welch" userId="346ebfb30976329f" providerId="LiveId" clId="{EF6F24C5-38C6-4B78-ADE6-AEC5E0F11A2F}" dt="2022-12-15T09:41:53.591" v="181" actId="478"/>
+          <ac:grpSpMkLst>
+            <pc:docMk/>
+            <pc:sldMk cId="997638543" sldId="256"/>
+            <ac:grpSpMk id="82" creationId="{408FC0FE-4AC7-4998-BC88-740B54496CF9}"/>
+          </ac:grpSpMkLst>
+        </pc:grpChg>
+        <pc:grpChg chg="add del mod">
+          <ac:chgData name="Sam Welch" userId="346ebfb30976329f" providerId="LiveId" clId="{EF6F24C5-38C6-4B78-ADE6-AEC5E0F11A2F}" dt="2022-12-15T09:51:50.255" v="486"/>
+          <ac:grpSpMkLst>
+            <pc:docMk/>
+            <pc:sldMk cId="997638543" sldId="256"/>
+            <ac:grpSpMk id="117" creationId="{299F8372-5BBC-46CD-9460-714B7332D6C2}"/>
+          </ac:grpSpMkLst>
+        </pc:grpChg>
+        <pc:grpChg chg="add mod">
+          <ac:chgData name="Sam Welch" userId="346ebfb30976329f" providerId="LiveId" clId="{EF6F24C5-38C6-4B78-ADE6-AEC5E0F11A2F}" dt="2022-12-15T09:52:36.048" v="493"/>
+          <ac:grpSpMkLst>
+            <pc:docMk/>
+            <pc:sldMk cId="997638543" sldId="256"/>
+            <ac:grpSpMk id="121" creationId="{F784389C-E17A-477A-8E10-F9E2A60FB0E5}"/>
+          </ac:grpSpMkLst>
+        </pc:grpChg>
+        <pc:grpChg chg="mod">
+          <ac:chgData name="Sam Welch" userId="346ebfb30976329f" providerId="LiveId" clId="{EF6F24C5-38C6-4B78-ADE6-AEC5E0F11A2F}" dt="2022-12-15T09:52:36.048" v="493"/>
+          <ac:grpSpMkLst>
+            <pc:docMk/>
+            <pc:sldMk cId="997638543" sldId="256"/>
+            <ac:grpSpMk id="124" creationId="{5BD332ED-DEC1-4E50-AE72-6C123775EAEA}"/>
+          </ac:grpSpMkLst>
+        </pc:grpChg>
+        <pc:picChg chg="add mod">
+          <ac:chgData name="Sam Welch" userId="346ebfb30976329f" providerId="LiveId" clId="{EF6F24C5-38C6-4B78-ADE6-AEC5E0F11A2F}" dt="2022-12-15T09:42:41.308" v="222" actId="14100"/>
+          <ac:picMkLst>
+            <pc:docMk/>
+            <pc:sldMk cId="997638543" sldId="256"/>
+            <ac:picMk id="6" creationId="{46FCBFF7-DF13-4031-A9DB-C6757AC3DCC6}"/>
+          </ac:picMkLst>
+        </pc:picChg>
+        <pc:picChg chg="del topLvl">
+          <ac:chgData name="Sam Welch" userId="346ebfb30976329f" providerId="LiveId" clId="{EF6F24C5-38C6-4B78-ADE6-AEC5E0F11A2F}" dt="2022-12-15T09:51:39" v="483" actId="478"/>
+          <ac:picMkLst>
+            <pc:docMk/>
+            <pc:sldMk cId="997638543" sldId="256"/>
+            <ac:picMk id="54" creationId="{7507EBA6-258F-94E3-B615-BE16ADBEEA7E}"/>
+          </ac:picMkLst>
+        </pc:picChg>
+        <pc:picChg chg="del topLvl">
+          <ac:chgData name="Sam Welch" userId="346ebfb30976329f" providerId="LiveId" clId="{EF6F24C5-38C6-4B78-ADE6-AEC5E0F11A2F}" dt="2022-12-15T09:41:53.591" v="181" actId="478"/>
+          <ac:picMkLst>
+            <pc:docMk/>
+            <pc:sldMk cId="997638543" sldId="256"/>
+            <ac:picMk id="104" creationId="{8888D4F7-C77A-4632-A0A0-7711CB65D8E9}"/>
+          </ac:picMkLst>
+        </pc:picChg>
+      </pc:sldChg>
+    </pc:docChg>
+  </pc:docChgLst>
+  <pc:docChgLst>
+    <pc:chgData name="Sam Welch" userId="346ebfb30976329f" providerId="LiveId" clId="{E2E53A84-B5CE-4757-A674-36906DD420C5}"/>
+    <pc:docChg chg="undo custSel modSld">
+      <pc:chgData name="Sam Welch" userId="346ebfb30976329f" providerId="LiveId" clId="{E2E53A84-B5CE-4757-A674-36906DD420C5}" dt="2022-11-29T09:46:29.484" v="206" actId="1076"/>
+      <pc:docMkLst>
+        <pc:docMk/>
+      </pc:docMkLst>
+      <pc:sldChg chg="addSp delSp modSp mod">
+        <pc:chgData name="Sam Welch" userId="346ebfb30976329f" providerId="LiveId" clId="{E2E53A84-B5CE-4757-A674-36906DD420C5}" dt="2022-11-29T09:46:29.484" v="206" actId="1076"/>
+        <pc:sldMkLst>
+          <pc:docMk/>
+          <pc:sldMk cId="997638543" sldId="256"/>
+        </pc:sldMkLst>
+        <pc:spChg chg="add mod">
+          <ac:chgData name="Sam Welch" userId="346ebfb30976329f" providerId="LiveId" clId="{E2E53A84-B5CE-4757-A674-36906DD420C5}" dt="2022-11-29T09:40:36.077" v="42" actId="1076"/>
+          <ac:spMkLst>
+            <pc:docMk/>
+            <pc:sldMk cId="997638543" sldId="256"/>
+            <ac:spMk id="2" creationId="{53D66BC2-DEE8-417C-B953-D9125AF0AA1A}"/>
+          </ac:spMkLst>
+        </pc:spChg>
+        <pc:spChg chg="add mod">
+          <ac:chgData name="Sam Welch" userId="346ebfb30976329f" providerId="LiveId" clId="{E2E53A84-B5CE-4757-A674-36906DD420C5}" dt="2022-11-29T09:36:38.088" v="5" actId="1076"/>
+          <ac:spMkLst>
+            <pc:docMk/>
+            <pc:sldMk cId="997638543" sldId="256"/>
+            <ac:spMk id="67" creationId="{0C615E0E-9A03-4358-AA48-E1C9A6CB1C2F}"/>
+          </ac:spMkLst>
+        </pc:spChg>
+        <pc:spChg chg="add mod">
+          <ac:chgData name="Sam Welch" userId="346ebfb30976329f" providerId="LiveId" clId="{E2E53A84-B5CE-4757-A674-36906DD420C5}" dt="2022-11-29T09:37:08.446" v="15" actId="1076"/>
+          <ac:spMkLst>
+            <pc:docMk/>
+            <pc:sldMk cId="997638543" sldId="256"/>
+            <ac:spMk id="68" creationId="{CB87B02C-C52C-43CD-9F94-B08302770F6E}"/>
+          </ac:spMkLst>
+        </pc:spChg>
+        <pc:spChg chg="add mod">
+          <ac:chgData name="Sam Welch" userId="346ebfb30976329f" providerId="LiveId" clId="{E2E53A84-B5CE-4757-A674-36906DD420C5}" dt="2022-11-29T09:40:28.639" v="41" actId="1038"/>
+          <ac:spMkLst>
+            <pc:docMk/>
+            <pc:sldMk cId="997638543" sldId="256"/>
+            <ac:spMk id="69" creationId="{FE0D646D-F99D-4030-9AE8-73FA4F9F15F0}"/>
+          </ac:spMkLst>
+        </pc:spChg>
+        <pc:spChg chg="add mod">
+          <ac:chgData name="Sam Welch" userId="346ebfb30976329f" providerId="LiveId" clId="{E2E53A84-B5CE-4757-A674-36906DD420C5}" dt="2022-11-29T09:40:41.632" v="45" actId="20577"/>
+          <ac:spMkLst>
+            <pc:docMk/>
+            <pc:sldMk cId="997638543" sldId="256"/>
+            <ac:spMk id="70" creationId="{A14D874B-647A-4122-B838-5FF49B1D2D2E}"/>
+          </ac:spMkLst>
+        </pc:spChg>
+        <pc:spChg chg="add mod">
+          <ac:chgData name="Sam Welch" userId="346ebfb30976329f" providerId="LiveId" clId="{E2E53A84-B5CE-4757-A674-36906DD420C5}" dt="2022-11-29T09:41:44.279" v="106" actId="20577"/>
+          <ac:spMkLst>
+            <pc:docMk/>
+            <pc:sldMk cId="997638543" sldId="256"/>
+            <ac:spMk id="71" creationId="{576BCE5A-DEFD-4600-A043-011F33D7CB49}"/>
+          </ac:spMkLst>
+        </pc:spChg>
+        <pc:spChg chg="add mod">
+          <ac:chgData name="Sam Welch" userId="346ebfb30976329f" providerId="LiveId" clId="{E2E53A84-B5CE-4757-A674-36906DD420C5}" dt="2022-11-29T09:45:54.541" v="200" actId="20577"/>
+          <ac:spMkLst>
+            <pc:docMk/>
+            <pc:sldMk cId="997638543" sldId="256"/>
+            <ac:spMk id="72" creationId="{3F15B46E-4E94-4B2F-8ED8-F989B6CC8D72}"/>
+          </ac:spMkLst>
+        </pc:spChg>
+        <pc:spChg chg="add mod">
+          <ac:chgData name="Sam Welch" userId="346ebfb30976329f" providerId="LiveId" clId="{E2E53A84-B5CE-4757-A674-36906DD420C5}" dt="2022-11-29T09:41:47.702" v="109" actId="20577"/>
+          <ac:spMkLst>
+            <pc:docMk/>
+            <pc:sldMk cId="997638543" sldId="256"/>
+            <ac:spMk id="73" creationId="{E3CD4BF6-53D7-4DD3-9848-966854E7F9E2}"/>
+          </ac:spMkLst>
+        </pc:spChg>
+        <pc:spChg chg="mod">
+          <ac:chgData name="Sam Welch" userId="346ebfb30976329f" providerId="LiveId" clId="{E2E53A84-B5CE-4757-A674-36906DD420C5}" dt="2022-11-29T09:43:25.981" v="186" actId="20577"/>
+          <ac:spMkLst>
+            <pc:docMk/>
+            <pc:sldMk cId="997638543" sldId="256"/>
+            <ac:spMk id="75" creationId="{D2782CB5-0CD8-9920-CC37-803C55CDDD88}"/>
+          </ac:spMkLst>
+        </pc:spChg>
+        <pc:spChg chg="add mod">
+          <ac:chgData name="Sam Welch" userId="346ebfb30976329f" providerId="LiveId" clId="{E2E53A84-B5CE-4757-A674-36906DD420C5}" dt="2022-11-29T09:41:50.454" v="111" actId="20577"/>
+          <ac:spMkLst>
+            <pc:docMk/>
+            <pc:sldMk cId="997638543" sldId="256"/>
+            <ac:spMk id="77" creationId="{F4B1D2A3-3C82-43C3-97CE-EC3485E33627}"/>
+          </ac:spMkLst>
+        </pc:spChg>
+        <pc:spChg chg="add mod">
+          <ac:chgData name="Sam Welch" userId="346ebfb30976329f" providerId="LiveId" clId="{E2E53A84-B5CE-4757-A674-36906DD420C5}" dt="2022-11-29T09:41:55.010" v="113" actId="20577"/>
+          <ac:spMkLst>
+            <pc:docMk/>
+            <pc:sldMk cId="997638543" sldId="256"/>
+            <ac:spMk id="78" creationId="{D1FD302E-B6E1-4B93-8195-26A31850708E}"/>
+          </ac:spMkLst>
+        </pc:spChg>
+        <pc:spChg chg="del">
+          <ac:chgData name="Sam Welch" userId="346ebfb30976329f" providerId="LiveId" clId="{E2E53A84-B5CE-4757-A674-36906DD420C5}" dt="2022-11-29T09:36:49.431" v="9" actId="478"/>
+          <ac:spMkLst>
+            <pc:docMk/>
+            <pc:sldMk cId="997638543" sldId="256"/>
+            <ac:spMk id="79" creationId="{8917B070-2F46-284F-0B18-AD8DF7998805}"/>
+          </ac:spMkLst>
+        </pc:spChg>
+        <pc:spChg chg="mod">
+          <ac:chgData name="Sam Welch" userId="346ebfb30976329f" providerId="LiveId" clId="{E2E53A84-B5CE-4757-A674-36906DD420C5}" dt="2022-11-29T09:36:22.094" v="1" actId="1076"/>
+          <ac:spMkLst>
+            <pc:docMk/>
+            <pc:sldMk cId="997638543" sldId="256"/>
+            <ac:spMk id="80" creationId="{49E8881B-9CC6-9D01-21E8-9F23E6503C25}"/>
+          </ac:spMkLst>
+        </pc:spChg>
+        <pc:spChg chg="mod">
+          <ac:chgData name="Sam Welch" userId="346ebfb30976329f" providerId="LiveId" clId="{E2E53A84-B5CE-4757-A674-36906DD420C5}" dt="2022-11-29T09:36:56.019" v="12" actId="1076"/>
+          <ac:spMkLst>
+            <pc:docMk/>
+            <pc:sldMk cId="997638543" sldId="256"/>
+            <ac:spMk id="81" creationId="{DFAA49C4-2D69-7E2A-C1BC-F48D94E3DF1C}"/>
+          </ac:spMkLst>
+        </pc:spChg>
+        <pc:spChg chg="del mod">
+          <ac:chgData name="Sam Welch" userId="346ebfb30976329f" providerId="LiveId" clId="{E2E53A84-B5CE-4757-A674-36906DD420C5}" dt="2022-11-29T09:41:20.060" v="84" actId="478"/>
+          <ac:spMkLst>
+            <pc:docMk/>
+            <pc:sldMk cId="997638543" sldId="256"/>
+            <ac:spMk id="82" creationId="{BCDB10BC-A7D7-C36E-62BF-C09D8201B1AB}"/>
+          </ac:spMkLst>
+        </pc:spChg>
+        <pc:spChg chg="mod">
+          <ac:chgData name="Sam Welch" userId="346ebfb30976329f" providerId="LiveId" clId="{E2E53A84-B5CE-4757-A674-36906DD420C5}" dt="2022-11-29T09:36:22.094" v="1" actId="1076"/>
+          <ac:spMkLst>
+            <pc:docMk/>
+            <pc:sldMk cId="997638543" sldId="256"/>
+            <ac:spMk id="83" creationId="{5677A041-5D31-B303-11C3-39F95D52B957}"/>
+          </ac:spMkLst>
+        </pc:spChg>
+        <pc:spChg chg="mod">
+          <ac:chgData name="Sam Welch" userId="346ebfb30976329f" providerId="LiveId" clId="{E2E53A84-B5CE-4757-A674-36906DD420C5}" dt="2022-11-29T09:36:22.094" v="1" actId="1076"/>
+          <ac:spMkLst>
+            <pc:docMk/>
+            <pc:sldMk cId="997638543" sldId="256"/>
+            <ac:spMk id="84" creationId="{F6661B96-71F0-5A94-EF30-F448F0C2EEF5}"/>
+          </ac:spMkLst>
+        </pc:spChg>
+        <pc:spChg chg="mod">
+          <ac:chgData name="Sam Welch" userId="346ebfb30976329f" providerId="LiveId" clId="{E2E53A84-B5CE-4757-A674-36906DD420C5}" dt="2022-11-29T09:36:22.094" v="1" actId="1076"/>
+          <ac:spMkLst>
+            <pc:docMk/>
+            <pc:sldMk cId="997638543" sldId="256"/>
+            <ac:spMk id="85" creationId="{67BEC61D-B7C3-0347-2CA4-1FA822004584}"/>
+          </ac:spMkLst>
+        </pc:spChg>
+        <pc:spChg chg="mod">
+          <ac:chgData name="Sam Welch" userId="346ebfb30976329f" providerId="LiveId" clId="{E2E53A84-B5CE-4757-A674-36906DD420C5}" dt="2022-11-29T09:36:22.094" v="1" actId="1076"/>
+          <ac:spMkLst>
+            <pc:docMk/>
+            <pc:sldMk cId="997638543" sldId="256"/>
+            <ac:spMk id="86" creationId="{E4BFDF06-28FA-520A-927E-E1E9D56C3A6C}"/>
+          </ac:spMkLst>
+        </pc:spChg>
+        <pc:spChg chg="mod">
+          <ac:chgData name="Sam Welch" userId="346ebfb30976329f" providerId="LiveId" clId="{E2E53A84-B5CE-4757-A674-36906DD420C5}" dt="2022-11-29T09:46:29.484" v="206" actId="1076"/>
+          <ac:spMkLst>
+            <pc:docMk/>
+            <pc:sldMk cId="997638543" sldId="256"/>
+            <ac:spMk id="87" creationId="{E92C3A97-51FB-4AA1-B5FB-C57F3D5D213F}"/>
+          </ac:spMkLst>
+        </pc:spChg>
+        <pc:spChg chg="mod">
+          <ac:chgData name="Sam Welch" userId="346ebfb30976329f" providerId="LiveId" clId="{E2E53A84-B5CE-4757-A674-36906DD420C5}" dt="2022-11-29T09:36:22.094" v="1" actId="1076"/>
+          <ac:spMkLst>
+            <pc:docMk/>
+            <pc:sldMk cId="997638543" sldId="256"/>
+            <ac:spMk id="88" creationId="{82196E97-26F7-B4B1-1D69-ECC33CFF94AB}"/>
+          </ac:spMkLst>
+        </pc:spChg>
+        <pc:spChg chg="mod">
+          <ac:chgData name="Sam Welch" userId="346ebfb30976329f" providerId="LiveId" clId="{E2E53A84-B5CE-4757-A674-36906DD420C5}" dt="2022-11-29T09:36:22.094" v="1" actId="1076"/>
+          <ac:spMkLst>
+            <pc:docMk/>
+            <pc:sldMk cId="997638543" sldId="256"/>
+            <ac:spMk id="89" creationId="{243B0228-BFE9-9290-4DEA-316F18F43412}"/>
+          </ac:spMkLst>
+        </pc:spChg>
+        <pc:spChg chg="mod">
+          <ac:chgData name="Sam Welch" userId="346ebfb30976329f" providerId="LiveId" clId="{E2E53A84-B5CE-4757-A674-36906DD420C5}" dt="2022-11-29T09:36:22.094" v="1" actId="1076"/>
+          <ac:spMkLst>
+            <pc:docMk/>
+            <pc:sldMk cId="997638543" sldId="256"/>
+            <ac:spMk id="90" creationId="{9D4D0254-488D-6C79-5A41-A213A1ECD8C4}"/>
+          </ac:spMkLst>
+        </pc:spChg>
+        <pc:spChg chg="add mod">
+          <ac:chgData name="Sam Welch" userId="346ebfb30976329f" providerId="LiveId" clId="{E2E53A84-B5CE-4757-A674-36906DD420C5}" dt="2022-11-29T09:41:56.419" v="114" actId="20577"/>
+          <ac:spMkLst>
+            <pc:docMk/>
+            <pc:sldMk cId="997638543" sldId="256"/>
+            <ac:spMk id="91" creationId="{4CBE362A-D471-420A-968F-7F8406C57F55}"/>
+          </ac:spMkLst>
+        </pc:spChg>
+        <pc:spChg chg="add mod">
+          <ac:chgData name="Sam Welch" userId="346ebfb30976329f" providerId="LiveId" clId="{E2E53A84-B5CE-4757-A674-36906DD420C5}" dt="2022-11-29T09:42:00.256" v="116" actId="20577"/>
+          <ac:spMkLst>
+            <pc:docMk/>
+            <pc:sldMk cId="997638543" sldId="256"/>
+            <ac:spMk id="92" creationId="{6E3095E4-3ACD-4ADF-BCEF-3F81B268D4E9}"/>
+          </ac:spMkLst>
+        </pc:spChg>
+        <pc:spChg chg="add mod">
+          <ac:chgData name="Sam Welch" userId="346ebfb30976329f" providerId="LiveId" clId="{E2E53A84-B5CE-4757-A674-36906DD420C5}" dt="2022-11-29T09:45:51.378" v="196" actId="20577"/>
+          <ac:spMkLst>
+            <pc:docMk/>
+            <pc:sldMk cId="997638543" sldId="256"/>
+            <ac:spMk id="93" creationId="{F678B0D8-F441-4411-8E44-23B729E5184D}"/>
+          </ac:spMkLst>
+        </pc:spChg>
+        <pc:spChg chg="add mod">
+          <ac:chgData name="Sam Welch" userId="346ebfb30976329f" providerId="LiveId" clId="{E2E53A84-B5CE-4757-A674-36906DD420C5}" dt="2022-11-29T09:46:29.484" v="206" actId="1076"/>
+          <ac:spMkLst>
+            <pc:docMk/>
+            <pc:sldMk cId="997638543" sldId="256"/>
+            <ac:spMk id="94" creationId="{4104ECCF-EC23-4F44-886D-F087A5BB3FCC}"/>
+          </ac:spMkLst>
+        </pc:spChg>
+        <pc:spChg chg="add mod">
+          <ac:chgData name="Sam Welch" userId="346ebfb30976329f" providerId="LiveId" clId="{E2E53A84-B5CE-4757-A674-36906DD420C5}" dt="2022-11-29T09:41:53.437" v="112" actId="20577"/>
+          <ac:spMkLst>
+            <pc:docMk/>
+            <pc:sldMk cId="997638543" sldId="256"/>
+            <ac:spMk id="95" creationId="{1C499811-BFB4-4FCA-9F90-E31EF176E120}"/>
+          </ac:spMkLst>
+        </pc:spChg>
+        <pc:spChg chg="add mod">
+          <ac:chgData name="Sam Welch" userId="346ebfb30976329f" providerId="LiveId" clId="{E2E53A84-B5CE-4757-A674-36906DD420C5}" dt="2022-11-29T09:42:24.855" v="117" actId="14100"/>
+          <ac:spMkLst>
+            <pc:docMk/>
+            <pc:sldMk cId="997638543" sldId="256"/>
+            <ac:spMk id="96" creationId="{5314EA6E-2C5F-494E-87F9-AF896DF134EF}"/>
+          </ac:spMkLst>
+        </pc:spChg>
+        <pc:spChg chg="add mod">
+          <ac:chgData name="Sam Welch" userId="346ebfb30976329f" providerId="LiveId" clId="{E2E53A84-B5CE-4757-A674-36906DD420C5}" dt="2022-11-29T09:45:48.546" v="195" actId="1076"/>
+          <ac:spMkLst>
+            <pc:docMk/>
+            <pc:sldMk cId="997638543" sldId="256"/>
+            <ac:spMk id="97" creationId="{EBF30BA3-60AB-43E8-BAAA-488CF6C3B863}"/>
+          </ac:spMkLst>
+        </pc:spChg>
+        <pc:spChg chg="add mod">
+          <ac:chgData name="Sam Welch" userId="346ebfb30976329f" providerId="LiveId" clId="{E2E53A84-B5CE-4757-A674-36906DD420C5}" dt="2022-11-29T09:46:25.907" v="205" actId="1076"/>
+          <ac:spMkLst>
+            <pc:docMk/>
+            <pc:sldMk cId="997638543" sldId="256"/>
+            <ac:spMk id="101" creationId="{DE4DD8D6-7135-4BCB-98C0-7D7003056912}"/>
+          </ac:spMkLst>
+        </pc:spChg>
+        <pc:spChg chg="add mod">
+          <ac:chgData name="Sam Welch" userId="346ebfb30976329f" providerId="LiveId" clId="{E2E53A84-B5CE-4757-A674-36906DD420C5}" dt="2022-11-29T09:46:25.907" v="205" actId="1076"/>
+          <ac:spMkLst>
+            <pc:docMk/>
+            <pc:sldMk cId="997638543" sldId="256"/>
+            <ac:spMk id="102" creationId="{B1B1449C-1611-4A1D-A4DC-4A0FB063AA2A}"/>
+          </ac:spMkLst>
+        </pc:spChg>
+        <pc:grpChg chg="mod">
+          <ac:chgData name="Sam Welch" userId="346ebfb30976329f" providerId="LiveId" clId="{E2E53A84-B5CE-4757-A674-36906DD420C5}" dt="2022-11-29T09:40:28.639" v="41" actId="1038"/>
+          <ac:grpSpMkLst>
+            <pc:docMk/>
+            <pc:sldMk cId="997638543" sldId="256"/>
+            <ac:grpSpMk id="19" creationId="{EB3F49CD-2511-A3F9-254B-883732BFFF11}"/>
+          </ac:grpSpMkLst>
+        </pc:grpChg>
+        <pc:grpChg chg="mod">
+          <ac:chgData name="Sam Welch" userId="346ebfb30976329f" providerId="LiveId" clId="{E2E53A84-B5CE-4757-A674-36906DD420C5}" dt="2022-11-29T09:45:48.546" v="195" actId="1076"/>
+          <ac:grpSpMkLst>
+            <pc:docMk/>
+            <pc:sldMk cId="997638543" sldId="256"/>
+            <ac:grpSpMk id="20" creationId="{D40079AA-2A8F-F909-A8AB-A88BF42943D0}"/>
+          </ac:grpSpMkLst>
+        </pc:grpChg>
+        <pc:grpChg chg="mod">
+          <ac:chgData name="Sam Welch" userId="346ebfb30976329f" providerId="LiveId" clId="{E2E53A84-B5CE-4757-A674-36906DD420C5}" dt="2022-11-29T09:40:36.077" v="42" actId="1076"/>
+          <ac:grpSpMkLst>
+            <pc:docMk/>
+            <pc:sldMk cId="997638543" sldId="256"/>
+            <ac:grpSpMk id="21" creationId="{6B42CA4B-18BB-FC26-3D43-EDE485AE6B03}"/>
+          </ac:grpSpMkLst>
+        </pc:grpChg>
+        <pc:grpChg chg="mod">
+          <ac:chgData name="Sam Welch" userId="346ebfb30976329f" providerId="LiveId" clId="{E2E53A84-B5CE-4757-A674-36906DD420C5}" dt="2022-11-29T09:42:32.769" v="126" actId="1037"/>
+          <ac:grpSpMkLst>
+            <pc:docMk/>
+            <pc:sldMk cId="997638543" sldId="256"/>
+            <ac:grpSpMk id="31" creationId="{C6C1FCEF-6A43-B637-7DB7-BD801DF191C7}"/>
+          </ac:grpSpMkLst>
+        </pc:grpChg>
+        <pc:grpChg chg="mod">
+          <ac:chgData name="Sam Welch" userId="346ebfb30976329f" providerId="LiveId" clId="{E2E53A84-B5CE-4757-A674-36906DD420C5}" dt="2022-11-29T09:42:28.879" v="122" actId="1038"/>
+          <ac:grpSpMkLst>
+            <pc:docMk/>
+            <pc:sldMk cId="997638543" sldId="256"/>
+            <ac:grpSpMk id="42" creationId="{BE6DEF42-46DE-6E63-16C1-47E59BA86742}"/>
+          </ac:grpSpMkLst>
+        </pc:grpChg>
+        <pc:grpChg chg="mod">
+          <ac:chgData name="Sam Welch" userId="346ebfb30976329f" providerId="LiveId" clId="{E2E53A84-B5CE-4757-A674-36906DD420C5}" dt="2022-11-29T09:36:22.094" v="1" actId="1076"/>
+          <ac:grpSpMkLst>
+            <pc:docMk/>
+            <pc:sldMk cId="997638543" sldId="256"/>
+            <ac:grpSpMk id="44" creationId="{A3C4CD1F-0F9B-526B-06CD-9ED81A07873D}"/>
+          </ac:grpSpMkLst>
+        </pc:grpChg>
+        <pc:grpChg chg="mod">
+          <ac:chgData name="Sam Welch" userId="346ebfb30976329f" providerId="LiveId" clId="{E2E53A84-B5CE-4757-A674-36906DD420C5}" dt="2022-11-29T09:36:22.094" v="1" actId="1076"/>
+          <ac:grpSpMkLst>
+            <pc:docMk/>
+            <pc:sldMk cId="997638543" sldId="256"/>
+            <ac:grpSpMk id="46" creationId="{1E7FA2D4-2135-5DC6-7BB0-BE7C69F54DB1}"/>
+          </ac:grpSpMkLst>
+        </pc:grpChg>
+        <pc:grpChg chg="mod">
+          <ac:chgData name="Sam Welch" userId="346ebfb30976329f" providerId="LiveId" clId="{E2E53A84-B5CE-4757-A674-36906DD420C5}" dt="2022-11-29T09:36:22.094" v="1" actId="1076"/>
+          <ac:grpSpMkLst>
+            <pc:docMk/>
+            <pc:sldMk cId="997638543" sldId="256"/>
+            <ac:grpSpMk id="49" creationId="{6D2FD951-90F0-9E75-F429-8C892CEEAC7C}"/>
+          </ac:grpSpMkLst>
+        </pc:grpChg>
+        <pc:grpChg chg="mod">
+          <ac:chgData name="Sam Welch" userId="346ebfb30976329f" providerId="LiveId" clId="{E2E53A84-B5CE-4757-A674-36906DD420C5}" dt="2022-11-29T09:36:22.094" v="1" actId="1076"/>
+          <ac:grpSpMkLst>
+            <pc:docMk/>
+            <pc:sldMk cId="997638543" sldId="256"/>
+            <ac:grpSpMk id="50" creationId="{D16BD511-DF52-4408-E8CA-B76CD0CF937F}"/>
+          </ac:grpSpMkLst>
+        </pc:grpChg>
+        <pc:grpChg chg="mod">
+          <ac:chgData name="Sam Welch" userId="346ebfb30976329f" providerId="LiveId" clId="{E2E53A84-B5CE-4757-A674-36906DD420C5}" dt="2022-11-29T09:36:22.094" v="1" actId="1076"/>
+          <ac:grpSpMkLst>
+            <pc:docMk/>
+            <pc:sldMk cId="997638543" sldId="256"/>
+            <ac:grpSpMk id="53" creationId="{373A21C6-C07D-664A-5368-D257DB99C423}"/>
+          </ac:grpSpMkLst>
+        </pc:grpChg>
+        <pc:grpChg chg="mod">
+          <ac:chgData name="Sam Welch" userId="346ebfb30976329f" providerId="LiveId" clId="{E2E53A84-B5CE-4757-A674-36906DD420C5}" dt="2022-11-29T09:46:29.484" v="206" actId="1076"/>
+          <ac:grpSpMkLst>
+            <pc:docMk/>
+            <pc:sldMk cId="997638543" sldId="256"/>
+            <ac:grpSpMk id="56" creationId="{55BE8571-DEA1-D39D-D432-B8F0740FFB3E}"/>
+          </ac:grpSpMkLst>
+        </pc:grpChg>
+        <pc:grpChg chg="add mod">
+          <ac:chgData name="Sam Welch" userId="346ebfb30976329f" providerId="LiveId" clId="{E2E53A84-B5CE-4757-A674-36906DD420C5}" dt="2022-11-29T09:37:20.452" v="18" actId="1076"/>
+          <ac:grpSpMkLst>
+            <pc:docMk/>
+            <pc:sldMk cId="997638543" sldId="256"/>
+            <ac:grpSpMk id="59" creationId="{C2EBBFC7-972F-4B56-91C5-414D3585C3FB}"/>
+          </ac:grpSpMkLst>
+        </pc:grpChg>
+        <pc:grpChg chg="mod">
+          <ac:chgData name="Sam Welch" userId="346ebfb30976329f" providerId="LiveId" clId="{E2E53A84-B5CE-4757-A674-36906DD420C5}" dt="2022-11-29T09:36:22.094" v="1" actId="1076"/>
+          <ac:grpSpMkLst>
+            <pc:docMk/>
+            <pc:sldMk cId="997638543" sldId="256"/>
+            <ac:grpSpMk id="66" creationId="{DABCA962-0AF0-E72D-B2C5-4B84F04A0BAF}"/>
+          </ac:grpSpMkLst>
+        </pc:grpChg>
+        <pc:grpChg chg="add mod">
+          <ac:chgData name="Sam Welch" userId="346ebfb30976329f" providerId="LiveId" clId="{E2E53A84-B5CE-4757-A674-36906DD420C5}" dt="2022-11-29T09:46:25.907" v="205" actId="1076"/>
+          <ac:grpSpMkLst>
+            <pc:docMk/>
+            <pc:sldMk cId="997638543" sldId="256"/>
+            <ac:grpSpMk id="98" creationId="{19B93E72-0F5D-4D5D-8C89-1B1EC9715055}"/>
+          </ac:grpSpMkLst>
+        </pc:grpChg>
+        <pc:picChg chg="add del mod">
+          <ac:chgData name="Sam Welch" userId="346ebfb30976329f" providerId="LiveId" clId="{E2E53A84-B5CE-4757-A674-36906DD420C5}" dt="2022-11-29T09:45:29.582" v="192" actId="21"/>
+          <ac:picMkLst>
+            <pc:docMk/>
+            <pc:sldMk cId="997638543" sldId="256"/>
+            <ac:picMk id="4" creationId="{DED50B57-3730-4919-8D88-E680E7418520}"/>
+          </ac:picMkLst>
+        </pc:picChg>
+        <pc:picChg chg="mod">
+          <ac:chgData name="Sam Welch" userId="346ebfb30976329f" providerId="LiveId" clId="{E2E53A84-B5CE-4757-A674-36906DD420C5}" dt="2022-11-29T09:45:38.342" v="194" actId="14100"/>
+          <ac:picMkLst>
+            <pc:docMk/>
+            <pc:sldMk cId="997638543" sldId="256"/>
+            <ac:picMk id="61" creationId="{9515BB06-C658-4140-BDA5-C25BC235D103}"/>
+          </ac:picMkLst>
+        </pc:picChg>
+      </pc:sldChg>
+    </pc:docChg>
+  </pc:docChgLst>
+</pc:chgInfo>
 </file>
 
 <file path=ppt/slideLayouts/slideLayout1.xml><?xml version="1.0" encoding="utf-8"?>
@@ -256,7 +1098,7 @@
           <a:p>
             <a:fld id="{FFCB109C-1392-4401-B401-9B62BF3E22B3}" type="datetimeFigureOut">
               <a:rPr lang="en-GB" smtClean="0"/>
-              <a:t>08/11/2022</a:t>
+              <a:t>15/12/2022</a:t>
             </a:fld>
             <a:endParaRPr lang="en-GB"/>
           </a:p>
@@ -456,7 +1298,7 @@
           <a:p>
             <a:fld id="{FFCB109C-1392-4401-B401-9B62BF3E22B3}" type="datetimeFigureOut">
               <a:rPr lang="en-GB" smtClean="0"/>
-              <a:t>08/11/2022</a:t>
+              <a:t>15/12/2022</a:t>
             </a:fld>
             <a:endParaRPr lang="en-GB"/>
           </a:p>
@@ -666,7 +1508,7 @@
           <a:p>
             <a:fld id="{FFCB109C-1392-4401-B401-9B62BF3E22B3}" type="datetimeFigureOut">
               <a:rPr lang="en-GB" smtClean="0"/>
-              <a:t>08/11/2022</a:t>
+              <a:t>15/12/2022</a:t>
             </a:fld>
             <a:endParaRPr lang="en-GB"/>
           </a:p>
@@ -866,7 +1708,7 @@
           <a:p>
             <a:fld id="{FFCB109C-1392-4401-B401-9B62BF3E22B3}" type="datetimeFigureOut">
               <a:rPr lang="en-GB" smtClean="0"/>
-              <a:t>08/11/2022</a:t>
+              <a:t>15/12/2022</a:t>
             </a:fld>
             <a:endParaRPr lang="en-GB"/>
           </a:p>
@@ -1142,7 +1984,7 @@
           <a:p>
             <a:fld id="{FFCB109C-1392-4401-B401-9B62BF3E22B3}" type="datetimeFigureOut">
               <a:rPr lang="en-GB" smtClean="0"/>
-              <a:t>08/11/2022</a:t>
+              <a:t>15/12/2022</a:t>
             </a:fld>
             <a:endParaRPr lang="en-GB"/>
           </a:p>
@@ -1410,7 +2252,7 @@
           <a:p>
             <a:fld id="{FFCB109C-1392-4401-B401-9B62BF3E22B3}" type="datetimeFigureOut">
               <a:rPr lang="en-GB" smtClean="0"/>
-              <a:t>08/11/2022</a:t>
+              <a:t>15/12/2022</a:t>
             </a:fld>
             <a:endParaRPr lang="en-GB"/>
           </a:p>
@@ -1825,7 +2667,7 @@
           <a:p>
             <a:fld id="{FFCB109C-1392-4401-B401-9B62BF3E22B3}" type="datetimeFigureOut">
               <a:rPr lang="en-GB" smtClean="0"/>
-              <a:t>08/11/2022</a:t>
+              <a:t>15/12/2022</a:t>
             </a:fld>
             <a:endParaRPr lang="en-GB"/>
           </a:p>
@@ -1967,7 +2809,7 @@
           <a:p>
             <a:fld id="{FFCB109C-1392-4401-B401-9B62BF3E22B3}" type="datetimeFigureOut">
               <a:rPr lang="en-GB" smtClean="0"/>
-              <a:t>08/11/2022</a:t>
+              <a:t>15/12/2022</a:t>
             </a:fld>
             <a:endParaRPr lang="en-GB"/>
           </a:p>
@@ -2080,7 +2922,7 @@
           <a:p>
             <a:fld id="{FFCB109C-1392-4401-B401-9B62BF3E22B3}" type="datetimeFigureOut">
               <a:rPr lang="en-GB" smtClean="0"/>
-              <a:t>08/11/2022</a:t>
+              <a:t>15/12/2022</a:t>
             </a:fld>
             <a:endParaRPr lang="en-GB"/>
           </a:p>
@@ -2393,7 +3235,7 @@
           <a:p>
             <a:fld id="{FFCB109C-1392-4401-B401-9B62BF3E22B3}" type="datetimeFigureOut">
               <a:rPr lang="en-GB" smtClean="0"/>
-              <a:t>08/11/2022</a:t>
+              <a:t>15/12/2022</a:t>
             </a:fld>
             <a:endParaRPr lang="en-GB"/>
           </a:p>
@@ -2682,7 +3524,7 @@
           <a:p>
             <a:fld id="{FFCB109C-1392-4401-B401-9B62BF3E22B3}" type="datetimeFigureOut">
               <a:rPr lang="en-GB" smtClean="0"/>
-              <a:t>08/11/2022</a:t>
+              <a:t>15/12/2022</a:t>
             </a:fld>
             <a:endParaRPr lang="en-GB"/>
           </a:p>
@@ -2925,7 +3767,7 @@
           <a:p>
             <a:fld id="{FFCB109C-1392-4401-B401-9B62BF3E22B3}" type="datetimeFigureOut">
               <a:rPr lang="en-GB" smtClean="0"/>
-              <a:t>08/11/2022</a:t>
+              <a:t>15/12/2022</a:t>
             </a:fld>
             <a:endParaRPr lang="en-GB"/>
           </a:p>
@@ -3356,7 +4198,7 @@
         </p:nvGrpSpPr>
         <p:grpSpPr>
           <a:xfrm>
-            <a:off x="50037" y="-1200329"/>
+            <a:off x="1815627" y="-1469954"/>
             <a:ext cx="3180208" cy="1200329"/>
             <a:chOff x="1215081" y="1095561"/>
             <a:chExt cx="3180208" cy="1200329"/>
@@ -3478,7 +4320,7 @@
         </p:nvGrpSpPr>
         <p:grpSpPr>
           <a:xfrm>
-            <a:off x="7329880" y="-1145412"/>
+            <a:off x="8866698" y="2580250"/>
             <a:ext cx="3372568" cy="957747"/>
             <a:chOff x="4831492" y="5239662"/>
             <a:chExt cx="3372568" cy="957747"/>
@@ -3591,7 +4433,7 @@
         </p:nvGrpSpPr>
         <p:grpSpPr>
           <a:xfrm>
-            <a:off x="3691904" y="-1150868"/>
+            <a:off x="6098161" y="-1382450"/>
             <a:ext cx="3347614" cy="963651"/>
             <a:chOff x="739346" y="5259498"/>
             <a:chExt cx="3347614" cy="963651"/>
@@ -3704,10 +4546,10 @@
         </p:nvGrpSpPr>
         <p:grpSpPr>
           <a:xfrm>
-            <a:off x="8442635" y="5720032"/>
-            <a:ext cx="4022200" cy="923330"/>
+            <a:off x="14418668" y="7618723"/>
+            <a:ext cx="3539184" cy="923330"/>
             <a:chOff x="684914" y="3911801"/>
-            <a:chExt cx="4022200" cy="923330"/>
+            <a:chExt cx="3539184" cy="923330"/>
           </a:xfrm>
         </p:grpSpPr>
         <p:sp>
@@ -3725,7 +4567,7 @@
           <p:spPr>
             <a:xfrm>
               <a:off x="1598571" y="3911801"/>
-              <a:ext cx="3108543" cy="923330"/>
+              <a:ext cx="2625527" cy="923330"/>
             </a:xfrm>
             <a:prstGeom prst="rect">
               <a:avLst/>
@@ -3761,7 +4603,7 @@
                   <a:latin typeface="Arial" panose="020B0604020202020204" pitchFamily="34" charset="0"/>
                   <a:cs typeface="Arial" panose="020B0604020202020204" pitchFamily="34" charset="0"/>
                 </a:rPr>
-                <a:t>van Dijk et al. (in production)</a:t>
+                <a:t>Theoretical</a:t>
               </a:r>
             </a:p>
           </p:txBody>
@@ -3816,7 +4658,7 @@
         </p:nvGrpSpPr>
         <p:grpSpPr>
           <a:xfrm>
-            <a:off x="3450791" y="4142749"/>
+            <a:off x="3500039" y="6043983"/>
             <a:ext cx="3829841" cy="875843"/>
             <a:chOff x="2680264" y="4793218"/>
             <a:chExt cx="3829841" cy="875843"/>
@@ -3920,7 +4762,7 @@
         </p:nvGrpSpPr>
         <p:grpSpPr>
           <a:xfrm>
-            <a:off x="8416046" y="9245879"/>
+            <a:off x="9088266" y="11185213"/>
             <a:ext cx="3055270" cy="900000"/>
             <a:chOff x="9280446" y="-121738"/>
             <a:chExt cx="3055270" cy="900000"/>
@@ -4024,7 +4866,7 @@
         </p:nvGrpSpPr>
         <p:grpSpPr>
           <a:xfrm>
-            <a:off x="3994172" y="9372714"/>
+            <a:off x="4043420" y="11273948"/>
             <a:ext cx="2743078" cy="900000"/>
             <a:chOff x="2685061" y="2579780"/>
             <a:chExt cx="2743078" cy="900000"/>
@@ -4128,10 +4970,10 @@
         </p:nvGrpSpPr>
         <p:grpSpPr>
           <a:xfrm>
-            <a:off x="3560212" y="7621340"/>
-            <a:ext cx="3610999" cy="900000"/>
+            <a:off x="3609460" y="9522574"/>
+            <a:ext cx="3610999" cy="1046061"/>
             <a:chOff x="2693922" y="2529000"/>
-            <a:chExt cx="3610999" cy="900000"/>
+            <a:chExt cx="3610999" cy="1046061"/>
           </a:xfrm>
         </p:grpSpPr>
         <p:pic>
@@ -4185,7 +5027,7 @@
           <p:spPr>
             <a:xfrm>
               <a:off x="3593922" y="2651731"/>
-              <a:ext cx="2710999" cy="646331"/>
+              <a:ext cx="2710999" cy="923330"/>
             </a:xfrm>
             <a:prstGeom prst="rect">
               <a:avLst/>
@@ -4212,7 +5054,16 @@
                   <a:latin typeface="Arial" panose="020B0604020202020204" pitchFamily="34" charset="0"/>
                   <a:cs typeface="Arial" panose="020B0604020202020204" pitchFamily="34" charset="0"/>
                 </a:rPr>
-                <a:t>Concentration in Water</a:t>
+                <a:t>Concentration in </a:t>
+              </a:r>
+            </a:p>
+            <a:p>
+              <a:r>
+                <a:rPr lang="en-GB" b="1" dirty="0">
+                  <a:latin typeface="Arial" panose="020B0604020202020204" pitchFamily="34" charset="0"/>
+                  <a:cs typeface="Arial" panose="020B0604020202020204" pitchFamily="34" charset="0"/>
+                </a:rPr>
+                <a:t>Surface Water</a:t>
               </a:r>
             </a:p>
           </p:txBody>
@@ -4232,7 +5083,7 @@
         </p:nvGrpSpPr>
         <p:grpSpPr>
           <a:xfrm>
-            <a:off x="3414693" y="5869966"/>
+            <a:off x="3463941" y="7771200"/>
             <a:ext cx="3902037" cy="900000"/>
             <a:chOff x="2680264" y="5711762"/>
             <a:chExt cx="3902037" cy="900000"/>
@@ -4324,10 +5175,10 @@
       </p:grpSp>
       <p:grpSp>
         <p:nvGrpSpPr>
-          <p:cNvPr id="53" name="Group 52">
-            <a:extLst>
-              <a:ext uri="{FF2B5EF4-FFF2-40B4-BE49-F238E27FC236}">
-                <a16:creationId xmlns:a16="http://schemas.microsoft.com/office/drawing/2014/main" id="{373A21C6-C07D-664A-5368-D257DB99C423}"/>
+          <p:cNvPr id="56" name="Group 55">
+            <a:extLst>
+              <a:ext uri="{FF2B5EF4-FFF2-40B4-BE49-F238E27FC236}">
+                <a16:creationId xmlns:a16="http://schemas.microsoft.com/office/drawing/2014/main" id="{55BE8571-DEA1-D39D-D432-B8F0740FFB3E}"/>
               </a:ext>
             </a:extLst>
           </p:cNvPr>
@@ -4336,113 +5187,10 @@
         </p:nvGrpSpPr>
         <p:grpSpPr>
           <a:xfrm>
-            <a:off x="3955700" y="11124087"/>
-            <a:ext cx="2820022" cy="900000"/>
-            <a:chOff x="2685061" y="2579780"/>
-            <a:chExt cx="2820022" cy="900000"/>
-          </a:xfrm>
-        </p:grpSpPr>
-        <p:pic>
-          <p:nvPicPr>
-            <p:cNvPr id="54" name="Picture 53">
-              <a:extLst>
-                <a:ext uri="{FF2B5EF4-FFF2-40B4-BE49-F238E27FC236}">
-                  <a16:creationId xmlns:a16="http://schemas.microsoft.com/office/drawing/2014/main" id="{7507EBA6-258F-94E3-B615-BE16ADBEEA7E}"/>
-                </a:ext>
-              </a:extLst>
-            </p:cNvPr>
-            <p:cNvPicPr>
-              <a:picLocks noChangeAspect="1"/>
-            </p:cNvPicPr>
-            <p:nvPr/>
-          </p:nvPicPr>
-          <p:blipFill>
-            <a:blip r:embed="rId11">
-              <a:extLst>
-                <a:ext uri="{28A0092B-C50C-407E-A947-70E740481C1C}">
-                  <a14:useLocalDpi xmlns:a14="http://schemas.microsoft.com/office/drawing/2010/main" val="0"/>
-                </a:ext>
-              </a:extLst>
-            </a:blip>
-            <a:srcRect/>
-            <a:stretch/>
-          </p:blipFill>
-          <p:spPr>
-            <a:xfrm>
-              <a:off x="2685061" y="2579780"/>
-              <a:ext cx="900000" cy="900000"/>
-            </a:xfrm>
-            <a:prstGeom prst="rect">
-              <a:avLst/>
-            </a:prstGeom>
-          </p:spPr>
-        </p:pic>
-        <p:sp>
-          <p:nvSpPr>
-            <p:cNvPr id="55" name="TextBox 54">
-              <a:extLst>
-                <a:ext uri="{FF2B5EF4-FFF2-40B4-BE49-F238E27FC236}">
-                  <a16:creationId xmlns:a16="http://schemas.microsoft.com/office/drawing/2014/main" id="{9951FE14-827F-ADB1-02C0-F7C614B4A792}"/>
-                </a:ext>
-              </a:extLst>
-            </p:cNvPr>
-            <p:cNvSpPr txBox="1"/>
-            <p:nvPr/>
-          </p:nvSpPr>
-          <p:spPr>
-            <a:xfrm>
-              <a:off x="3640470" y="2706614"/>
-              <a:ext cx="1864613" cy="646331"/>
-            </a:xfrm>
-            <a:prstGeom prst="rect">
-              <a:avLst/>
-            </a:prstGeom>
-            <a:noFill/>
-          </p:spPr>
-          <p:txBody>
-            <a:bodyPr wrap="none" rtlCol="0">
-              <a:spAutoFit/>
-            </a:bodyPr>
-            <a:lstStyle/>
-            <a:p>
-              <a:r>
-                <a:rPr lang="en-GB" b="1" dirty="0">
-                  <a:latin typeface="Arial" panose="020B0604020202020204" pitchFamily="34" charset="0"/>
-                  <a:cs typeface="Arial" panose="020B0604020202020204" pitchFamily="34" charset="0"/>
-                </a:rPr>
-                <a:t>Predicted </a:t>
-              </a:r>
-            </a:p>
-            <a:p>
-              <a:r>
-                <a:rPr lang="en-GB" b="1" dirty="0">
-                  <a:latin typeface="Arial" panose="020B0604020202020204" pitchFamily="34" charset="0"/>
-                  <a:cs typeface="Arial" panose="020B0604020202020204" pitchFamily="34" charset="0"/>
-                </a:rPr>
-                <a:t>Combined Risk</a:t>
-              </a:r>
-            </a:p>
-          </p:txBody>
-        </p:sp>
-      </p:grpSp>
-      <p:grpSp>
-        <p:nvGrpSpPr>
-          <p:cNvPr id="56" name="Group 55">
-            <a:extLst>
-              <a:ext uri="{FF2B5EF4-FFF2-40B4-BE49-F238E27FC236}">
-                <a16:creationId xmlns:a16="http://schemas.microsoft.com/office/drawing/2014/main" id="{55BE8571-DEA1-D39D-D432-B8F0740FFB3E}"/>
-              </a:ext>
-            </a:extLst>
-          </p:cNvPr>
-          <p:cNvGrpSpPr/>
-          <p:nvPr/>
-        </p:nvGrpSpPr>
-        <p:grpSpPr>
-          <a:xfrm>
-            <a:off x="8442635" y="4128657"/>
-            <a:ext cx="3415966" cy="963056"/>
+            <a:off x="14017164" y="6060137"/>
+            <a:ext cx="4151167" cy="963056"/>
             <a:chOff x="739346" y="5260093"/>
-            <a:chExt cx="3415966" cy="963056"/>
+            <a:chExt cx="4151167" cy="963056"/>
           </a:xfrm>
         </p:grpSpPr>
         <p:pic>
@@ -4460,7 +5208,7 @@
             <p:nvPr/>
           </p:nvPicPr>
           <p:blipFill>
-            <a:blip r:embed="rId12">
+            <a:blip r:embed="rId11">
               <a:extLst>
                 <a:ext uri="{28A0092B-C50C-407E-A947-70E740481C1C}">
                   <a14:useLocalDpi xmlns:a14="http://schemas.microsoft.com/office/drawing/2010/main" val="0"/>
@@ -4495,7 +5243,7 @@
           <p:spPr>
             <a:xfrm>
               <a:off x="1786330" y="5299819"/>
-              <a:ext cx="2368982" cy="923330"/>
+              <a:ext cx="3104183" cy="923330"/>
             </a:xfrm>
             <a:prstGeom prst="rect">
               <a:avLst/>
@@ -4513,7 +5261,7 @@
                   <a:latin typeface="Arial" panose="020B0604020202020204" pitchFamily="34" charset="0"/>
                   <a:cs typeface="Arial" panose="020B0604020202020204" pitchFamily="34" charset="0"/>
                 </a:rPr>
-                <a:t>Water Consumption</a:t>
+                <a:t>Average Household Water </a:t>
               </a:r>
             </a:p>
             <a:p>
@@ -4522,7 +5270,7 @@
                   <a:latin typeface="Arial" panose="020B0604020202020204" pitchFamily="34" charset="0"/>
                   <a:cs typeface="Arial" panose="020B0604020202020204" pitchFamily="34" charset="0"/>
                 </a:rPr>
-                <a:t>Data</a:t>
+                <a:t>Consumption Data</a:t>
               </a:r>
             </a:p>
             <a:p>
@@ -4551,7 +5299,7 @@
         </p:nvGrpSpPr>
         <p:grpSpPr>
           <a:xfrm>
-            <a:off x="3806978" y="2391375"/>
+            <a:off x="3856226" y="4292609"/>
             <a:ext cx="3117467" cy="900000"/>
             <a:chOff x="4785797" y="1556683"/>
             <a:chExt cx="3117467" cy="900000"/>
@@ -4592,7 +5340,7 @@
               <p:nvPr/>
             </p:nvPicPr>
             <p:blipFill rotWithShape="1">
-              <a:blip r:embed="rId13">
+              <a:blip r:embed="rId12">
                 <a:extLst>
                   <a:ext uri="{28A0092B-C50C-407E-A947-70E740481C1C}">
                     <a14:useLocalDpi xmlns:a14="http://schemas.microsoft.com/office/drawing/2010/main" val="0"/>
@@ -4716,9 +5464,9 @@
         <p:grpSpPr>
           <a:xfrm>
             <a:off x="3589366" y="664157"/>
-            <a:ext cx="3552690" cy="875844"/>
+            <a:ext cx="4168307" cy="875844"/>
             <a:chOff x="684914" y="3911801"/>
-            <a:chExt cx="3552690" cy="875844"/>
+            <a:chExt cx="4168307" cy="875844"/>
           </a:xfrm>
         </p:grpSpPr>
         <p:sp>
@@ -4727,6 +5475,642 @@
               <a:extLst>
                 <a:ext uri="{FF2B5EF4-FFF2-40B4-BE49-F238E27FC236}">
                   <a16:creationId xmlns:a16="http://schemas.microsoft.com/office/drawing/2014/main" id="{D2782CB5-0CD8-9920-CC37-803C55CDDD88}"/>
+                </a:ext>
+              </a:extLst>
+            </p:cNvPr>
+            <p:cNvSpPr txBox="1"/>
+            <p:nvPr/>
+          </p:nvSpPr>
+          <p:spPr>
+            <a:xfrm>
+              <a:off x="1569245" y="4011789"/>
+              <a:ext cx="3283976" cy="646331"/>
+            </a:xfrm>
+            <a:prstGeom prst="rect">
+              <a:avLst/>
+            </a:prstGeom>
+            <a:noFill/>
+          </p:spPr>
+          <p:txBody>
+            <a:bodyPr wrap="none" rtlCol="0">
+              <a:spAutoFit/>
+            </a:bodyPr>
+            <a:lstStyle/>
+            <a:p>
+              <a:r>
+                <a:rPr lang="en-GB" b="1" dirty="0">
+                  <a:latin typeface="Arial" panose="020B0604020202020204" pitchFamily="34" charset="0"/>
+                  <a:cs typeface="Arial" panose="020B0604020202020204" pitchFamily="34" charset="0"/>
+                </a:rPr>
+                <a:t>Linear Model Fitted to </a:t>
+              </a:r>
+            </a:p>
+            <a:p>
+              <a:r>
+                <a:rPr lang="en-GB" b="1" dirty="0">
+                  <a:latin typeface="Arial" panose="020B0604020202020204" pitchFamily="34" charset="0"/>
+                  <a:cs typeface="Arial" panose="020B0604020202020204" pitchFamily="34" charset="0"/>
+                </a:rPr>
+                <a:t>Sales Data, Population, Year</a:t>
+              </a:r>
+              <a:endParaRPr lang="en-GB" dirty="0">
+                <a:latin typeface="Arial" panose="020B0604020202020204" pitchFamily="34" charset="0"/>
+                <a:cs typeface="Arial" panose="020B0604020202020204" pitchFamily="34" charset="0"/>
+              </a:endParaRPr>
+            </a:p>
+          </p:txBody>
+        </p:sp>
+        <p:pic>
+          <p:nvPicPr>
+            <p:cNvPr id="76" name="Picture 75">
+              <a:extLst>
+                <a:ext uri="{FF2B5EF4-FFF2-40B4-BE49-F238E27FC236}">
+                  <a16:creationId xmlns:a16="http://schemas.microsoft.com/office/drawing/2014/main" id="{D8A11661-1E64-3D9C-EB7A-9E90B86404FE}"/>
+                </a:ext>
+              </a:extLst>
+            </p:cNvPr>
+            <p:cNvPicPr>
+              <a:picLocks noChangeAspect="1"/>
+            </p:cNvPicPr>
+            <p:nvPr/>
+          </p:nvPicPr>
+          <p:blipFill>
+            <a:blip r:embed="rId13">
+              <a:extLst>
+                <a:ext uri="{BEBA8EAE-BF5A-486C-A8C5-ECC9F3942E4B}">
+                  <a14:imgProps xmlns:a14="http://schemas.microsoft.com/office/drawing/2010/main">
+                    <a14:imgLayer r:embed="rId14">
+                      <a14:imgEffect>
+                        <a14:brightnessContrast bright="-40000" contrast="40000"/>
+                      </a14:imgEffect>
+                    </a14:imgLayer>
+                  </a14:imgProps>
+                </a:ext>
+                <a:ext uri="{28A0092B-C50C-407E-A947-70E740481C1C}">
+                  <a14:useLocalDpi xmlns:a14="http://schemas.microsoft.com/office/drawing/2010/main" val="0"/>
+                </a:ext>
+              </a:extLst>
+            </a:blip>
+            <a:srcRect/>
+            <a:stretch/>
+          </p:blipFill>
+          <p:spPr>
+            <a:xfrm>
+              <a:off x="684914" y="3911801"/>
+              <a:ext cx="875844" cy="875844"/>
+            </a:xfrm>
+            <a:prstGeom prst="rect">
+              <a:avLst/>
+            </a:prstGeom>
+          </p:spPr>
+        </p:pic>
+      </p:grpSp>
+      <p:sp>
+        <p:nvSpPr>
+          <p:cNvPr id="80" name="Arrow: Down 79">
+            <a:extLst>
+              <a:ext uri="{FF2B5EF4-FFF2-40B4-BE49-F238E27FC236}">
+                <a16:creationId xmlns:a16="http://schemas.microsoft.com/office/drawing/2014/main" id="{49E8881B-9CC6-9D01-21E8-9F23E6503C25}"/>
+              </a:ext>
+            </a:extLst>
+          </p:cNvPr>
+          <p:cNvSpPr/>
+          <p:nvPr/>
+        </p:nvSpPr>
+        <p:spPr>
+          <a:xfrm>
+            <a:off x="5319709" y="3429000"/>
+            <a:ext cx="190500" cy="875844"/>
+          </a:xfrm>
+          <a:prstGeom prst="downArrow">
+            <a:avLst>
+              <a:gd name="adj1" fmla="val 23333"/>
+              <a:gd name="adj2" fmla="val 123491"/>
+            </a:avLst>
+          </a:prstGeom>
+          <a:ln>
+            <a:noFill/>
+          </a:ln>
+        </p:spPr>
+        <p:style>
+          <a:lnRef idx="2">
+            <a:schemeClr val="accent3">
+              <a:shade val="50000"/>
+            </a:schemeClr>
+          </a:lnRef>
+          <a:fillRef idx="1">
+            <a:schemeClr val="accent3"/>
+          </a:fillRef>
+          <a:effectRef idx="0">
+            <a:schemeClr val="accent3"/>
+          </a:effectRef>
+          <a:fontRef idx="minor">
+            <a:schemeClr val="lt1"/>
+          </a:fontRef>
+        </p:style>
+        <p:txBody>
+          <a:bodyPr rtlCol="0" anchor="ctr"/>
+          <a:lstStyle/>
+          <a:p>
+            <a:pPr algn="ctr"/>
+            <a:endParaRPr lang="en-GB"/>
+          </a:p>
+        </p:txBody>
+      </p:sp>
+      <p:sp>
+        <p:nvSpPr>
+          <p:cNvPr id="81" name="Arrow: Down 80">
+            <a:extLst>
+              <a:ext uri="{FF2B5EF4-FFF2-40B4-BE49-F238E27FC236}">
+                <a16:creationId xmlns:a16="http://schemas.microsoft.com/office/drawing/2014/main" id="{DFAA49C4-2D69-7E2A-C1BC-F48D94E3DF1C}"/>
+              </a:ext>
+            </a:extLst>
+          </p:cNvPr>
+          <p:cNvSpPr/>
+          <p:nvPr/>
+        </p:nvSpPr>
+        <p:spPr>
+          <a:xfrm rot="18900000">
+            <a:off x="4259402" y="-288146"/>
+            <a:ext cx="190500" cy="875844"/>
+          </a:xfrm>
+          <a:prstGeom prst="downArrow">
+            <a:avLst>
+              <a:gd name="adj1" fmla="val 23333"/>
+              <a:gd name="adj2" fmla="val 123491"/>
+            </a:avLst>
+          </a:prstGeom>
+          <a:ln>
+            <a:noFill/>
+          </a:ln>
+        </p:spPr>
+        <p:style>
+          <a:lnRef idx="2">
+            <a:schemeClr val="accent3">
+              <a:shade val="50000"/>
+            </a:schemeClr>
+          </a:lnRef>
+          <a:fillRef idx="1">
+            <a:schemeClr val="accent3"/>
+          </a:fillRef>
+          <a:effectRef idx="0">
+            <a:schemeClr val="accent3"/>
+          </a:effectRef>
+          <a:fontRef idx="minor">
+            <a:schemeClr val="lt1"/>
+          </a:fontRef>
+        </p:style>
+        <p:txBody>
+          <a:bodyPr rtlCol="0" anchor="ctr"/>
+          <a:lstStyle/>
+          <a:p>
+            <a:pPr algn="ctr"/>
+            <a:endParaRPr lang="en-GB"/>
+          </a:p>
+        </p:txBody>
+      </p:sp>
+      <p:sp>
+        <p:nvSpPr>
+          <p:cNvPr id="83" name="Arrow: Down 82">
+            <a:extLst>
+              <a:ext uri="{FF2B5EF4-FFF2-40B4-BE49-F238E27FC236}">
+                <a16:creationId xmlns:a16="http://schemas.microsoft.com/office/drawing/2014/main" id="{5677A041-5D31-B303-11C3-39F95D52B957}"/>
+              </a:ext>
+            </a:extLst>
+          </p:cNvPr>
+          <p:cNvSpPr/>
+          <p:nvPr/>
+        </p:nvSpPr>
+        <p:spPr>
+          <a:xfrm>
+            <a:off x="5319709" y="5180374"/>
+            <a:ext cx="190500" cy="875844"/>
+          </a:xfrm>
+          <a:prstGeom prst="downArrow">
+            <a:avLst>
+              <a:gd name="adj1" fmla="val 23333"/>
+              <a:gd name="adj2" fmla="val 123491"/>
+            </a:avLst>
+          </a:prstGeom>
+          <a:ln>
+            <a:noFill/>
+          </a:ln>
+        </p:spPr>
+        <p:style>
+          <a:lnRef idx="2">
+            <a:schemeClr val="accent3">
+              <a:shade val="50000"/>
+            </a:schemeClr>
+          </a:lnRef>
+          <a:fillRef idx="1">
+            <a:schemeClr val="accent3"/>
+          </a:fillRef>
+          <a:effectRef idx="0">
+            <a:schemeClr val="accent3"/>
+          </a:effectRef>
+          <a:fontRef idx="minor">
+            <a:schemeClr val="lt1"/>
+          </a:fontRef>
+        </p:style>
+        <p:txBody>
+          <a:bodyPr rtlCol="0" anchor="ctr"/>
+          <a:lstStyle/>
+          <a:p>
+            <a:pPr algn="ctr"/>
+            <a:endParaRPr lang="en-GB"/>
+          </a:p>
+        </p:txBody>
+      </p:sp>
+      <p:sp>
+        <p:nvSpPr>
+          <p:cNvPr id="84" name="Arrow: Down 83">
+            <a:extLst>
+              <a:ext uri="{FF2B5EF4-FFF2-40B4-BE49-F238E27FC236}">
+                <a16:creationId xmlns:a16="http://schemas.microsoft.com/office/drawing/2014/main" id="{F6661B96-71F0-5A94-EF30-F448F0C2EEF5}"/>
+              </a:ext>
+            </a:extLst>
+          </p:cNvPr>
+          <p:cNvSpPr/>
+          <p:nvPr/>
+        </p:nvSpPr>
+        <p:spPr>
+          <a:xfrm>
+            <a:off x="5319709" y="6907591"/>
+            <a:ext cx="190500" cy="875844"/>
+          </a:xfrm>
+          <a:prstGeom prst="downArrow">
+            <a:avLst>
+              <a:gd name="adj1" fmla="val 23333"/>
+              <a:gd name="adj2" fmla="val 123491"/>
+            </a:avLst>
+          </a:prstGeom>
+          <a:ln>
+            <a:noFill/>
+          </a:ln>
+        </p:spPr>
+        <p:style>
+          <a:lnRef idx="2">
+            <a:schemeClr val="accent3">
+              <a:shade val="50000"/>
+            </a:schemeClr>
+          </a:lnRef>
+          <a:fillRef idx="1">
+            <a:schemeClr val="accent3"/>
+          </a:fillRef>
+          <a:effectRef idx="0">
+            <a:schemeClr val="accent3"/>
+          </a:effectRef>
+          <a:fontRef idx="minor">
+            <a:schemeClr val="lt1"/>
+          </a:fontRef>
+        </p:style>
+        <p:txBody>
+          <a:bodyPr rtlCol="0" anchor="ctr"/>
+          <a:lstStyle/>
+          <a:p>
+            <a:pPr algn="ctr"/>
+            <a:endParaRPr lang="en-GB"/>
+          </a:p>
+        </p:txBody>
+      </p:sp>
+      <p:sp>
+        <p:nvSpPr>
+          <p:cNvPr id="85" name="Arrow: Down 84">
+            <a:extLst>
+              <a:ext uri="{FF2B5EF4-FFF2-40B4-BE49-F238E27FC236}">
+                <a16:creationId xmlns:a16="http://schemas.microsoft.com/office/drawing/2014/main" id="{67BEC61D-B7C3-0347-2CA4-1FA822004584}"/>
+              </a:ext>
+            </a:extLst>
+          </p:cNvPr>
+          <p:cNvSpPr/>
+          <p:nvPr/>
+        </p:nvSpPr>
+        <p:spPr>
+          <a:xfrm>
+            <a:off x="5319709" y="8658965"/>
+            <a:ext cx="190500" cy="875844"/>
+          </a:xfrm>
+          <a:prstGeom prst="downArrow">
+            <a:avLst>
+              <a:gd name="adj1" fmla="val 23333"/>
+              <a:gd name="adj2" fmla="val 123491"/>
+            </a:avLst>
+          </a:prstGeom>
+          <a:ln>
+            <a:noFill/>
+          </a:ln>
+        </p:spPr>
+        <p:style>
+          <a:lnRef idx="2">
+            <a:schemeClr val="accent3">
+              <a:shade val="50000"/>
+            </a:schemeClr>
+          </a:lnRef>
+          <a:fillRef idx="1">
+            <a:schemeClr val="accent3"/>
+          </a:fillRef>
+          <a:effectRef idx="0">
+            <a:schemeClr val="accent3"/>
+          </a:effectRef>
+          <a:fontRef idx="minor">
+            <a:schemeClr val="lt1"/>
+          </a:fontRef>
+        </p:style>
+        <p:txBody>
+          <a:bodyPr rtlCol="0" anchor="ctr"/>
+          <a:lstStyle/>
+          <a:p>
+            <a:pPr algn="ctr"/>
+            <a:endParaRPr lang="en-GB"/>
+          </a:p>
+        </p:txBody>
+      </p:sp>
+      <p:sp>
+        <p:nvSpPr>
+          <p:cNvPr id="86" name="Arrow: Down 85">
+            <a:extLst>
+              <a:ext uri="{FF2B5EF4-FFF2-40B4-BE49-F238E27FC236}">
+                <a16:creationId xmlns:a16="http://schemas.microsoft.com/office/drawing/2014/main" id="{E4BFDF06-28FA-520A-927E-E1E9D56C3A6C}"/>
+              </a:ext>
+            </a:extLst>
+          </p:cNvPr>
+          <p:cNvSpPr/>
+          <p:nvPr/>
+        </p:nvSpPr>
+        <p:spPr>
+          <a:xfrm rot="5400000">
+            <a:off x="7749870" y="7740259"/>
+            <a:ext cx="190500" cy="875844"/>
+          </a:xfrm>
+          <a:prstGeom prst="downArrow">
+            <a:avLst>
+              <a:gd name="adj1" fmla="val 23333"/>
+              <a:gd name="adj2" fmla="val 123491"/>
+            </a:avLst>
+          </a:prstGeom>
+          <a:ln>
+            <a:noFill/>
+          </a:ln>
+        </p:spPr>
+        <p:style>
+          <a:lnRef idx="2">
+            <a:schemeClr val="accent3">
+              <a:shade val="50000"/>
+            </a:schemeClr>
+          </a:lnRef>
+          <a:fillRef idx="1">
+            <a:schemeClr val="accent3"/>
+          </a:fillRef>
+          <a:effectRef idx="0">
+            <a:schemeClr val="accent3"/>
+          </a:effectRef>
+          <a:fontRef idx="minor">
+            <a:schemeClr val="lt1"/>
+          </a:fontRef>
+        </p:style>
+        <p:txBody>
+          <a:bodyPr rtlCol="0" anchor="ctr"/>
+          <a:lstStyle/>
+          <a:p>
+            <a:pPr algn="ctr"/>
+            <a:endParaRPr lang="en-GB"/>
+          </a:p>
+        </p:txBody>
+      </p:sp>
+      <p:sp>
+        <p:nvSpPr>
+          <p:cNvPr id="87" name="Arrow: Down 86">
+            <a:extLst>
+              <a:ext uri="{FF2B5EF4-FFF2-40B4-BE49-F238E27FC236}">
+                <a16:creationId xmlns:a16="http://schemas.microsoft.com/office/drawing/2014/main" id="{E92C3A97-51FB-4AA1-B5FB-C57F3D5D213F}"/>
+              </a:ext>
+            </a:extLst>
+          </p:cNvPr>
+          <p:cNvSpPr/>
+          <p:nvPr/>
+        </p:nvSpPr>
+        <p:spPr>
+          <a:xfrm rot="5400000">
+            <a:off x="12754968" y="6017954"/>
+            <a:ext cx="190500" cy="875844"/>
+          </a:xfrm>
+          <a:prstGeom prst="downArrow">
+            <a:avLst>
+              <a:gd name="adj1" fmla="val 23333"/>
+              <a:gd name="adj2" fmla="val 123491"/>
+            </a:avLst>
+          </a:prstGeom>
+          <a:ln>
+            <a:noFill/>
+          </a:ln>
+        </p:spPr>
+        <p:style>
+          <a:lnRef idx="2">
+            <a:schemeClr val="accent3">
+              <a:shade val="50000"/>
+            </a:schemeClr>
+          </a:lnRef>
+          <a:fillRef idx="1">
+            <a:schemeClr val="accent3"/>
+          </a:fillRef>
+          <a:effectRef idx="0">
+            <a:schemeClr val="accent3"/>
+          </a:effectRef>
+          <a:fontRef idx="minor">
+            <a:schemeClr val="lt1"/>
+          </a:fontRef>
+        </p:style>
+        <p:txBody>
+          <a:bodyPr rtlCol="0" anchor="ctr"/>
+          <a:lstStyle/>
+          <a:p>
+            <a:pPr algn="ctr"/>
+            <a:endParaRPr lang="en-GB"/>
+          </a:p>
+        </p:txBody>
+      </p:sp>
+      <p:sp>
+        <p:nvSpPr>
+          <p:cNvPr id="88" name="Arrow: Down 87">
+            <a:extLst>
+              <a:ext uri="{FF2B5EF4-FFF2-40B4-BE49-F238E27FC236}">
+                <a16:creationId xmlns:a16="http://schemas.microsoft.com/office/drawing/2014/main" id="{82196E97-26F7-B4B1-1D69-ECC33CFF94AB}"/>
+              </a:ext>
+            </a:extLst>
+          </p:cNvPr>
+          <p:cNvSpPr/>
+          <p:nvPr/>
+        </p:nvSpPr>
+        <p:spPr>
+          <a:xfrm>
+            <a:off x="5319709" y="10639851"/>
+            <a:ext cx="190500" cy="646332"/>
+          </a:xfrm>
+          <a:prstGeom prst="downArrow">
+            <a:avLst>
+              <a:gd name="adj1" fmla="val 23333"/>
+              <a:gd name="adj2" fmla="val 123491"/>
+            </a:avLst>
+          </a:prstGeom>
+          <a:ln>
+            <a:noFill/>
+          </a:ln>
+        </p:spPr>
+        <p:style>
+          <a:lnRef idx="2">
+            <a:schemeClr val="accent3">
+              <a:shade val="50000"/>
+            </a:schemeClr>
+          </a:lnRef>
+          <a:fillRef idx="1">
+            <a:schemeClr val="accent3"/>
+          </a:fillRef>
+          <a:effectRef idx="0">
+            <a:schemeClr val="accent3"/>
+          </a:effectRef>
+          <a:fontRef idx="minor">
+            <a:schemeClr val="lt1"/>
+          </a:fontRef>
+        </p:style>
+        <p:txBody>
+          <a:bodyPr rtlCol="0" anchor="ctr"/>
+          <a:lstStyle/>
+          <a:p>
+            <a:pPr algn="ctr"/>
+            <a:endParaRPr lang="en-GB"/>
+          </a:p>
+        </p:txBody>
+      </p:sp>
+      <p:sp>
+        <p:nvSpPr>
+          <p:cNvPr id="89" name="Arrow: Down 88">
+            <a:extLst>
+              <a:ext uri="{FF2B5EF4-FFF2-40B4-BE49-F238E27FC236}">
+                <a16:creationId xmlns:a16="http://schemas.microsoft.com/office/drawing/2014/main" id="{243B0228-BFE9-9290-4DEA-316F18F43412}"/>
+              </a:ext>
+            </a:extLst>
+          </p:cNvPr>
+          <p:cNvSpPr/>
+          <p:nvPr/>
+        </p:nvSpPr>
+        <p:spPr>
+          <a:xfrm rot="5400000">
+            <a:off x="7749870" y="11270212"/>
+            <a:ext cx="190500" cy="875844"/>
+          </a:xfrm>
+          <a:prstGeom prst="downArrow">
+            <a:avLst>
+              <a:gd name="adj1" fmla="val 23333"/>
+              <a:gd name="adj2" fmla="val 123491"/>
+            </a:avLst>
+          </a:prstGeom>
+          <a:ln>
+            <a:noFill/>
+          </a:ln>
+        </p:spPr>
+        <p:style>
+          <a:lnRef idx="2">
+            <a:schemeClr val="accent3">
+              <a:shade val="50000"/>
+            </a:schemeClr>
+          </a:lnRef>
+          <a:fillRef idx="1">
+            <a:schemeClr val="accent3"/>
+          </a:fillRef>
+          <a:effectRef idx="0">
+            <a:schemeClr val="accent3"/>
+          </a:effectRef>
+          <a:fontRef idx="minor">
+            <a:schemeClr val="lt1"/>
+          </a:fontRef>
+        </p:style>
+        <p:txBody>
+          <a:bodyPr rtlCol="0" anchor="ctr"/>
+          <a:lstStyle/>
+          <a:p>
+            <a:pPr algn="ctr"/>
+            <a:endParaRPr lang="en-GB"/>
+          </a:p>
+        </p:txBody>
+      </p:sp>
+      <p:sp>
+        <p:nvSpPr>
+          <p:cNvPr id="90" name="Arrow: Down 89">
+            <a:extLst>
+              <a:ext uri="{FF2B5EF4-FFF2-40B4-BE49-F238E27FC236}">
+                <a16:creationId xmlns:a16="http://schemas.microsoft.com/office/drawing/2014/main" id="{9D4D0254-488D-6C79-5A41-A213A1ECD8C4}"/>
+              </a:ext>
+            </a:extLst>
+          </p:cNvPr>
+          <p:cNvSpPr/>
+          <p:nvPr/>
+        </p:nvSpPr>
+        <p:spPr>
+          <a:xfrm rot="2585687">
+            <a:off x="4751841" y="12199249"/>
+            <a:ext cx="190500" cy="875844"/>
+          </a:xfrm>
+          <a:prstGeom prst="downArrow">
+            <a:avLst>
+              <a:gd name="adj1" fmla="val 23333"/>
+              <a:gd name="adj2" fmla="val 123491"/>
+            </a:avLst>
+          </a:prstGeom>
+          <a:ln>
+            <a:noFill/>
+          </a:ln>
+        </p:spPr>
+        <p:style>
+          <a:lnRef idx="2">
+            <a:schemeClr val="accent3">
+              <a:shade val="50000"/>
+            </a:schemeClr>
+          </a:lnRef>
+          <a:fillRef idx="1">
+            <a:schemeClr val="accent3"/>
+          </a:fillRef>
+          <a:effectRef idx="0">
+            <a:schemeClr val="accent3"/>
+          </a:effectRef>
+          <a:fontRef idx="minor">
+            <a:schemeClr val="lt1"/>
+          </a:fontRef>
+        </p:style>
+        <p:txBody>
+          <a:bodyPr rtlCol="0" anchor="ctr"/>
+          <a:lstStyle/>
+          <a:p>
+            <a:pPr algn="ctr"/>
+            <a:endParaRPr lang="en-GB"/>
+          </a:p>
+        </p:txBody>
+      </p:sp>
+      <p:grpSp>
+        <p:nvGrpSpPr>
+          <p:cNvPr id="59" name="Group 58">
+            <a:extLst>
+              <a:ext uri="{FF2B5EF4-FFF2-40B4-BE49-F238E27FC236}">
+                <a16:creationId xmlns:a16="http://schemas.microsoft.com/office/drawing/2014/main" id="{C2EBBFC7-972F-4B56-91C5-414D3585C3FB}"/>
+              </a:ext>
+            </a:extLst>
+          </p:cNvPr>
+          <p:cNvGrpSpPr/>
+          <p:nvPr/>
+        </p:nvGrpSpPr>
+        <p:grpSpPr>
+          <a:xfrm>
+            <a:off x="3630429" y="2553344"/>
+            <a:ext cx="3511627" cy="793718"/>
+            <a:chOff x="725977" y="3952864"/>
+            <a:chExt cx="3511627" cy="793718"/>
+          </a:xfrm>
+        </p:grpSpPr>
+        <p:sp>
+          <p:nvSpPr>
+            <p:cNvPr id="60" name="TextBox 59">
+              <a:extLst>
+                <a:ext uri="{FF2B5EF4-FFF2-40B4-BE49-F238E27FC236}">
+                  <a16:creationId xmlns:a16="http://schemas.microsoft.com/office/drawing/2014/main" id="{A9AED265-9158-45B4-B3F5-7C19F12E6F52}"/>
                 </a:ext>
               </a:extLst>
             </p:cNvPr>
@@ -4774,10 +6158,10 @@
         </p:sp>
         <p:pic>
           <p:nvPicPr>
-            <p:cNvPr id="76" name="Picture 75">
+            <p:cNvPr id="61" name="Picture 60">
               <a:extLst>
                 <a:ext uri="{FF2B5EF4-FFF2-40B4-BE49-F238E27FC236}">
-                  <a16:creationId xmlns:a16="http://schemas.microsoft.com/office/drawing/2014/main" id="{D8A11661-1E64-3D9C-EB7A-9E90B86404FE}"/>
+                  <a16:creationId xmlns:a16="http://schemas.microsoft.com/office/drawing/2014/main" id="{9515BB06-C658-4140-BDA5-C25BC235D103}"/>
                 </a:ext>
               </a:extLst>
             </p:cNvPr>
@@ -4787,17 +6171,8 @@
             <p:nvPr/>
           </p:nvPicPr>
           <p:blipFill>
-            <a:blip r:embed="rId14">
+            <a:blip r:embed="rId15">
               <a:extLst>
-                <a:ext uri="{BEBA8EAE-BF5A-486C-A8C5-ECC9F3942E4B}">
-                  <a14:imgProps xmlns:a14="http://schemas.microsoft.com/office/drawing/2010/main">
-                    <a14:imgLayer r:embed="rId15">
-                      <a14:imgEffect>
-                        <a14:brightnessContrast bright="-40000" contrast="40000"/>
-                      </a14:imgEffect>
-                    </a14:imgLayer>
-                  </a14:imgProps>
-                </a:ext>
                 <a:ext uri="{28A0092B-C50C-407E-A947-70E740481C1C}">
                   <a14:useLocalDpi xmlns:a14="http://schemas.microsoft.com/office/drawing/2010/main" val="0"/>
                 </a:ext>
@@ -4808,8 +6183,8 @@
           </p:blipFill>
           <p:spPr>
             <a:xfrm>
-              <a:off x="684914" y="3911801"/>
-              <a:ext cx="875844" cy="875844"/>
+              <a:off x="725977" y="3952864"/>
+              <a:ext cx="793718" cy="793718"/>
             </a:xfrm>
             <a:prstGeom prst="rect">
               <a:avLst/>
@@ -4819,10 +6194,10 @@
       </p:grpSp>
       <p:sp>
         <p:nvSpPr>
-          <p:cNvPr id="79" name="Arrow: Down 78">
-            <a:extLst>
-              <a:ext uri="{FF2B5EF4-FFF2-40B4-BE49-F238E27FC236}">
-                <a16:creationId xmlns:a16="http://schemas.microsoft.com/office/drawing/2014/main" id="{8917B070-2F46-284F-0B18-AD8DF7998805}"/>
+          <p:cNvPr id="67" name="Arrow: Down 66">
+            <a:extLst>
+              <a:ext uri="{FF2B5EF4-FFF2-40B4-BE49-F238E27FC236}">
+                <a16:creationId xmlns:a16="http://schemas.microsoft.com/office/drawing/2014/main" id="{0C615E0E-9A03-4358-AA48-E1C9A6CB1C2F}"/>
               </a:ext>
             </a:extLst>
           </p:cNvPr>
@@ -4831,7 +6206,7 @@
         </p:nvSpPr>
         <p:spPr>
           <a:xfrm>
-            <a:off x="5270461" y="-199452"/>
+            <a:off x="5224459" y="1570844"/>
             <a:ext cx="190500" cy="875844"/>
           </a:xfrm>
           <a:prstGeom prst="downArrow">
@@ -4871,10 +6246,10 @@
       </p:sp>
       <p:sp>
         <p:nvSpPr>
-          <p:cNvPr id="80" name="Arrow: Down 79">
-            <a:extLst>
-              <a:ext uri="{FF2B5EF4-FFF2-40B4-BE49-F238E27FC236}">
-                <a16:creationId xmlns:a16="http://schemas.microsoft.com/office/drawing/2014/main" id="{49E8881B-9CC6-9D01-21E8-9F23E6503C25}"/>
+          <p:cNvPr id="68" name="Arrow: Down 67">
+            <a:extLst>
+              <a:ext uri="{FF2B5EF4-FFF2-40B4-BE49-F238E27FC236}">
+                <a16:creationId xmlns:a16="http://schemas.microsoft.com/office/drawing/2014/main" id="{CB87B02C-C52C-43CD-9F94-B08302770F6E}"/>
               </a:ext>
             </a:extLst>
           </p:cNvPr>
@@ -4882,8 +6257,8 @@
           <p:nvPr/>
         </p:nvSpPr>
         <p:spPr>
-          <a:xfrm>
-            <a:off x="5270461" y="1527766"/>
+          <a:xfrm rot="2700000" flipH="1">
+            <a:off x="5795445" y="-288146"/>
             <a:ext cx="190500" cy="875844"/>
           </a:xfrm>
           <a:prstGeom prst="downArrow">
@@ -4923,10 +6298,511 @@
       </p:sp>
       <p:sp>
         <p:nvSpPr>
-          <p:cNvPr id="81" name="Arrow: Down 80">
-            <a:extLst>
-              <a:ext uri="{FF2B5EF4-FFF2-40B4-BE49-F238E27FC236}">
-                <a16:creationId xmlns:a16="http://schemas.microsoft.com/office/drawing/2014/main" id="{DFAA49C4-2D69-7E2A-C1BC-F48D94E3DF1C}"/>
+          <p:cNvPr id="2" name="TextBox 1">
+            <a:extLst>
+              <a:ext uri="{FF2B5EF4-FFF2-40B4-BE49-F238E27FC236}">
+                <a16:creationId xmlns:a16="http://schemas.microsoft.com/office/drawing/2014/main" id="{53D66BC2-DEE8-417C-B953-D9125AF0AA1A}"/>
+              </a:ext>
+            </a:extLst>
+          </p:cNvPr>
+          <p:cNvSpPr txBox="1"/>
+          <p:nvPr/>
+        </p:nvSpPr>
+        <p:spPr>
+          <a:xfrm>
+            <a:off x="1158270" y="-1123099"/>
+            <a:ext cx="609600" cy="523220"/>
+          </a:xfrm>
+          <a:prstGeom prst="rect">
+            <a:avLst/>
+          </a:prstGeom>
+          <a:noFill/>
+        </p:spPr>
+        <p:txBody>
+          <a:bodyPr wrap="square" rtlCol="0">
+            <a:spAutoFit/>
+          </a:bodyPr>
+          <a:lstStyle/>
+          <a:p>
+            <a:r>
+              <a:rPr lang="en-GB" sz="2800" b="1" dirty="0">
+                <a:latin typeface="Arial" panose="020B0604020202020204" pitchFamily="34" charset="0"/>
+                <a:cs typeface="Arial" panose="020B0604020202020204" pitchFamily="34" charset="0"/>
+              </a:rPr>
+              <a:t>a)</a:t>
+            </a:r>
+          </a:p>
+        </p:txBody>
+      </p:sp>
+      <p:sp>
+        <p:nvSpPr>
+          <p:cNvPr id="69" name="TextBox 68">
+            <a:extLst>
+              <a:ext uri="{FF2B5EF4-FFF2-40B4-BE49-F238E27FC236}">
+                <a16:creationId xmlns:a16="http://schemas.microsoft.com/office/drawing/2014/main" id="{FE0D646D-F99D-4030-9AE8-73FA4F9F15F0}"/>
+              </a:ext>
+            </a:extLst>
+          </p:cNvPr>
+          <p:cNvSpPr txBox="1"/>
+          <p:nvPr/>
+        </p:nvSpPr>
+        <p:spPr>
+          <a:xfrm>
+            <a:off x="5578989" y="-1142074"/>
+            <a:ext cx="609600" cy="523220"/>
+          </a:xfrm>
+          <a:prstGeom prst="rect">
+            <a:avLst/>
+          </a:prstGeom>
+          <a:noFill/>
+        </p:spPr>
+        <p:txBody>
+          <a:bodyPr wrap="square" rtlCol="0">
+            <a:spAutoFit/>
+          </a:bodyPr>
+          <a:lstStyle/>
+          <a:p>
+            <a:r>
+              <a:rPr lang="en-GB" sz="2800" b="1" dirty="0">
+                <a:latin typeface="Arial" panose="020B0604020202020204" pitchFamily="34" charset="0"/>
+                <a:cs typeface="Arial" panose="020B0604020202020204" pitchFamily="34" charset="0"/>
+              </a:rPr>
+              <a:t>b)</a:t>
+            </a:r>
+          </a:p>
+        </p:txBody>
+      </p:sp>
+      <p:sp>
+        <p:nvSpPr>
+          <p:cNvPr id="70" name="TextBox 69">
+            <a:extLst>
+              <a:ext uri="{FF2B5EF4-FFF2-40B4-BE49-F238E27FC236}">
+                <a16:creationId xmlns:a16="http://schemas.microsoft.com/office/drawing/2014/main" id="{A14D874B-647A-4122-B838-5FF49B1D2D2E}"/>
+              </a:ext>
+            </a:extLst>
+          </p:cNvPr>
+          <p:cNvSpPr txBox="1"/>
+          <p:nvPr/>
+        </p:nvSpPr>
+        <p:spPr>
+          <a:xfrm>
+            <a:off x="2836269" y="825700"/>
+            <a:ext cx="609600" cy="523220"/>
+          </a:xfrm>
+          <a:prstGeom prst="rect">
+            <a:avLst/>
+          </a:prstGeom>
+          <a:noFill/>
+        </p:spPr>
+        <p:txBody>
+          <a:bodyPr wrap="square" rtlCol="0">
+            <a:spAutoFit/>
+          </a:bodyPr>
+          <a:lstStyle/>
+          <a:p>
+            <a:r>
+              <a:rPr lang="en-GB" sz="2800" b="1" dirty="0">
+                <a:latin typeface="Arial" panose="020B0604020202020204" pitchFamily="34" charset="0"/>
+                <a:cs typeface="Arial" panose="020B0604020202020204" pitchFamily="34" charset="0"/>
+              </a:rPr>
+              <a:t>c)</a:t>
+            </a:r>
+          </a:p>
+        </p:txBody>
+      </p:sp>
+      <p:sp>
+        <p:nvSpPr>
+          <p:cNvPr id="71" name="TextBox 70">
+            <a:extLst>
+              <a:ext uri="{FF2B5EF4-FFF2-40B4-BE49-F238E27FC236}">
+                <a16:creationId xmlns:a16="http://schemas.microsoft.com/office/drawing/2014/main" id="{576BCE5A-DEFD-4600-A043-011F33D7CB49}"/>
+              </a:ext>
+            </a:extLst>
+          </p:cNvPr>
+          <p:cNvSpPr txBox="1"/>
+          <p:nvPr/>
+        </p:nvSpPr>
+        <p:spPr>
+          <a:xfrm>
+            <a:off x="2836269" y="2688593"/>
+            <a:ext cx="609600" cy="523220"/>
+          </a:xfrm>
+          <a:prstGeom prst="rect">
+            <a:avLst/>
+          </a:prstGeom>
+          <a:noFill/>
+        </p:spPr>
+        <p:txBody>
+          <a:bodyPr wrap="square" rtlCol="0">
+            <a:spAutoFit/>
+          </a:bodyPr>
+          <a:lstStyle/>
+          <a:p>
+            <a:r>
+              <a:rPr lang="en-GB" sz="2800" b="1" dirty="0">
+                <a:latin typeface="Arial" panose="020B0604020202020204" pitchFamily="34" charset="0"/>
+                <a:cs typeface="Arial" panose="020B0604020202020204" pitchFamily="34" charset="0"/>
+              </a:rPr>
+              <a:t>d)</a:t>
+            </a:r>
+          </a:p>
+        </p:txBody>
+      </p:sp>
+      <p:sp>
+        <p:nvSpPr>
+          <p:cNvPr id="72" name="TextBox 71">
+            <a:extLst>
+              <a:ext uri="{FF2B5EF4-FFF2-40B4-BE49-F238E27FC236}">
+                <a16:creationId xmlns:a16="http://schemas.microsoft.com/office/drawing/2014/main" id="{3F15B46E-4E94-4B2F-8ED8-F989B6CC8D72}"/>
+              </a:ext>
+            </a:extLst>
+          </p:cNvPr>
+          <p:cNvSpPr txBox="1"/>
+          <p:nvPr/>
+        </p:nvSpPr>
+        <p:spPr>
+          <a:xfrm>
+            <a:off x="2836269" y="4485858"/>
+            <a:ext cx="609600" cy="523220"/>
+          </a:xfrm>
+          <a:prstGeom prst="rect">
+            <a:avLst/>
+          </a:prstGeom>
+          <a:noFill/>
+        </p:spPr>
+        <p:txBody>
+          <a:bodyPr wrap="square" rtlCol="0">
+            <a:spAutoFit/>
+          </a:bodyPr>
+          <a:lstStyle/>
+          <a:p>
+            <a:r>
+              <a:rPr lang="en-GB" sz="2800" b="1" dirty="0">
+                <a:latin typeface="Arial" panose="020B0604020202020204" pitchFamily="34" charset="0"/>
+                <a:cs typeface="Arial" panose="020B0604020202020204" pitchFamily="34" charset="0"/>
+              </a:rPr>
+              <a:t>f)</a:t>
+            </a:r>
+          </a:p>
+        </p:txBody>
+      </p:sp>
+      <p:sp>
+        <p:nvSpPr>
+          <p:cNvPr id="73" name="TextBox 72">
+            <a:extLst>
+              <a:ext uri="{FF2B5EF4-FFF2-40B4-BE49-F238E27FC236}">
+                <a16:creationId xmlns:a16="http://schemas.microsoft.com/office/drawing/2014/main" id="{E3CD4BF6-53D7-4DD3-9848-966854E7F9E2}"/>
+              </a:ext>
+            </a:extLst>
+          </p:cNvPr>
+          <p:cNvSpPr txBox="1"/>
+          <p:nvPr/>
+        </p:nvSpPr>
+        <p:spPr>
+          <a:xfrm>
+            <a:off x="2836269" y="6283123"/>
+            <a:ext cx="609600" cy="523220"/>
+          </a:xfrm>
+          <a:prstGeom prst="rect">
+            <a:avLst/>
+          </a:prstGeom>
+          <a:noFill/>
+        </p:spPr>
+        <p:txBody>
+          <a:bodyPr wrap="square" rtlCol="0">
+            <a:spAutoFit/>
+          </a:bodyPr>
+          <a:lstStyle/>
+          <a:p>
+            <a:r>
+              <a:rPr lang="en-GB" sz="2800" b="1" dirty="0">
+                <a:latin typeface="Arial" panose="020B0604020202020204" pitchFamily="34" charset="0"/>
+                <a:cs typeface="Arial" panose="020B0604020202020204" pitchFamily="34" charset="0"/>
+              </a:rPr>
+              <a:t>g)</a:t>
+            </a:r>
+          </a:p>
+        </p:txBody>
+      </p:sp>
+      <p:sp>
+        <p:nvSpPr>
+          <p:cNvPr id="77" name="TextBox 76">
+            <a:extLst>
+              <a:ext uri="{FF2B5EF4-FFF2-40B4-BE49-F238E27FC236}">
+                <a16:creationId xmlns:a16="http://schemas.microsoft.com/office/drawing/2014/main" id="{F4B1D2A3-3C82-43C3-97CE-EC3485E33627}"/>
+              </a:ext>
+            </a:extLst>
+          </p:cNvPr>
+          <p:cNvSpPr txBox="1"/>
+          <p:nvPr/>
+        </p:nvSpPr>
+        <p:spPr>
+          <a:xfrm>
+            <a:off x="2836269" y="8080388"/>
+            <a:ext cx="609600" cy="523220"/>
+          </a:xfrm>
+          <a:prstGeom prst="rect">
+            <a:avLst/>
+          </a:prstGeom>
+          <a:noFill/>
+        </p:spPr>
+        <p:txBody>
+          <a:bodyPr wrap="square" rtlCol="0">
+            <a:spAutoFit/>
+          </a:bodyPr>
+          <a:lstStyle/>
+          <a:p>
+            <a:r>
+              <a:rPr lang="en-GB" sz="2800" b="1" dirty="0">
+                <a:latin typeface="Arial" panose="020B0604020202020204" pitchFamily="34" charset="0"/>
+                <a:cs typeface="Arial" panose="020B0604020202020204" pitchFamily="34" charset="0"/>
+              </a:rPr>
+              <a:t>j)</a:t>
+            </a:r>
+          </a:p>
+        </p:txBody>
+      </p:sp>
+      <p:sp>
+        <p:nvSpPr>
+          <p:cNvPr id="78" name="TextBox 77">
+            <a:extLst>
+              <a:ext uri="{FF2B5EF4-FFF2-40B4-BE49-F238E27FC236}">
+                <a16:creationId xmlns:a16="http://schemas.microsoft.com/office/drawing/2014/main" id="{D1FD302E-B6E1-4B93-8195-26A31850708E}"/>
+              </a:ext>
+            </a:extLst>
+          </p:cNvPr>
+          <p:cNvSpPr txBox="1"/>
+          <p:nvPr/>
+        </p:nvSpPr>
+        <p:spPr>
+          <a:xfrm>
+            <a:off x="2836269" y="9877653"/>
+            <a:ext cx="663770" cy="523220"/>
+          </a:xfrm>
+          <a:prstGeom prst="rect">
+            <a:avLst/>
+          </a:prstGeom>
+          <a:noFill/>
+        </p:spPr>
+        <p:txBody>
+          <a:bodyPr wrap="square" rtlCol="0">
+            <a:spAutoFit/>
+          </a:bodyPr>
+          <a:lstStyle/>
+          <a:p>
+            <a:r>
+              <a:rPr lang="en-GB" sz="2800" b="1" dirty="0">
+                <a:latin typeface="Arial" panose="020B0604020202020204" pitchFamily="34" charset="0"/>
+                <a:cs typeface="Arial" panose="020B0604020202020204" pitchFamily="34" charset="0"/>
+              </a:rPr>
+              <a:t>m)</a:t>
+            </a:r>
+          </a:p>
+        </p:txBody>
+      </p:sp>
+      <p:sp>
+        <p:nvSpPr>
+          <p:cNvPr id="91" name="TextBox 90">
+            <a:extLst>
+              <a:ext uri="{FF2B5EF4-FFF2-40B4-BE49-F238E27FC236}">
+                <a16:creationId xmlns:a16="http://schemas.microsoft.com/office/drawing/2014/main" id="{4CBE362A-D471-420A-968F-7F8406C57F55}"/>
+              </a:ext>
+            </a:extLst>
+          </p:cNvPr>
+          <p:cNvSpPr txBox="1"/>
+          <p:nvPr/>
+        </p:nvSpPr>
+        <p:spPr>
+          <a:xfrm>
+            <a:off x="2836269" y="11674918"/>
+            <a:ext cx="663770" cy="523220"/>
+          </a:xfrm>
+          <a:prstGeom prst="rect">
+            <a:avLst/>
+          </a:prstGeom>
+          <a:noFill/>
+        </p:spPr>
+        <p:txBody>
+          <a:bodyPr wrap="square" rtlCol="0">
+            <a:spAutoFit/>
+          </a:bodyPr>
+          <a:lstStyle/>
+          <a:p>
+            <a:r>
+              <a:rPr lang="en-GB" sz="2800" b="1" dirty="0">
+                <a:latin typeface="Arial" panose="020B0604020202020204" pitchFamily="34" charset="0"/>
+                <a:cs typeface="Arial" panose="020B0604020202020204" pitchFamily="34" charset="0"/>
+              </a:rPr>
+              <a:t>l)</a:t>
+            </a:r>
+          </a:p>
+        </p:txBody>
+      </p:sp>
+      <p:sp>
+        <p:nvSpPr>
+          <p:cNvPr id="93" name="TextBox 92">
+            <a:extLst>
+              <a:ext uri="{FF2B5EF4-FFF2-40B4-BE49-F238E27FC236}">
+                <a16:creationId xmlns:a16="http://schemas.microsoft.com/office/drawing/2014/main" id="{F678B0D8-F441-4411-8E44-23B729E5184D}"/>
+              </a:ext>
+            </a:extLst>
+          </p:cNvPr>
+          <p:cNvSpPr txBox="1"/>
+          <p:nvPr/>
+        </p:nvSpPr>
+        <p:spPr>
+          <a:xfrm>
+            <a:off x="8291216" y="2744405"/>
+            <a:ext cx="609600" cy="523220"/>
+          </a:xfrm>
+          <a:prstGeom prst="rect">
+            <a:avLst/>
+          </a:prstGeom>
+          <a:noFill/>
+        </p:spPr>
+        <p:txBody>
+          <a:bodyPr wrap="square" rtlCol="0">
+            <a:spAutoFit/>
+          </a:bodyPr>
+          <a:lstStyle/>
+          <a:p>
+            <a:r>
+              <a:rPr lang="en-GB" sz="2800" b="1" dirty="0">
+                <a:latin typeface="Arial" panose="020B0604020202020204" pitchFamily="34" charset="0"/>
+                <a:cs typeface="Arial" panose="020B0604020202020204" pitchFamily="34" charset="0"/>
+              </a:rPr>
+              <a:t>e)</a:t>
+            </a:r>
+          </a:p>
+        </p:txBody>
+      </p:sp>
+      <p:sp>
+        <p:nvSpPr>
+          <p:cNvPr id="94" name="TextBox 93">
+            <a:extLst>
+              <a:ext uri="{FF2B5EF4-FFF2-40B4-BE49-F238E27FC236}">
+                <a16:creationId xmlns:a16="http://schemas.microsoft.com/office/drawing/2014/main" id="{4104ECCF-EC23-4F44-886D-F087A5BB3FCC}"/>
+              </a:ext>
+            </a:extLst>
+          </p:cNvPr>
+          <p:cNvSpPr txBox="1"/>
+          <p:nvPr/>
+        </p:nvSpPr>
+        <p:spPr>
+          <a:xfrm>
+            <a:off x="13466949" y="6177414"/>
+            <a:ext cx="609600" cy="523220"/>
+          </a:xfrm>
+          <a:prstGeom prst="rect">
+            <a:avLst/>
+          </a:prstGeom>
+          <a:noFill/>
+        </p:spPr>
+        <p:txBody>
+          <a:bodyPr wrap="square" rtlCol="0">
+            <a:spAutoFit/>
+          </a:bodyPr>
+          <a:lstStyle/>
+          <a:p>
+            <a:r>
+              <a:rPr lang="en-GB" sz="2800" b="1" dirty="0" err="1">
+                <a:latin typeface="Arial" panose="020B0604020202020204" pitchFamily="34" charset="0"/>
+                <a:cs typeface="Arial" panose="020B0604020202020204" pitchFamily="34" charset="0"/>
+              </a:rPr>
+              <a:t>i</a:t>
+            </a:r>
+            <a:r>
+              <a:rPr lang="en-GB" sz="2800" b="1" dirty="0">
+                <a:latin typeface="Arial" panose="020B0604020202020204" pitchFamily="34" charset="0"/>
+                <a:cs typeface="Arial" panose="020B0604020202020204" pitchFamily="34" charset="0"/>
+              </a:rPr>
+              <a:t>)</a:t>
+            </a:r>
+          </a:p>
+        </p:txBody>
+      </p:sp>
+      <p:sp>
+        <p:nvSpPr>
+          <p:cNvPr id="95" name="TextBox 94">
+            <a:extLst>
+              <a:ext uri="{FF2B5EF4-FFF2-40B4-BE49-F238E27FC236}">
+                <a16:creationId xmlns:a16="http://schemas.microsoft.com/office/drawing/2014/main" id="{1C499811-BFB4-4FCA-9F90-E31EF176E120}"/>
+              </a:ext>
+            </a:extLst>
+          </p:cNvPr>
+          <p:cNvSpPr txBox="1"/>
+          <p:nvPr/>
+        </p:nvSpPr>
+        <p:spPr>
+          <a:xfrm>
+            <a:off x="13851834" y="7877884"/>
+            <a:ext cx="609600" cy="523220"/>
+          </a:xfrm>
+          <a:prstGeom prst="rect">
+            <a:avLst/>
+          </a:prstGeom>
+          <a:noFill/>
+        </p:spPr>
+        <p:txBody>
+          <a:bodyPr wrap="square" rtlCol="0">
+            <a:spAutoFit/>
+          </a:bodyPr>
+          <a:lstStyle/>
+          <a:p>
+            <a:r>
+              <a:rPr lang="en-GB" sz="2800" b="1" dirty="0">
+                <a:latin typeface="Arial" panose="020B0604020202020204" pitchFamily="34" charset="0"/>
+                <a:cs typeface="Arial" panose="020B0604020202020204" pitchFamily="34" charset="0"/>
+              </a:rPr>
+              <a:t>l)</a:t>
+            </a:r>
+          </a:p>
+        </p:txBody>
+      </p:sp>
+      <p:sp>
+        <p:nvSpPr>
+          <p:cNvPr id="96" name="TextBox 95">
+            <a:extLst>
+              <a:ext uri="{FF2B5EF4-FFF2-40B4-BE49-F238E27FC236}">
+                <a16:creationId xmlns:a16="http://schemas.microsoft.com/office/drawing/2014/main" id="{5314EA6E-2C5F-494E-87F9-AF896DF134EF}"/>
+              </a:ext>
+            </a:extLst>
+          </p:cNvPr>
+          <p:cNvSpPr txBox="1"/>
+          <p:nvPr/>
+        </p:nvSpPr>
+        <p:spPr>
+          <a:xfrm>
+            <a:off x="8446276" y="11462337"/>
+            <a:ext cx="736765" cy="523220"/>
+          </a:xfrm>
+          <a:prstGeom prst="rect">
+            <a:avLst/>
+          </a:prstGeom>
+          <a:noFill/>
+        </p:spPr>
+        <p:txBody>
+          <a:bodyPr wrap="square" rtlCol="0">
+            <a:spAutoFit/>
+          </a:bodyPr>
+          <a:lstStyle/>
+          <a:p>
+            <a:r>
+              <a:rPr lang="en-GB" sz="2800" b="1" dirty="0">
+                <a:latin typeface="Arial" panose="020B0604020202020204" pitchFamily="34" charset="0"/>
+                <a:cs typeface="Arial" panose="020B0604020202020204" pitchFamily="34" charset="0"/>
+              </a:rPr>
+              <a:t>o)</a:t>
+            </a:r>
+          </a:p>
+        </p:txBody>
+      </p:sp>
+      <p:sp>
+        <p:nvSpPr>
+          <p:cNvPr id="97" name="Arrow: Down 96">
+            <a:extLst>
+              <a:ext uri="{FF2B5EF4-FFF2-40B4-BE49-F238E27FC236}">
+                <a16:creationId xmlns:a16="http://schemas.microsoft.com/office/drawing/2014/main" id="{EBF30BA3-60AB-43E8-BAAA-488CF6C3B863}"/>
               </a:ext>
             </a:extLst>
           </p:cNvPr>
@@ -4934,8 +6810,8 @@
           <p:nvPr/>
         </p:nvSpPr>
         <p:spPr>
-          <a:xfrm rot="18900000">
-            <a:off x="3134995" y="-3265"/>
+          <a:xfrm rot="5400000">
+            <a:off x="7616920" y="2576330"/>
             <a:ext cx="190500" cy="875844"/>
           </a:xfrm>
           <a:prstGeom prst="downArrow">
@@ -4973,12 +6849,124 @@
           </a:p>
         </p:txBody>
       </p:sp>
+      <p:grpSp>
+        <p:nvGrpSpPr>
+          <p:cNvPr id="98" name="Group 97">
+            <a:extLst>
+              <a:ext uri="{FF2B5EF4-FFF2-40B4-BE49-F238E27FC236}">
+                <a16:creationId xmlns:a16="http://schemas.microsoft.com/office/drawing/2014/main" id="{19B93E72-0F5D-4D5D-8C89-1B1EC9715055}"/>
+              </a:ext>
+            </a:extLst>
+          </p:cNvPr>
+          <p:cNvGrpSpPr/>
+          <p:nvPr/>
+        </p:nvGrpSpPr>
+        <p:grpSpPr>
+          <a:xfrm>
+            <a:off x="8900816" y="6047080"/>
+            <a:ext cx="3114029" cy="950280"/>
+            <a:chOff x="739346" y="5260093"/>
+            <a:chExt cx="3114029" cy="950280"/>
+          </a:xfrm>
+        </p:grpSpPr>
+        <p:pic>
+          <p:nvPicPr>
+            <p:cNvPr id="99" name="Picture 98">
+              <a:extLst>
+                <a:ext uri="{FF2B5EF4-FFF2-40B4-BE49-F238E27FC236}">
+                  <a16:creationId xmlns:a16="http://schemas.microsoft.com/office/drawing/2014/main" id="{53C8DD7F-F455-4588-8B78-943643B895A5}"/>
+                </a:ext>
+              </a:extLst>
+            </p:cNvPr>
+            <p:cNvPicPr>
+              <a:picLocks noChangeAspect="1"/>
+            </p:cNvPicPr>
+            <p:nvPr/>
+          </p:nvPicPr>
+          <p:blipFill>
+            <a:blip r:embed="rId11">
+              <a:extLst>
+                <a:ext uri="{28A0092B-C50C-407E-A947-70E740481C1C}">
+                  <a14:useLocalDpi xmlns:a14="http://schemas.microsoft.com/office/drawing/2010/main" val="0"/>
+                </a:ext>
+              </a:extLst>
+            </a:blip>
+            <a:srcRect/>
+            <a:stretch/>
+          </p:blipFill>
+          <p:spPr>
+            <a:xfrm>
+              <a:off x="739346" y="5260093"/>
+              <a:ext cx="951470" cy="950280"/>
+            </a:xfrm>
+            <a:prstGeom prst="rect">
+              <a:avLst/>
+            </a:prstGeom>
+          </p:spPr>
+        </p:pic>
+        <p:sp>
+          <p:nvSpPr>
+            <p:cNvPr id="100" name="TextBox 99">
+              <a:extLst>
+                <a:ext uri="{FF2B5EF4-FFF2-40B4-BE49-F238E27FC236}">
+                  <a16:creationId xmlns:a16="http://schemas.microsoft.com/office/drawing/2014/main" id="{D74E6E6D-1F81-4772-911C-9CFD46EC2284}"/>
+                </a:ext>
+              </a:extLst>
+            </p:cNvPr>
+            <p:cNvSpPr txBox="1"/>
+            <p:nvPr/>
+          </p:nvSpPr>
+          <p:spPr>
+            <a:xfrm>
+              <a:off x="1898994" y="5280742"/>
+              <a:ext cx="1954381" cy="923330"/>
+            </a:xfrm>
+            <a:prstGeom prst="rect">
+              <a:avLst/>
+            </a:prstGeom>
+            <a:noFill/>
+          </p:spPr>
+          <p:txBody>
+            <a:bodyPr wrap="none" rtlCol="0">
+              <a:spAutoFit/>
+            </a:bodyPr>
+            <a:lstStyle/>
+            <a:p>
+              <a:r>
+                <a:rPr lang="en-GB" b="1" dirty="0">
+                  <a:latin typeface="Arial" panose="020B0604020202020204" pitchFamily="34" charset="0"/>
+                  <a:cs typeface="Arial" panose="020B0604020202020204" pitchFamily="34" charset="0"/>
+                </a:rPr>
+                <a:t>Total Water </a:t>
+              </a:r>
+            </a:p>
+            <a:p>
+              <a:r>
+                <a:rPr lang="en-GB" b="1" dirty="0">
+                  <a:latin typeface="Arial" panose="020B0604020202020204" pitchFamily="34" charset="0"/>
+                  <a:cs typeface="Arial" panose="020B0604020202020204" pitchFamily="34" charset="0"/>
+                </a:rPr>
+                <a:t>Consumption</a:t>
+              </a:r>
+            </a:p>
+            <a:p>
+              <a:r>
+                <a:rPr lang="en-GB" dirty="0">
+                  <a:latin typeface="Arial" panose="020B0604020202020204" pitchFamily="34" charset="0"/>
+                  <a:cs typeface="Arial" panose="020B0604020202020204" pitchFamily="34" charset="0"/>
+                </a:rPr>
+                <a:t>Statistics Norway</a:t>
+              </a:r>
+            </a:p>
+          </p:txBody>
+        </p:sp>
+      </p:grpSp>
       <p:sp>
         <p:nvSpPr>
-          <p:cNvPr id="82" name="Arrow: Down 81">
-            <a:extLst>
-              <a:ext uri="{FF2B5EF4-FFF2-40B4-BE49-F238E27FC236}">
-                <a16:creationId xmlns:a16="http://schemas.microsoft.com/office/drawing/2014/main" id="{BCDB10BC-A7D7-C36E-62BF-C09D8201B1AB}"/>
+          <p:cNvPr id="101" name="Arrow: Down 100">
+            <a:extLst>
+              <a:ext uri="{FF2B5EF4-FFF2-40B4-BE49-F238E27FC236}">
+                <a16:creationId xmlns:a16="http://schemas.microsoft.com/office/drawing/2014/main" id="{DE4DD8D6-7135-4BCB-98C0-7D7003056912}"/>
               </a:ext>
             </a:extLst>
           </p:cNvPr>
@@ -4986,8 +6974,8 @@
           <p:nvPr/>
         </p:nvSpPr>
         <p:spPr>
-          <a:xfrm rot="2700000">
-            <a:off x="7117839" y="21419"/>
+          <a:xfrm rot="5400000">
+            <a:off x="7638620" y="6004897"/>
             <a:ext cx="190500" cy="875844"/>
           </a:xfrm>
           <a:prstGeom prst="downArrow">
@@ -5027,10 +7015,372 @@
       </p:sp>
       <p:sp>
         <p:nvSpPr>
-          <p:cNvPr id="83" name="Arrow: Down 82">
-            <a:extLst>
-              <a:ext uri="{FF2B5EF4-FFF2-40B4-BE49-F238E27FC236}">
-                <a16:creationId xmlns:a16="http://schemas.microsoft.com/office/drawing/2014/main" id="{5677A041-5D31-B303-11C3-39F95D52B957}"/>
+          <p:cNvPr id="102" name="TextBox 101">
+            <a:extLst>
+              <a:ext uri="{FF2B5EF4-FFF2-40B4-BE49-F238E27FC236}">
+                <a16:creationId xmlns:a16="http://schemas.microsoft.com/office/drawing/2014/main" id="{B1B1449C-1611-4A1D-A4DC-4A0FB063AA2A}"/>
+              </a:ext>
+            </a:extLst>
+          </p:cNvPr>
+          <p:cNvSpPr txBox="1"/>
+          <p:nvPr/>
+        </p:nvSpPr>
+        <p:spPr>
+          <a:xfrm>
+            <a:off x="8350601" y="6164357"/>
+            <a:ext cx="609600" cy="523220"/>
+          </a:xfrm>
+          <a:prstGeom prst="rect">
+            <a:avLst/>
+          </a:prstGeom>
+          <a:noFill/>
+        </p:spPr>
+        <p:txBody>
+          <a:bodyPr wrap="square" rtlCol="0">
+            <a:spAutoFit/>
+          </a:bodyPr>
+          <a:lstStyle/>
+          <a:p>
+            <a:r>
+              <a:rPr lang="en-GB" sz="2800" b="1" dirty="0">
+                <a:latin typeface="Arial" panose="020B0604020202020204" pitchFamily="34" charset="0"/>
+                <a:cs typeface="Arial" panose="020B0604020202020204" pitchFamily="34" charset="0"/>
+              </a:rPr>
+              <a:t>h)</a:t>
+            </a:r>
+          </a:p>
+        </p:txBody>
+      </p:sp>
+      <mc:AlternateContent xmlns:mc="http://schemas.openxmlformats.org/markup-compatibility/2006">
+        <mc:Choice xmlns:a14="http://schemas.microsoft.com/office/drawing/2010/main" Requires="a14">
+          <p:sp>
+            <p:nvSpPr>
+              <p:cNvPr id="4" name="TextBox 3">
+                <a:extLst>
+                  <a:ext uri="{FF2B5EF4-FFF2-40B4-BE49-F238E27FC236}">
+                    <a16:creationId xmlns:a16="http://schemas.microsoft.com/office/drawing/2014/main" id="{9DD78998-DE57-4F8A-9FE7-581A791A83D6}"/>
+                  </a:ext>
+                </a:extLst>
+              </p:cNvPr>
+              <p:cNvSpPr txBox="1"/>
+              <p:nvPr/>
+            </p:nvSpPr>
+            <p:spPr>
+              <a:xfrm>
+                <a:off x="-1734917" y="6312700"/>
+                <a:ext cx="4405245" cy="433388"/>
+              </a:xfrm>
+              <a:prstGeom prst="rect">
+                <a:avLst/>
+              </a:prstGeom>
+              <a:noFill/>
+            </p:spPr>
+            <p:txBody>
+              <a:bodyPr wrap="none" lIns="0" tIns="0" rIns="0" bIns="0" rtlCol="0">
+                <a:spAutoFit/>
+              </a:bodyPr>
+              <a:lstStyle/>
+              <a:p>
+                <a14:m>
+                  <m:oMath xmlns:m="http://schemas.openxmlformats.org/officeDocument/2006/math">
+                    <m:sSub>
+                      <m:sSubPr>
+                        <m:ctrlPr>
+                          <a:rPr lang="en-GB" i="1" smtClean="0">
+                            <a:latin typeface="Cambria Math" panose="02040503050406030204" pitchFamily="18" charset="0"/>
+                          </a:rPr>
+                        </m:ctrlPr>
+                      </m:sSubPr>
+                      <m:e>
+                        <m:r>
+                          <a:rPr lang="en-GB" b="0" i="1" smtClean="0">
+                            <a:latin typeface="Cambria Math" panose="02040503050406030204" pitchFamily="18" charset="0"/>
+                          </a:rPr>
+                          <m:t>𝑃𝐸𝐶</m:t>
+                        </m:r>
+                      </m:e>
+                      <m:sub>
+                        <m:r>
+                          <a:rPr lang="en-GB" b="0" i="1" smtClean="0">
+                            <a:latin typeface="Cambria Math" panose="02040503050406030204" pitchFamily="18" charset="0"/>
+                          </a:rPr>
+                          <m:t>𝑖𝑛𝑓𝑙𝑢𝑒𝑛𝑡</m:t>
+                        </m:r>
+                      </m:sub>
+                    </m:sSub>
+                    <m:r>
+                      <a:rPr lang="en-GB" b="0" i="1" smtClean="0">
+                        <a:latin typeface="Cambria Math" panose="02040503050406030204" pitchFamily="18" charset="0"/>
+                      </a:rPr>
+                      <m:t>= </m:t>
+                    </m:r>
+                    <m:f>
+                      <m:fPr>
+                        <m:ctrlPr>
+                          <a:rPr lang="en-GB" b="0" i="1" smtClean="0">
+                            <a:latin typeface="Cambria Math" panose="02040503050406030204" pitchFamily="18" charset="0"/>
+                          </a:rPr>
+                        </m:ctrlPr>
+                      </m:fPr>
+                      <m:num>
+                        <m:r>
+                          <a:rPr lang="en-GB" b="0" i="1" smtClean="0">
+                            <a:latin typeface="Cambria Math" panose="02040503050406030204" pitchFamily="18" charset="0"/>
+                          </a:rPr>
+                          <m:t>𝑃𝑟𝑒𝑑𝑖𝑐𝑡𝑒𝑑</m:t>
+                        </m:r>
+                        <m:r>
+                          <a:rPr lang="en-GB" b="0" i="1" smtClean="0">
+                            <a:latin typeface="Cambria Math" panose="02040503050406030204" pitchFamily="18" charset="0"/>
+                          </a:rPr>
+                          <m:t> </m:t>
+                        </m:r>
+                        <m:r>
+                          <a:rPr lang="en-GB" b="0" i="1" smtClean="0">
+                            <a:latin typeface="Cambria Math" panose="02040503050406030204" pitchFamily="18" charset="0"/>
+                          </a:rPr>
+                          <m:t>𝑀𝑒𝑑𝑖𝑐𝑖𝑛𝑒</m:t>
+                        </m:r>
+                        <m:r>
+                          <a:rPr lang="en-GB" b="0" i="1" smtClean="0">
+                            <a:latin typeface="Cambria Math" panose="02040503050406030204" pitchFamily="18" charset="0"/>
+                          </a:rPr>
+                          <m:t> </m:t>
+                        </m:r>
+                        <m:r>
+                          <a:rPr lang="en-GB" b="0" i="1" smtClean="0">
+                            <a:latin typeface="Cambria Math" panose="02040503050406030204" pitchFamily="18" charset="0"/>
+                          </a:rPr>
+                          <m:t>𝑆𝑎𝑙𝑒𝑠</m:t>
+                        </m:r>
+                        <m:r>
+                          <a:rPr lang="en-GB" b="0" i="1" smtClean="0">
+                            <a:latin typeface="Cambria Math" panose="02040503050406030204" pitchFamily="18" charset="0"/>
+                          </a:rPr>
+                          <m:t> </m:t>
+                        </m:r>
+                        <m:r>
+                          <a:rPr lang="en-GB" b="0" i="1" smtClean="0">
+                            <a:latin typeface="Cambria Math" panose="02040503050406030204" pitchFamily="18" charset="0"/>
+                          </a:rPr>
+                          <m:t>𝑊𝑒𝑖𝑔h𝑡𝑠</m:t>
+                        </m:r>
+                      </m:num>
+                      <m:den>
+                        <m:r>
+                          <a:rPr lang="en-GB" b="0" i="1" smtClean="0">
+                            <a:latin typeface="Cambria Math" panose="02040503050406030204" pitchFamily="18" charset="0"/>
+                          </a:rPr>
+                          <m:t>𝑇𝑜𝑡𝑎𝑙</m:t>
+                        </m:r>
+                        <m:r>
+                          <a:rPr lang="en-GB" b="0" i="1" smtClean="0">
+                            <a:latin typeface="Cambria Math" panose="02040503050406030204" pitchFamily="18" charset="0"/>
+                          </a:rPr>
+                          <m:t> </m:t>
+                        </m:r>
+                        <m:r>
+                          <a:rPr lang="en-GB" b="0" i="1" smtClean="0">
+                            <a:latin typeface="Cambria Math" panose="02040503050406030204" pitchFamily="18" charset="0"/>
+                          </a:rPr>
+                          <m:t>𝑊𝑎𝑡𝑒𝑟</m:t>
+                        </m:r>
+                        <m:r>
+                          <a:rPr lang="en-GB" b="0" i="1" smtClean="0">
+                            <a:latin typeface="Cambria Math" panose="02040503050406030204" pitchFamily="18" charset="0"/>
+                          </a:rPr>
+                          <m:t> </m:t>
+                        </m:r>
+                        <m:r>
+                          <a:rPr lang="en-GB" b="0" i="1" smtClean="0">
+                            <a:latin typeface="Cambria Math" panose="02040503050406030204" pitchFamily="18" charset="0"/>
+                          </a:rPr>
+                          <m:t>𝐶𝑜𝑛𝑠𝑢𝑚𝑝𝑡𝑖𝑜𝑛</m:t>
+                        </m:r>
+                      </m:den>
+                    </m:f>
+                  </m:oMath>
+                </a14:m>
+                <a:r>
+                  <a:rPr lang="en-GB" dirty="0"/>
+                  <a:t>  </a:t>
+                </a:r>
+              </a:p>
+            </p:txBody>
+          </p:sp>
+        </mc:Choice>
+        <mc:Fallback>
+          <p:sp>
+            <p:nvSpPr>
+              <p:cNvPr id="4" name="TextBox 3">
+                <a:extLst>
+                  <a:ext uri="{FF2B5EF4-FFF2-40B4-BE49-F238E27FC236}">
+                    <a16:creationId xmlns:a16="http://schemas.microsoft.com/office/drawing/2014/main" id="{9DD78998-DE57-4F8A-9FE7-581A791A83D6}"/>
+                  </a:ext>
+                </a:extLst>
+              </p:cNvPr>
+              <p:cNvSpPr txBox="1">
+                <a:spLocks noRot="1" noChangeAspect="1" noMove="1" noResize="1" noEditPoints="1" noAdjustHandles="1" noChangeArrowheads="1" noChangeShapeType="1" noTextEdit="1"/>
+              </p:cNvSpPr>
+              <p:nvPr/>
+            </p:nvSpPr>
+            <p:spPr>
+              <a:xfrm>
+                <a:off x="-1734917" y="6312700"/>
+                <a:ext cx="4405245" cy="433388"/>
+              </a:xfrm>
+              <a:prstGeom prst="rect">
+                <a:avLst/>
+              </a:prstGeom>
+              <a:blipFill>
+                <a:blip r:embed="rId16"/>
+                <a:stretch>
+                  <a:fillRect l="-1798" t="-4225" b="-16901"/>
+                </a:stretch>
+              </a:blipFill>
+            </p:spPr>
+            <p:txBody>
+              <a:bodyPr/>
+              <a:lstStyle/>
+              <a:p>
+                <a:r>
+                  <a:rPr lang="en-GB">
+                    <a:noFill/>
+                  </a:rPr>
+                  <a:t> </a:t>
+                </a:r>
+              </a:p>
+            </p:txBody>
+          </p:sp>
+        </mc:Fallback>
+      </mc:AlternateContent>
+      <p:sp>
+        <p:nvSpPr>
+          <p:cNvPr id="103" name="TextBox 102">
+            <a:extLst>
+              <a:ext uri="{FF2B5EF4-FFF2-40B4-BE49-F238E27FC236}">
+                <a16:creationId xmlns:a16="http://schemas.microsoft.com/office/drawing/2014/main" id="{4D186F02-5CD8-4D8F-B63C-15A0CB4F7777}"/>
+              </a:ext>
+            </a:extLst>
+          </p:cNvPr>
+          <p:cNvSpPr txBox="1"/>
+          <p:nvPr/>
+        </p:nvSpPr>
+        <p:spPr>
+          <a:xfrm>
+            <a:off x="9798375" y="7900585"/>
+            <a:ext cx="2890535" cy="646331"/>
+          </a:xfrm>
+          <a:prstGeom prst="rect">
+            <a:avLst/>
+          </a:prstGeom>
+          <a:noFill/>
+        </p:spPr>
+        <p:txBody>
+          <a:bodyPr wrap="none" rtlCol="0">
+            <a:spAutoFit/>
+          </a:bodyPr>
+          <a:lstStyle/>
+          <a:p>
+            <a:r>
+              <a:rPr lang="en-GB" b="1" dirty="0">
+                <a:latin typeface="Arial" panose="020B0604020202020204" pitchFamily="34" charset="0"/>
+                <a:cs typeface="Arial" panose="020B0604020202020204" pitchFamily="34" charset="0"/>
+              </a:rPr>
+              <a:t>Medicine Removal Rates</a:t>
+            </a:r>
+          </a:p>
+          <a:p>
+            <a:r>
+              <a:rPr lang="en-GB" dirty="0">
+                <a:latin typeface="Arial" panose="020B0604020202020204" pitchFamily="34" charset="0"/>
+                <a:cs typeface="Arial" panose="020B0604020202020204" pitchFamily="34" charset="0"/>
+              </a:rPr>
+              <a:t>van Dijk et al. (in review)</a:t>
+            </a:r>
+          </a:p>
+        </p:txBody>
+      </p:sp>
+      <p:sp>
+        <p:nvSpPr>
+          <p:cNvPr id="105" name="TextBox 104">
+            <a:extLst>
+              <a:ext uri="{FF2B5EF4-FFF2-40B4-BE49-F238E27FC236}">
+                <a16:creationId xmlns:a16="http://schemas.microsoft.com/office/drawing/2014/main" id="{12C7C091-1875-44CE-AA00-5346CB3517FF}"/>
+              </a:ext>
+            </a:extLst>
+          </p:cNvPr>
+          <p:cNvSpPr txBox="1"/>
+          <p:nvPr/>
+        </p:nvSpPr>
+        <p:spPr>
+          <a:xfrm>
+            <a:off x="8430490" y="7944485"/>
+            <a:ext cx="609600" cy="523220"/>
+          </a:xfrm>
+          <a:prstGeom prst="rect">
+            <a:avLst/>
+          </a:prstGeom>
+          <a:noFill/>
+        </p:spPr>
+        <p:txBody>
+          <a:bodyPr wrap="square" rtlCol="0">
+            <a:spAutoFit/>
+          </a:bodyPr>
+          <a:lstStyle/>
+          <a:p>
+            <a:r>
+              <a:rPr lang="en-GB" sz="2800" b="1" dirty="0">
+                <a:latin typeface="Arial" panose="020B0604020202020204" pitchFamily="34" charset="0"/>
+                <a:cs typeface="Arial" panose="020B0604020202020204" pitchFamily="34" charset="0"/>
+              </a:rPr>
+              <a:t>k)</a:t>
+            </a:r>
+          </a:p>
+        </p:txBody>
+      </p:sp>
+      <p:pic>
+        <p:nvPicPr>
+          <p:cNvPr id="6" name="Picture 5" descr="A picture containing shape&#10;&#10;Description automatically generated">
+            <a:extLst>
+              <a:ext uri="{FF2B5EF4-FFF2-40B4-BE49-F238E27FC236}">
+                <a16:creationId xmlns:a16="http://schemas.microsoft.com/office/drawing/2014/main" id="{46FCBFF7-DF13-4031-A9DB-C6757AC3DCC6}"/>
+              </a:ext>
+            </a:extLst>
+          </p:cNvPr>
+          <p:cNvPicPr>
+            <a:picLocks noChangeAspect="1"/>
+          </p:cNvPicPr>
+          <p:nvPr/>
+        </p:nvPicPr>
+        <p:blipFill>
+          <a:blip r:embed="rId17">
+            <a:extLst>
+              <a:ext uri="{28A0092B-C50C-407E-A947-70E740481C1C}">
+                <a14:useLocalDpi xmlns:a14="http://schemas.microsoft.com/office/drawing/2010/main" val="0"/>
+              </a:ext>
+            </a:extLst>
+          </a:blip>
+          <a:stretch>
+            <a:fillRect/>
+          </a:stretch>
+        </p:blipFill>
+        <p:spPr>
+          <a:xfrm>
+            <a:off x="9018471" y="7904909"/>
+            <a:ext cx="694584" cy="694584"/>
+          </a:xfrm>
+          <a:prstGeom prst="rect">
+            <a:avLst/>
+          </a:prstGeom>
+        </p:spPr>
+      </p:pic>
+      <p:sp>
+        <p:nvSpPr>
+          <p:cNvPr id="106" name="Arrow: Down 105">
+            <a:extLst>
+              <a:ext uri="{FF2B5EF4-FFF2-40B4-BE49-F238E27FC236}">
+                <a16:creationId xmlns:a16="http://schemas.microsoft.com/office/drawing/2014/main" id="{990F4968-55C9-4148-AF76-9B7D4AD275C1}"/>
               </a:ext>
             </a:extLst>
           </p:cNvPr>
@@ -5038,8 +7388,8 @@
           <p:nvPr/>
         </p:nvSpPr>
         <p:spPr>
-          <a:xfrm>
-            <a:off x="5270461" y="3279140"/>
+          <a:xfrm rot="5400000">
+            <a:off x="13027626" y="7737716"/>
             <a:ext cx="190500" cy="875844"/>
           </a:xfrm>
           <a:prstGeom prst="downArrow">
@@ -5077,12 +7427,585 @@
           </a:p>
         </p:txBody>
       </p:sp>
+      <mc:AlternateContent xmlns:mc="http://schemas.openxmlformats.org/markup-compatibility/2006">
+        <mc:Choice xmlns:a14="http://schemas.microsoft.com/office/drawing/2010/main" Requires="a14">
+          <p:sp>
+            <p:nvSpPr>
+              <p:cNvPr id="107" name="TextBox 106">
+                <a:extLst>
+                  <a:ext uri="{FF2B5EF4-FFF2-40B4-BE49-F238E27FC236}">
+                    <a16:creationId xmlns:a16="http://schemas.microsoft.com/office/drawing/2014/main" id="{492CEE41-CF2A-40DD-AD83-AE133587F918}"/>
+                  </a:ext>
+                </a:extLst>
+              </p:cNvPr>
+              <p:cNvSpPr txBox="1"/>
+              <p:nvPr/>
+            </p:nvSpPr>
+            <p:spPr>
+              <a:xfrm>
+                <a:off x="-3169414" y="8196647"/>
+                <a:ext cx="6005683" cy="299249"/>
+              </a:xfrm>
+              <a:prstGeom prst="rect">
+                <a:avLst/>
+              </a:prstGeom>
+              <a:noFill/>
+            </p:spPr>
+            <p:txBody>
+              <a:bodyPr wrap="none" lIns="0" tIns="0" rIns="0" bIns="0" rtlCol="0">
+                <a:spAutoFit/>
+              </a:bodyPr>
+              <a:lstStyle/>
+              <a:p>
+                <a14:m>
+                  <m:oMath xmlns:m="http://schemas.openxmlformats.org/officeDocument/2006/math">
+                    <m:sSub>
+                      <m:sSubPr>
+                        <m:ctrlPr>
+                          <a:rPr lang="en-GB" i="1" smtClean="0">
+                            <a:latin typeface="Cambria Math" panose="02040503050406030204" pitchFamily="18" charset="0"/>
+                          </a:rPr>
+                        </m:ctrlPr>
+                      </m:sSubPr>
+                      <m:e>
+                        <m:r>
+                          <a:rPr lang="en-GB" b="0" i="1" smtClean="0">
+                            <a:latin typeface="Cambria Math" panose="02040503050406030204" pitchFamily="18" charset="0"/>
+                          </a:rPr>
+                          <m:t>𝑃𝐸𝐶</m:t>
+                        </m:r>
+                      </m:e>
+                      <m:sub>
+                        <m:r>
+                          <a:rPr lang="en-GB" b="0" i="1" smtClean="0">
+                            <a:latin typeface="Cambria Math" panose="02040503050406030204" pitchFamily="18" charset="0"/>
+                          </a:rPr>
+                          <m:t>𝑒𝑓𝑓𝑙𝑢𝑒𝑛𝑡</m:t>
+                        </m:r>
+                      </m:sub>
+                    </m:sSub>
+                    <m:r>
+                      <a:rPr lang="en-GB" b="0" i="1" smtClean="0">
+                        <a:latin typeface="Cambria Math" panose="02040503050406030204" pitchFamily="18" charset="0"/>
+                      </a:rPr>
+                      <m:t>=</m:t>
+                    </m:r>
+                    <m:sSub>
+                      <m:sSubPr>
+                        <m:ctrlPr>
+                          <a:rPr lang="en-GB" i="1">
+                            <a:latin typeface="Cambria Math" panose="02040503050406030204" pitchFamily="18" charset="0"/>
+                          </a:rPr>
+                        </m:ctrlPr>
+                      </m:sSubPr>
+                      <m:e>
+                        <m:r>
+                          <a:rPr lang="en-GB" i="1">
+                            <a:latin typeface="Cambria Math" panose="02040503050406030204" pitchFamily="18" charset="0"/>
+                          </a:rPr>
+                          <m:t>𝑃𝐸𝐶</m:t>
+                        </m:r>
+                      </m:e>
+                      <m:sub>
+                        <m:r>
+                          <a:rPr lang="en-GB" i="1">
+                            <a:latin typeface="Cambria Math" panose="02040503050406030204" pitchFamily="18" charset="0"/>
+                          </a:rPr>
+                          <m:t>𝑖𝑛𝑓𝑙𝑢𝑒𝑛𝑡</m:t>
+                        </m:r>
+                      </m:sub>
+                    </m:sSub>
+                    <m:r>
+                      <a:rPr lang="en-GB" b="0" i="1" smtClean="0">
+                        <a:latin typeface="Cambria Math" panose="02040503050406030204" pitchFamily="18" charset="0"/>
+                      </a:rPr>
+                      <m:t> </m:t>
+                    </m:r>
+                    <m:r>
+                      <a:rPr lang="en-GB" b="0" i="1" smtClean="0">
+                        <a:latin typeface="Cambria Math" panose="02040503050406030204" pitchFamily="18" charset="0"/>
+                        <a:ea typeface="Cambria Math" panose="02040503050406030204" pitchFamily="18" charset="0"/>
+                      </a:rPr>
+                      <m:t>×(1−</m:t>
+                    </m:r>
+                    <m:r>
+                      <a:rPr lang="en-GB" b="0" i="1" smtClean="0">
+                        <a:latin typeface="Cambria Math" panose="02040503050406030204" pitchFamily="18" charset="0"/>
+                        <a:ea typeface="Cambria Math" panose="02040503050406030204" pitchFamily="18" charset="0"/>
+                      </a:rPr>
+                      <m:t>𝑀𝑒𝑑𝑖𝑐𝑖𝑛𝑒</m:t>
+                    </m:r>
+                    <m:r>
+                      <a:rPr lang="en-GB" b="0" i="1" smtClean="0">
+                        <a:latin typeface="Cambria Math" panose="02040503050406030204" pitchFamily="18" charset="0"/>
+                        <a:ea typeface="Cambria Math" panose="02040503050406030204" pitchFamily="18" charset="0"/>
+                      </a:rPr>
+                      <m:t> </m:t>
+                    </m:r>
+                    <m:r>
+                      <a:rPr lang="en-GB" b="0" i="1" smtClean="0">
+                        <a:latin typeface="Cambria Math" panose="02040503050406030204" pitchFamily="18" charset="0"/>
+                        <a:ea typeface="Cambria Math" panose="02040503050406030204" pitchFamily="18" charset="0"/>
+                      </a:rPr>
+                      <m:t>𝑅𝑒𝑚𝑜𝑣𝑎𝑙</m:t>
+                    </m:r>
+                    <m:r>
+                      <a:rPr lang="en-GB" b="0" i="1" smtClean="0">
+                        <a:latin typeface="Cambria Math" panose="02040503050406030204" pitchFamily="18" charset="0"/>
+                        <a:ea typeface="Cambria Math" panose="02040503050406030204" pitchFamily="18" charset="0"/>
+                      </a:rPr>
+                      <m:t> </m:t>
+                    </m:r>
+                    <m:r>
+                      <a:rPr lang="en-GB" b="0" i="1" smtClean="0">
+                        <a:latin typeface="Cambria Math" panose="02040503050406030204" pitchFamily="18" charset="0"/>
+                        <a:ea typeface="Cambria Math" panose="02040503050406030204" pitchFamily="18" charset="0"/>
+                      </a:rPr>
+                      <m:t>𝑅𝑎𝑡𝑒</m:t>
+                    </m:r>
+                    <m:r>
+                      <a:rPr lang="en-GB" b="0" i="1" smtClean="0">
+                        <a:latin typeface="Cambria Math" panose="02040503050406030204" pitchFamily="18" charset="0"/>
+                        <a:ea typeface="Cambria Math" panose="02040503050406030204" pitchFamily="18" charset="0"/>
+                      </a:rPr>
+                      <m:t>)</m:t>
+                    </m:r>
+                  </m:oMath>
+                </a14:m>
+                <a:r>
+                  <a:rPr lang="en-GB" dirty="0"/>
+                  <a:t> </a:t>
+                </a:r>
+              </a:p>
+            </p:txBody>
+          </p:sp>
+        </mc:Choice>
+        <mc:Fallback>
+          <p:sp>
+            <p:nvSpPr>
+              <p:cNvPr id="107" name="TextBox 106">
+                <a:extLst>
+                  <a:ext uri="{FF2B5EF4-FFF2-40B4-BE49-F238E27FC236}">
+                    <a16:creationId xmlns:a16="http://schemas.microsoft.com/office/drawing/2014/main" id="{492CEE41-CF2A-40DD-AD83-AE133587F918}"/>
+                  </a:ext>
+                </a:extLst>
+              </p:cNvPr>
+              <p:cNvSpPr txBox="1">
+                <a:spLocks noRot="1" noChangeAspect="1" noMove="1" noResize="1" noEditPoints="1" noAdjustHandles="1" noChangeArrowheads="1" noChangeShapeType="1" noTextEdit="1"/>
+              </p:cNvSpPr>
+              <p:nvPr/>
+            </p:nvSpPr>
+            <p:spPr>
+              <a:xfrm>
+                <a:off x="-3169414" y="8196647"/>
+                <a:ext cx="6005683" cy="299249"/>
+              </a:xfrm>
+              <a:prstGeom prst="rect">
+                <a:avLst/>
+              </a:prstGeom>
+              <a:blipFill>
+                <a:blip r:embed="rId18"/>
+                <a:stretch>
+                  <a:fillRect l="-1320" t="-2041" r="-203" b="-28571"/>
+                </a:stretch>
+              </a:blipFill>
+            </p:spPr>
+            <p:txBody>
+              <a:bodyPr/>
+              <a:lstStyle/>
+              <a:p>
+                <a:r>
+                  <a:rPr lang="en-GB">
+                    <a:noFill/>
+                  </a:rPr>
+                  <a:t> </a:t>
+                </a:r>
+              </a:p>
+            </p:txBody>
+          </p:sp>
+        </mc:Fallback>
+      </mc:AlternateContent>
+      <mc:AlternateContent xmlns:mc="http://schemas.openxmlformats.org/markup-compatibility/2006">
+        <mc:Choice xmlns:a14="http://schemas.microsoft.com/office/drawing/2010/main" Requires="a14">
+          <p:sp>
+            <p:nvSpPr>
+              <p:cNvPr id="108" name="TextBox 107">
+                <a:extLst>
+                  <a:ext uri="{FF2B5EF4-FFF2-40B4-BE49-F238E27FC236}">
+                    <a16:creationId xmlns:a16="http://schemas.microsoft.com/office/drawing/2014/main" id="{EBC01BC7-F38D-4EA0-87AC-EE225FA0B84B}"/>
+                  </a:ext>
+                </a:extLst>
+              </p:cNvPr>
+              <p:cNvSpPr txBox="1"/>
+              <p:nvPr/>
+            </p:nvSpPr>
+            <p:spPr>
+              <a:xfrm>
+                <a:off x="-1197825" y="9772713"/>
+                <a:ext cx="3655873" cy="528350"/>
+              </a:xfrm>
+              <a:prstGeom prst="rect">
+                <a:avLst/>
+              </a:prstGeom>
+              <a:noFill/>
+            </p:spPr>
+            <p:txBody>
+              <a:bodyPr wrap="none" lIns="0" tIns="0" rIns="0" bIns="0" rtlCol="0">
+                <a:spAutoFit/>
+              </a:bodyPr>
+              <a:lstStyle/>
+              <a:p>
+                <a14:m>
+                  <m:oMathPara xmlns:m="http://schemas.openxmlformats.org/officeDocument/2006/math">
+                    <m:oMathParaPr>
+                      <m:jc m:val="centerGroup"/>
+                    </m:oMathParaPr>
+                    <m:oMath xmlns:m="http://schemas.openxmlformats.org/officeDocument/2006/math">
+                      <m:sSub>
+                        <m:sSubPr>
+                          <m:ctrlPr>
+                            <a:rPr lang="en-GB" i="1" smtClean="0">
+                              <a:latin typeface="Cambria Math" panose="02040503050406030204" pitchFamily="18" charset="0"/>
+                            </a:rPr>
+                          </m:ctrlPr>
+                        </m:sSubPr>
+                        <m:e>
+                          <m:r>
+                            <a:rPr lang="en-GB" b="0" i="1" smtClean="0">
+                              <a:latin typeface="Cambria Math" panose="02040503050406030204" pitchFamily="18" charset="0"/>
+                            </a:rPr>
+                            <m:t>𝑃𝐸𝐶</m:t>
+                          </m:r>
+                        </m:e>
+                        <m:sub>
+                          <m:r>
+                            <a:rPr lang="en-GB" b="0" i="1" smtClean="0">
+                              <a:latin typeface="Cambria Math" panose="02040503050406030204" pitchFamily="18" charset="0"/>
+                            </a:rPr>
+                            <m:t>𝑠𝑢𝑟𝑓𝑎𝑐𝑒</m:t>
+                          </m:r>
+                          <m:r>
+                            <a:rPr lang="en-GB" b="0" i="1" smtClean="0">
+                              <a:latin typeface="Cambria Math" panose="02040503050406030204" pitchFamily="18" charset="0"/>
+                            </a:rPr>
+                            <m:t> </m:t>
+                          </m:r>
+                          <m:r>
+                            <a:rPr lang="en-GB" b="0" i="1" smtClean="0">
+                              <a:latin typeface="Cambria Math" panose="02040503050406030204" pitchFamily="18" charset="0"/>
+                            </a:rPr>
+                            <m:t>𝑤𝑎𝑡𝑒𝑟</m:t>
+                          </m:r>
+                        </m:sub>
+                      </m:sSub>
+                      <m:r>
+                        <a:rPr lang="en-GB" b="0" i="1" smtClean="0">
+                          <a:latin typeface="Cambria Math" panose="02040503050406030204" pitchFamily="18" charset="0"/>
+                        </a:rPr>
+                        <m:t>=</m:t>
+                      </m:r>
+                      <m:r>
+                        <a:rPr lang="en-GB" b="0" i="1" smtClean="0">
+                          <a:latin typeface="Cambria Math" panose="02040503050406030204" pitchFamily="18" charset="0"/>
+                        </a:rPr>
+                        <m:t> </m:t>
+                      </m:r>
+                      <m:f>
+                        <m:fPr>
+                          <m:ctrlPr>
+                            <a:rPr lang="en-GB" b="0" i="1" smtClean="0">
+                              <a:latin typeface="Cambria Math" panose="02040503050406030204" pitchFamily="18" charset="0"/>
+                              <a:ea typeface="Cambria Math" panose="02040503050406030204" pitchFamily="18" charset="0"/>
+                            </a:rPr>
+                          </m:ctrlPr>
+                        </m:fPr>
+                        <m:num>
+                          <m:sSub>
+                            <m:sSubPr>
+                              <m:ctrlPr>
+                                <a:rPr lang="en-GB" i="1">
+                                  <a:latin typeface="Cambria Math" panose="02040503050406030204" pitchFamily="18" charset="0"/>
+                                </a:rPr>
+                              </m:ctrlPr>
+                            </m:sSubPr>
+                            <m:e>
+                              <m:r>
+                                <a:rPr lang="en-GB" i="1">
+                                  <a:latin typeface="Cambria Math" panose="02040503050406030204" pitchFamily="18" charset="0"/>
+                                </a:rPr>
+                                <m:t>𝑃𝐸𝐶</m:t>
+                              </m:r>
+                            </m:e>
+                            <m:sub>
+                              <m:r>
+                                <a:rPr lang="en-GB" i="1">
+                                  <a:latin typeface="Cambria Math" panose="02040503050406030204" pitchFamily="18" charset="0"/>
+                                </a:rPr>
+                                <m:t>𝑖𝑛𝑓𝑙𝑢𝑒𝑛𝑡</m:t>
+                              </m:r>
+                            </m:sub>
+                          </m:sSub>
+                        </m:num>
+                        <m:den>
+                          <m:r>
+                            <a:rPr lang="en-GB" i="1">
+                              <a:latin typeface="Cambria Math" panose="02040503050406030204" pitchFamily="18" charset="0"/>
+                              <a:ea typeface="Cambria Math" panose="02040503050406030204" pitchFamily="18" charset="0"/>
+                            </a:rPr>
+                            <m:t>𝐷𝑖𝑙𝑢𝑡𝑖𝑜𝑛</m:t>
+                          </m:r>
+                          <m:r>
+                            <a:rPr lang="en-GB" i="1">
+                              <a:latin typeface="Cambria Math" panose="02040503050406030204" pitchFamily="18" charset="0"/>
+                              <a:ea typeface="Cambria Math" panose="02040503050406030204" pitchFamily="18" charset="0"/>
+                            </a:rPr>
+                            <m:t> </m:t>
+                          </m:r>
+                          <m:r>
+                            <a:rPr lang="en-GB" i="1">
+                              <a:latin typeface="Cambria Math" panose="02040503050406030204" pitchFamily="18" charset="0"/>
+                              <a:ea typeface="Cambria Math" panose="02040503050406030204" pitchFamily="18" charset="0"/>
+                            </a:rPr>
+                            <m:t>𝐹𝑎𝑐𝑡𝑜𝑟</m:t>
+                          </m:r>
+                        </m:den>
+                      </m:f>
+                    </m:oMath>
+                  </m:oMathPara>
+                </a14:m>
+                <a:endParaRPr lang="en-GB" dirty="0"/>
+              </a:p>
+            </p:txBody>
+          </p:sp>
+        </mc:Choice>
+        <mc:Fallback>
+          <p:sp>
+            <p:nvSpPr>
+              <p:cNvPr id="108" name="TextBox 107">
+                <a:extLst>
+                  <a:ext uri="{FF2B5EF4-FFF2-40B4-BE49-F238E27FC236}">
+                    <a16:creationId xmlns:a16="http://schemas.microsoft.com/office/drawing/2014/main" id="{EBC01BC7-F38D-4EA0-87AC-EE225FA0B84B}"/>
+                  </a:ext>
+                </a:extLst>
+              </p:cNvPr>
+              <p:cNvSpPr txBox="1">
+                <a:spLocks noRot="1" noChangeAspect="1" noMove="1" noResize="1" noEditPoints="1" noAdjustHandles="1" noChangeArrowheads="1" noChangeShapeType="1" noTextEdit="1"/>
+              </p:cNvSpPr>
+              <p:nvPr/>
+            </p:nvSpPr>
+            <p:spPr>
+              <a:xfrm>
+                <a:off x="-1197825" y="9772713"/>
+                <a:ext cx="3655873" cy="528350"/>
+              </a:xfrm>
+              <a:prstGeom prst="rect">
+                <a:avLst/>
+              </a:prstGeom>
+              <a:blipFill>
+                <a:blip r:embed="rId19"/>
+                <a:stretch>
+                  <a:fillRect/>
+                </a:stretch>
+              </a:blipFill>
+            </p:spPr>
+            <p:txBody>
+              <a:bodyPr/>
+              <a:lstStyle/>
+              <a:p>
+                <a:r>
+                  <a:rPr lang="en-GB">
+                    <a:noFill/>
+                  </a:rPr>
+                  <a:t> </a:t>
+                </a:r>
+              </a:p>
+            </p:txBody>
+          </p:sp>
+        </mc:Fallback>
+      </mc:AlternateContent>
+      <p:grpSp>
+        <p:nvGrpSpPr>
+          <p:cNvPr id="8" name="Group 7">
+            <a:extLst>
+              <a:ext uri="{FF2B5EF4-FFF2-40B4-BE49-F238E27FC236}">
+                <a16:creationId xmlns:a16="http://schemas.microsoft.com/office/drawing/2014/main" id="{AB77D1FB-AE29-48CE-9700-6AB9A4438A6A}"/>
+              </a:ext>
+            </a:extLst>
+          </p:cNvPr>
+          <p:cNvGrpSpPr/>
+          <p:nvPr/>
+        </p:nvGrpSpPr>
+        <p:grpSpPr>
+          <a:xfrm>
+            <a:off x="8900932" y="9586133"/>
+            <a:ext cx="715428" cy="757776"/>
+            <a:chOff x="9018471" y="9582113"/>
+            <a:chExt cx="715428" cy="757776"/>
+          </a:xfrm>
+        </p:grpSpPr>
+        <p:sp>
+          <p:nvSpPr>
+            <p:cNvPr id="7" name="Partial Circle 6">
+              <a:extLst>
+                <a:ext uri="{FF2B5EF4-FFF2-40B4-BE49-F238E27FC236}">
+                  <a16:creationId xmlns:a16="http://schemas.microsoft.com/office/drawing/2014/main" id="{BDFEBDAC-53FC-462D-9966-6DC340AA7518}"/>
+                </a:ext>
+              </a:extLst>
+            </p:cNvPr>
+            <p:cNvSpPr/>
+            <p:nvPr/>
+          </p:nvSpPr>
+          <p:spPr>
+            <a:xfrm>
+              <a:off x="9018471" y="9645305"/>
+              <a:ext cx="694584" cy="694584"/>
+            </a:xfrm>
+            <a:prstGeom prst="pie">
+              <a:avLst>
+                <a:gd name="adj1" fmla="val 18215076"/>
+                <a:gd name="adj2" fmla="val 16200000"/>
+              </a:avLst>
+            </a:prstGeom>
+            <a:solidFill>
+              <a:srgbClr val="99EEFF"/>
+            </a:solidFill>
+            <a:ln>
+              <a:noFill/>
+            </a:ln>
+          </p:spPr>
+          <p:style>
+            <a:lnRef idx="2">
+              <a:schemeClr val="accent1">
+                <a:shade val="50000"/>
+              </a:schemeClr>
+            </a:lnRef>
+            <a:fillRef idx="1">
+              <a:schemeClr val="accent1"/>
+            </a:fillRef>
+            <a:effectRef idx="0">
+              <a:schemeClr val="accent1"/>
+            </a:effectRef>
+            <a:fontRef idx="minor">
+              <a:schemeClr val="lt1"/>
+            </a:fontRef>
+          </p:style>
+          <p:txBody>
+            <a:bodyPr rtlCol="0" anchor="ctr"/>
+            <a:lstStyle/>
+            <a:p>
+              <a:pPr algn="ctr"/>
+              <a:endParaRPr lang="en-GB">
+                <a:solidFill>
+                  <a:schemeClr val="tx1"/>
+                </a:solidFill>
+              </a:endParaRPr>
+            </a:p>
+          </p:txBody>
+        </p:sp>
+        <p:sp>
+          <p:nvSpPr>
+            <p:cNvPr id="109" name="Partial Circle 108">
+              <a:extLst>
+                <a:ext uri="{FF2B5EF4-FFF2-40B4-BE49-F238E27FC236}">
+                  <a16:creationId xmlns:a16="http://schemas.microsoft.com/office/drawing/2014/main" id="{67AA2C7D-3513-4D83-84B2-E6DA96E43674}"/>
+                </a:ext>
+              </a:extLst>
+            </p:cNvPr>
+            <p:cNvSpPr/>
+            <p:nvPr/>
+          </p:nvSpPr>
+          <p:spPr>
+            <a:xfrm>
+              <a:off x="9039315" y="9582113"/>
+              <a:ext cx="694584" cy="694584"/>
+            </a:xfrm>
+            <a:prstGeom prst="pie">
+              <a:avLst>
+                <a:gd name="adj1" fmla="val 16131963"/>
+                <a:gd name="adj2" fmla="val 18218056"/>
+              </a:avLst>
+            </a:prstGeom>
+            <a:solidFill>
+              <a:srgbClr val="B5E6A8"/>
+            </a:solidFill>
+            <a:ln>
+              <a:noFill/>
+            </a:ln>
+          </p:spPr>
+          <p:style>
+            <a:lnRef idx="2">
+              <a:schemeClr val="accent1">
+                <a:shade val="50000"/>
+              </a:schemeClr>
+            </a:lnRef>
+            <a:fillRef idx="1">
+              <a:schemeClr val="accent1"/>
+            </a:fillRef>
+            <a:effectRef idx="0">
+              <a:schemeClr val="accent1"/>
+            </a:effectRef>
+            <a:fontRef idx="minor">
+              <a:schemeClr val="lt1"/>
+            </a:fontRef>
+          </p:style>
+          <p:txBody>
+            <a:bodyPr rtlCol="0" anchor="ctr"/>
+            <a:lstStyle/>
+            <a:p>
+              <a:pPr algn="ctr"/>
+              <a:endParaRPr lang="en-GB">
+                <a:solidFill>
+                  <a:schemeClr val="tx1"/>
+                </a:solidFill>
+              </a:endParaRPr>
+            </a:p>
+          </p:txBody>
+        </p:sp>
+      </p:grpSp>
       <p:sp>
         <p:nvSpPr>
-          <p:cNvPr id="84" name="Arrow: Down 83">
-            <a:extLst>
-              <a:ext uri="{FF2B5EF4-FFF2-40B4-BE49-F238E27FC236}">
-                <a16:creationId xmlns:a16="http://schemas.microsoft.com/office/drawing/2014/main" id="{F6661B96-71F0-5A94-EF30-F448F0C2EEF5}"/>
+          <p:cNvPr id="110" name="TextBox 109">
+            <a:extLst>
+              <a:ext uri="{FF2B5EF4-FFF2-40B4-BE49-F238E27FC236}">
+                <a16:creationId xmlns:a16="http://schemas.microsoft.com/office/drawing/2014/main" id="{5309850E-E948-4AE3-8D15-7D2429918AB7}"/>
+              </a:ext>
+            </a:extLst>
+          </p:cNvPr>
+          <p:cNvSpPr txBox="1"/>
+          <p:nvPr/>
+        </p:nvSpPr>
+        <p:spPr>
+          <a:xfrm>
+            <a:off x="8376320" y="9703411"/>
+            <a:ext cx="663770" cy="523220"/>
+          </a:xfrm>
+          <a:prstGeom prst="rect">
+            <a:avLst/>
+          </a:prstGeom>
+          <a:noFill/>
+        </p:spPr>
+        <p:txBody>
+          <a:bodyPr wrap="square" rtlCol="0">
+            <a:spAutoFit/>
+          </a:bodyPr>
+          <a:lstStyle/>
+          <a:p>
+            <a:r>
+              <a:rPr lang="en-GB" sz="2800" b="1" dirty="0">
+                <a:latin typeface="Arial" panose="020B0604020202020204" pitchFamily="34" charset="0"/>
+                <a:cs typeface="Arial" panose="020B0604020202020204" pitchFamily="34" charset="0"/>
+              </a:rPr>
+              <a:t>n)</a:t>
+            </a:r>
+          </a:p>
+        </p:txBody>
+      </p:sp>
+      <p:sp>
+        <p:nvSpPr>
+          <p:cNvPr id="111" name="Arrow: Down 110">
+            <a:extLst>
+              <a:ext uri="{FF2B5EF4-FFF2-40B4-BE49-F238E27FC236}">
+                <a16:creationId xmlns:a16="http://schemas.microsoft.com/office/drawing/2014/main" id="{E91E92A7-FE30-41E6-AE5C-3F083450716B}"/>
               </a:ext>
             </a:extLst>
           </p:cNvPr>
@@ -5090,8 +8013,8 @@
           <p:nvPr/>
         </p:nvSpPr>
         <p:spPr>
-          <a:xfrm>
-            <a:off x="5270461" y="5006357"/>
+          <a:xfrm rot="5400000">
+            <a:off x="7758044" y="9554675"/>
             <a:ext cx="190500" cy="875844"/>
           </a:xfrm>
           <a:prstGeom prst="downArrow">
@@ -5131,10 +8054,295 @@
       </p:sp>
       <p:sp>
         <p:nvSpPr>
-          <p:cNvPr id="85" name="Arrow: Down 84">
-            <a:extLst>
-              <a:ext uri="{FF2B5EF4-FFF2-40B4-BE49-F238E27FC236}">
-                <a16:creationId xmlns:a16="http://schemas.microsoft.com/office/drawing/2014/main" id="{67BEC61D-B7C3-0347-2CA4-1FA822004584}"/>
+          <p:cNvPr id="112" name="TextBox 111">
+            <a:extLst>
+              <a:ext uri="{FF2B5EF4-FFF2-40B4-BE49-F238E27FC236}">
+                <a16:creationId xmlns:a16="http://schemas.microsoft.com/office/drawing/2014/main" id="{0E5993C8-E4B0-4C50-B420-098EB0F3F0A6}"/>
+              </a:ext>
+            </a:extLst>
+          </p:cNvPr>
+          <p:cNvSpPr txBox="1"/>
+          <p:nvPr/>
+        </p:nvSpPr>
+        <p:spPr>
+          <a:xfrm>
+            <a:off x="9713055" y="9654732"/>
+            <a:ext cx="1659429" cy="646331"/>
+          </a:xfrm>
+          <a:prstGeom prst="rect">
+            <a:avLst/>
+          </a:prstGeom>
+          <a:noFill/>
+        </p:spPr>
+        <p:txBody>
+          <a:bodyPr wrap="none" rtlCol="0">
+            <a:spAutoFit/>
+          </a:bodyPr>
+          <a:lstStyle/>
+          <a:p>
+            <a:r>
+              <a:rPr lang="en-GB" b="1" dirty="0">
+                <a:latin typeface="Arial" panose="020B0604020202020204" pitchFamily="34" charset="0"/>
+                <a:cs typeface="Arial" panose="020B0604020202020204" pitchFamily="34" charset="0"/>
+              </a:rPr>
+              <a:t>Dilution Rate</a:t>
+            </a:r>
+          </a:p>
+          <a:p>
+            <a:r>
+              <a:rPr lang="en-GB" dirty="0">
+                <a:latin typeface="Arial" panose="020B0604020202020204" pitchFamily="34" charset="0"/>
+                <a:cs typeface="Arial" panose="020B0604020202020204" pitchFamily="34" charset="0"/>
+              </a:rPr>
+              <a:t>Fixed (10)</a:t>
+            </a:r>
+          </a:p>
+        </p:txBody>
+      </p:sp>
+      <mc:AlternateContent xmlns:mc="http://schemas.openxmlformats.org/markup-compatibility/2006">
+        <mc:Choice xmlns:a14="http://schemas.microsoft.com/office/drawing/2010/main" Requires="a14">
+          <p:sp>
+            <p:nvSpPr>
+              <p:cNvPr id="113" name="TextBox 112">
+                <a:extLst>
+                  <a:ext uri="{FF2B5EF4-FFF2-40B4-BE49-F238E27FC236}">
+                    <a16:creationId xmlns:a16="http://schemas.microsoft.com/office/drawing/2014/main" id="{89F3A573-91C8-4026-8D24-3E525D4D8D11}"/>
+                  </a:ext>
+                </a:extLst>
+              </p:cNvPr>
+              <p:cNvSpPr txBox="1"/>
+              <p:nvPr/>
+            </p:nvSpPr>
+            <p:spPr>
+              <a:xfrm>
+                <a:off x="-1391683" y="11743921"/>
+                <a:ext cx="3718775" cy="606384"/>
+              </a:xfrm>
+              <a:prstGeom prst="rect">
+                <a:avLst/>
+              </a:prstGeom>
+              <a:noFill/>
+            </p:spPr>
+            <p:txBody>
+              <a:bodyPr wrap="none" lIns="0" tIns="0" rIns="0" bIns="0" rtlCol="0">
+                <a:spAutoFit/>
+              </a:bodyPr>
+              <a:lstStyle/>
+              <a:p>
+                <a14:m>
+                  <m:oMathPara xmlns:m="http://schemas.openxmlformats.org/officeDocument/2006/math">
+                    <m:oMathParaPr>
+                      <m:jc m:val="centerGroup"/>
+                    </m:oMathParaPr>
+                    <m:oMath xmlns:m="http://schemas.openxmlformats.org/officeDocument/2006/math">
+                      <m:sSub>
+                        <m:sSubPr>
+                          <m:ctrlPr>
+                            <a:rPr lang="en-GB" i="1" smtClean="0">
+                              <a:latin typeface="Cambria Math" panose="02040503050406030204" pitchFamily="18" charset="0"/>
+                            </a:rPr>
+                          </m:ctrlPr>
+                        </m:sSubPr>
+                        <m:e>
+                          <m:r>
+                            <a:rPr lang="en-GB" b="0" i="1" smtClean="0">
+                              <a:latin typeface="Cambria Math" panose="02040503050406030204" pitchFamily="18" charset="0"/>
+                            </a:rPr>
+                            <m:t>𝑅𝑄</m:t>
+                          </m:r>
+                        </m:e>
+                        <m:sub>
+                          <m:r>
+                            <a:rPr lang="en-GB" b="0" i="1" smtClean="0">
+                              <a:latin typeface="Cambria Math" panose="02040503050406030204" pitchFamily="18" charset="0"/>
+                            </a:rPr>
+                            <m:t>𝑠𝑢𝑟𝑓𝑎𝑐𝑒</m:t>
+                          </m:r>
+                          <m:r>
+                            <a:rPr lang="en-GB" b="0" i="1" smtClean="0">
+                              <a:latin typeface="Cambria Math" panose="02040503050406030204" pitchFamily="18" charset="0"/>
+                            </a:rPr>
+                            <m:t> </m:t>
+                          </m:r>
+                          <m:r>
+                            <a:rPr lang="en-GB" b="0" i="1" smtClean="0">
+                              <a:latin typeface="Cambria Math" panose="02040503050406030204" pitchFamily="18" charset="0"/>
+                            </a:rPr>
+                            <m:t>𝑤𝑎𝑡𝑒𝑟</m:t>
+                          </m:r>
+                        </m:sub>
+                      </m:sSub>
+                      <m:r>
+                        <a:rPr lang="en-GB" b="0" i="1" smtClean="0">
+                          <a:latin typeface="Cambria Math" panose="02040503050406030204" pitchFamily="18" charset="0"/>
+                        </a:rPr>
+                        <m:t>=</m:t>
+                      </m:r>
+                      <m:r>
+                        <a:rPr lang="en-GB" b="0" i="1" smtClean="0">
+                          <a:latin typeface="Cambria Math" panose="02040503050406030204" pitchFamily="18" charset="0"/>
+                        </a:rPr>
+                        <m:t> </m:t>
+                      </m:r>
+                      <m:f>
+                        <m:fPr>
+                          <m:ctrlPr>
+                            <a:rPr lang="en-GB" b="0" i="1" smtClean="0">
+                              <a:latin typeface="Cambria Math" panose="02040503050406030204" pitchFamily="18" charset="0"/>
+                              <a:ea typeface="Cambria Math" panose="02040503050406030204" pitchFamily="18" charset="0"/>
+                            </a:rPr>
+                          </m:ctrlPr>
+                        </m:fPr>
+                        <m:num>
+                          <m:sSub>
+                            <m:sSubPr>
+                              <m:ctrlPr>
+                                <a:rPr lang="en-GB" i="1">
+                                  <a:latin typeface="Cambria Math" panose="02040503050406030204" pitchFamily="18" charset="0"/>
+                                </a:rPr>
+                              </m:ctrlPr>
+                            </m:sSubPr>
+                            <m:e>
+                              <m:r>
+                                <a:rPr lang="en-GB" i="1">
+                                  <a:latin typeface="Cambria Math" panose="02040503050406030204" pitchFamily="18" charset="0"/>
+                                </a:rPr>
+                                <m:t>𝑃𝐸𝐶</m:t>
+                              </m:r>
+                            </m:e>
+                            <m:sub>
+                              <m:r>
+                                <a:rPr lang="en-GB" i="1">
+                                  <a:latin typeface="Cambria Math" panose="02040503050406030204" pitchFamily="18" charset="0"/>
+                                </a:rPr>
+                                <m:t>𝑠𝑢𝑟𝑓𝑎𝑐𝑒</m:t>
+                              </m:r>
+                              <m:r>
+                                <a:rPr lang="en-GB" i="1">
+                                  <a:latin typeface="Cambria Math" panose="02040503050406030204" pitchFamily="18" charset="0"/>
+                                </a:rPr>
+                                <m:t> </m:t>
+                              </m:r>
+                              <m:r>
+                                <a:rPr lang="en-GB" i="1">
+                                  <a:latin typeface="Cambria Math" panose="02040503050406030204" pitchFamily="18" charset="0"/>
+                                </a:rPr>
+                                <m:t>𝑤𝑎𝑡𝑒𝑟</m:t>
+                              </m:r>
+                            </m:sub>
+                          </m:sSub>
+                        </m:num>
+                        <m:den>
+                          <m:sSub>
+                            <m:sSubPr>
+                              <m:ctrlPr>
+                                <a:rPr lang="en-GB" i="1">
+                                  <a:latin typeface="Cambria Math" panose="02040503050406030204" pitchFamily="18" charset="0"/>
+                                </a:rPr>
+                              </m:ctrlPr>
+                            </m:sSubPr>
+                            <m:e>
+                              <m:r>
+                                <a:rPr lang="en-GB" i="1">
+                                  <a:latin typeface="Cambria Math" panose="02040503050406030204" pitchFamily="18" charset="0"/>
+                                </a:rPr>
+                                <m:t>𝑃</m:t>
+                              </m:r>
+                              <m:r>
+                                <a:rPr lang="en-GB" b="0" i="1" smtClean="0">
+                                  <a:latin typeface="Cambria Math" panose="02040503050406030204" pitchFamily="18" charset="0"/>
+                                </a:rPr>
+                                <m:t>𝑁</m:t>
+                              </m:r>
+                              <m:r>
+                                <a:rPr lang="en-GB" i="1">
+                                  <a:latin typeface="Cambria Math" panose="02040503050406030204" pitchFamily="18" charset="0"/>
+                                </a:rPr>
+                                <m:t>𝐸𝐶</m:t>
+                              </m:r>
+                            </m:e>
+                            <m:sub>
+                              <m:r>
+                                <a:rPr lang="en-GB" i="1">
+                                  <a:latin typeface="Cambria Math" panose="02040503050406030204" pitchFamily="18" charset="0"/>
+                                </a:rPr>
+                                <m:t>𝑠𝑢𝑟𝑓𝑎𝑐𝑒</m:t>
+                              </m:r>
+                              <m:r>
+                                <a:rPr lang="en-GB" i="1">
+                                  <a:latin typeface="Cambria Math" panose="02040503050406030204" pitchFamily="18" charset="0"/>
+                                </a:rPr>
+                                <m:t> </m:t>
+                              </m:r>
+                              <m:r>
+                                <a:rPr lang="en-GB" i="1">
+                                  <a:latin typeface="Cambria Math" panose="02040503050406030204" pitchFamily="18" charset="0"/>
+                                </a:rPr>
+                                <m:t>𝑤𝑎𝑡𝑒𝑟</m:t>
+                              </m:r>
+                            </m:sub>
+                          </m:sSub>
+                        </m:den>
+                      </m:f>
+                    </m:oMath>
+                  </m:oMathPara>
+                </a14:m>
+                <a:endParaRPr lang="en-GB" dirty="0"/>
+              </a:p>
+            </p:txBody>
+          </p:sp>
+        </mc:Choice>
+        <mc:Fallback>
+          <p:sp>
+            <p:nvSpPr>
+              <p:cNvPr id="113" name="TextBox 112">
+                <a:extLst>
+                  <a:ext uri="{FF2B5EF4-FFF2-40B4-BE49-F238E27FC236}">
+                    <a16:creationId xmlns:a16="http://schemas.microsoft.com/office/drawing/2014/main" id="{89F3A573-91C8-4026-8D24-3E525D4D8D11}"/>
+                  </a:ext>
+                </a:extLst>
+              </p:cNvPr>
+              <p:cNvSpPr txBox="1">
+                <a:spLocks noRot="1" noChangeAspect="1" noMove="1" noResize="1" noEditPoints="1" noAdjustHandles="1" noChangeArrowheads="1" noChangeShapeType="1" noTextEdit="1"/>
+              </p:cNvSpPr>
+              <p:nvPr/>
+            </p:nvSpPr>
+            <p:spPr>
+              <a:xfrm>
+                <a:off x="-1391683" y="11743921"/>
+                <a:ext cx="3718775" cy="606384"/>
+              </a:xfrm>
+              <a:prstGeom prst="rect">
+                <a:avLst/>
+              </a:prstGeom>
+              <a:blipFill>
+                <a:blip r:embed="rId20"/>
+                <a:stretch>
+                  <a:fillRect/>
+                </a:stretch>
+              </a:blipFill>
+            </p:spPr>
+            <p:txBody>
+              <a:bodyPr/>
+              <a:lstStyle/>
+              <a:p>
+                <a:r>
+                  <a:rPr lang="en-GB">
+                    <a:noFill/>
+                  </a:rPr>
+                  <a:t> </a:t>
+                </a:r>
+              </a:p>
+            </p:txBody>
+          </p:sp>
+        </mc:Fallback>
+      </mc:AlternateContent>
+      <p:sp>
+        <p:nvSpPr>
+          <p:cNvPr id="114" name="Arrow: Down 113">
+            <a:extLst>
+              <a:ext uri="{FF2B5EF4-FFF2-40B4-BE49-F238E27FC236}">
+                <a16:creationId xmlns:a16="http://schemas.microsoft.com/office/drawing/2014/main" id="{C4223936-1B92-44A4-B9BA-5BFC9D06740B}"/>
               </a:ext>
             </a:extLst>
           </p:cNvPr>
@@ -5142,8 +8350,8 @@
           <p:nvPr/>
         </p:nvSpPr>
         <p:spPr>
-          <a:xfrm>
-            <a:off x="5270461" y="6757731"/>
+          <a:xfrm rot="19014313" flipH="1">
+            <a:off x="5865859" y="12199249"/>
             <a:ext cx="190500" cy="875844"/>
           </a:xfrm>
           <a:prstGeom prst="downArrow">
@@ -5177,270 +8385,1048 @@
           <a:lstStyle/>
           <a:p>
             <a:pPr algn="ctr"/>
-            <a:endParaRPr lang="en-GB"/>
+            <a:endParaRPr lang="en-GB" dirty="0"/>
           </a:p>
         </p:txBody>
       </p:sp>
-      <p:sp>
-        <p:nvSpPr>
-          <p:cNvPr id="86" name="Arrow: Down 85">
-            <a:extLst>
-              <a:ext uri="{FF2B5EF4-FFF2-40B4-BE49-F238E27FC236}">
-                <a16:creationId xmlns:a16="http://schemas.microsoft.com/office/drawing/2014/main" id="{E4BFDF06-28FA-520A-927E-E1E9D56C3A6C}"/>
-              </a:ext>
-            </a:extLst>
-          </p:cNvPr>
-          <p:cNvSpPr/>
+      <p:grpSp>
+        <p:nvGrpSpPr>
+          <p:cNvPr id="22" name="Group 21">
+            <a:extLst>
+              <a:ext uri="{FF2B5EF4-FFF2-40B4-BE49-F238E27FC236}">
+                <a16:creationId xmlns:a16="http://schemas.microsoft.com/office/drawing/2014/main" id="{1FC72797-0BD0-46B8-A92C-F522B5679333}"/>
+              </a:ext>
+            </a:extLst>
+          </p:cNvPr>
+          <p:cNvGrpSpPr/>
           <p:nvPr/>
-        </p:nvSpPr>
-        <p:spPr>
-          <a:xfrm rot="5400000">
-            <a:off x="7700622" y="5839025"/>
-            <a:ext cx="190500" cy="875844"/>
+        </p:nvGrpSpPr>
+        <p:grpSpPr>
+          <a:xfrm>
+            <a:off x="2291362" y="13107994"/>
+            <a:ext cx="2913048" cy="666189"/>
+            <a:chOff x="-2712721" y="12814541"/>
+            <a:chExt cx="2913048" cy="666189"/>
           </a:xfrm>
-          <a:prstGeom prst="downArrow">
-            <a:avLst>
-              <a:gd name="adj1" fmla="val 23333"/>
-              <a:gd name="adj2" fmla="val 123491"/>
-            </a:avLst>
-          </a:prstGeom>
-          <a:ln>
+        </p:grpSpPr>
+        <p:sp>
+          <p:nvSpPr>
+            <p:cNvPr id="55" name="TextBox 54">
+              <a:extLst>
+                <a:ext uri="{FF2B5EF4-FFF2-40B4-BE49-F238E27FC236}">
+                  <a16:creationId xmlns:a16="http://schemas.microsoft.com/office/drawing/2014/main" id="{9951FE14-827F-ADB1-02C0-F7C614B4A792}"/>
+                </a:ext>
+              </a:extLst>
+            </p:cNvPr>
+            <p:cNvSpPr txBox="1"/>
+            <p:nvPr/>
+          </p:nvSpPr>
+          <p:spPr>
+            <a:xfrm>
+              <a:off x="-1446278" y="12834399"/>
+              <a:ext cx="1646605" cy="646331"/>
+            </a:xfrm>
+            <a:prstGeom prst="rect">
+              <a:avLst/>
+            </a:prstGeom>
             <a:noFill/>
-          </a:ln>
-        </p:spPr>
-        <p:style>
-          <a:lnRef idx="2">
-            <a:schemeClr val="accent3">
-              <a:shade val="50000"/>
-            </a:schemeClr>
-          </a:lnRef>
-          <a:fillRef idx="1">
-            <a:schemeClr val="accent3"/>
-          </a:fillRef>
-          <a:effectRef idx="0">
-            <a:schemeClr val="accent3"/>
-          </a:effectRef>
-          <a:fontRef idx="minor">
-            <a:schemeClr val="lt1"/>
-          </a:fontRef>
-        </p:style>
-        <p:txBody>
-          <a:bodyPr rtlCol="0" anchor="ctr"/>
-          <a:lstStyle/>
-          <a:p>
-            <a:pPr algn="ctr"/>
-            <a:endParaRPr lang="en-GB"/>
-          </a:p>
-        </p:txBody>
-      </p:sp>
-      <p:sp>
-        <p:nvSpPr>
-          <p:cNvPr id="87" name="Arrow: Down 86">
-            <a:extLst>
-              <a:ext uri="{FF2B5EF4-FFF2-40B4-BE49-F238E27FC236}">
-                <a16:creationId xmlns:a16="http://schemas.microsoft.com/office/drawing/2014/main" id="{E92C3A97-51FB-4AA1-B5FB-C57F3D5D213F}"/>
-              </a:ext>
-            </a:extLst>
-          </p:cNvPr>
-          <p:cNvSpPr/>
+          </p:spPr>
+          <p:txBody>
+            <a:bodyPr wrap="none" rtlCol="0">
+              <a:spAutoFit/>
+            </a:bodyPr>
+            <a:lstStyle/>
+            <a:p>
+              <a:r>
+                <a:rPr lang="en-GB" b="1" dirty="0">
+                  <a:latin typeface="Arial" panose="020B0604020202020204" pitchFamily="34" charset="0"/>
+                  <a:cs typeface="Arial" panose="020B0604020202020204" pitchFamily="34" charset="0"/>
+                </a:rPr>
+                <a:t>Predicted </a:t>
+              </a:r>
+            </a:p>
+            <a:p>
+              <a:r>
+                <a:rPr lang="en-GB" b="1" dirty="0">
+                  <a:latin typeface="Arial" panose="020B0604020202020204" pitchFamily="34" charset="0"/>
+                  <a:cs typeface="Arial" panose="020B0604020202020204" pitchFamily="34" charset="0"/>
+                </a:rPr>
+                <a:t>Sum of Risks</a:t>
+              </a:r>
+            </a:p>
+          </p:txBody>
+        </p:sp>
+        <p:sp>
+          <p:nvSpPr>
+            <p:cNvPr id="92" name="TextBox 91">
+              <a:extLst>
+                <a:ext uri="{FF2B5EF4-FFF2-40B4-BE49-F238E27FC236}">
+                  <a16:creationId xmlns:a16="http://schemas.microsoft.com/office/drawing/2014/main" id="{6E3095E4-3ACD-4ADF-BCEF-3F81B268D4E9}"/>
+                </a:ext>
+              </a:extLst>
+            </p:cNvPr>
+            <p:cNvSpPr txBox="1"/>
+            <p:nvPr/>
+          </p:nvSpPr>
+          <p:spPr>
+            <a:xfrm>
+              <a:off x="-2712721" y="12832080"/>
+              <a:ext cx="609600" cy="523220"/>
+            </a:xfrm>
+            <a:prstGeom prst="rect">
+              <a:avLst/>
+            </a:prstGeom>
+            <a:noFill/>
+          </p:spPr>
+          <p:txBody>
+            <a:bodyPr wrap="square" rtlCol="0">
+              <a:spAutoFit/>
+            </a:bodyPr>
+            <a:lstStyle/>
+            <a:p>
+              <a:r>
+                <a:rPr lang="en-GB" sz="2800" b="1" dirty="0">
+                  <a:latin typeface="Arial" panose="020B0604020202020204" pitchFamily="34" charset="0"/>
+                  <a:cs typeface="Arial" panose="020B0604020202020204" pitchFamily="34" charset="0"/>
+                </a:rPr>
+                <a:t>p)</a:t>
+              </a:r>
+            </a:p>
+          </p:txBody>
+        </p:sp>
+        <p:grpSp>
+          <p:nvGrpSpPr>
+            <p:cNvPr id="16" name="Group 15">
+              <a:extLst>
+                <a:ext uri="{FF2B5EF4-FFF2-40B4-BE49-F238E27FC236}">
+                  <a16:creationId xmlns:a16="http://schemas.microsoft.com/office/drawing/2014/main" id="{B82D7878-CB5A-4B11-BA2C-AD9D5D4CE122}"/>
+                </a:ext>
+              </a:extLst>
+            </p:cNvPr>
+            <p:cNvGrpSpPr/>
+            <p:nvPr/>
+          </p:nvGrpSpPr>
+          <p:grpSpPr>
+            <a:xfrm>
+              <a:off x="-2103120" y="12814541"/>
+              <a:ext cx="611255" cy="646331"/>
+              <a:chOff x="-2103120" y="12814541"/>
+              <a:chExt cx="611255" cy="646331"/>
+            </a:xfrm>
+          </p:grpSpPr>
+          <p:sp>
+            <p:nvSpPr>
+              <p:cNvPr id="11" name="Rectangle: Rounded Corners 10">
+                <a:extLst>
+                  <a:ext uri="{FF2B5EF4-FFF2-40B4-BE49-F238E27FC236}">
+                    <a16:creationId xmlns:a16="http://schemas.microsoft.com/office/drawing/2014/main" id="{A67145D0-D72A-4FF6-88A1-EB9544912975}"/>
+                  </a:ext>
+                </a:extLst>
+              </p:cNvPr>
+              <p:cNvSpPr/>
+              <p:nvPr/>
+            </p:nvSpPr>
+            <p:spPr>
+              <a:xfrm>
+                <a:off x="-2103120" y="12832080"/>
+                <a:ext cx="611255" cy="611255"/>
+              </a:xfrm>
+              <a:prstGeom prst="roundRect">
+                <a:avLst/>
+              </a:prstGeom>
+              <a:solidFill>
+                <a:srgbClr val="EBA26B"/>
+              </a:solidFill>
+              <a:ln>
+                <a:noFill/>
+              </a:ln>
+            </p:spPr>
+            <p:style>
+              <a:lnRef idx="2">
+                <a:schemeClr val="accent1">
+                  <a:shade val="50000"/>
+                </a:schemeClr>
+              </a:lnRef>
+              <a:fillRef idx="1">
+                <a:schemeClr val="accent1"/>
+              </a:fillRef>
+              <a:effectRef idx="0">
+                <a:schemeClr val="accent1"/>
+              </a:effectRef>
+              <a:fontRef idx="minor">
+                <a:schemeClr val="lt1"/>
+              </a:fontRef>
+            </p:style>
+            <p:txBody>
+              <a:bodyPr rtlCol="0" anchor="ctr"/>
+              <a:lstStyle/>
+              <a:p>
+                <a:pPr algn="ctr"/>
+                <a:endParaRPr lang="en-GB"/>
+              </a:p>
+            </p:txBody>
+          </p:sp>
+          <p:sp>
+            <p:nvSpPr>
+              <p:cNvPr id="14" name="Rectangle 13">
+                <a:extLst>
+                  <a:ext uri="{FF2B5EF4-FFF2-40B4-BE49-F238E27FC236}">
+                    <a16:creationId xmlns:a16="http://schemas.microsoft.com/office/drawing/2014/main" id="{3FDFA530-631F-479E-A305-8DE025BDACDE}"/>
+                  </a:ext>
+                </a:extLst>
+              </p:cNvPr>
+              <p:cNvSpPr/>
+              <p:nvPr/>
+            </p:nvSpPr>
+            <p:spPr>
+              <a:xfrm>
+                <a:off x="-1998029" y="12814541"/>
+                <a:ext cx="401072" cy="646331"/>
+              </a:xfrm>
+              <a:prstGeom prst="rect">
+                <a:avLst/>
+              </a:prstGeom>
+            </p:spPr>
+            <p:txBody>
+              <a:bodyPr wrap="none">
+                <a:spAutoFit/>
+              </a:bodyPr>
+              <a:lstStyle/>
+              <a:p>
+                <a:r>
+                  <a:rPr lang="en-GB" sz="3600" b="1" dirty="0">
+                    <a:solidFill>
+                      <a:srgbClr val="E1721F"/>
+                    </a:solidFill>
+                    <a:latin typeface="Arial Rounded MT Bold" panose="020F0704030504030204" pitchFamily="34" charset="0"/>
+                  </a:rPr>
+                  <a:t>Σ</a:t>
+                </a:r>
+              </a:p>
+            </p:txBody>
+          </p:sp>
+          <p:sp>
+            <p:nvSpPr>
+              <p:cNvPr id="15" name="Arc 14">
+                <a:extLst>
+                  <a:ext uri="{FF2B5EF4-FFF2-40B4-BE49-F238E27FC236}">
+                    <a16:creationId xmlns:a16="http://schemas.microsoft.com/office/drawing/2014/main" id="{23E7AAF3-8822-49E0-9C4D-DE2254129CD8}"/>
+                  </a:ext>
+                </a:extLst>
+              </p:cNvPr>
+              <p:cNvSpPr/>
+              <p:nvPr/>
+            </p:nvSpPr>
+            <p:spPr>
+              <a:xfrm>
+                <a:off x="-1623317" y="12892087"/>
+                <a:ext cx="78906" cy="78906"/>
+              </a:xfrm>
+              <a:prstGeom prst="arc">
+                <a:avLst/>
+              </a:prstGeom>
+              <a:ln w="41275" cap="rnd">
+                <a:solidFill>
+                  <a:schemeClr val="bg1"/>
+                </a:solidFill>
+              </a:ln>
+            </p:spPr>
+            <p:style>
+              <a:lnRef idx="1">
+                <a:schemeClr val="accent1"/>
+              </a:lnRef>
+              <a:fillRef idx="0">
+                <a:schemeClr val="accent1"/>
+              </a:fillRef>
+              <a:effectRef idx="0">
+                <a:schemeClr val="accent1"/>
+              </a:effectRef>
+              <a:fontRef idx="minor">
+                <a:schemeClr val="tx1"/>
+              </a:fontRef>
+            </p:style>
+            <p:txBody>
+              <a:bodyPr rtlCol="0" anchor="ctr"/>
+              <a:lstStyle/>
+              <a:p>
+                <a:pPr algn="ctr"/>
+                <a:endParaRPr lang="en-GB"/>
+              </a:p>
+            </p:txBody>
+          </p:sp>
+        </p:grpSp>
+      </p:grpSp>
+      <p:grpSp>
+        <p:nvGrpSpPr>
+          <p:cNvPr id="121" name="Group 120">
+            <a:extLst>
+              <a:ext uri="{FF2B5EF4-FFF2-40B4-BE49-F238E27FC236}">
+                <a16:creationId xmlns:a16="http://schemas.microsoft.com/office/drawing/2014/main" id="{F784389C-E17A-477A-8E10-F9E2A60FB0E5}"/>
+              </a:ext>
+            </a:extLst>
+          </p:cNvPr>
+          <p:cNvGrpSpPr/>
           <p:nvPr/>
-        </p:nvSpPr>
-        <p:spPr>
-          <a:xfrm rot="5400000">
-            <a:off x="7700622" y="4122270"/>
-            <a:ext cx="190500" cy="875844"/>
+        </p:nvGrpSpPr>
+        <p:grpSpPr>
+          <a:xfrm>
+            <a:off x="5807876" y="12989709"/>
+            <a:ext cx="4078178" cy="923330"/>
+            <a:chOff x="-2712721" y="12710560"/>
+            <a:chExt cx="4078178" cy="923330"/>
           </a:xfrm>
-          <a:prstGeom prst="downArrow">
-            <a:avLst>
-              <a:gd name="adj1" fmla="val 23333"/>
-              <a:gd name="adj2" fmla="val 123491"/>
-            </a:avLst>
-          </a:prstGeom>
-          <a:ln>
+        </p:grpSpPr>
+        <p:sp>
+          <p:nvSpPr>
+            <p:cNvPr id="122" name="TextBox 121">
+              <a:extLst>
+                <a:ext uri="{FF2B5EF4-FFF2-40B4-BE49-F238E27FC236}">
+                  <a16:creationId xmlns:a16="http://schemas.microsoft.com/office/drawing/2014/main" id="{F4F268FE-C29F-46CA-B56A-8AA6172DA996}"/>
+                </a:ext>
+              </a:extLst>
+            </p:cNvPr>
+            <p:cNvSpPr txBox="1"/>
+            <p:nvPr/>
+          </p:nvSpPr>
+          <p:spPr>
+            <a:xfrm>
+              <a:off x="-1460958" y="12710560"/>
+              <a:ext cx="2826415" cy="923330"/>
+            </a:xfrm>
+            <a:prstGeom prst="rect">
+              <a:avLst/>
+            </a:prstGeom>
             <a:noFill/>
-          </a:ln>
-        </p:spPr>
-        <p:style>
-          <a:lnRef idx="2">
-            <a:schemeClr val="accent3">
-              <a:shade val="50000"/>
-            </a:schemeClr>
-          </a:lnRef>
-          <a:fillRef idx="1">
-            <a:schemeClr val="accent3"/>
-          </a:fillRef>
-          <a:effectRef idx="0">
-            <a:schemeClr val="accent3"/>
-          </a:effectRef>
-          <a:fontRef idx="minor">
-            <a:schemeClr val="lt1"/>
-          </a:fontRef>
-        </p:style>
-        <p:txBody>
-          <a:bodyPr rtlCol="0" anchor="ctr"/>
-          <a:lstStyle/>
-          <a:p>
-            <a:pPr algn="ctr"/>
-            <a:endParaRPr lang="en-GB"/>
-          </a:p>
-        </p:txBody>
-      </p:sp>
-      <p:sp>
-        <p:nvSpPr>
-          <p:cNvPr id="88" name="Arrow: Down 87">
-            <a:extLst>
-              <a:ext uri="{FF2B5EF4-FFF2-40B4-BE49-F238E27FC236}">
-                <a16:creationId xmlns:a16="http://schemas.microsoft.com/office/drawing/2014/main" id="{82196E97-26F7-B4B1-1D69-ECC33CFF94AB}"/>
-              </a:ext>
-            </a:extLst>
-          </p:cNvPr>
-          <p:cNvSpPr/>
-          <p:nvPr/>
-        </p:nvSpPr>
-        <p:spPr>
-          <a:xfrm>
-            <a:off x="5270461" y="8509105"/>
-            <a:ext cx="190500" cy="875844"/>
-          </a:xfrm>
-          <a:prstGeom prst="downArrow">
-            <a:avLst>
-              <a:gd name="adj1" fmla="val 23333"/>
-              <a:gd name="adj2" fmla="val 123491"/>
-            </a:avLst>
-          </a:prstGeom>
-          <a:ln>
+          </p:spPr>
+          <p:txBody>
+            <a:bodyPr wrap="none" rtlCol="0">
+              <a:spAutoFit/>
+            </a:bodyPr>
+            <a:lstStyle/>
+            <a:p>
+              <a:r>
+                <a:rPr lang="en-GB" b="1" dirty="0">
+                  <a:latin typeface="Arial" panose="020B0604020202020204" pitchFamily="34" charset="0"/>
+                  <a:cs typeface="Arial" panose="020B0604020202020204" pitchFamily="34" charset="0"/>
+                </a:rPr>
+                <a:t>Predicted </a:t>
+              </a:r>
+            </a:p>
+            <a:p>
+              <a:r>
+                <a:rPr lang="en-GB" b="1" dirty="0">
+                  <a:latin typeface="Arial" panose="020B0604020202020204" pitchFamily="34" charset="0"/>
+                  <a:cs typeface="Arial" panose="020B0604020202020204" pitchFamily="34" charset="0"/>
+                </a:rPr>
+                <a:t>Joint Probability of Risk</a:t>
+              </a:r>
+            </a:p>
+            <a:p>
+              <a:r>
+                <a:rPr lang="en-GB" b="1" dirty="0">
+                  <a:latin typeface="Arial" panose="020B0604020202020204" pitchFamily="34" charset="0"/>
+                  <a:cs typeface="Arial" panose="020B0604020202020204" pitchFamily="34" charset="0"/>
+                </a:rPr>
+                <a:t>Threshold Exceedance</a:t>
+              </a:r>
+            </a:p>
+          </p:txBody>
+        </p:sp>
+        <p:sp>
+          <p:nvSpPr>
+            <p:cNvPr id="123" name="TextBox 122">
+              <a:extLst>
+                <a:ext uri="{FF2B5EF4-FFF2-40B4-BE49-F238E27FC236}">
+                  <a16:creationId xmlns:a16="http://schemas.microsoft.com/office/drawing/2014/main" id="{C47F77CE-3843-4A7F-8DAB-959C3FC2A60E}"/>
+                </a:ext>
+              </a:extLst>
+            </p:cNvPr>
+            <p:cNvSpPr txBox="1"/>
+            <p:nvPr/>
+          </p:nvSpPr>
+          <p:spPr>
+            <a:xfrm>
+              <a:off x="-2712721" y="12832080"/>
+              <a:ext cx="609600" cy="523220"/>
+            </a:xfrm>
+            <a:prstGeom prst="rect">
+              <a:avLst/>
+            </a:prstGeom>
             <a:noFill/>
-          </a:ln>
-        </p:spPr>
-        <p:style>
-          <a:lnRef idx="2">
-            <a:schemeClr val="accent3">
-              <a:shade val="50000"/>
-            </a:schemeClr>
-          </a:lnRef>
-          <a:fillRef idx="1">
-            <a:schemeClr val="accent3"/>
-          </a:fillRef>
-          <a:effectRef idx="0">
-            <a:schemeClr val="accent3"/>
-          </a:effectRef>
-          <a:fontRef idx="minor">
-            <a:schemeClr val="lt1"/>
-          </a:fontRef>
-        </p:style>
-        <p:txBody>
-          <a:bodyPr rtlCol="0" anchor="ctr"/>
-          <a:lstStyle/>
-          <a:p>
-            <a:pPr algn="ctr"/>
-            <a:endParaRPr lang="en-GB"/>
-          </a:p>
-        </p:txBody>
-      </p:sp>
-      <p:sp>
-        <p:nvSpPr>
-          <p:cNvPr id="89" name="Arrow: Down 88">
-            <a:extLst>
-              <a:ext uri="{FF2B5EF4-FFF2-40B4-BE49-F238E27FC236}">
-                <a16:creationId xmlns:a16="http://schemas.microsoft.com/office/drawing/2014/main" id="{243B0228-BFE9-9290-4DEA-316F18F43412}"/>
-              </a:ext>
-            </a:extLst>
-          </p:cNvPr>
-          <p:cNvSpPr/>
-          <p:nvPr/>
-        </p:nvSpPr>
-        <p:spPr>
-          <a:xfrm rot="5400000">
-            <a:off x="7700622" y="9368978"/>
-            <a:ext cx="190500" cy="875844"/>
-          </a:xfrm>
-          <a:prstGeom prst="downArrow">
-            <a:avLst>
-              <a:gd name="adj1" fmla="val 23333"/>
-              <a:gd name="adj2" fmla="val 123491"/>
-            </a:avLst>
-          </a:prstGeom>
-          <a:ln>
-            <a:noFill/>
-          </a:ln>
-        </p:spPr>
-        <p:style>
-          <a:lnRef idx="2">
-            <a:schemeClr val="accent3">
-              <a:shade val="50000"/>
-            </a:schemeClr>
-          </a:lnRef>
-          <a:fillRef idx="1">
-            <a:schemeClr val="accent3"/>
-          </a:fillRef>
-          <a:effectRef idx="0">
-            <a:schemeClr val="accent3"/>
-          </a:effectRef>
-          <a:fontRef idx="minor">
-            <a:schemeClr val="lt1"/>
-          </a:fontRef>
-        </p:style>
-        <p:txBody>
-          <a:bodyPr rtlCol="0" anchor="ctr"/>
-          <a:lstStyle/>
-          <a:p>
-            <a:pPr algn="ctr"/>
-            <a:endParaRPr lang="en-GB"/>
-          </a:p>
-        </p:txBody>
-      </p:sp>
-      <p:sp>
-        <p:nvSpPr>
-          <p:cNvPr id="90" name="Arrow: Down 89">
-            <a:extLst>
-              <a:ext uri="{FF2B5EF4-FFF2-40B4-BE49-F238E27FC236}">
-                <a16:creationId xmlns:a16="http://schemas.microsoft.com/office/drawing/2014/main" id="{9D4D0254-488D-6C79-5A41-A213A1ECD8C4}"/>
-              </a:ext>
-            </a:extLst>
-          </p:cNvPr>
-          <p:cNvSpPr/>
-          <p:nvPr/>
-        </p:nvSpPr>
-        <p:spPr>
-          <a:xfrm>
-            <a:off x="5270461" y="10260479"/>
-            <a:ext cx="190500" cy="875844"/>
-          </a:xfrm>
-          <a:prstGeom prst="downArrow">
-            <a:avLst>
-              <a:gd name="adj1" fmla="val 23333"/>
-              <a:gd name="adj2" fmla="val 123491"/>
-            </a:avLst>
-          </a:prstGeom>
-          <a:ln>
-            <a:noFill/>
-          </a:ln>
-        </p:spPr>
-        <p:style>
-          <a:lnRef idx="2">
-            <a:schemeClr val="accent3">
-              <a:shade val="50000"/>
-            </a:schemeClr>
-          </a:lnRef>
-          <a:fillRef idx="1">
-            <a:schemeClr val="accent3"/>
-          </a:fillRef>
-          <a:effectRef idx="0">
-            <a:schemeClr val="accent3"/>
-          </a:effectRef>
-          <a:fontRef idx="minor">
-            <a:schemeClr val="lt1"/>
-          </a:fontRef>
-        </p:style>
-        <p:txBody>
-          <a:bodyPr rtlCol="0" anchor="ctr"/>
-          <a:lstStyle/>
-          <a:p>
-            <a:pPr algn="ctr"/>
-            <a:endParaRPr lang="en-GB"/>
-          </a:p>
-        </p:txBody>
-      </p:sp>
+          </p:spPr>
+          <p:txBody>
+            <a:bodyPr wrap="square" rtlCol="0">
+              <a:spAutoFit/>
+            </a:bodyPr>
+            <a:lstStyle/>
+            <a:p>
+              <a:r>
+                <a:rPr lang="en-GB" sz="2800" b="1" dirty="0">
+                  <a:latin typeface="Arial" panose="020B0604020202020204" pitchFamily="34" charset="0"/>
+                  <a:cs typeface="Arial" panose="020B0604020202020204" pitchFamily="34" charset="0"/>
+                </a:rPr>
+                <a:t>q)</a:t>
+              </a:r>
+            </a:p>
+          </p:txBody>
+        </p:sp>
+        <p:grpSp>
+          <p:nvGrpSpPr>
+            <p:cNvPr id="124" name="Group 123">
+              <a:extLst>
+                <a:ext uri="{FF2B5EF4-FFF2-40B4-BE49-F238E27FC236}">
+                  <a16:creationId xmlns:a16="http://schemas.microsoft.com/office/drawing/2014/main" id="{5BD332ED-DEC1-4E50-AE72-6C123775EAEA}"/>
+                </a:ext>
+              </a:extLst>
+            </p:cNvPr>
+            <p:cNvGrpSpPr/>
+            <p:nvPr/>
+          </p:nvGrpSpPr>
+          <p:grpSpPr>
+            <a:xfrm>
+              <a:off x="-2103120" y="12828127"/>
+              <a:ext cx="611255" cy="615208"/>
+              <a:chOff x="-2103120" y="12828127"/>
+              <a:chExt cx="611255" cy="615208"/>
+            </a:xfrm>
+          </p:grpSpPr>
+          <p:sp>
+            <p:nvSpPr>
+              <p:cNvPr id="125" name="Rectangle: Rounded Corners 124">
+                <a:extLst>
+                  <a:ext uri="{FF2B5EF4-FFF2-40B4-BE49-F238E27FC236}">
+                    <a16:creationId xmlns:a16="http://schemas.microsoft.com/office/drawing/2014/main" id="{D477DAB5-05DF-4966-8FE1-C742ACCD9BB6}"/>
+                  </a:ext>
+                </a:extLst>
+              </p:cNvPr>
+              <p:cNvSpPr/>
+              <p:nvPr/>
+            </p:nvSpPr>
+            <p:spPr>
+              <a:xfrm>
+                <a:off x="-2103120" y="12832080"/>
+                <a:ext cx="611255" cy="611255"/>
+              </a:xfrm>
+              <a:prstGeom prst="roundRect">
+                <a:avLst/>
+              </a:prstGeom>
+              <a:solidFill>
+                <a:srgbClr val="EBA26B"/>
+              </a:solidFill>
+              <a:ln>
+                <a:noFill/>
+              </a:ln>
+            </p:spPr>
+            <p:style>
+              <a:lnRef idx="2">
+                <a:schemeClr val="accent1">
+                  <a:shade val="50000"/>
+                </a:schemeClr>
+              </a:lnRef>
+              <a:fillRef idx="1">
+                <a:schemeClr val="accent1"/>
+              </a:fillRef>
+              <a:effectRef idx="0">
+                <a:schemeClr val="accent1"/>
+              </a:effectRef>
+              <a:fontRef idx="minor">
+                <a:schemeClr val="lt1"/>
+              </a:fontRef>
+            </p:style>
+            <p:txBody>
+              <a:bodyPr rtlCol="0" anchor="ctr"/>
+              <a:lstStyle/>
+              <a:p>
+                <a:pPr algn="ctr"/>
+                <a:endParaRPr lang="en-GB"/>
+              </a:p>
+            </p:txBody>
+          </p:sp>
+          <p:sp>
+            <p:nvSpPr>
+              <p:cNvPr id="126" name="Rectangle 125">
+                <a:extLst>
+                  <a:ext uri="{FF2B5EF4-FFF2-40B4-BE49-F238E27FC236}">
+                    <a16:creationId xmlns:a16="http://schemas.microsoft.com/office/drawing/2014/main" id="{8C6B6632-9E0D-45E9-A1EA-B1C7EEB81E62}"/>
+                  </a:ext>
+                </a:extLst>
+              </p:cNvPr>
+              <p:cNvSpPr/>
+              <p:nvPr/>
+            </p:nvSpPr>
+            <p:spPr>
+              <a:xfrm>
+                <a:off x="-2053227" y="12828127"/>
+                <a:ext cx="506324" cy="584775"/>
+              </a:xfrm>
+              <a:prstGeom prst="rect">
+                <a:avLst/>
+              </a:prstGeom>
+            </p:spPr>
+            <p:txBody>
+              <a:bodyPr wrap="square">
+                <a:spAutoFit/>
+              </a:bodyPr>
+              <a:lstStyle/>
+              <a:p>
+                <a:r>
+                  <a:rPr lang="en-GB" sz="3200" b="1" dirty="0">
+                    <a:solidFill>
+                      <a:srgbClr val="E1721F"/>
+                    </a:solidFill>
+                    <a:latin typeface="Arial Rounded MT Bold" panose="020F0704030504030204" pitchFamily="34" charset="0"/>
+                  </a:rPr>
+                  <a:t>⋂</a:t>
+                </a:r>
+              </a:p>
+            </p:txBody>
+          </p:sp>
+          <p:sp>
+            <p:nvSpPr>
+              <p:cNvPr id="127" name="Arc 126">
+                <a:extLst>
+                  <a:ext uri="{FF2B5EF4-FFF2-40B4-BE49-F238E27FC236}">
+                    <a16:creationId xmlns:a16="http://schemas.microsoft.com/office/drawing/2014/main" id="{ACBB7E80-8534-4431-BCDC-30C8FC103867}"/>
+                  </a:ext>
+                </a:extLst>
+              </p:cNvPr>
+              <p:cNvSpPr/>
+              <p:nvPr/>
+            </p:nvSpPr>
+            <p:spPr>
+              <a:xfrm>
+                <a:off x="-1623317" y="12892087"/>
+                <a:ext cx="78906" cy="78906"/>
+              </a:xfrm>
+              <a:prstGeom prst="arc">
+                <a:avLst/>
+              </a:prstGeom>
+              <a:ln w="41275" cap="rnd">
+                <a:solidFill>
+                  <a:schemeClr val="bg1"/>
+                </a:solidFill>
+              </a:ln>
+            </p:spPr>
+            <p:style>
+              <a:lnRef idx="1">
+                <a:schemeClr val="accent1"/>
+              </a:lnRef>
+              <a:fillRef idx="0">
+                <a:schemeClr val="accent1"/>
+              </a:fillRef>
+              <a:effectRef idx="0">
+                <a:schemeClr val="accent1"/>
+              </a:effectRef>
+              <a:fontRef idx="minor">
+                <a:schemeClr val="tx1"/>
+              </a:fontRef>
+            </p:style>
+            <p:txBody>
+              <a:bodyPr rtlCol="0" anchor="ctr"/>
+              <a:lstStyle/>
+              <a:p>
+                <a:pPr algn="ctr"/>
+                <a:endParaRPr lang="en-GB"/>
+              </a:p>
+            </p:txBody>
+          </p:sp>
+        </p:grpSp>
+      </p:grpSp>
+      <mc:AlternateContent xmlns:mc="http://schemas.openxmlformats.org/markup-compatibility/2006">
+        <mc:Choice xmlns:a14="http://schemas.microsoft.com/office/drawing/2010/main" Requires="a14">
+          <p:sp>
+            <p:nvSpPr>
+              <p:cNvPr id="128" name="TextBox 127">
+                <a:extLst>
+                  <a:ext uri="{FF2B5EF4-FFF2-40B4-BE49-F238E27FC236}">
+                    <a16:creationId xmlns:a16="http://schemas.microsoft.com/office/drawing/2014/main" id="{EB99E14E-2448-4D56-8D36-551554C60E2F}"/>
+                  </a:ext>
+                </a:extLst>
+              </p:cNvPr>
+              <p:cNvSpPr txBox="1"/>
+              <p:nvPr/>
+            </p:nvSpPr>
+            <p:spPr>
+              <a:xfrm>
+                <a:off x="-2826537" y="13115636"/>
+                <a:ext cx="5031954" cy="670761"/>
+              </a:xfrm>
+              <a:prstGeom prst="rect">
+                <a:avLst/>
+              </a:prstGeom>
+              <a:noFill/>
+            </p:spPr>
+            <p:txBody>
+              <a:bodyPr wrap="none" lIns="0" tIns="0" rIns="0" bIns="0" rtlCol="0">
+                <a:spAutoFit/>
+              </a:bodyPr>
+              <a:lstStyle/>
+              <a:p>
+                <a14:m>
+                  <m:oMathPara xmlns:m="http://schemas.openxmlformats.org/officeDocument/2006/math">
+                    <m:oMathParaPr>
+                      <m:jc m:val="centerGroup"/>
+                    </m:oMathParaPr>
+                    <m:oMath xmlns:m="http://schemas.openxmlformats.org/officeDocument/2006/math">
+                      <m:nary>
+                        <m:naryPr>
+                          <m:chr m:val="∑"/>
+                          <m:subHide m:val="on"/>
+                          <m:supHide m:val="on"/>
+                          <m:ctrlPr>
+                            <a:rPr lang="en-GB" b="0" i="1" smtClean="0">
+                              <a:latin typeface="Cambria Math" panose="02040503050406030204" pitchFamily="18" charset="0"/>
+                            </a:rPr>
+                          </m:ctrlPr>
+                        </m:naryPr>
+                        <m:sub/>
+                        <m:sup/>
+                        <m:e>
+                          <m:r>
+                            <a:rPr lang="en-GB" b="0" i="1" smtClean="0">
+                              <a:latin typeface="Cambria Math" panose="02040503050406030204" pitchFamily="18" charset="0"/>
+                            </a:rPr>
+                            <m:t>𝑅𝑄</m:t>
+                          </m:r>
+                        </m:e>
+                      </m:nary>
+                      <m:r>
+                        <a:rPr lang="en-GB" b="0" i="1" smtClean="0">
+                          <a:latin typeface="Cambria Math" panose="02040503050406030204" pitchFamily="18" charset="0"/>
+                        </a:rPr>
+                        <m:t>=(</m:t>
+                      </m:r>
+                      <m:sSub>
+                        <m:sSubPr>
+                          <m:ctrlPr>
+                            <a:rPr lang="en-GB" b="0" i="1" smtClean="0">
+                              <a:latin typeface="Cambria Math" panose="02040503050406030204" pitchFamily="18" charset="0"/>
+                            </a:rPr>
+                          </m:ctrlPr>
+                        </m:sSubPr>
+                        <m:e>
+                          <m:r>
+                            <a:rPr lang="en-GB" b="0" i="1" smtClean="0">
+                              <a:latin typeface="Cambria Math" panose="02040503050406030204" pitchFamily="18" charset="0"/>
+                            </a:rPr>
+                            <m:t>𝑅𝑄</m:t>
+                          </m:r>
+                        </m:e>
+                        <m:sub>
+                          <m:r>
+                            <a:rPr lang="en-GB" i="1">
+                              <a:latin typeface="Cambria Math" panose="02040503050406030204" pitchFamily="18" charset="0"/>
+                            </a:rPr>
+                            <m:t>𝑐𝑖𝑝𝑟𝑜𝑓𝑙𝑜𝑥𝑎𝑐𝑖𝑛</m:t>
+                          </m:r>
+                        </m:sub>
+                      </m:sSub>
+                      <m:r>
+                        <a:rPr lang="en-GB" b="0" i="1" smtClean="0">
+                          <a:latin typeface="Cambria Math" panose="02040503050406030204" pitchFamily="18" charset="0"/>
+                        </a:rPr>
+                        <m:t>+</m:t>
+                      </m:r>
+                      <m:d>
+                        <m:dPr>
+                          <m:begChr m:val="["/>
+                          <m:endChr m:val="]"/>
+                          <m:ctrlPr>
+                            <a:rPr lang="en-GB" b="0" i="1" smtClean="0">
+                              <a:latin typeface="Cambria Math" panose="02040503050406030204" pitchFamily="18" charset="0"/>
+                            </a:rPr>
+                          </m:ctrlPr>
+                        </m:dPr>
+                        <m:e>
+                          <m:r>
+                            <a:rPr lang="en-GB" b="0" i="1" smtClean="0">
+                              <a:latin typeface="Cambria Math" panose="02040503050406030204" pitchFamily="18" charset="0"/>
+                            </a:rPr>
+                            <m:t>…</m:t>
+                          </m:r>
+                        </m:e>
+                      </m:d>
+                      <m:r>
+                        <a:rPr lang="en-GB" b="0" i="1" smtClean="0">
+                          <a:latin typeface="Cambria Math" panose="02040503050406030204" pitchFamily="18" charset="0"/>
+                        </a:rPr>
+                        <m:t>+ </m:t>
+                      </m:r>
+                      <m:sSub>
+                        <m:sSubPr>
+                          <m:ctrlPr>
+                            <a:rPr lang="en-GB" b="0" i="1" smtClean="0">
+                              <a:latin typeface="Cambria Math" panose="02040503050406030204" pitchFamily="18" charset="0"/>
+                            </a:rPr>
+                          </m:ctrlPr>
+                        </m:sSubPr>
+                        <m:e>
+                          <m:r>
+                            <a:rPr lang="en-GB" b="0" i="1" smtClean="0">
+                              <a:latin typeface="Cambria Math" panose="02040503050406030204" pitchFamily="18" charset="0"/>
+                            </a:rPr>
+                            <m:t>𝑅𝑄</m:t>
+                          </m:r>
+                        </m:e>
+                        <m:sub>
+                          <m:r>
+                            <a:rPr lang="en-GB" b="0" i="1" smtClean="0">
+                              <a:latin typeface="Cambria Math" panose="02040503050406030204" pitchFamily="18" charset="0"/>
+                            </a:rPr>
+                            <m:t>𝑝𝑎𝑟𝑎𝑐𝑒𝑡𝑎𝑚𝑜𝑙</m:t>
+                          </m:r>
+                        </m:sub>
+                      </m:sSub>
+                      <m:r>
+                        <a:rPr lang="en-GB" b="0" i="1" smtClean="0">
+                          <a:latin typeface="Cambria Math" panose="02040503050406030204" pitchFamily="18" charset="0"/>
+                        </a:rPr>
+                        <m:t>)</m:t>
+                      </m:r>
+                    </m:oMath>
+                  </m:oMathPara>
+                </a14:m>
+                <a:endParaRPr lang="en-GB" dirty="0"/>
+              </a:p>
+            </p:txBody>
+          </p:sp>
+        </mc:Choice>
+        <mc:Fallback>
+          <p:sp>
+            <p:nvSpPr>
+              <p:cNvPr id="128" name="TextBox 127">
+                <a:extLst>
+                  <a:ext uri="{FF2B5EF4-FFF2-40B4-BE49-F238E27FC236}">
+                    <a16:creationId xmlns:a16="http://schemas.microsoft.com/office/drawing/2014/main" id="{EB99E14E-2448-4D56-8D36-551554C60E2F}"/>
+                  </a:ext>
+                </a:extLst>
+              </p:cNvPr>
+              <p:cNvSpPr txBox="1">
+                <a:spLocks noRot="1" noChangeAspect="1" noMove="1" noResize="1" noEditPoints="1" noAdjustHandles="1" noChangeArrowheads="1" noChangeShapeType="1" noTextEdit="1"/>
+              </p:cNvSpPr>
+              <p:nvPr/>
+            </p:nvSpPr>
+            <p:spPr>
+              <a:xfrm>
+                <a:off x="-2826537" y="13115636"/>
+                <a:ext cx="5031954" cy="670761"/>
+              </a:xfrm>
+              <a:prstGeom prst="rect">
+                <a:avLst/>
+              </a:prstGeom>
+              <a:blipFill>
+                <a:blip r:embed="rId21"/>
+                <a:stretch>
+                  <a:fillRect/>
+                </a:stretch>
+              </a:blipFill>
+            </p:spPr>
+            <p:txBody>
+              <a:bodyPr/>
+              <a:lstStyle/>
+              <a:p>
+                <a:r>
+                  <a:rPr lang="en-GB">
+                    <a:noFill/>
+                  </a:rPr>
+                  <a:t> </a:t>
+                </a:r>
+              </a:p>
+            </p:txBody>
+          </p:sp>
+        </mc:Fallback>
+      </mc:AlternateContent>
+      <mc:AlternateContent xmlns:mc="http://schemas.openxmlformats.org/markup-compatibility/2006">
+        <mc:Choice xmlns:a14="http://schemas.microsoft.com/office/drawing/2010/main" Requires="a14">
+          <p:sp>
+            <p:nvSpPr>
+              <p:cNvPr id="129" name="TextBox 128">
+                <a:extLst>
+                  <a:ext uri="{FF2B5EF4-FFF2-40B4-BE49-F238E27FC236}">
+                    <a16:creationId xmlns:a16="http://schemas.microsoft.com/office/drawing/2014/main" id="{EC3F9F2A-4E71-4A69-8612-114402A76BA2}"/>
+                  </a:ext>
+                </a:extLst>
+              </p:cNvPr>
+              <p:cNvSpPr txBox="1"/>
+              <p:nvPr/>
+            </p:nvSpPr>
+            <p:spPr>
+              <a:xfrm>
+                <a:off x="10010637" y="13286578"/>
+                <a:ext cx="8701035" cy="318998"/>
+              </a:xfrm>
+              <a:prstGeom prst="rect">
+                <a:avLst/>
+              </a:prstGeom>
+              <a:noFill/>
+            </p:spPr>
+            <p:txBody>
+              <a:bodyPr wrap="none" lIns="0" tIns="0" rIns="0" bIns="0" rtlCol="0">
+                <a:spAutoFit/>
+              </a:bodyPr>
+              <a:lstStyle/>
+              <a:p>
+                <a14:m>
+                  <m:oMathPara xmlns:m="http://schemas.openxmlformats.org/officeDocument/2006/math">
+                    <m:oMathParaPr>
+                      <m:jc m:val="centerGroup"/>
+                    </m:oMathParaPr>
+                    <m:oMath xmlns:m="http://schemas.openxmlformats.org/officeDocument/2006/math">
+                      <m:r>
+                        <a:rPr lang="en-GB" b="0" i="1" smtClean="0">
+                          <a:latin typeface="Cambria Math" panose="02040503050406030204" pitchFamily="18" charset="0"/>
+                        </a:rPr>
+                        <m:t>𝑃</m:t>
+                      </m:r>
+                      <m:d>
+                        <m:dPr>
+                          <m:ctrlPr>
+                            <a:rPr lang="en-GB" b="0" i="1" smtClean="0">
+                              <a:latin typeface="Cambria Math" panose="02040503050406030204" pitchFamily="18" charset="0"/>
+                            </a:rPr>
+                          </m:ctrlPr>
+                        </m:dPr>
+                        <m:e>
+                          <m:r>
+                            <a:rPr lang="en-GB" b="0" i="1" smtClean="0">
+                              <a:latin typeface="Cambria Math" panose="02040503050406030204" pitchFamily="18" charset="0"/>
+                            </a:rPr>
+                            <m:t>𝑎𝑡</m:t>
+                          </m:r>
+                          <m:r>
+                            <a:rPr lang="en-GB" b="0" i="1" smtClean="0">
+                              <a:latin typeface="Cambria Math" panose="02040503050406030204" pitchFamily="18" charset="0"/>
+                            </a:rPr>
+                            <m:t> </m:t>
+                          </m:r>
+                          <m:r>
+                            <a:rPr lang="en-GB" b="0" i="1" smtClean="0">
+                              <a:latin typeface="Cambria Math" panose="02040503050406030204" pitchFamily="18" charset="0"/>
+                            </a:rPr>
+                            <m:t>𝑙𝑒𝑎𝑠𝑡</m:t>
+                          </m:r>
+                          <m:r>
+                            <a:rPr lang="en-GB" b="0" i="1" smtClean="0">
+                              <a:latin typeface="Cambria Math" panose="02040503050406030204" pitchFamily="18" charset="0"/>
+                            </a:rPr>
+                            <m:t> </m:t>
+                          </m:r>
+                          <m:r>
+                            <a:rPr lang="en-GB" b="0" i="1" smtClean="0">
+                              <a:latin typeface="Cambria Math" panose="02040503050406030204" pitchFamily="18" charset="0"/>
+                            </a:rPr>
+                            <m:t>𝑜𝑛𝑒</m:t>
+                          </m:r>
+                          <m:r>
+                            <a:rPr lang="en-GB" b="0" i="1" smtClean="0">
+                              <a:latin typeface="Cambria Math" panose="02040503050406030204" pitchFamily="18" charset="0"/>
+                            </a:rPr>
+                            <m:t> </m:t>
+                          </m:r>
+                          <m:r>
+                            <a:rPr lang="en-GB" b="0" i="1" smtClean="0">
+                              <a:latin typeface="Cambria Math" panose="02040503050406030204" pitchFamily="18" charset="0"/>
+                            </a:rPr>
+                            <m:t>𝑅𝑄</m:t>
+                          </m:r>
+                          <m:r>
+                            <a:rPr lang="en-GB" b="0" i="1" smtClean="0">
+                              <a:latin typeface="Cambria Math" panose="02040503050406030204" pitchFamily="18" charset="0"/>
+                            </a:rPr>
+                            <m:t>&gt;</m:t>
+                          </m:r>
+                          <m:r>
+                            <a:rPr lang="en-GB" b="0" i="1" smtClean="0">
+                              <a:latin typeface="Cambria Math" panose="02040503050406030204" pitchFamily="18" charset="0"/>
+                            </a:rPr>
+                            <m:t>𝑡h𝑟𝑒𝑠h𝑜𝑙𝑑</m:t>
+                          </m:r>
+                        </m:e>
+                      </m:d>
+                      <m:r>
+                        <a:rPr lang="en-GB" b="0" i="1" smtClean="0">
+                          <a:latin typeface="Cambria Math" panose="02040503050406030204" pitchFamily="18" charset="0"/>
+                        </a:rPr>
+                        <m:t>=</m:t>
+                      </m:r>
+                      <m:r>
+                        <a:rPr lang="en-GB" b="0" i="1" smtClean="0">
+                          <a:latin typeface="Cambria Math" panose="02040503050406030204" pitchFamily="18" charset="0"/>
+                        </a:rPr>
+                        <m:t>𝑃</m:t>
+                      </m:r>
+                      <m:d>
+                        <m:dPr>
+                          <m:ctrlPr>
+                            <a:rPr lang="en-GB" b="0" i="1" smtClean="0">
+                              <a:latin typeface="Cambria Math" panose="02040503050406030204" pitchFamily="18" charset="0"/>
+                            </a:rPr>
+                          </m:ctrlPr>
+                        </m:dPr>
+                        <m:e>
+                          <m:sSub>
+                            <m:sSubPr>
+                              <m:ctrlPr>
+                                <a:rPr lang="en-GB" b="0" i="1" smtClean="0">
+                                  <a:latin typeface="Cambria Math" panose="02040503050406030204" pitchFamily="18" charset="0"/>
+                                </a:rPr>
+                              </m:ctrlPr>
+                            </m:sSubPr>
+                            <m:e>
+                              <m:r>
+                                <a:rPr lang="en-GB" b="0" i="1" smtClean="0">
+                                  <a:latin typeface="Cambria Math" panose="02040503050406030204" pitchFamily="18" charset="0"/>
+                                </a:rPr>
+                                <m:t>𝑅𝑄</m:t>
+                              </m:r>
+                            </m:e>
+                            <m:sub>
+                              <m:r>
+                                <a:rPr lang="en-GB" b="0" i="1" smtClean="0">
+                                  <a:latin typeface="Cambria Math" panose="02040503050406030204" pitchFamily="18" charset="0"/>
+                                </a:rPr>
+                                <m:t>𝑐𝑖𝑝𝑟𝑜𝑓𝑙𝑜𝑥𝑎𝑐𝑖𝑛</m:t>
+                              </m:r>
+                            </m:sub>
+                          </m:sSub>
+                          <m:r>
+                            <a:rPr lang="en-GB" b="0" i="1" smtClean="0">
+                              <a:latin typeface="Cambria Math" panose="02040503050406030204" pitchFamily="18" charset="0"/>
+                            </a:rPr>
+                            <m:t>&gt;1</m:t>
+                          </m:r>
+                        </m:e>
+                      </m:d>
+                      <m:r>
+                        <a:rPr lang="en-GB" b="0" i="1" smtClean="0">
+                          <a:latin typeface="Cambria Math" panose="02040503050406030204" pitchFamily="18" charset="0"/>
+                          <a:ea typeface="Cambria Math" panose="02040503050406030204" pitchFamily="18" charset="0"/>
+                        </a:rPr>
+                        <m:t>∩</m:t>
+                      </m:r>
+                      <m:d>
+                        <m:dPr>
+                          <m:begChr m:val="["/>
+                          <m:endChr m:val="]"/>
+                          <m:ctrlPr>
+                            <a:rPr lang="en-GB" b="0" i="1" smtClean="0">
+                              <a:latin typeface="Cambria Math" panose="02040503050406030204" pitchFamily="18" charset="0"/>
+                              <a:ea typeface="Cambria Math" panose="02040503050406030204" pitchFamily="18" charset="0"/>
+                            </a:rPr>
+                          </m:ctrlPr>
+                        </m:dPr>
+                        <m:e>
+                          <m:r>
+                            <a:rPr lang="en-GB" b="0" i="1" smtClean="0">
+                              <a:latin typeface="Cambria Math" panose="02040503050406030204" pitchFamily="18" charset="0"/>
+                              <a:ea typeface="Cambria Math" panose="02040503050406030204" pitchFamily="18" charset="0"/>
+                            </a:rPr>
+                            <m:t>…</m:t>
+                          </m:r>
+                        </m:e>
+                      </m:d>
+                      <m:r>
+                        <a:rPr lang="en-GB" b="0" i="1" smtClean="0">
+                          <a:latin typeface="Cambria Math" panose="02040503050406030204" pitchFamily="18" charset="0"/>
+                          <a:ea typeface="Cambria Math" panose="02040503050406030204" pitchFamily="18" charset="0"/>
+                        </a:rPr>
+                        <m:t>∩</m:t>
+                      </m:r>
+                      <m:d>
+                        <m:dPr>
+                          <m:ctrlPr>
+                            <a:rPr lang="en-GB" i="1">
+                              <a:latin typeface="Cambria Math" panose="02040503050406030204" pitchFamily="18" charset="0"/>
+                            </a:rPr>
+                          </m:ctrlPr>
+                        </m:dPr>
+                        <m:e>
+                          <m:sSub>
+                            <m:sSubPr>
+                              <m:ctrlPr>
+                                <a:rPr lang="en-GB" i="1">
+                                  <a:latin typeface="Cambria Math" panose="02040503050406030204" pitchFamily="18" charset="0"/>
+                                </a:rPr>
+                              </m:ctrlPr>
+                            </m:sSubPr>
+                            <m:e>
+                              <m:r>
+                                <a:rPr lang="en-GB" i="1">
+                                  <a:latin typeface="Cambria Math" panose="02040503050406030204" pitchFamily="18" charset="0"/>
+                                </a:rPr>
+                                <m:t>𝑅𝑄</m:t>
+                              </m:r>
+                            </m:e>
+                            <m:sub>
+                              <m:r>
+                                <a:rPr lang="en-GB" b="0" i="1" smtClean="0">
+                                  <a:latin typeface="Cambria Math" panose="02040503050406030204" pitchFamily="18" charset="0"/>
+                                </a:rPr>
+                                <m:t>𝑝𝑎𝑟𝑎𝑐𝑒𝑡𝑎𝑚𝑜𝑙</m:t>
+                              </m:r>
+                            </m:sub>
+                          </m:sSub>
+                          <m:r>
+                            <a:rPr lang="en-GB" i="1">
+                              <a:latin typeface="Cambria Math" panose="02040503050406030204" pitchFamily="18" charset="0"/>
+                            </a:rPr>
+                            <m:t>&gt;1</m:t>
+                          </m:r>
+                        </m:e>
+                      </m:d>
+                    </m:oMath>
+                  </m:oMathPara>
+                </a14:m>
+                <a:endParaRPr lang="en-GB" dirty="0"/>
+              </a:p>
+            </p:txBody>
+          </p:sp>
+        </mc:Choice>
+        <mc:Fallback>
+          <p:sp>
+            <p:nvSpPr>
+              <p:cNvPr id="129" name="TextBox 128">
+                <a:extLst>
+                  <a:ext uri="{FF2B5EF4-FFF2-40B4-BE49-F238E27FC236}">
+                    <a16:creationId xmlns:a16="http://schemas.microsoft.com/office/drawing/2014/main" id="{EC3F9F2A-4E71-4A69-8612-114402A76BA2}"/>
+                  </a:ext>
+                </a:extLst>
+              </p:cNvPr>
+              <p:cNvSpPr txBox="1">
+                <a:spLocks noRot="1" noChangeAspect="1" noMove="1" noResize="1" noEditPoints="1" noAdjustHandles="1" noChangeArrowheads="1" noChangeShapeType="1" noTextEdit="1"/>
+              </p:cNvSpPr>
+              <p:nvPr/>
+            </p:nvSpPr>
+            <p:spPr>
+              <a:xfrm>
+                <a:off x="10010637" y="13286578"/>
+                <a:ext cx="8701035" cy="318998"/>
+              </a:xfrm>
+              <a:prstGeom prst="rect">
+                <a:avLst/>
+              </a:prstGeom>
+              <a:blipFill>
+                <a:blip r:embed="rId22"/>
+                <a:stretch>
+                  <a:fillRect l="-490" b="-26923"/>
+                </a:stretch>
+              </a:blipFill>
+            </p:spPr>
+            <p:txBody>
+              <a:bodyPr/>
+              <a:lstStyle/>
+              <a:p>
+                <a:r>
+                  <a:rPr lang="en-GB">
+                    <a:noFill/>
+                  </a:rPr>
+                  <a:t> </a:t>
+                </a:r>
+              </a:p>
+            </p:txBody>
+          </p:sp>
+        </mc:Fallback>
+      </mc:AlternateContent>
     </p:spTree>
     <p:extLst>
       <p:ext uri="{BB962C8B-B14F-4D97-AF65-F5344CB8AC3E}">

--- a/output/images/raw/figure01_conceptual.pptx
+++ b/output/images/raw/figure01_conceptual.pptx
@@ -115,7 +115,7 @@
 <file path=ppt/revisionInfo.xml><?xml version="1.0" encoding="utf-8"?>
 <p1510:revInfo xmlns:a="http://schemas.openxmlformats.org/drawingml/2006/main" xmlns:r="http://schemas.openxmlformats.org/officeDocument/2006/relationships" xmlns:p1510="http://schemas.microsoft.com/office/powerpoint/2015/10/main">
   <p1510:revLst>
-    <p1510:client id="{EF6F24C5-38C6-4B78-ADE6-AEC5E0F11A2F}" v="387" dt="2022-12-15T09:58:11.528"/>
+    <p1510:client id="{EF6F24C5-38C6-4B78-ADE6-AEC5E0F11A2F}" v="388" dt="2023-01-25T11:18:59.699"/>
   </p1510:revLst>
 </p1510:revInfo>
 </file>
@@ -125,12 +125,12 @@
   <pc:docChgLst>
     <pc:chgData name="Sam Welch" userId="346ebfb30976329f" providerId="LiveId" clId="{EF6F24C5-38C6-4B78-ADE6-AEC5E0F11A2F}"/>
     <pc:docChg chg="undo custSel modSld">
-      <pc:chgData name="Sam Welch" userId="346ebfb30976329f" providerId="LiveId" clId="{EF6F24C5-38C6-4B78-ADE6-AEC5E0F11A2F}" dt="2022-12-15T09:58:17.360" v="706" actId="1076"/>
+      <pc:chgData name="Sam Welch" userId="346ebfb30976329f" providerId="LiveId" clId="{EF6F24C5-38C6-4B78-ADE6-AEC5E0F11A2F}" dt="2023-01-25T11:20:21.323" v="757" actId="20577"/>
       <pc:docMkLst>
         <pc:docMk/>
       </pc:docMkLst>
       <pc:sldChg chg="addSp delSp modSp mod">
-        <pc:chgData name="Sam Welch" userId="346ebfb30976329f" providerId="LiveId" clId="{EF6F24C5-38C6-4B78-ADE6-AEC5E0F11A2F}" dt="2022-12-15T09:58:17.360" v="706" actId="1076"/>
+        <pc:chgData name="Sam Welch" userId="346ebfb30976329f" providerId="LiveId" clId="{EF6F24C5-38C6-4B78-ADE6-AEC5E0F11A2F}" dt="2023-01-25T11:20:21.323" v="757" actId="20577"/>
         <pc:sldMkLst>
           <pc:docMk/>
           <pc:sldMk cId="997638543" sldId="256"/>
@@ -160,7 +160,7 @@
           </ac:spMkLst>
         </pc:spChg>
         <pc:spChg chg="add mod">
-          <ac:chgData name="Sam Welch" userId="346ebfb30976329f" providerId="LiveId" clId="{EF6F24C5-38C6-4B78-ADE6-AEC5E0F11A2F}" dt="2022-12-15T09:51:26.209" v="474" actId="164"/>
+          <ac:chgData name="Sam Welch" userId="346ebfb30976329f" providerId="LiveId" clId="{EF6F24C5-38C6-4B78-ADE6-AEC5E0F11A2F}" dt="2023-01-25T11:19:14.242" v="741" actId="207"/>
           <ac:spMkLst>
             <pc:docMk/>
             <pc:sldMk cId="997638543" sldId="256"/>
@@ -216,7 +216,7 @@
           </ac:spMkLst>
         </pc:spChg>
         <pc:spChg chg="mod">
-          <ac:chgData name="Sam Welch" userId="346ebfb30976329f" providerId="LiveId" clId="{EF6F24C5-38C6-4B78-ADE6-AEC5E0F11A2F}" dt="2022-12-15T09:40:04.880" v="104" actId="20577"/>
+          <ac:chgData name="Sam Welch" userId="346ebfb30976329f" providerId="LiveId" clId="{EF6F24C5-38C6-4B78-ADE6-AEC5E0F11A2F}" dt="2023-01-25T11:20:00.149" v="749" actId="20577"/>
           <ac:spMkLst>
             <pc:docMk/>
             <pc:sldMk cId="997638543" sldId="256"/>
@@ -224,11 +224,19 @@
           </ac:spMkLst>
         </pc:spChg>
         <pc:spChg chg="mod">
-          <ac:chgData name="Sam Welch" userId="346ebfb30976329f" providerId="LiveId" clId="{EF6F24C5-38C6-4B78-ADE6-AEC5E0F11A2F}" dt="2022-12-15T09:42:19.271" v="210" actId="14100"/>
+          <ac:chgData name="Sam Welch" userId="346ebfb30976329f" providerId="LiveId" clId="{EF6F24C5-38C6-4B78-ADE6-AEC5E0F11A2F}" dt="2023-01-25T11:20:05.634" v="752" actId="20577"/>
           <ac:spMkLst>
             <pc:docMk/>
             <pc:sldMk cId="997638543" sldId="256"/>
             <ac:spMk id="78" creationId="{D1FD302E-B6E1-4B93-8195-26A31850708E}"/>
+          </ac:spMkLst>
+        </pc:spChg>
+        <pc:spChg chg="del mod">
+          <ac:chgData name="Sam Welch" userId="346ebfb30976329f" providerId="LiveId" clId="{EF6F24C5-38C6-4B78-ADE6-AEC5E0F11A2F}" dt="2023-01-25T11:19:57.236" v="748" actId="478"/>
+          <ac:spMkLst>
+            <pc:docMk/>
+            <pc:sldMk cId="997638543" sldId="256"/>
+            <ac:spMk id="87" creationId="{E92C3A97-51FB-4AA1-B5FB-C57F3D5D213F}"/>
           </ac:spMkLst>
         </pc:spChg>
         <pc:spChg chg="mod">
@@ -248,7 +256,7 @@
           </ac:spMkLst>
         </pc:spChg>
         <pc:spChg chg="mod">
-          <ac:chgData name="Sam Welch" userId="346ebfb30976329f" providerId="LiveId" clId="{EF6F24C5-38C6-4B78-ADE6-AEC5E0F11A2F}" dt="2022-12-15T09:48:18.289" v="425" actId="20577"/>
+          <ac:chgData name="Sam Welch" userId="346ebfb30976329f" providerId="LiveId" clId="{EF6F24C5-38C6-4B78-ADE6-AEC5E0F11A2F}" dt="2023-01-25T11:20:14.619" v="754" actId="20577"/>
           <ac:spMkLst>
             <pc:docMk/>
             <pc:sldMk cId="997638543" sldId="256"/>
@@ -256,15 +264,15 @@
           </ac:spMkLst>
         </pc:spChg>
         <pc:spChg chg="mod">
-          <ac:chgData name="Sam Welch" userId="346ebfb30976329f" providerId="LiveId" clId="{EF6F24C5-38C6-4B78-ADE6-AEC5E0F11A2F}" dt="2022-12-15T09:51:51.690" v="487" actId="164"/>
+          <ac:chgData name="Sam Welch" userId="346ebfb30976329f" providerId="LiveId" clId="{EF6F24C5-38C6-4B78-ADE6-AEC5E0F11A2F}" dt="2023-01-25T11:20:18.307" v="756" actId="20577"/>
           <ac:spMkLst>
             <pc:docMk/>
             <pc:sldMk cId="997638543" sldId="256"/>
             <ac:spMk id="92" creationId="{6E3095E4-3ACD-4ADF-BCEF-3F81B268D4E9}"/>
           </ac:spMkLst>
         </pc:spChg>
-        <pc:spChg chg="mod">
-          <ac:chgData name="Sam Welch" userId="346ebfb30976329f" providerId="LiveId" clId="{EF6F24C5-38C6-4B78-ADE6-AEC5E0F11A2F}" dt="2022-12-15T09:40:02.894" v="103" actId="20577"/>
+        <pc:spChg chg="del mod">
+          <ac:chgData name="Sam Welch" userId="346ebfb30976329f" providerId="LiveId" clId="{EF6F24C5-38C6-4B78-ADE6-AEC5E0F11A2F}" dt="2023-01-25T11:19:57.236" v="748" actId="478"/>
           <ac:spMkLst>
             <pc:docMk/>
             <pc:sldMk cId="997638543" sldId="256"/>
@@ -272,7 +280,7 @@
           </ac:spMkLst>
         </pc:spChg>
         <pc:spChg chg="mod">
-          <ac:chgData name="Sam Welch" userId="346ebfb30976329f" providerId="LiveId" clId="{EF6F24C5-38C6-4B78-ADE6-AEC5E0F11A2F}" dt="2022-12-15T09:42:53.814" v="232" actId="1038"/>
+          <ac:chgData name="Sam Welch" userId="346ebfb30976329f" providerId="LiveId" clId="{EF6F24C5-38C6-4B78-ADE6-AEC5E0F11A2F}" dt="2023-01-25T11:20:03.927" v="751" actId="20577"/>
           <ac:spMkLst>
             <pc:docMk/>
             <pc:sldMk cId="997638543" sldId="256"/>
@@ -280,7 +288,7 @@
           </ac:spMkLst>
         </pc:spChg>
         <pc:spChg chg="mod">
-          <ac:chgData name="Sam Welch" userId="346ebfb30976329f" providerId="LiveId" clId="{EF6F24C5-38C6-4B78-ADE6-AEC5E0F11A2F}" dt="2022-12-15T09:42:21.870" v="211" actId="20577"/>
+          <ac:chgData name="Sam Welch" userId="346ebfb30976329f" providerId="LiveId" clId="{EF6F24C5-38C6-4B78-ADE6-AEC5E0F11A2F}" dt="2023-01-25T11:20:16.523" v="755" actId="20577"/>
           <ac:spMkLst>
             <pc:docMk/>
             <pc:sldMk cId="997638543" sldId="256"/>
@@ -288,7 +296,7 @@
           </ac:spMkLst>
         </pc:spChg>
         <pc:spChg chg="mod">
-          <ac:chgData name="Sam Welch" userId="346ebfb30976329f" providerId="LiveId" clId="{EF6F24C5-38C6-4B78-ADE6-AEC5E0F11A2F}" dt="2022-12-15T09:39:46.351" v="81" actId="1076"/>
+          <ac:chgData name="Sam Welch" userId="346ebfb30976329f" providerId="LiveId" clId="{EF6F24C5-38C6-4B78-ADE6-AEC5E0F11A2F}" dt="2023-01-25T11:19:53.918" v="747" actId="20577"/>
           <ac:spMkLst>
             <pc:docMk/>
             <pc:sldMk cId="997638543" sldId="256"/>
@@ -296,7 +304,7 @@
           </ac:spMkLst>
         </pc:spChg>
         <pc:spChg chg="mod topLvl">
-          <ac:chgData name="Sam Welch" userId="346ebfb30976329f" providerId="LiveId" clId="{EF6F24C5-38C6-4B78-ADE6-AEC5E0F11A2F}" dt="2022-12-15T09:42:44.863" v="223" actId="1076"/>
+          <ac:chgData name="Sam Welch" userId="346ebfb30976329f" providerId="LiveId" clId="{EF6F24C5-38C6-4B78-ADE6-AEC5E0F11A2F}" dt="2023-01-25T11:17:50.732" v="718" actId="20577"/>
           <ac:spMkLst>
             <pc:docMk/>
             <pc:sldMk cId="997638543" sldId="256"/>
@@ -304,7 +312,7 @@
           </ac:spMkLst>
         </pc:spChg>
         <pc:spChg chg="add mod">
-          <ac:chgData name="Sam Welch" userId="346ebfb30976329f" providerId="LiveId" clId="{EF6F24C5-38C6-4B78-ADE6-AEC5E0F11A2F}" dt="2022-12-15T09:41:06.329" v="145" actId="1076"/>
+          <ac:chgData name="Sam Welch" userId="346ebfb30976329f" providerId="LiveId" clId="{EF6F24C5-38C6-4B78-ADE6-AEC5E0F11A2F}" dt="2023-01-25T11:20:02.242" v="750" actId="20577"/>
           <ac:spMkLst>
             <pc:docMk/>
             <pc:sldMk cId="997638543" sldId="256"/>
@@ -312,7 +320,7 @@
           </ac:spMkLst>
         </pc:spChg>
         <pc:spChg chg="add mod">
-          <ac:chgData name="Sam Welch" userId="346ebfb30976329f" providerId="LiveId" clId="{EF6F24C5-38C6-4B78-ADE6-AEC5E0F11A2F}" dt="2022-12-15T09:42:50.920" v="225" actId="1038"/>
+          <ac:chgData name="Sam Welch" userId="346ebfb30976329f" providerId="LiveId" clId="{EF6F24C5-38C6-4B78-ADE6-AEC5E0F11A2F}" dt="2023-01-25T11:18:14.263" v="732" actId="14100"/>
           <ac:spMkLst>
             <pc:docMk/>
             <pc:sldMk cId="997638543" sldId="256"/>
@@ -344,7 +352,7 @@
           </ac:spMkLst>
         </pc:spChg>
         <pc:spChg chg="add mod">
-          <ac:chgData name="Sam Welch" userId="346ebfb30976329f" providerId="LiveId" clId="{EF6F24C5-38C6-4B78-ADE6-AEC5E0F11A2F}" dt="2022-12-15T09:46:51.489" v="373" actId="1076"/>
+          <ac:chgData name="Sam Welch" userId="346ebfb30976329f" providerId="LiveId" clId="{EF6F24C5-38C6-4B78-ADE6-AEC5E0F11A2F}" dt="2023-01-25T11:20:12.441" v="753" actId="20577"/>
           <ac:spMkLst>
             <pc:docMk/>
             <pc:sldMk cId="997638543" sldId="256"/>
@@ -408,7 +416,7 @@
           </ac:spMkLst>
         </pc:spChg>
         <pc:spChg chg="mod">
-          <ac:chgData name="Sam Welch" userId="346ebfb30976329f" providerId="LiveId" clId="{EF6F24C5-38C6-4B78-ADE6-AEC5E0F11A2F}" dt="2022-12-15T09:53:01.937" v="499" actId="20577"/>
+          <ac:chgData name="Sam Welch" userId="346ebfb30976329f" providerId="LiveId" clId="{EF6F24C5-38C6-4B78-ADE6-AEC5E0F11A2F}" dt="2023-01-25T11:20:21.323" v="757" actId="20577"/>
           <ac:spMkLst>
             <pc:docMk/>
             <pc:sldMk cId="997638543" sldId="256"/>
@@ -416,7 +424,7 @@
           </ac:spMkLst>
         </pc:spChg>
         <pc:spChg chg="mod">
-          <ac:chgData name="Sam Welch" userId="346ebfb30976329f" providerId="LiveId" clId="{EF6F24C5-38C6-4B78-ADE6-AEC5E0F11A2F}" dt="2022-12-15T09:52:41.321" v="495" actId="1076"/>
+          <ac:chgData name="Sam Welch" userId="346ebfb30976329f" providerId="LiveId" clId="{EF6F24C5-38C6-4B78-ADE6-AEC5E0F11A2F}" dt="2023-01-25T11:19:22.404" v="742" actId="207"/>
           <ac:spMkLst>
             <pc:docMk/>
             <pc:sldMk cId="997638543" sldId="256"/>
@@ -472,7 +480,7 @@
           </ac:grpSpMkLst>
         </pc:grpChg>
         <pc:grpChg chg="mod">
-          <ac:chgData name="Sam Welch" userId="346ebfb30976329f" providerId="LiveId" clId="{EF6F24C5-38C6-4B78-ADE6-AEC5E0F11A2F}" dt="2022-12-15T09:42:37.366" v="221" actId="1076"/>
+          <ac:chgData name="Sam Welch" userId="346ebfb30976329f" providerId="LiveId" clId="{EF6F24C5-38C6-4B78-ADE6-AEC5E0F11A2F}" dt="2023-01-25T11:18:28.761" v="735" actId="1076"/>
           <ac:grpSpMkLst>
             <pc:docMk/>
             <pc:sldMk cId="997638543" sldId="256"/>
@@ -487,6 +495,14 @@
             <ac:grpSpMk id="53" creationId="{373A21C6-C07D-664A-5368-D257DB99C423}"/>
           </ac:grpSpMkLst>
         </pc:grpChg>
+        <pc:grpChg chg="del mod">
+          <ac:chgData name="Sam Welch" userId="346ebfb30976329f" providerId="LiveId" clId="{EF6F24C5-38C6-4B78-ADE6-AEC5E0F11A2F}" dt="2023-01-25T11:19:57.236" v="748" actId="478"/>
+          <ac:grpSpMkLst>
+            <pc:docMk/>
+            <pc:sldMk cId="997638543" sldId="256"/>
+            <ac:grpSpMk id="56" creationId="{55BE8571-DEA1-D39D-D432-B8F0740FFB3E}"/>
+          </ac:grpSpMkLst>
+        </pc:grpChg>
         <pc:grpChg chg="add del mod">
           <ac:chgData name="Sam Welch" userId="346ebfb30976329f" providerId="LiveId" clId="{EF6F24C5-38C6-4B78-ADE6-AEC5E0F11A2F}" dt="2022-12-15T09:41:53.591" v="181" actId="478"/>
           <ac:grpSpMkLst>
@@ -541,6 +557,14 @@
             <pc:docMk/>
             <pc:sldMk cId="997638543" sldId="256"/>
             <ac:picMk id="104" creationId="{8888D4F7-C77A-4632-A0A0-7711CB65D8E9}"/>
+          </ac:picMkLst>
+        </pc:picChg>
+        <pc:picChg chg="add del mod">
+          <ac:chgData name="Sam Welch" userId="346ebfb30976329f" providerId="LiveId" clId="{EF6F24C5-38C6-4B78-ADE6-AEC5E0F11A2F}" dt="2023-01-25T11:19:24.612" v="743" actId="478"/>
+          <ac:picMkLst>
+            <pc:docMk/>
+            <pc:sldMk cId="997638543" sldId="256"/>
+            <ac:picMk id="115" creationId="{E3CC6315-63EE-4C4E-9A11-3121D504D529}"/>
           </ac:picMkLst>
         </pc:picChg>
       </pc:sldChg>
@@ -1098,7 +1122,7 @@
           <a:p>
             <a:fld id="{FFCB109C-1392-4401-B401-9B62BF3E22B3}" type="datetimeFigureOut">
               <a:rPr lang="en-GB" smtClean="0"/>
-              <a:t>15/12/2022</a:t>
+              <a:t>25/01/2023</a:t>
             </a:fld>
             <a:endParaRPr lang="en-GB"/>
           </a:p>
@@ -1298,7 +1322,7 @@
           <a:p>
             <a:fld id="{FFCB109C-1392-4401-B401-9B62BF3E22B3}" type="datetimeFigureOut">
               <a:rPr lang="en-GB" smtClean="0"/>
-              <a:t>15/12/2022</a:t>
+              <a:t>25/01/2023</a:t>
             </a:fld>
             <a:endParaRPr lang="en-GB"/>
           </a:p>
@@ -1508,7 +1532,7 @@
           <a:p>
             <a:fld id="{FFCB109C-1392-4401-B401-9B62BF3E22B3}" type="datetimeFigureOut">
               <a:rPr lang="en-GB" smtClean="0"/>
-              <a:t>15/12/2022</a:t>
+              <a:t>25/01/2023</a:t>
             </a:fld>
             <a:endParaRPr lang="en-GB"/>
           </a:p>
@@ -1708,7 +1732,7 @@
           <a:p>
             <a:fld id="{FFCB109C-1392-4401-B401-9B62BF3E22B3}" type="datetimeFigureOut">
               <a:rPr lang="en-GB" smtClean="0"/>
-              <a:t>15/12/2022</a:t>
+              <a:t>25/01/2023</a:t>
             </a:fld>
             <a:endParaRPr lang="en-GB"/>
           </a:p>
@@ -1984,7 +2008,7 @@
           <a:p>
             <a:fld id="{FFCB109C-1392-4401-B401-9B62BF3E22B3}" type="datetimeFigureOut">
               <a:rPr lang="en-GB" smtClean="0"/>
-              <a:t>15/12/2022</a:t>
+              <a:t>25/01/2023</a:t>
             </a:fld>
             <a:endParaRPr lang="en-GB"/>
           </a:p>
@@ -2252,7 +2276,7 @@
           <a:p>
             <a:fld id="{FFCB109C-1392-4401-B401-9B62BF3E22B3}" type="datetimeFigureOut">
               <a:rPr lang="en-GB" smtClean="0"/>
-              <a:t>15/12/2022</a:t>
+              <a:t>25/01/2023</a:t>
             </a:fld>
             <a:endParaRPr lang="en-GB"/>
           </a:p>
@@ -2667,7 +2691,7 @@
           <a:p>
             <a:fld id="{FFCB109C-1392-4401-B401-9B62BF3E22B3}" type="datetimeFigureOut">
               <a:rPr lang="en-GB" smtClean="0"/>
-              <a:t>15/12/2022</a:t>
+              <a:t>25/01/2023</a:t>
             </a:fld>
             <a:endParaRPr lang="en-GB"/>
           </a:p>
@@ -2809,7 +2833,7 @@
           <a:p>
             <a:fld id="{FFCB109C-1392-4401-B401-9B62BF3E22B3}" type="datetimeFigureOut">
               <a:rPr lang="en-GB" smtClean="0"/>
-              <a:t>15/12/2022</a:t>
+              <a:t>25/01/2023</a:t>
             </a:fld>
             <a:endParaRPr lang="en-GB"/>
           </a:p>
@@ -2922,7 +2946,7 @@
           <a:p>
             <a:fld id="{FFCB109C-1392-4401-B401-9B62BF3E22B3}" type="datetimeFigureOut">
               <a:rPr lang="en-GB" smtClean="0"/>
-              <a:t>15/12/2022</a:t>
+              <a:t>25/01/2023</a:t>
             </a:fld>
             <a:endParaRPr lang="en-GB"/>
           </a:p>
@@ -3235,7 +3259,7 @@
           <a:p>
             <a:fld id="{FFCB109C-1392-4401-B401-9B62BF3E22B3}" type="datetimeFigureOut">
               <a:rPr lang="en-GB" smtClean="0"/>
-              <a:t>15/12/2022</a:t>
+              <a:t>25/01/2023</a:t>
             </a:fld>
             <a:endParaRPr lang="en-GB"/>
           </a:p>
@@ -3524,7 +3548,7 @@
           <a:p>
             <a:fld id="{FFCB109C-1392-4401-B401-9B62BF3E22B3}" type="datetimeFigureOut">
               <a:rPr lang="en-GB" smtClean="0"/>
-              <a:t>15/12/2022</a:t>
+              <a:t>25/01/2023</a:t>
             </a:fld>
             <a:endParaRPr lang="en-GB"/>
           </a:p>
@@ -3767,7 +3791,7 @@
           <a:p>
             <a:fld id="{FFCB109C-1392-4401-B401-9B62BF3E22B3}" type="datetimeFigureOut">
               <a:rPr lang="en-GB" smtClean="0"/>
-              <a:t>15/12/2022</a:t>
+              <a:t>25/01/2023</a:t>
             </a:fld>
             <a:endParaRPr lang="en-GB"/>
           </a:p>
@@ -4546,7 +4570,7 @@
         </p:nvGrpSpPr>
         <p:grpSpPr>
           <a:xfrm>
-            <a:off x="14418668" y="7618723"/>
+            <a:off x="14565779" y="7604859"/>
             <a:ext cx="3539184" cy="923330"/>
             <a:chOff x="684914" y="3911801"/>
             <a:chExt cx="3539184" cy="923330"/>
@@ -5175,118 +5199,6 @@
       </p:grpSp>
       <p:grpSp>
         <p:nvGrpSpPr>
-          <p:cNvPr id="56" name="Group 55">
-            <a:extLst>
-              <a:ext uri="{FF2B5EF4-FFF2-40B4-BE49-F238E27FC236}">
-                <a16:creationId xmlns:a16="http://schemas.microsoft.com/office/drawing/2014/main" id="{55BE8571-DEA1-D39D-D432-B8F0740FFB3E}"/>
-              </a:ext>
-            </a:extLst>
-          </p:cNvPr>
-          <p:cNvGrpSpPr/>
-          <p:nvPr/>
-        </p:nvGrpSpPr>
-        <p:grpSpPr>
-          <a:xfrm>
-            <a:off x="14017164" y="6060137"/>
-            <a:ext cx="4151167" cy="963056"/>
-            <a:chOff x="739346" y="5260093"/>
-            <a:chExt cx="4151167" cy="963056"/>
-          </a:xfrm>
-        </p:grpSpPr>
-        <p:pic>
-          <p:nvPicPr>
-            <p:cNvPr id="57" name="Picture 56">
-              <a:extLst>
-                <a:ext uri="{FF2B5EF4-FFF2-40B4-BE49-F238E27FC236}">
-                  <a16:creationId xmlns:a16="http://schemas.microsoft.com/office/drawing/2014/main" id="{897EAB58-FB6F-A188-76D2-F6895AA857A5}"/>
-                </a:ext>
-              </a:extLst>
-            </p:cNvPr>
-            <p:cNvPicPr>
-              <a:picLocks noChangeAspect="1"/>
-            </p:cNvPicPr>
-            <p:nvPr/>
-          </p:nvPicPr>
-          <p:blipFill>
-            <a:blip r:embed="rId11">
-              <a:extLst>
-                <a:ext uri="{28A0092B-C50C-407E-A947-70E740481C1C}">
-                  <a14:useLocalDpi xmlns:a14="http://schemas.microsoft.com/office/drawing/2010/main" val="0"/>
-                </a:ext>
-              </a:extLst>
-            </a:blip>
-            <a:srcRect/>
-            <a:stretch/>
-          </p:blipFill>
-          <p:spPr>
-            <a:xfrm>
-              <a:off x="739346" y="5260093"/>
-              <a:ext cx="951470" cy="950280"/>
-            </a:xfrm>
-            <a:prstGeom prst="rect">
-              <a:avLst/>
-            </a:prstGeom>
-          </p:spPr>
-        </p:pic>
-        <p:sp>
-          <p:nvSpPr>
-            <p:cNvPr id="58" name="TextBox 57">
-              <a:extLst>
-                <a:ext uri="{FF2B5EF4-FFF2-40B4-BE49-F238E27FC236}">
-                  <a16:creationId xmlns:a16="http://schemas.microsoft.com/office/drawing/2014/main" id="{FA021B54-ED38-5903-5E36-BE96487FA49E}"/>
-                </a:ext>
-              </a:extLst>
-            </p:cNvPr>
-            <p:cNvSpPr txBox="1"/>
-            <p:nvPr/>
-          </p:nvSpPr>
-          <p:spPr>
-            <a:xfrm>
-              <a:off x="1786330" y="5299819"/>
-              <a:ext cx="3104183" cy="923330"/>
-            </a:xfrm>
-            <a:prstGeom prst="rect">
-              <a:avLst/>
-            </a:prstGeom>
-            <a:noFill/>
-          </p:spPr>
-          <p:txBody>
-            <a:bodyPr wrap="none" rtlCol="0">
-              <a:spAutoFit/>
-            </a:bodyPr>
-            <a:lstStyle/>
-            <a:p>
-              <a:r>
-                <a:rPr lang="en-GB" b="1" dirty="0">
-                  <a:latin typeface="Arial" panose="020B0604020202020204" pitchFamily="34" charset="0"/>
-                  <a:cs typeface="Arial" panose="020B0604020202020204" pitchFamily="34" charset="0"/>
-                </a:rPr>
-                <a:t>Average Household Water </a:t>
-              </a:r>
-            </a:p>
-            <a:p>
-              <a:r>
-                <a:rPr lang="en-GB" b="1" dirty="0">
-                  <a:latin typeface="Arial" panose="020B0604020202020204" pitchFamily="34" charset="0"/>
-                  <a:cs typeface="Arial" panose="020B0604020202020204" pitchFamily="34" charset="0"/>
-                </a:rPr>
-                <a:t>Consumption Data</a:t>
-              </a:r>
-            </a:p>
-            <a:p>
-              <a:r>
-                <a:rPr lang="en-GB" dirty="0">
-                  <a:latin typeface="Arial" panose="020B0604020202020204" pitchFamily="34" charset="0"/>
-                  <a:cs typeface="Arial" panose="020B0604020202020204" pitchFamily="34" charset="0"/>
-                </a:rPr>
-                <a:t>Statistics Norway</a:t>
-              </a:r>
-            </a:p>
-          </p:txBody>
-        </p:sp>
-      </p:grpSp>
-      <p:grpSp>
-        <p:nvGrpSpPr>
           <p:cNvPr id="66" name="Group 65">
             <a:extLst>
               <a:ext uri="{FF2B5EF4-FFF2-40B4-BE49-F238E27FC236}">
@@ -5340,7 +5252,7 @@
               <p:nvPr/>
             </p:nvPicPr>
             <p:blipFill rotWithShape="1">
-              <a:blip r:embed="rId12">
+              <a:blip r:embed="rId11">
                 <a:extLst>
                   <a:ext uri="{28A0092B-C50C-407E-A947-70E740481C1C}">
                     <a14:useLocalDpi xmlns:a14="http://schemas.microsoft.com/office/drawing/2010/main" val="0"/>
@@ -5535,11 +5447,11 @@
             <p:nvPr/>
           </p:nvPicPr>
           <p:blipFill>
-            <a:blip r:embed="rId13">
+            <a:blip r:embed="rId12">
               <a:extLst>
                 <a:ext uri="{BEBA8EAE-BF5A-486C-A8C5-ECC9F3942E4B}">
                   <a14:imgProps xmlns:a14="http://schemas.microsoft.com/office/drawing/2010/main">
-                    <a14:imgLayer r:embed="rId14">
+                    <a14:imgLayer r:embed="rId13">
                       <a14:imgEffect>
                         <a14:brightnessContrast bright="-40000" contrast="40000"/>
                       </a14:imgEffect>
@@ -5840,58 +5752,6 @@
         <p:spPr>
           <a:xfrm rot="5400000">
             <a:off x="7749870" y="7740259"/>
-            <a:ext cx="190500" cy="875844"/>
-          </a:xfrm>
-          <a:prstGeom prst="downArrow">
-            <a:avLst>
-              <a:gd name="adj1" fmla="val 23333"/>
-              <a:gd name="adj2" fmla="val 123491"/>
-            </a:avLst>
-          </a:prstGeom>
-          <a:ln>
-            <a:noFill/>
-          </a:ln>
-        </p:spPr>
-        <p:style>
-          <a:lnRef idx="2">
-            <a:schemeClr val="accent3">
-              <a:shade val="50000"/>
-            </a:schemeClr>
-          </a:lnRef>
-          <a:fillRef idx="1">
-            <a:schemeClr val="accent3"/>
-          </a:fillRef>
-          <a:effectRef idx="0">
-            <a:schemeClr val="accent3"/>
-          </a:effectRef>
-          <a:fontRef idx="minor">
-            <a:schemeClr val="lt1"/>
-          </a:fontRef>
-        </p:style>
-        <p:txBody>
-          <a:bodyPr rtlCol="0" anchor="ctr"/>
-          <a:lstStyle/>
-          <a:p>
-            <a:pPr algn="ctr"/>
-            <a:endParaRPr lang="en-GB"/>
-          </a:p>
-        </p:txBody>
-      </p:sp>
-      <p:sp>
-        <p:nvSpPr>
-          <p:cNvPr id="87" name="Arrow: Down 86">
-            <a:extLst>
-              <a:ext uri="{FF2B5EF4-FFF2-40B4-BE49-F238E27FC236}">
-                <a16:creationId xmlns:a16="http://schemas.microsoft.com/office/drawing/2014/main" id="{E92C3A97-51FB-4AA1-B5FB-C57F3D5D213F}"/>
-              </a:ext>
-            </a:extLst>
-          </p:cNvPr>
-          <p:cNvSpPr/>
-          <p:nvPr/>
-        </p:nvSpPr>
-        <p:spPr>
-          <a:xfrm rot="5400000">
-            <a:off x="12754968" y="6017954"/>
             <a:ext cx="190500" cy="875844"/>
           </a:xfrm>
           <a:prstGeom prst="downArrow">
@@ -6171,7 +6031,7 @@
             <p:nvPr/>
           </p:nvPicPr>
           <p:blipFill>
-            <a:blip r:embed="rId15">
+            <a:blip r:embed="rId14">
               <a:extLst>
                 <a:ext uri="{28A0092B-C50C-407E-A947-70E740481C1C}">
                   <a14:useLocalDpi xmlns:a14="http://schemas.microsoft.com/office/drawing/2010/main" val="0"/>
@@ -6553,11 +6413,18 @@
           <a:lstStyle/>
           <a:p>
             <a:r>
+              <a:rPr lang="en-GB" sz="2800" b="1" dirty="0" err="1">
+                <a:latin typeface="Arial" panose="020B0604020202020204" pitchFamily="34" charset="0"/>
+                <a:cs typeface="Arial" panose="020B0604020202020204" pitchFamily="34" charset="0"/>
+              </a:rPr>
+              <a:t>i</a:t>
+            </a:r>
+            <a:r>
               <a:rPr lang="en-GB" sz="2800" b="1" dirty="0">
                 <a:latin typeface="Arial" panose="020B0604020202020204" pitchFamily="34" charset="0"/>
                 <a:cs typeface="Arial" panose="020B0604020202020204" pitchFamily="34" charset="0"/>
               </a:rPr>
-              <a:t>j)</a:t>
+              <a:t>)</a:t>
             </a:r>
           </a:p>
         </p:txBody>
@@ -6595,7 +6462,7 @@
                 <a:latin typeface="Arial" panose="020B0604020202020204" pitchFamily="34" charset="0"/>
                 <a:cs typeface="Arial" panose="020B0604020202020204" pitchFamily="34" charset="0"/>
               </a:rPr>
-              <a:t>m)</a:t>
+              <a:t>l)</a:t>
             </a:r>
           </a:p>
         </p:txBody>
@@ -6633,7 +6500,7 @@
                 <a:latin typeface="Arial" panose="020B0604020202020204" pitchFamily="34" charset="0"/>
                 <a:cs typeface="Arial" panose="020B0604020202020204" pitchFamily="34" charset="0"/>
               </a:rPr>
-              <a:t>l)</a:t>
+              <a:t>n)</a:t>
             </a:r>
           </a:p>
         </p:txBody>
@@ -6678,10 +6545,10 @@
       </p:sp>
       <p:sp>
         <p:nvSpPr>
-          <p:cNvPr id="94" name="TextBox 93">
-            <a:extLst>
-              <a:ext uri="{FF2B5EF4-FFF2-40B4-BE49-F238E27FC236}">
-                <a16:creationId xmlns:a16="http://schemas.microsoft.com/office/drawing/2014/main" id="{4104ECCF-EC23-4F44-886D-F087A5BB3FCC}"/>
+          <p:cNvPr id="95" name="TextBox 94">
+            <a:extLst>
+              <a:ext uri="{FF2B5EF4-FFF2-40B4-BE49-F238E27FC236}">
+                <a16:creationId xmlns:a16="http://schemas.microsoft.com/office/drawing/2014/main" id="{1C499811-BFB4-4FCA-9F90-E31EF176E120}"/>
               </a:ext>
             </a:extLst>
           </p:cNvPr>
@@ -6690,7 +6557,7 @@
         </p:nvSpPr>
         <p:spPr>
           <a:xfrm>
-            <a:off x="13466949" y="6177414"/>
+            <a:off x="13998945" y="7864020"/>
             <a:ext cx="609600" cy="523220"/>
           </a:xfrm>
           <a:prstGeom prst="rect">
@@ -6705,56 +6572,11 @@
           <a:lstStyle/>
           <a:p>
             <a:r>
-              <a:rPr lang="en-GB" sz="2800" b="1" dirty="0" err="1">
-                <a:latin typeface="Arial" panose="020B0604020202020204" pitchFamily="34" charset="0"/>
-                <a:cs typeface="Arial" panose="020B0604020202020204" pitchFamily="34" charset="0"/>
-              </a:rPr>
-              <a:t>i</a:t>
-            </a:r>
-            <a:r>
               <a:rPr lang="en-GB" sz="2800" b="1" dirty="0">
                 <a:latin typeface="Arial" panose="020B0604020202020204" pitchFamily="34" charset="0"/>
                 <a:cs typeface="Arial" panose="020B0604020202020204" pitchFamily="34" charset="0"/>
               </a:rPr>
-              <a:t>)</a:t>
-            </a:r>
-          </a:p>
-        </p:txBody>
-      </p:sp>
-      <p:sp>
-        <p:nvSpPr>
-          <p:cNvPr id="95" name="TextBox 94">
-            <a:extLst>
-              <a:ext uri="{FF2B5EF4-FFF2-40B4-BE49-F238E27FC236}">
-                <a16:creationId xmlns:a16="http://schemas.microsoft.com/office/drawing/2014/main" id="{1C499811-BFB4-4FCA-9F90-E31EF176E120}"/>
-              </a:ext>
-            </a:extLst>
-          </p:cNvPr>
-          <p:cNvSpPr txBox="1"/>
-          <p:nvPr/>
-        </p:nvSpPr>
-        <p:spPr>
-          <a:xfrm>
-            <a:off x="13851834" y="7877884"/>
-            <a:ext cx="609600" cy="523220"/>
-          </a:xfrm>
-          <a:prstGeom prst="rect">
-            <a:avLst/>
-          </a:prstGeom>
-          <a:noFill/>
-        </p:spPr>
-        <p:txBody>
-          <a:bodyPr wrap="square" rtlCol="0">
-            <a:spAutoFit/>
-          </a:bodyPr>
-          <a:lstStyle/>
-          <a:p>
-            <a:r>
-              <a:rPr lang="en-GB" sz="2800" b="1" dirty="0">
-                <a:latin typeface="Arial" panose="020B0604020202020204" pitchFamily="34" charset="0"/>
-                <a:cs typeface="Arial" panose="020B0604020202020204" pitchFamily="34" charset="0"/>
-              </a:rPr>
-              <a:t>l)</a:t>
+              <a:t>k)</a:t>
             </a:r>
           </a:p>
         </p:txBody>
@@ -6792,7 +6614,7 @@
                 <a:latin typeface="Arial" panose="020B0604020202020204" pitchFamily="34" charset="0"/>
                 <a:cs typeface="Arial" panose="020B0604020202020204" pitchFamily="34" charset="0"/>
               </a:rPr>
-              <a:t>o)</a:t>
+              <a:t>l)</a:t>
             </a:r>
           </a:p>
         </p:txBody>
@@ -6884,7 +6706,7 @@
             <p:nvPr/>
           </p:nvPicPr>
           <p:blipFill>
-            <a:blip r:embed="rId11">
+            <a:blip r:embed="rId15">
               <a:extLst>
                 <a:ext uri="{28A0092B-C50C-407E-A947-70E740481C1C}">
                   <a14:useLocalDpi xmlns:a14="http://schemas.microsoft.com/office/drawing/2010/main" val="0"/>
@@ -6937,7 +6759,7 @@
                   <a:latin typeface="Arial" panose="020B0604020202020204" pitchFamily="34" charset="0"/>
                   <a:cs typeface="Arial" panose="020B0604020202020204" pitchFamily="34" charset="0"/>
                 </a:rPr>
-                <a:t>Total Water </a:t>
+                <a:t>2020 Water </a:t>
               </a:r>
             </a:p>
             <a:p>
@@ -7051,8 +6873,8 @@
           </a:p>
         </p:txBody>
       </p:sp>
-      <mc:AlternateContent xmlns:mc="http://schemas.openxmlformats.org/markup-compatibility/2006">
-        <mc:Choice xmlns:a14="http://schemas.microsoft.com/office/drawing/2010/main" Requires="a14">
+      <mc:AlternateContent xmlns:mc="http://schemas.openxmlformats.org/markup-compatibility/2006" xmlns:a14="http://schemas.microsoft.com/office/drawing/2010/main">
+        <mc:Choice Requires="a14">
           <p:sp>
             <p:nvSpPr>
               <p:cNvPr id="4" name="TextBox 3">
@@ -7209,7 +7031,7 @@
             </p:txBody>
           </p:sp>
         </mc:Choice>
-        <mc:Fallback>
+        <mc:Fallback xmlns="">
           <p:sp>
             <p:nvSpPr>
               <p:cNvPr id="4" name="TextBox 3">
@@ -7269,7 +7091,7 @@
         <p:spPr>
           <a:xfrm>
             <a:off x="9798375" y="7900585"/>
-            <a:ext cx="2890535" cy="646331"/>
+            <a:ext cx="3544560" cy="646331"/>
           </a:xfrm>
           <a:prstGeom prst="rect">
             <a:avLst/>
@@ -7287,7 +7109,7 @@
                 <a:latin typeface="Arial" panose="020B0604020202020204" pitchFamily="34" charset="0"/>
                 <a:cs typeface="Arial" panose="020B0604020202020204" pitchFamily="34" charset="0"/>
               </a:rPr>
-              <a:t>Medicine Removal Rates</a:t>
+              <a:t>Mean Medicine Removal Rates</a:t>
             </a:r>
           </a:p>
           <a:p>
@@ -7334,7 +7156,7 @@
                 <a:latin typeface="Arial" panose="020B0604020202020204" pitchFamily="34" charset="0"/>
                 <a:cs typeface="Arial" panose="020B0604020202020204" pitchFamily="34" charset="0"/>
               </a:rPr>
-              <a:t>k)</a:t>
+              <a:t>j)</a:t>
             </a:r>
           </a:p>
         </p:txBody>
@@ -7389,8 +7211,8 @@
         </p:nvSpPr>
         <p:spPr>
           <a:xfrm rot="5400000">
-            <a:off x="13027626" y="7737716"/>
-            <a:ext cx="190500" cy="875844"/>
+            <a:off x="13601547" y="7799249"/>
+            <a:ext cx="176597" cy="618199"/>
           </a:xfrm>
           <a:prstGeom prst="downArrow">
             <a:avLst>
@@ -7427,8 +7249,8 @@
           </a:p>
         </p:txBody>
       </p:sp>
-      <mc:AlternateContent xmlns:mc="http://schemas.openxmlformats.org/markup-compatibility/2006">
-        <mc:Choice xmlns:a14="http://schemas.microsoft.com/office/drawing/2010/main" Requires="a14">
+      <mc:AlternateContent xmlns:mc="http://schemas.openxmlformats.org/markup-compatibility/2006" xmlns:a14="http://schemas.microsoft.com/office/drawing/2010/main">
+        <mc:Choice Requires="a14">
           <p:sp>
             <p:nvSpPr>
               <p:cNvPr id="107" name="TextBox 106">
@@ -7580,7 +7402,7 @@
             </p:txBody>
           </p:sp>
         </mc:Choice>
-        <mc:Fallback>
+        <mc:Fallback xmlns="">
           <p:sp>
             <p:nvSpPr>
               <p:cNvPr id="107" name="TextBox 106">
@@ -7625,8 +7447,8 @@
           </p:sp>
         </mc:Fallback>
       </mc:AlternateContent>
-      <mc:AlternateContent xmlns:mc="http://schemas.openxmlformats.org/markup-compatibility/2006">
-        <mc:Choice xmlns:a14="http://schemas.microsoft.com/office/drawing/2010/main" Requires="a14">
+      <mc:AlternateContent xmlns:mc="http://schemas.openxmlformats.org/markup-compatibility/2006" xmlns:a14="http://schemas.microsoft.com/office/drawing/2010/main">
+        <mc:Choice Requires="a14">
           <p:sp>
             <p:nvSpPr>
               <p:cNvPr id="108" name="TextBox 107">
@@ -7655,6 +7477,7 @@
               </a:bodyPr>
               <a:lstStyle/>
               <a:p>
+                <a:pPr/>
                 <a14:m>
                   <m:oMathPara xmlns:m="http://schemas.openxmlformats.org/officeDocument/2006/math">
                     <m:oMathParaPr>
@@ -7702,13 +7525,7 @@
                         <a:rPr lang="en-GB" b="0" i="1" smtClean="0">
                           <a:latin typeface="Cambria Math" panose="02040503050406030204" pitchFamily="18" charset="0"/>
                         </a:rPr>
-                        <m:t>=</m:t>
-                      </m:r>
-                      <m:r>
-                        <a:rPr lang="en-GB" b="0" i="1" smtClean="0">
-                          <a:latin typeface="Cambria Math" panose="02040503050406030204" pitchFamily="18" charset="0"/>
-                        </a:rPr>
-                        <m:t> </m:t>
+                        <m:t>= </m:t>
                       </m:r>
                       <m:f>
                         <m:fPr>
@@ -7778,7 +7595,7 @@
             </p:txBody>
           </p:sp>
         </mc:Choice>
-        <mc:Fallback>
+        <mc:Fallback xmlns="">
           <p:sp>
             <p:nvSpPr>
               <p:cNvPr id="108" name="TextBox 107">
@@ -7995,7 +7812,7 @@
                 <a:latin typeface="Arial" panose="020B0604020202020204" pitchFamily="34" charset="0"/>
                 <a:cs typeface="Arial" panose="020B0604020202020204" pitchFamily="34" charset="0"/>
               </a:rPr>
-              <a:t>n)</a:t>
+              <a:t>m)</a:t>
             </a:r>
           </a:p>
         </p:txBody>
@@ -8099,8 +7916,8 @@
           </a:p>
         </p:txBody>
       </p:sp>
-      <mc:AlternateContent xmlns:mc="http://schemas.openxmlformats.org/markup-compatibility/2006">
-        <mc:Choice xmlns:a14="http://schemas.microsoft.com/office/drawing/2010/main" Requires="a14">
+      <mc:AlternateContent xmlns:mc="http://schemas.openxmlformats.org/markup-compatibility/2006" xmlns:a14="http://schemas.microsoft.com/office/drawing/2010/main">
+        <mc:Choice Requires="a14">
           <p:sp>
             <p:nvSpPr>
               <p:cNvPr id="113" name="TextBox 112">
@@ -8129,6 +7946,7 @@
               </a:bodyPr>
               <a:lstStyle/>
               <a:p>
+                <a:pPr/>
                 <a14:m>
                   <m:oMathPara xmlns:m="http://schemas.openxmlformats.org/officeDocument/2006/math">
                     <m:oMathParaPr>
@@ -8176,13 +7994,7 @@
                         <a:rPr lang="en-GB" b="0" i="1" smtClean="0">
                           <a:latin typeface="Cambria Math" panose="02040503050406030204" pitchFamily="18" charset="0"/>
                         </a:rPr>
-                        <m:t>=</m:t>
-                      </m:r>
-                      <m:r>
-                        <a:rPr lang="en-GB" b="0" i="1" smtClean="0">
-                          <a:latin typeface="Cambria Math" panose="02040503050406030204" pitchFamily="18" charset="0"/>
-                        </a:rPr>
-                        <m:t> </m:t>
+                        <m:t>= </m:t>
                       </m:r>
                       <m:f>
                         <m:fPr>
@@ -8292,7 +8104,7 @@
             </p:txBody>
           </p:sp>
         </mc:Choice>
-        <mc:Fallback>
+        <mc:Fallback xmlns="">
           <p:sp>
             <p:nvSpPr>
               <p:cNvPr id="113" name="TextBox 112">
@@ -8489,7 +8301,7 @@
                   <a:latin typeface="Arial" panose="020B0604020202020204" pitchFamily="34" charset="0"/>
                   <a:cs typeface="Arial" panose="020B0604020202020204" pitchFamily="34" charset="0"/>
                 </a:rPr>
-                <a:t>p)</a:t>
+                <a:t>o)</a:t>
               </a:r>
             </a:p>
           </p:txBody>
@@ -8535,7 +8347,7 @@
                 <a:avLst/>
               </a:prstGeom>
               <a:solidFill>
-                <a:srgbClr val="EBA26B"/>
+                <a:srgbClr val="FFC000"/>
               </a:solidFill>
               <a:ln>
                 <a:noFill/>
@@ -8765,7 +8577,7 @@
                   <a:latin typeface="Arial" panose="020B0604020202020204" pitchFamily="34" charset="0"/>
                   <a:cs typeface="Arial" panose="020B0604020202020204" pitchFamily="34" charset="0"/>
                 </a:rPr>
-                <a:t>q)</a:t>
+                <a:t>p)</a:t>
               </a:r>
             </a:p>
           </p:txBody>
@@ -8811,7 +8623,7 @@
                 <a:avLst/>
               </a:prstGeom>
               <a:solidFill>
-                <a:srgbClr val="EBA26B"/>
+                <a:srgbClr val="FFC080"/>
               </a:solidFill>
               <a:ln>
                 <a:noFill/>
@@ -8932,8 +8744,8 @@
           </p:sp>
         </p:grpSp>
       </p:grpSp>
-      <mc:AlternateContent xmlns:mc="http://schemas.openxmlformats.org/markup-compatibility/2006">
-        <mc:Choice xmlns:a14="http://schemas.microsoft.com/office/drawing/2010/main" Requires="a14">
+      <mc:AlternateContent xmlns:mc="http://schemas.openxmlformats.org/markup-compatibility/2006" xmlns:a14="http://schemas.microsoft.com/office/drawing/2010/main">
+        <mc:Choice Requires="a14">
           <p:sp>
             <p:nvSpPr>
               <p:cNvPr id="128" name="TextBox 127">
@@ -8962,6 +8774,7 @@
               </a:bodyPr>
               <a:lstStyle/>
               <a:p>
+                <a:pPr/>
                 <a14:m>
                   <m:oMathPara xmlns:m="http://schemas.openxmlformats.org/officeDocument/2006/math">
                     <m:oMathParaPr>
@@ -9091,7 +8904,7 @@
             </p:txBody>
           </p:sp>
         </mc:Choice>
-        <mc:Fallback>
+        <mc:Fallback xmlns="">
           <p:sp>
             <p:nvSpPr>
               <p:cNvPr id="128" name="TextBox 127">
@@ -9136,8 +8949,8 @@
           </p:sp>
         </mc:Fallback>
       </mc:AlternateContent>
-      <mc:AlternateContent xmlns:mc="http://schemas.openxmlformats.org/markup-compatibility/2006">
-        <mc:Choice xmlns:a14="http://schemas.microsoft.com/office/drawing/2010/main" Requires="a14">
+      <mc:AlternateContent xmlns:mc="http://schemas.openxmlformats.org/markup-compatibility/2006" xmlns:a14="http://schemas.microsoft.com/office/drawing/2010/main">
+        <mc:Choice Requires="a14">
           <p:sp>
             <p:nvSpPr>
               <p:cNvPr id="129" name="TextBox 128">
@@ -9166,6 +8979,7 @@
               </a:bodyPr>
               <a:lstStyle/>
               <a:p>
+                <a:pPr/>
                 <a14:m>
                   <m:oMathPara xmlns:m="http://schemas.openxmlformats.org/officeDocument/2006/math">
                     <m:oMathParaPr>
@@ -9382,7 +9196,7 @@
             </p:txBody>
           </p:sp>
         </mc:Choice>
-        <mc:Fallback>
+        <mc:Fallback xmlns="">
           <p:sp>
             <p:nvSpPr>
               <p:cNvPr id="129" name="TextBox 128">

--- a/output/images/raw/figure01_conceptual.pptx
+++ b/output/images/raw/figure01_conceptual.pptx
@@ -115,7 +115,7 @@
 <file path=ppt/revisionInfo.xml><?xml version="1.0" encoding="utf-8"?>
 <p1510:revInfo xmlns:a="http://schemas.openxmlformats.org/drawingml/2006/main" xmlns:r="http://schemas.openxmlformats.org/officeDocument/2006/relationships" xmlns:p1510="http://schemas.microsoft.com/office/powerpoint/2015/10/main">
   <p1510:revLst>
-    <p1510:client id="{EF6F24C5-38C6-4B78-ADE6-AEC5E0F11A2F}" v="38" dt="2023-02-06T08:33:25.062"/>
+    <p1510:client id="{EF6F24C5-38C6-4B78-ADE6-AEC5E0F11A2F}" v="67" dt="2023-02-20T14:04:15.732"/>
   </p1510:revLst>
 </p1510:revInfo>
 </file>
@@ -477,12 +477,12 @@
   <pc:docChgLst>
     <pc:chgData name="Sam Welch" userId="346ebfb30976329f" providerId="LiveId" clId="{EF6F24C5-38C6-4B78-ADE6-AEC5E0F11A2F}"/>
     <pc:docChg chg="undo custSel modSld">
-      <pc:chgData name="Sam Welch" userId="346ebfb30976329f" providerId="LiveId" clId="{EF6F24C5-38C6-4B78-ADE6-AEC5E0F11A2F}" dt="2023-02-06T08:33:25.061" v="1080" actId="164"/>
+      <pc:chgData name="Sam Welch" userId="346ebfb30976329f" providerId="LiveId" clId="{EF6F24C5-38C6-4B78-ADE6-AEC5E0F11A2F}" dt="2023-02-20T14:04:15.731" v="1167" actId="20577"/>
       <pc:docMkLst>
         <pc:docMk/>
       </pc:docMkLst>
       <pc:sldChg chg="addSp delSp modSp mod">
-        <pc:chgData name="Sam Welch" userId="346ebfb30976329f" providerId="LiveId" clId="{EF6F24C5-38C6-4B78-ADE6-AEC5E0F11A2F}" dt="2023-02-06T08:33:25.061" v="1080" actId="164"/>
+        <pc:chgData name="Sam Welch" userId="346ebfb30976329f" providerId="LiveId" clId="{EF6F24C5-38C6-4B78-ADE6-AEC5E0F11A2F}" dt="2023-02-20T14:04:15.731" v="1167" actId="20577"/>
         <pc:sldMkLst>
           <pc:docMk/>
           <pc:sldMk cId="997638543" sldId="256"/>
@@ -504,7 +504,7 @@
           </ac:spMkLst>
         </pc:spChg>
         <pc:spChg chg="add mod">
-          <ac:chgData name="Sam Welch" userId="346ebfb30976329f" providerId="LiveId" clId="{EF6F24C5-38C6-4B78-ADE6-AEC5E0F11A2F}" dt="2023-02-06T08:29:52.558" v="1013" actId="1076"/>
+          <ac:chgData name="Sam Welch" userId="346ebfb30976329f" providerId="LiveId" clId="{EF6F24C5-38C6-4B78-ADE6-AEC5E0F11A2F}" dt="2023-02-20T14:02:43.078" v="1157" actId="1037"/>
           <ac:spMkLst>
             <pc:docMk/>
             <pc:sldMk cId="997638543" sldId="256"/>
@@ -520,7 +520,7 @@
           </ac:spMkLst>
         </pc:spChg>
         <pc:spChg chg="mod">
-          <ac:chgData name="Sam Welch" userId="346ebfb30976329f" providerId="LiveId" clId="{EF6F24C5-38C6-4B78-ADE6-AEC5E0F11A2F}" dt="2023-02-06T08:10:28.692" v="872" actId="12789"/>
+          <ac:chgData name="Sam Welch" userId="346ebfb30976329f" providerId="LiveId" clId="{EF6F24C5-38C6-4B78-ADE6-AEC5E0F11A2F}" dt="2023-02-20T14:00:29.997" v="1081"/>
           <ac:spMkLst>
             <pc:docMk/>
             <pc:sldMk cId="997638543" sldId="256"/>
@@ -623,6 +623,14 @@
             <ac:spMk id="55" creationId="{9951FE14-827F-ADB1-02C0-F7C614B4A792}"/>
           </ac:spMkLst>
         </pc:spChg>
+        <pc:spChg chg="add del mod ord">
+          <ac:chgData name="Sam Welch" userId="346ebfb30976329f" providerId="LiveId" clId="{EF6F24C5-38C6-4B78-ADE6-AEC5E0F11A2F}" dt="2023-02-20T14:02:37.191" v="1143" actId="11529"/>
+          <ac:spMkLst>
+            <pc:docMk/>
+            <pc:sldMk cId="997638543" sldId="256"/>
+            <ac:spMk id="57" creationId="{CAFE7426-9177-4DE9-A4D1-D32AE7AD1C83}"/>
+          </ac:spMkLst>
+        </pc:spChg>
         <pc:spChg chg="mod">
           <ac:chgData name="Sam Welch" userId="346ebfb30976329f" providerId="LiveId" clId="{EF6F24C5-38C6-4B78-ADE6-AEC5E0F11A2F}" dt="2022-12-15T09:39:56.272" v="102" actId="20577"/>
           <ac:spMkLst>
@@ -632,7 +640,7 @@
           </ac:spMkLst>
         </pc:spChg>
         <pc:spChg chg="mod">
-          <ac:chgData name="Sam Welch" userId="346ebfb30976329f" providerId="LiveId" clId="{EF6F24C5-38C6-4B78-ADE6-AEC5E0F11A2F}" dt="2023-02-06T08:10:16.607" v="871" actId="255"/>
+          <ac:chgData name="Sam Welch" userId="346ebfb30976329f" providerId="LiveId" clId="{EF6F24C5-38C6-4B78-ADE6-AEC5E0F11A2F}" dt="2023-02-20T14:00:35.732" v="1084" actId="20577"/>
           <ac:spMkLst>
             <pc:docMk/>
             <pc:sldMk cId="997638543" sldId="256"/>
@@ -640,7 +648,7 @@
           </ac:spMkLst>
         </pc:spChg>
         <pc:spChg chg="mod">
-          <ac:chgData name="Sam Welch" userId="346ebfb30976329f" providerId="LiveId" clId="{EF6F24C5-38C6-4B78-ADE6-AEC5E0F11A2F}" dt="2023-02-06T08:20:32.095" v="949" actId="1076"/>
+          <ac:chgData name="Sam Welch" userId="346ebfb30976329f" providerId="LiveId" clId="{EF6F24C5-38C6-4B78-ADE6-AEC5E0F11A2F}" dt="2023-02-20T14:00:29.997" v="1081"/>
           <ac:spMkLst>
             <pc:docMk/>
             <pc:sldMk cId="997638543" sldId="256"/>
@@ -856,7 +864,7 @@
           </ac:spMkLst>
         </pc:spChg>
         <pc:spChg chg="mod">
-          <ac:chgData name="Sam Welch" userId="346ebfb30976329f" providerId="LiveId" clId="{EF6F24C5-38C6-4B78-ADE6-AEC5E0F11A2F}" dt="2023-02-06T08:17:05.691" v="888" actId="1076"/>
+          <ac:chgData name="Sam Welch" userId="346ebfb30976329f" providerId="LiveId" clId="{EF6F24C5-38C6-4B78-ADE6-AEC5E0F11A2F}" dt="2023-02-20T14:00:42.295" v="1085" actId="1076"/>
           <ac:spMkLst>
             <pc:docMk/>
             <pc:sldMk cId="997638543" sldId="256"/>
@@ -888,7 +896,7 @@
           </ac:spMkLst>
         </pc:spChg>
         <pc:spChg chg="mod topLvl">
-          <ac:chgData name="Sam Welch" userId="346ebfb30976329f" providerId="LiveId" clId="{EF6F24C5-38C6-4B78-ADE6-AEC5E0F11A2F}" dt="2023-02-06T08:18:20.185" v="907" actId="1076"/>
+          <ac:chgData name="Sam Welch" userId="346ebfb30976329f" providerId="LiveId" clId="{EF6F24C5-38C6-4B78-ADE6-AEC5E0F11A2F}" dt="2023-02-20T14:00:29.997" v="1081"/>
           <ac:spMkLst>
             <pc:docMk/>
             <pc:sldMk cId="997638543" sldId="256"/>
@@ -1039,6 +1047,14 @@
             <ac:spMk id="120" creationId="{13E43F6B-A69C-45D6-91DE-54E19619FBFD}"/>
           </ac:spMkLst>
         </pc:spChg>
+        <pc:spChg chg="add del mod ord">
+          <ac:chgData name="Sam Welch" userId="346ebfb30976329f" providerId="LiveId" clId="{EF6F24C5-38C6-4B78-ADE6-AEC5E0F11A2F}" dt="2023-02-20T14:02:30.947" v="1132"/>
+          <ac:spMkLst>
+            <pc:docMk/>
+            <pc:sldMk cId="997638543" sldId="256"/>
+            <ac:spMk id="121" creationId="{72AB8B73-9AA3-473C-8668-5BE412F97CD0}"/>
+          </ac:spMkLst>
+        </pc:spChg>
         <pc:spChg chg="add del mod">
           <ac:chgData name="Sam Welch" userId="346ebfb30976329f" providerId="LiveId" clId="{EF6F24C5-38C6-4B78-ADE6-AEC5E0F11A2F}" dt="2023-02-06T08:21:40.584" v="973" actId="478"/>
           <ac:spMkLst>
@@ -1088,7 +1104,7 @@
           </ac:spMkLst>
         </pc:spChg>
         <pc:spChg chg="add mod">
-          <ac:chgData name="Sam Welch" userId="346ebfb30976329f" providerId="LiveId" clId="{EF6F24C5-38C6-4B78-ADE6-AEC5E0F11A2F}" dt="2023-02-06T08:29:45.266" v="1012" actId="255"/>
+          <ac:chgData name="Sam Welch" userId="346ebfb30976329f" providerId="LiveId" clId="{EF6F24C5-38C6-4B78-ADE6-AEC5E0F11A2F}" dt="2023-02-20T14:04:15.731" v="1167" actId="20577"/>
           <ac:spMkLst>
             <pc:docMk/>
             <pc:sldMk cId="997638543" sldId="256"/>
@@ -1127,8 +1143,16 @@
             <ac:spMk id="133" creationId="{A688F398-0287-4EB4-8322-4638DD9AFC58}"/>
           </ac:spMkLst>
         </pc:spChg>
+        <pc:spChg chg="add del mod ord">
+          <ac:chgData name="Sam Welch" userId="346ebfb30976329f" providerId="LiveId" clId="{EF6F24C5-38C6-4B78-ADE6-AEC5E0F11A2F}" dt="2023-02-20T14:02:29.858" v="1129"/>
+          <ac:spMkLst>
+            <pc:docMk/>
+            <pc:sldMk cId="997638543" sldId="256"/>
+            <ac:spMk id="134" creationId="{166C04A3-28C4-494D-A225-0B5FAA44CD06}"/>
+          </ac:spMkLst>
+        </pc:spChg>
         <pc:grpChg chg="add mod">
-          <ac:chgData name="Sam Welch" userId="346ebfb30976329f" providerId="LiveId" clId="{EF6F24C5-38C6-4B78-ADE6-AEC5E0F11A2F}" dt="2023-02-06T08:10:37.850" v="875" actId="1076"/>
+          <ac:chgData name="Sam Welch" userId="346ebfb30976329f" providerId="LiveId" clId="{EF6F24C5-38C6-4B78-ADE6-AEC5E0F11A2F}" dt="2023-02-20T14:00:29.997" v="1081"/>
           <ac:grpSpMkLst>
             <pc:docMk/>
             <pc:sldMk cId="997638543" sldId="256"/>
@@ -1176,7 +1200,7 @@
           </ac:grpSpMkLst>
         </pc:grpChg>
         <pc:grpChg chg="mod">
-          <ac:chgData name="Sam Welch" userId="346ebfb30976329f" providerId="LiveId" clId="{EF6F24C5-38C6-4B78-ADE6-AEC5E0F11A2F}" dt="2023-02-06T08:10:36.475" v="874" actId="164"/>
+          <ac:chgData name="Sam Welch" userId="346ebfb30976329f" providerId="LiveId" clId="{EF6F24C5-38C6-4B78-ADE6-AEC5E0F11A2F}" dt="2023-02-20T14:00:29.997" v="1081"/>
           <ac:grpSpMkLst>
             <pc:docMk/>
             <pc:sldMk cId="997638543" sldId="256"/>
@@ -1200,7 +1224,7 @@
           </ac:grpSpMkLst>
         </pc:grpChg>
         <pc:grpChg chg="add mod">
-          <ac:chgData name="Sam Welch" userId="346ebfb30976329f" providerId="LiveId" clId="{EF6F24C5-38C6-4B78-ADE6-AEC5E0F11A2F}" dt="2023-02-06T08:20:22.468" v="939" actId="1076"/>
+          <ac:chgData name="Sam Welch" userId="346ebfb30976329f" providerId="LiveId" clId="{EF6F24C5-38C6-4B78-ADE6-AEC5E0F11A2F}" dt="2023-02-20T14:00:29.997" v="1081"/>
           <ac:grpSpMkLst>
             <pc:docMk/>
             <pc:sldMk cId="997638543" sldId="256"/>
@@ -1208,7 +1232,7 @@
           </ac:grpSpMkLst>
         </pc:grpChg>
         <pc:grpChg chg="add mod">
-          <ac:chgData name="Sam Welch" userId="346ebfb30976329f" providerId="LiveId" clId="{EF6F24C5-38C6-4B78-ADE6-AEC5E0F11A2F}" dt="2023-02-06T08:17:05.691" v="888" actId="1076"/>
+          <ac:chgData name="Sam Welch" userId="346ebfb30976329f" providerId="LiveId" clId="{EF6F24C5-38C6-4B78-ADE6-AEC5E0F11A2F}" dt="2023-02-20T14:00:42.295" v="1085" actId="1076"/>
           <ac:grpSpMkLst>
             <pc:docMk/>
             <pc:sldMk cId="997638543" sldId="256"/>
@@ -1216,7 +1240,7 @@
           </ac:grpSpMkLst>
         </pc:grpChg>
         <pc:grpChg chg="add mod">
-          <ac:chgData name="Sam Welch" userId="346ebfb30976329f" providerId="LiveId" clId="{EF6F24C5-38C6-4B78-ADE6-AEC5E0F11A2F}" dt="2023-02-06T08:20:35.498" v="950" actId="1076"/>
+          <ac:chgData name="Sam Welch" userId="346ebfb30976329f" providerId="LiveId" clId="{EF6F24C5-38C6-4B78-ADE6-AEC5E0F11A2F}" dt="2023-02-20T14:00:29.997" v="1081"/>
           <ac:grpSpMkLst>
             <pc:docMk/>
             <pc:sldMk cId="997638543" sldId="256"/>
@@ -1400,7 +1424,7 @@
           </ac:grpSpMkLst>
         </pc:grpChg>
         <pc:grpChg chg="mod">
-          <ac:chgData name="Sam Welch" userId="346ebfb30976329f" providerId="LiveId" clId="{EF6F24C5-38C6-4B78-ADE6-AEC5E0F11A2F}" dt="2023-02-06T08:11:03.585" v="883" actId="164"/>
+          <ac:chgData name="Sam Welch" userId="346ebfb30976329f" providerId="LiveId" clId="{EF6F24C5-38C6-4B78-ADE6-AEC5E0F11A2F}" dt="2023-02-20T14:00:29.997" v="1081"/>
           <ac:grpSpMkLst>
             <pc:docMk/>
             <pc:sldMk cId="997638543" sldId="256"/>
@@ -1408,7 +1432,7 @@
           </ac:grpSpMkLst>
         </pc:grpChg>
         <pc:grpChg chg="mod">
-          <ac:chgData name="Sam Welch" userId="346ebfb30976329f" providerId="LiveId" clId="{EF6F24C5-38C6-4B78-ADE6-AEC5E0F11A2F}" dt="2023-02-06T08:11:09.856" v="885" actId="164"/>
+          <ac:chgData name="Sam Welch" userId="346ebfb30976329f" providerId="LiveId" clId="{EF6F24C5-38C6-4B78-ADE6-AEC5E0F11A2F}" dt="2023-02-20T14:00:29.997" v="1081"/>
           <ac:grpSpMkLst>
             <pc:docMk/>
             <pc:sldMk cId="997638543" sldId="256"/>
@@ -2162,7 +2186,7 @@
           <a:p>
             <a:fld id="{FFCB109C-1392-4401-B401-9B62BF3E22B3}" type="datetimeFigureOut">
               <a:rPr lang="en-GB" smtClean="0"/>
-              <a:t>06/02/2023</a:t>
+              <a:t>20/02/2023</a:t>
             </a:fld>
             <a:endParaRPr lang="en-GB"/>
           </a:p>
@@ -2362,7 +2386,7 @@
           <a:p>
             <a:fld id="{FFCB109C-1392-4401-B401-9B62BF3E22B3}" type="datetimeFigureOut">
               <a:rPr lang="en-GB" smtClean="0"/>
-              <a:t>06/02/2023</a:t>
+              <a:t>20/02/2023</a:t>
             </a:fld>
             <a:endParaRPr lang="en-GB"/>
           </a:p>
@@ -2572,7 +2596,7 @@
           <a:p>
             <a:fld id="{FFCB109C-1392-4401-B401-9B62BF3E22B3}" type="datetimeFigureOut">
               <a:rPr lang="en-GB" smtClean="0"/>
-              <a:t>06/02/2023</a:t>
+              <a:t>20/02/2023</a:t>
             </a:fld>
             <a:endParaRPr lang="en-GB"/>
           </a:p>
@@ -2772,7 +2796,7 @@
           <a:p>
             <a:fld id="{FFCB109C-1392-4401-B401-9B62BF3E22B3}" type="datetimeFigureOut">
               <a:rPr lang="en-GB" smtClean="0"/>
-              <a:t>06/02/2023</a:t>
+              <a:t>20/02/2023</a:t>
             </a:fld>
             <a:endParaRPr lang="en-GB"/>
           </a:p>
@@ -3048,7 +3072,7 @@
           <a:p>
             <a:fld id="{FFCB109C-1392-4401-B401-9B62BF3E22B3}" type="datetimeFigureOut">
               <a:rPr lang="en-GB" smtClean="0"/>
-              <a:t>06/02/2023</a:t>
+              <a:t>20/02/2023</a:t>
             </a:fld>
             <a:endParaRPr lang="en-GB"/>
           </a:p>
@@ -3316,7 +3340,7 @@
           <a:p>
             <a:fld id="{FFCB109C-1392-4401-B401-9B62BF3E22B3}" type="datetimeFigureOut">
               <a:rPr lang="en-GB" smtClean="0"/>
-              <a:t>06/02/2023</a:t>
+              <a:t>20/02/2023</a:t>
             </a:fld>
             <a:endParaRPr lang="en-GB"/>
           </a:p>
@@ -3731,7 +3755,7 @@
           <a:p>
             <a:fld id="{FFCB109C-1392-4401-B401-9B62BF3E22B3}" type="datetimeFigureOut">
               <a:rPr lang="en-GB" smtClean="0"/>
-              <a:t>06/02/2023</a:t>
+              <a:t>20/02/2023</a:t>
             </a:fld>
             <a:endParaRPr lang="en-GB"/>
           </a:p>
@@ -3873,7 +3897,7 @@
           <a:p>
             <a:fld id="{FFCB109C-1392-4401-B401-9B62BF3E22B3}" type="datetimeFigureOut">
               <a:rPr lang="en-GB" smtClean="0"/>
-              <a:t>06/02/2023</a:t>
+              <a:t>20/02/2023</a:t>
             </a:fld>
             <a:endParaRPr lang="en-GB"/>
           </a:p>
@@ -3986,7 +4010,7 @@
           <a:p>
             <a:fld id="{FFCB109C-1392-4401-B401-9B62BF3E22B3}" type="datetimeFigureOut">
               <a:rPr lang="en-GB" smtClean="0"/>
-              <a:t>06/02/2023</a:t>
+              <a:t>20/02/2023</a:t>
             </a:fld>
             <a:endParaRPr lang="en-GB"/>
           </a:p>
@@ -4299,7 +4323,7 @@
           <a:p>
             <a:fld id="{FFCB109C-1392-4401-B401-9B62BF3E22B3}" type="datetimeFigureOut">
               <a:rPr lang="en-GB" smtClean="0"/>
-              <a:t>06/02/2023</a:t>
+              <a:t>20/02/2023</a:t>
             </a:fld>
             <a:endParaRPr lang="en-GB"/>
           </a:p>
@@ -4588,7 +4612,7 @@
           <a:p>
             <a:fld id="{FFCB109C-1392-4401-B401-9B62BF3E22B3}" type="datetimeFigureOut">
               <a:rPr lang="en-GB" smtClean="0"/>
-              <a:t>06/02/2023</a:t>
+              <a:t>20/02/2023</a:t>
             </a:fld>
             <a:endParaRPr lang="en-GB"/>
           </a:p>
@@ -4831,7 +4855,7 @@
           <a:p>
             <a:fld id="{FFCB109C-1392-4401-B401-9B62BF3E22B3}" type="datetimeFigureOut">
               <a:rPr lang="en-GB" smtClean="0"/>
-              <a:t>06/02/2023</a:t>
+              <a:t>20/02/2023</a:t>
             </a:fld>
             <a:endParaRPr lang="en-GB"/>
           </a:p>
@@ -5471,9 +5495,9 @@
         <p:grpSpPr>
           <a:xfrm>
             <a:off x="-129169" y="-1867523"/>
-            <a:ext cx="4867323" cy="1815882"/>
+            <a:ext cx="5983013" cy="1815882"/>
             <a:chOff x="955074" y="-1774290"/>
-            <a:chExt cx="4867323" cy="1815882"/>
+            <a:chExt cx="5983013" cy="1815882"/>
           </a:xfrm>
         </p:grpSpPr>
         <p:grpSp>
@@ -5491,9 +5515,9 @@
           <p:grpSpPr>
             <a:xfrm>
               <a:off x="1559135" y="-1774290"/>
-              <a:ext cx="4263262" cy="1815882"/>
+              <a:ext cx="5378952" cy="1815882"/>
               <a:chOff x="1215081" y="1038890"/>
-              <a:chExt cx="4263262" cy="1815882"/>
+              <a:chExt cx="5378952" cy="1815882"/>
             </a:xfrm>
           </p:grpSpPr>
           <p:pic>
@@ -5547,7 +5571,7 @@
             <p:spPr>
               <a:xfrm>
                 <a:off x="2214308" y="1038890"/>
-                <a:ext cx="3264035" cy="1815882"/>
+                <a:ext cx="4379725" cy="1815882"/>
               </a:xfrm>
               <a:prstGeom prst="rect">
                 <a:avLst/>
@@ -5565,7 +5589,7 @@
                     <a:latin typeface="Arial" panose="020B0604020202020204" pitchFamily="34" charset="0"/>
                     <a:cs typeface="Arial" panose="020B0604020202020204" pitchFamily="34" charset="0"/>
                   </a:rPr>
-                  <a:t>Historic Medicine </a:t>
+                  <a:t>Historic Pharmaceutical </a:t>
                 </a:r>
               </a:p>
               <a:p>
@@ -5999,9 +6023,9 @@
         <p:grpSpPr>
           <a:xfrm>
             <a:off x="3347880" y="2147303"/>
-            <a:ext cx="5690076" cy="969490"/>
+            <a:ext cx="5618005" cy="969490"/>
             <a:chOff x="2836269" y="2553344"/>
-            <a:chExt cx="5690076" cy="969490"/>
+            <a:chExt cx="5618005" cy="969490"/>
           </a:xfrm>
         </p:grpSpPr>
         <p:grpSp>
@@ -6019,9 +6043,9 @@
           <p:grpSpPr>
             <a:xfrm>
               <a:off x="3630429" y="2553344"/>
-              <a:ext cx="4895916" cy="969490"/>
+              <a:ext cx="4823845" cy="969490"/>
               <a:chOff x="725977" y="3952864"/>
-              <a:chExt cx="4895916" cy="969490"/>
+              <a:chExt cx="4823845" cy="969490"/>
             </a:xfrm>
           </p:grpSpPr>
           <p:sp>
@@ -6039,7 +6063,7 @@
             <p:spPr>
               <a:xfrm>
                 <a:off x="1569245" y="3968247"/>
-                <a:ext cx="4052648" cy="954107"/>
+                <a:ext cx="3980577" cy="954107"/>
               </a:xfrm>
               <a:prstGeom prst="rect">
                 <a:avLst/>
@@ -6057,7 +6081,7 @@
                     <a:latin typeface="Arial" panose="020B0604020202020204" pitchFamily="34" charset="0"/>
                     <a:cs typeface="Arial" panose="020B0604020202020204" pitchFamily="34" charset="0"/>
                   </a:rPr>
-                  <a:t>Medicine Sales Weight</a:t>
+                  <a:t>Pharmaceutical Sales </a:t>
                 </a:r>
               </a:p>
               <a:p>
@@ -6066,7 +6090,7 @@
                     <a:latin typeface="Arial" panose="020B0604020202020204" pitchFamily="34" charset="0"/>
                     <a:cs typeface="Arial" panose="020B0604020202020204" pitchFamily="34" charset="0"/>
                   </a:rPr>
-                  <a:t>Linear Models</a:t>
+                  <a:t>Weight Linear Models</a:t>
                 </a:r>
                 <a:endParaRPr lang="en-GB" sz="2800" dirty="0">
                   <a:latin typeface="Arial" panose="020B0604020202020204" pitchFamily="34" charset="0"/>
@@ -6165,9 +6189,9 @@
         <p:grpSpPr>
           <a:xfrm>
             <a:off x="3489266" y="3961882"/>
-            <a:ext cx="5307165" cy="990391"/>
+            <a:ext cx="6426061" cy="990391"/>
             <a:chOff x="2836269" y="4292609"/>
-            <a:chExt cx="5307165" cy="990391"/>
+            <a:chExt cx="6426061" cy="990391"/>
           </a:xfrm>
         </p:grpSpPr>
         <p:grpSp>
@@ -6185,9 +6209,9 @@
           <p:grpSpPr>
             <a:xfrm>
               <a:off x="3856226" y="4292609"/>
-              <a:ext cx="4287208" cy="990391"/>
+              <a:ext cx="5406104" cy="990391"/>
               <a:chOff x="4785797" y="1556683"/>
-              <a:chExt cx="4287208" cy="990391"/>
+              <a:chExt cx="5406104" cy="990391"/>
             </a:xfrm>
           </p:grpSpPr>
           <p:grpSp>
@@ -6297,7 +6321,7 @@
             <p:spPr>
               <a:xfrm>
                 <a:off x="5611801" y="1592967"/>
-                <a:ext cx="3461204" cy="954107"/>
+                <a:ext cx="4580100" cy="954107"/>
               </a:xfrm>
               <a:prstGeom prst="rect">
                 <a:avLst/>
@@ -6315,7 +6339,7 @@
                     <a:latin typeface="Arial" panose="020B0604020202020204" pitchFamily="34" charset="0"/>
                     <a:cs typeface="Arial" panose="020B0604020202020204" pitchFamily="34" charset="0"/>
                   </a:rPr>
-                  <a:t>Predicted Medicine</a:t>
+                  <a:t>Predicted Pharmaceutical</a:t>
                 </a:r>
               </a:p>
               <a:p>
@@ -7055,7 +7079,7 @@
         </p:nvGrpSpPr>
         <p:grpSpPr>
           <a:xfrm>
-            <a:off x="8993016" y="2332160"/>
+            <a:off x="9484364" y="1931696"/>
             <a:ext cx="5149211" cy="1384995"/>
             <a:chOff x="8443616" y="2313751"/>
             <a:chExt cx="5149211" cy="1384995"/>
@@ -7390,7 +7414,7 @@
         </p:nvSpPr>
         <p:spPr>
           <a:xfrm rot="5400000">
-            <a:off x="8660229" y="2804258"/>
+            <a:off x="9151577" y="2403794"/>
             <a:ext cx="190500" cy="479543"/>
           </a:xfrm>
           <a:prstGeom prst="downArrow">
@@ -7651,8 +7675,8 @@
           </p:txBody>
         </p:sp>
       </p:grpSp>
-      <mc:AlternateContent xmlns:mc="http://schemas.openxmlformats.org/markup-compatibility/2006">
-        <mc:Choice xmlns:a14="http://schemas.microsoft.com/office/drawing/2010/main" Requires="a14">
+      <mc:AlternateContent xmlns:mc="http://schemas.openxmlformats.org/markup-compatibility/2006" xmlns:a14="http://schemas.microsoft.com/office/drawing/2010/main">
+        <mc:Choice Requires="a14">
           <p:sp>
             <p:nvSpPr>
               <p:cNvPr id="4" name="TextBox 3">
@@ -7667,8 +7691,8 @@
             </p:nvSpPr>
             <p:spPr>
               <a:xfrm>
-                <a:off x="-3963130" y="5951516"/>
-                <a:ext cx="6862263" cy="674095"/>
+                <a:off x="-4858480" y="5951516"/>
+                <a:ext cx="7780143" cy="674095"/>
               </a:xfrm>
               <a:prstGeom prst="rect">
                 <a:avLst/>
@@ -7743,7 +7767,7 @@
                           <a:rPr lang="en-GB" sz="2800" b="0" i="1" smtClean="0">
                             <a:latin typeface="Cambria Math" panose="02040503050406030204" pitchFamily="18" charset="0"/>
                           </a:rPr>
-                          <m:t>𝑀𝑒𝑑𝑖𝑐𝑖𝑛𝑒</m:t>
+                          <m:t>𝑃h𝑎𝑟𝑚𝑎𝑐𝑒𝑢𝑡𝑖𝑐𝑎𝑙</m:t>
                         </m:r>
                         <m:r>
                           <a:rPr lang="en-GB" sz="2800" b="0" i="1" smtClean="0">
@@ -7813,7 +7837,7 @@
             </p:txBody>
           </p:sp>
         </mc:Choice>
-        <mc:Fallback>
+        <mc:Fallback xmlns="">
           <p:sp>
             <p:nvSpPr>
               <p:cNvPr id="4" name="TextBox 3">
@@ -7830,8 +7854,8 @@
             </p:nvSpPr>
             <p:spPr>
               <a:xfrm>
-                <a:off x="-3963130" y="5951516"/>
-                <a:ext cx="6862263" cy="674095"/>
+                <a:off x="-4858480" y="5951516"/>
+                <a:ext cx="7780143" cy="674095"/>
               </a:xfrm>
               <a:prstGeom prst="rect">
                 <a:avLst/>
@@ -7911,7 +7935,7 @@
                   <a:latin typeface="Arial" panose="020B0604020202020204" pitchFamily="34" charset="0"/>
                   <a:cs typeface="Arial" panose="020B0604020202020204" pitchFamily="34" charset="0"/>
                 </a:rPr>
-                <a:t>Mean Medicine </a:t>
+                <a:t>Mean Pharmaceutical </a:t>
               </a:r>
             </a:p>
             <a:p>
@@ -8009,8 +8033,8 @@
           </p:spPr>
         </p:pic>
       </p:grpSp>
-      <mc:AlternateContent xmlns:mc="http://schemas.openxmlformats.org/markup-compatibility/2006">
-        <mc:Choice xmlns:a14="http://schemas.microsoft.com/office/drawing/2010/main" Requires="a14">
+      <mc:AlternateContent xmlns:mc="http://schemas.openxmlformats.org/markup-compatibility/2006" xmlns:a14="http://schemas.microsoft.com/office/drawing/2010/main">
+        <mc:Choice Requires="a14">
           <p:sp>
             <p:nvSpPr>
               <p:cNvPr id="107" name="TextBox 106">
@@ -8181,7 +8205,7 @@
             </p:txBody>
           </p:sp>
         </mc:Choice>
-        <mc:Fallback>
+        <mc:Fallback xmlns="">
           <p:sp>
             <p:nvSpPr>
               <p:cNvPr id="107" name="TextBox 106">
@@ -8226,8 +8250,8 @@
           </p:sp>
         </mc:Fallback>
       </mc:AlternateContent>
-      <mc:AlternateContent xmlns:mc="http://schemas.openxmlformats.org/markup-compatibility/2006">
-        <mc:Choice xmlns:a14="http://schemas.microsoft.com/office/drawing/2010/main" Requires="a14">
+      <mc:AlternateContent xmlns:mc="http://schemas.openxmlformats.org/markup-compatibility/2006" xmlns:a14="http://schemas.microsoft.com/office/drawing/2010/main">
+        <mc:Choice Requires="a14">
           <p:sp>
             <p:nvSpPr>
               <p:cNvPr id="108" name="TextBox 107">
@@ -8378,7 +8402,7 @@
             </p:txBody>
           </p:sp>
         </mc:Choice>
-        <mc:Fallback>
+        <mc:Fallback xmlns="">
           <p:sp>
             <p:nvSpPr>
               <p:cNvPr id="108" name="TextBox 107">
@@ -8689,8 +8713,8 @@
           </p:sp>
         </p:grpSp>
       </p:grpSp>
-      <mc:AlternateContent xmlns:mc="http://schemas.openxmlformats.org/markup-compatibility/2006">
-        <mc:Choice xmlns:a14="http://schemas.microsoft.com/office/drawing/2010/main" Requires="a14">
+      <mc:AlternateContent xmlns:mc="http://schemas.openxmlformats.org/markup-compatibility/2006" xmlns:a14="http://schemas.microsoft.com/office/drawing/2010/main">
+        <mc:Choice Requires="a14">
           <p:sp>
             <p:nvSpPr>
               <p:cNvPr id="113" name="TextBox 112">
@@ -8881,7 +8905,7 @@
             </p:txBody>
           </p:sp>
         </mc:Choice>
-        <mc:Fallback>
+        <mc:Fallback xmlns="">
           <p:sp>
             <p:nvSpPr>
               <p:cNvPr id="113" name="TextBox 112">
@@ -9563,8 +9587,8 @@
           </p:grpSp>
         </p:grpSp>
       </p:grpSp>
-      <mc:AlternateContent xmlns:mc="http://schemas.openxmlformats.org/markup-compatibility/2006">
-        <mc:Choice xmlns:a14="http://schemas.microsoft.com/office/drawing/2010/main" Requires="a14">
+      <mc:AlternateContent xmlns:mc="http://schemas.openxmlformats.org/markup-compatibility/2006" xmlns:a14="http://schemas.microsoft.com/office/drawing/2010/main">
+        <mc:Choice Requires="a14">
           <p:sp>
             <p:nvSpPr>
               <p:cNvPr id="128" name="TextBox 127">
@@ -9748,7 +9772,7 @@
             </p:txBody>
           </p:sp>
         </mc:Choice>
-        <mc:Fallback>
+        <mc:Fallback xmlns="">
           <p:sp>
             <p:nvSpPr>
               <p:cNvPr id="128" name="TextBox 127">
@@ -9810,7 +9834,7 @@
             <p:spPr>
               <a:xfrm>
                 <a:off x="12021104" y="12883242"/>
-                <a:ext cx="8125494" cy="927113"/>
+                <a:ext cx="7708520" cy="1134157"/>
               </a:xfrm>
               <a:prstGeom prst="rect">
                 <a:avLst/>
@@ -9827,7 +9851,11 @@
               </a:bodyPr>
               <a:lstStyle/>
               <a:p>
-                <a:pPr/>
+                <a:pPr>
+                  <a:spcAft>
+                    <a:spcPts val="800"/>
+                  </a:spcAft>
+                </a:pPr>
                 <a14:m>
                   <m:oMathPara xmlns:m="http://schemas.openxmlformats.org/officeDocument/2006/math">
                     <m:oMathParaPr>
@@ -9835,91 +9863,139 @@
                     </m:oMathParaPr>
                     <m:oMath xmlns:m="http://schemas.openxmlformats.org/officeDocument/2006/math">
                       <m:r>
-                        <a:rPr lang="en-GB" sz="2800" b="0" i="1" smtClean="0">
+                        <a:rPr lang="en-GB" sz="2800" i="1" smtClean="0">
                           <a:latin typeface="Cambria Math" panose="02040503050406030204" pitchFamily="18" charset="0"/>
+                          <a:ea typeface="Calibri" panose="020F0502020204030204" pitchFamily="34" charset="0"/>
+                          <a:cs typeface="Arial" panose="020B0604020202020204" pitchFamily="34" charset="0"/>
                         </a:rPr>
-                        <m:t>𝑃</m:t>
+                        <m:t>𝐴𝑡</m:t>
                       </m:r>
-                      <m:d>
-                        <m:dPr>
-                          <m:ctrlPr>
-                            <a:rPr lang="en-GB" sz="2800" b="0" i="1" smtClean="0">
-                              <a:latin typeface="Cambria Math" panose="02040503050406030204" pitchFamily="18" charset="0"/>
-                            </a:rPr>
-                          </m:ctrlPr>
-                        </m:dPr>
-                        <m:e>
-                          <m:r>
-                            <a:rPr lang="en-GB" sz="2800" b="0" i="1" smtClean="0">
-                              <a:latin typeface="Cambria Math" panose="02040503050406030204" pitchFamily="18" charset="0"/>
-                            </a:rPr>
-                            <m:t>𝑎𝑡</m:t>
-                          </m:r>
-                          <m:r>
-                            <a:rPr lang="en-GB" sz="2800" b="0" i="1" smtClean="0">
-                              <a:latin typeface="Cambria Math" panose="02040503050406030204" pitchFamily="18" charset="0"/>
-                            </a:rPr>
-                            <m:t> </m:t>
-                          </m:r>
-                          <m:r>
-                            <a:rPr lang="en-GB" sz="2800" b="0" i="1" smtClean="0">
-                              <a:latin typeface="Cambria Math" panose="02040503050406030204" pitchFamily="18" charset="0"/>
-                            </a:rPr>
-                            <m:t>𝑙𝑒𝑎𝑠𝑡</m:t>
-                          </m:r>
-                          <m:r>
-                            <a:rPr lang="en-GB" sz="2800" b="0" i="1" smtClean="0">
-                              <a:latin typeface="Cambria Math" panose="02040503050406030204" pitchFamily="18" charset="0"/>
-                            </a:rPr>
-                            <m:t> </m:t>
-                          </m:r>
-                          <m:r>
-                            <a:rPr lang="en-GB" sz="2800" b="0" i="1" smtClean="0">
-                              <a:latin typeface="Cambria Math" panose="02040503050406030204" pitchFamily="18" charset="0"/>
-                            </a:rPr>
-                            <m:t>𝑜𝑛𝑒</m:t>
-                          </m:r>
-                          <m:r>
-                            <a:rPr lang="en-GB" sz="2800" b="0" i="1" smtClean="0">
-                              <a:latin typeface="Cambria Math" panose="02040503050406030204" pitchFamily="18" charset="0"/>
-                            </a:rPr>
-                            <m:t> </m:t>
-                          </m:r>
-                          <m:r>
-                            <a:rPr lang="en-GB" sz="2800" b="0" i="1" smtClean="0">
-                              <a:latin typeface="Cambria Math" panose="02040503050406030204" pitchFamily="18" charset="0"/>
-                            </a:rPr>
-                            <m:t>𝑅𝑄</m:t>
-                          </m:r>
-                          <m:r>
-                            <a:rPr lang="en-GB" sz="2800" b="0" i="1" smtClean="0">
-                              <a:latin typeface="Cambria Math" panose="02040503050406030204" pitchFamily="18" charset="0"/>
-                            </a:rPr>
-                            <m:t>&gt;</m:t>
-                          </m:r>
-                          <m:r>
-                            <a:rPr lang="en-GB" sz="2800" b="0" i="1" smtClean="0">
-                              <a:latin typeface="Cambria Math" panose="02040503050406030204" pitchFamily="18" charset="0"/>
-                            </a:rPr>
-                            <m:t>𝑡h𝑟𝑒𝑠h𝑜𝑙𝑑</m:t>
-                          </m:r>
-                        </m:e>
-                      </m:d>
                       <m:r>
-                        <a:rPr lang="en-GB" sz="2800" b="0" i="1" smtClean="0">
+                        <a:rPr lang="en-GB" sz="2800" i="1" smtClean="0">
                           <a:latin typeface="Cambria Math" panose="02040503050406030204" pitchFamily="18" charset="0"/>
+                          <a:ea typeface="Calibri" panose="020F0502020204030204" pitchFamily="34" charset="0"/>
+                          <a:cs typeface="Arial" panose="020B0604020202020204" pitchFamily="34" charset="0"/>
+                        </a:rPr>
+                        <m:t> </m:t>
+                      </m:r>
+                      <m:r>
+                        <a:rPr lang="en-GB" sz="2800" i="1" smtClean="0">
+                          <a:latin typeface="Cambria Math" panose="02040503050406030204" pitchFamily="18" charset="0"/>
+                          <a:ea typeface="Calibri" panose="020F0502020204030204" pitchFamily="34" charset="0"/>
+                          <a:cs typeface="Arial" panose="020B0604020202020204" pitchFamily="34" charset="0"/>
+                        </a:rPr>
+                        <m:t>𝑙𝑒𝑎𝑠𝑡</m:t>
+                      </m:r>
+                      <m:r>
+                        <a:rPr lang="en-GB" sz="2800" i="1" smtClean="0">
+                          <a:latin typeface="Cambria Math" panose="02040503050406030204" pitchFamily="18" charset="0"/>
+                          <a:ea typeface="Calibri" panose="020F0502020204030204" pitchFamily="34" charset="0"/>
+                          <a:cs typeface="Arial" panose="020B0604020202020204" pitchFamily="34" charset="0"/>
+                        </a:rPr>
+                        <m:t> </m:t>
+                      </m:r>
+                      <m:r>
+                        <a:rPr lang="en-GB" sz="2800" i="1" smtClean="0">
+                          <a:latin typeface="Cambria Math" panose="02040503050406030204" pitchFamily="18" charset="0"/>
+                          <a:ea typeface="Calibri" panose="020F0502020204030204" pitchFamily="34" charset="0"/>
+                          <a:cs typeface="Arial" panose="020B0604020202020204" pitchFamily="34" charset="0"/>
+                        </a:rPr>
+                        <m:t>𝑜𝑛𝑒</m:t>
+                      </m:r>
+                      <m:r>
+                        <a:rPr lang="en-GB" sz="2800" i="1" smtClean="0">
+                          <a:latin typeface="Cambria Math" panose="02040503050406030204" pitchFamily="18" charset="0"/>
+                          <a:ea typeface="Calibri" panose="020F0502020204030204" pitchFamily="34" charset="0"/>
+                          <a:cs typeface="Arial" panose="020B0604020202020204" pitchFamily="34" charset="0"/>
+                        </a:rPr>
+                        <m:t> </m:t>
+                      </m:r>
+                      <m:r>
+                        <a:rPr lang="en-GB" sz="2800" i="1" smtClean="0">
+                          <a:latin typeface="Cambria Math" panose="02040503050406030204" pitchFamily="18" charset="0"/>
+                          <a:ea typeface="Calibri" panose="020F0502020204030204" pitchFamily="34" charset="0"/>
+                          <a:cs typeface="Arial" panose="020B0604020202020204" pitchFamily="34" charset="0"/>
+                        </a:rPr>
+                        <m:t>𝑅𝑄</m:t>
+                      </m:r>
+                      <m:r>
+                        <a:rPr lang="en-GB" sz="2800" i="1" smtClean="0">
+                          <a:latin typeface="Cambria Math" panose="02040503050406030204" pitchFamily="18" charset="0"/>
+                          <a:ea typeface="Calibri" panose="020F0502020204030204" pitchFamily="34" charset="0"/>
+                          <a:cs typeface="Arial" panose="020B0604020202020204" pitchFamily="34" charset="0"/>
+                        </a:rPr>
+                        <m:t>&gt;</m:t>
+                      </m:r>
+                      <m:r>
+                        <a:rPr lang="en-GB" sz="2800" i="1" smtClean="0">
+                          <a:latin typeface="Cambria Math" panose="02040503050406030204" pitchFamily="18" charset="0"/>
+                          <a:ea typeface="Calibri" panose="020F0502020204030204" pitchFamily="34" charset="0"/>
+                          <a:cs typeface="Arial" panose="020B0604020202020204" pitchFamily="34" charset="0"/>
+                        </a:rPr>
+                        <m:t>𝑡h𝑟𝑒𝑠h𝑜𝑙𝑑</m:t>
+                      </m:r>
+                      <m:r>
+                        <a:rPr lang="en-GB" sz="2800" i="1" smtClean="0">
+                          <a:latin typeface="Cambria Math" panose="02040503050406030204" pitchFamily="18" charset="0"/>
+                          <a:ea typeface="Calibri" panose="020F0502020204030204" pitchFamily="34" charset="0"/>
+                          <a:cs typeface="Arial" panose="020B0604020202020204" pitchFamily="34" charset="0"/>
                         </a:rPr>
                         <m:t>=</m:t>
                       </m:r>
+                      <m:r>
+                        <a:rPr lang="en-GB" sz="2800" i="1" smtClean="0">
+                          <a:latin typeface="Cambria Math" panose="02040503050406030204" pitchFamily="18" charset="0"/>
+                          <a:ea typeface="Calibri" panose="020F0502020204030204" pitchFamily="34" charset="0"/>
+                          <a:cs typeface="Arial" panose="020B0604020202020204" pitchFamily="34" charset="0"/>
+                        </a:rPr>
+                        <m:t>𝑅</m:t>
+                      </m:r>
+                      <m:sSub>
+                        <m:sSubPr>
+                          <m:ctrlPr>
+                            <a:rPr lang="en-GB" sz="2800" i="1">
+                              <a:latin typeface="Cambria Math" panose="02040503050406030204" pitchFamily="18" charset="0"/>
+                              <a:ea typeface="Calibri" panose="020F0502020204030204" pitchFamily="34" charset="0"/>
+                              <a:cs typeface="Arial" panose="020B0604020202020204" pitchFamily="34" charset="0"/>
+                            </a:rPr>
+                          </m:ctrlPr>
+                        </m:sSubPr>
+                        <m:e>
+                          <m:r>
+                            <a:rPr lang="en-GB" sz="2800" i="1">
+                              <a:latin typeface="Cambria Math" panose="02040503050406030204" pitchFamily="18" charset="0"/>
+                              <a:ea typeface="Calibri" panose="020F0502020204030204" pitchFamily="34" charset="0"/>
+                              <a:cs typeface="Arial" panose="020B0604020202020204" pitchFamily="34" charset="0"/>
+                            </a:rPr>
+                            <m:t>𝑄</m:t>
+                          </m:r>
+                        </m:e>
+                        <m:sub>
+                          <m:r>
+                            <a:rPr lang="en-GB" sz="2800" i="1">
+                              <a:latin typeface="Cambria Math" panose="02040503050406030204" pitchFamily="18" charset="0"/>
+                              <a:ea typeface="Calibri" panose="020F0502020204030204" pitchFamily="34" charset="0"/>
+                              <a:cs typeface="Arial" panose="020B0604020202020204" pitchFamily="34" charset="0"/>
+                            </a:rPr>
+                            <m:t>𝑒𝑡h𝑖𝑛𝑦𝑙𝑒𝑠𝑡𝑟𝑎𝑑𝑖𝑜𝑙</m:t>
+                          </m:r>
+                        </m:sub>
+                      </m:sSub>
                     </m:oMath>
                   </m:oMathPara>
                 </a14:m>
-                <a:endParaRPr lang="en-GB" sz="2800" b="0" i="1" dirty="0">
+                <a:endParaRPr lang="en-GB" sz="2800" i="1" dirty="0">
                   <a:latin typeface="Cambria Math" panose="02040503050406030204" pitchFamily="18" charset="0"/>
+                  <a:ea typeface="Calibri" panose="020F0502020204030204" pitchFamily="34" charset="0"/>
+                  <a:cs typeface="Arial" panose="020B0604020202020204" pitchFamily="34" charset="0"/>
                 </a:endParaRPr>
               </a:p>
               <a:p>
-                <a:pPr/>
+                <a:pPr>
+                  <a:spcAft>
+                    <a:spcPts val="800"/>
+                  </a:spcAft>
+                </a:pPr>
                 <a14:m>
                   <m:oMathPara xmlns:m="http://schemas.openxmlformats.org/officeDocument/2006/math">
                     <m:oMathParaPr>
@@ -9927,134 +10003,107 @@
                     </m:oMathParaPr>
                     <m:oMath xmlns:m="http://schemas.openxmlformats.org/officeDocument/2006/math">
                       <m:r>
-                        <a:rPr lang="en-GB" sz="2800" b="0" i="1" smtClean="0">
+                        <a:rPr lang="en-GB" sz="2800" i="1">
                           <a:latin typeface="Cambria Math" panose="02040503050406030204" pitchFamily="18" charset="0"/>
+                          <a:ea typeface="Calibri" panose="020F0502020204030204" pitchFamily="34" charset="0"/>
+                          <a:cs typeface="Arial" panose="020B0604020202020204" pitchFamily="34" charset="0"/>
                         </a:rPr>
-                        <m:t>𝑃</m:t>
+                        <m:t>∪</m:t>
                       </m:r>
-                      <m:d>
-                        <m:dPr>
-                          <m:ctrlPr>
-                            <a:rPr lang="en-GB" sz="2800" b="0" i="1" smtClean="0">
-                              <a:latin typeface="Cambria Math" panose="02040503050406030204" pitchFamily="18" charset="0"/>
-                            </a:rPr>
-                          </m:ctrlPr>
-                        </m:dPr>
-                        <m:e>
-                          <m:sSub>
-                            <m:sSubPr>
-                              <m:ctrlPr>
-                                <a:rPr lang="en-GB" sz="2800" b="0" i="1" smtClean="0">
-                                  <a:latin typeface="Cambria Math" panose="02040503050406030204" pitchFamily="18" charset="0"/>
-                                </a:rPr>
-                              </m:ctrlPr>
-                            </m:sSubPr>
-                            <m:e>
-                              <m:r>
-                                <a:rPr lang="en-GB" sz="2800" b="0" i="1" smtClean="0">
-                                  <a:latin typeface="Cambria Math" panose="02040503050406030204" pitchFamily="18" charset="0"/>
-                                </a:rPr>
-                                <m:t>𝑅𝑄</m:t>
-                              </m:r>
-                            </m:e>
-                            <m:sub>
-                              <m:r>
-                                <a:rPr lang="en-GB" sz="2800" b="0" i="1" smtClean="0">
-                                  <a:latin typeface="Cambria Math" panose="02040503050406030204" pitchFamily="18" charset="0"/>
-                                </a:rPr>
-                                <m:t>𝑐𝑖𝑝𝑟𝑜𝑓𝑙𝑜𝑥𝑎𝑐𝑖𝑛</m:t>
-                              </m:r>
-                            </m:sub>
-                          </m:sSub>
-                          <m:r>
-                            <a:rPr lang="en-GB" sz="2800" b="0" i="1" smtClean="0">
-                              <a:latin typeface="Cambria Math" panose="02040503050406030204" pitchFamily="18" charset="0"/>
-                            </a:rPr>
-                            <m:t>&gt;1</m:t>
-                          </m:r>
-                        </m:e>
-                      </m:d>
                       <m:r>
-                        <a:rPr lang="en-GB" sz="2800" b="0" i="1" smtClean="0">
+                        <a:rPr lang="en-GB" sz="2800" i="1">
                           <a:latin typeface="Cambria Math" panose="02040503050406030204" pitchFamily="18" charset="0"/>
-                          <a:ea typeface="Cambria Math" panose="02040503050406030204" pitchFamily="18" charset="0"/>
+                          <a:ea typeface="Calibri" panose="020F0502020204030204" pitchFamily="34" charset="0"/>
+                          <a:cs typeface="Arial" panose="020B0604020202020204" pitchFamily="34" charset="0"/>
                         </a:rPr>
-                        <m:t>∩</m:t>
+                        <m:t>𝑅</m:t>
                       </m:r>
-                      <m:d>
-                        <m:dPr>
-                          <m:begChr m:val="["/>
-                          <m:endChr m:val="]"/>
-                          <m:ctrlPr>
-                            <a:rPr lang="en-GB" sz="2800" b="0" i="1" smtClean="0">
-                              <a:latin typeface="Cambria Math" panose="02040503050406030204" pitchFamily="18" charset="0"/>
-                              <a:ea typeface="Cambria Math" panose="02040503050406030204" pitchFamily="18" charset="0"/>
-                            </a:rPr>
-                          </m:ctrlPr>
-                        </m:dPr>
-                        <m:e>
-                          <m:r>
-                            <a:rPr lang="en-GB" sz="2800" b="0" i="1" smtClean="0">
-                              <a:latin typeface="Cambria Math" panose="02040503050406030204" pitchFamily="18" charset="0"/>
-                              <a:ea typeface="Cambria Math" panose="02040503050406030204" pitchFamily="18" charset="0"/>
-                            </a:rPr>
-                            <m:t>…</m:t>
-                          </m:r>
-                        </m:e>
-                      </m:d>
-                      <m:r>
-                        <a:rPr lang="en-GB" sz="2800" b="0" i="1" smtClean="0">
-                          <a:latin typeface="Cambria Math" panose="02040503050406030204" pitchFamily="18" charset="0"/>
-                          <a:ea typeface="Cambria Math" panose="02040503050406030204" pitchFamily="18" charset="0"/>
-                        </a:rPr>
-                        <m:t>∩</m:t>
-                      </m:r>
-                      <m:d>
-                        <m:dPr>
+                      <m:sSub>
+                        <m:sSubPr>
                           <m:ctrlPr>
                             <a:rPr lang="en-GB" sz="2800" i="1">
                               <a:latin typeface="Cambria Math" panose="02040503050406030204" pitchFamily="18" charset="0"/>
+                              <a:ea typeface="Calibri" panose="020F0502020204030204" pitchFamily="34" charset="0"/>
+                              <a:cs typeface="Arial" panose="020B0604020202020204" pitchFamily="34" charset="0"/>
                             </a:rPr>
                           </m:ctrlPr>
-                        </m:dPr>
+                        </m:sSubPr>
                         <m:e>
-                          <m:sSub>
-                            <m:sSubPr>
-                              <m:ctrlPr>
-                                <a:rPr lang="en-GB" sz="2800" i="1">
-                                  <a:latin typeface="Cambria Math" panose="02040503050406030204" pitchFamily="18" charset="0"/>
-                                </a:rPr>
-                              </m:ctrlPr>
-                            </m:sSubPr>
-                            <m:e>
-                              <m:r>
-                                <a:rPr lang="en-GB" sz="2800" i="1">
-                                  <a:latin typeface="Cambria Math" panose="02040503050406030204" pitchFamily="18" charset="0"/>
-                                </a:rPr>
-                                <m:t>𝑅𝑄</m:t>
-                              </m:r>
-                            </m:e>
-                            <m:sub>
-                              <m:r>
-                                <a:rPr lang="en-GB" sz="2800" b="0" i="1" smtClean="0">
-                                  <a:latin typeface="Cambria Math" panose="02040503050406030204" pitchFamily="18" charset="0"/>
-                                </a:rPr>
-                                <m:t>𝑝𝑎𝑟𝑎𝑐𝑒𝑡𝑎𝑚𝑜𝑙</m:t>
-                              </m:r>
-                            </m:sub>
-                          </m:sSub>
                           <m:r>
                             <a:rPr lang="en-GB" sz="2800" i="1">
                               <a:latin typeface="Cambria Math" panose="02040503050406030204" pitchFamily="18" charset="0"/>
+                              <a:ea typeface="Calibri" panose="020F0502020204030204" pitchFamily="34" charset="0"/>
+                              <a:cs typeface="Arial" panose="020B0604020202020204" pitchFamily="34" charset="0"/>
                             </a:rPr>
-                            <m:t>&gt;1</m:t>
+                            <m:t>𝑄</m:t>
                           </m:r>
                         </m:e>
-                      </m:d>
+                        <m:sub>
+                          <m:r>
+                            <a:rPr lang="en-GB" sz="2800" i="1">
+                              <a:latin typeface="Cambria Math" panose="02040503050406030204" pitchFamily="18" charset="0"/>
+                              <a:ea typeface="Calibri" panose="020F0502020204030204" pitchFamily="34" charset="0"/>
+                              <a:cs typeface="Arial" panose="020B0604020202020204" pitchFamily="34" charset="0"/>
+                            </a:rPr>
+                            <m:t>𝑒𝑠𝑡𝑟𝑎𝑑𝑖𝑜𝑙</m:t>
+                          </m:r>
+                        </m:sub>
+                      </m:sSub>
+                      <m:r>
+                        <a:rPr lang="en-GB" sz="2800" i="1">
+                          <a:latin typeface="Cambria Math" panose="02040503050406030204" pitchFamily="18" charset="0"/>
+                          <a:ea typeface="Calibri" panose="020F0502020204030204" pitchFamily="34" charset="0"/>
+                          <a:cs typeface="Arial" panose="020B0604020202020204" pitchFamily="34" charset="0"/>
+                        </a:rPr>
+                        <m:t>…∪</m:t>
+                      </m:r>
+                      <m:r>
+                        <a:rPr lang="en-GB" sz="2800" i="1">
+                          <a:latin typeface="Cambria Math" panose="02040503050406030204" pitchFamily="18" charset="0"/>
+                          <a:ea typeface="Calibri" panose="020F0502020204030204" pitchFamily="34" charset="0"/>
+                          <a:cs typeface="Arial" panose="020B0604020202020204" pitchFamily="34" charset="0"/>
+                        </a:rPr>
+                        <m:t>𝑅</m:t>
+                      </m:r>
+                      <m:sSub>
+                        <m:sSubPr>
+                          <m:ctrlPr>
+                            <a:rPr lang="en-GB" sz="2800" i="1">
+                              <a:latin typeface="Cambria Math" panose="02040503050406030204" pitchFamily="18" charset="0"/>
+                              <a:ea typeface="Calibri" panose="020F0502020204030204" pitchFamily="34" charset="0"/>
+                              <a:cs typeface="Arial" panose="020B0604020202020204" pitchFamily="34" charset="0"/>
+                            </a:rPr>
+                          </m:ctrlPr>
+                        </m:sSubPr>
+                        <m:e>
+                          <m:r>
+                            <a:rPr lang="en-GB" sz="2800" i="1">
+                              <a:latin typeface="Cambria Math" panose="02040503050406030204" pitchFamily="18" charset="0"/>
+                              <a:ea typeface="Calibri" panose="020F0502020204030204" pitchFamily="34" charset="0"/>
+                              <a:cs typeface="Arial" panose="020B0604020202020204" pitchFamily="34" charset="0"/>
+                            </a:rPr>
+                            <m:t>𝑄</m:t>
+                          </m:r>
+                        </m:e>
+                        <m:sub>
+                          <m:r>
+                            <a:rPr lang="en-GB" sz="2800" i="1">
+                              <a:latin typeface="Cambria Math" panose="02040503050406030204" pitchFamily="18" charset="0"/>
+                              <a:ea typeface="Calibri" panose="020F0502020204030204" pitchFamily="34" charset="0"/>
+                              <a:cs typeface="Arial" panose="020B0604020202020204" pitchFamily="34" charset="0"/>
+                            </a:rPr>
+                            <m:t>𝑝𝑎𝑟𝑎𝑐𝑒𝑡𝑎𝑚𝑜𝑙</m:t>
+                          </m:r>
+                        </m:sub>
+                      </m:sSub>
                     </m:oMath>
                   </m:oMathPara>
                 </a14:m>
-                <a:endParaRPr lang="en-GB" sz="2800" dirty="0"/>
+                <a:endParaRPr lang="en-GB" sz="2800" dirty="0">
+                  <a:latin typeface="Calibri" panose="020F0502020204030204" pitchFamily="34" charset="0"/>
+                  <a:ea typeface="Calibri" panose="020F0502020204030204" pitchFamily="34" charset="0"/>
+                  <a:cs typeface="Arial" panose="020B0604020202020204" pitchFamily="34" charset="0"/>
+                </a:endParaRPr>
               </a:p>
             </p:txBody>
           </p:sp>
@@ -10077,7 +10126,7 @@
             <p:spPr>
               <a:xfrm>
                 <a:off x="12021104" y="12883242"/>
-                <a:ext cx="8125494" cy="927113"/>
+                <a:ext cx="7708520" cy="1134157"/>
               </a:xfrm>
               <a:prstGeom prst="rect">
                 <a:avLst/>

--- a/output/images/raw/figure01_conceptual.pptx
+++ b/output/images/raw/figure01_conceptual.pptx
@@ -6,6 +6,7 @@
   </p:sldMasterIdLst>
   <p:sldIdLst>
     <p:sldId id="256" r:id="rId2"/>
+    <p:sldId id="257" r:id="rId3"/>
   </p:sldIdLst>
   <p:sldSz cx="12192000" cy="6858000"/>
   <p:notesSz cx="6858000" cy="9144000"/>
@@ -105,6 +106,20 @@
     </a:lvl9pPr>
   </p:defaultTextStyle>
   <p:extLst>
+    <p:ext uri="{521415D9-36F7-43E2-AB2F-B90AF26B5E84}">
+      <p14:sectionLst xmlns:p14="http://schemas.microsoft.com/office/powerpoint/2010/main">
+        <p14:section name="old" id="{FC66EF79-DCC6-4E4D-9AB2-C0918516F60A}">
+          <p14:sldIdLst>
+            <p14:sldId id="256"/>
+          </p14:sldIdLst>
+        </p14:section>
+        <p14:section name="new" id="{30261D19-8209-41C3-A27B-99D3459E93CA}">
+          <p14:sldIdLst>
+            <p14:sldId id="257"/>
+          </p14:sldIdLst>
+        </p14:section>
+      </p14:sectionLst>
+    </p:ext>
     <p:ext uri="{EFAFB233-063F-42B5-8137-9DF3F51BA10A}">
       <p15:sldGuideLst xmlns:p15="http://schemas.microsoft.com/office/powerpoint/2012/main"/>
     </p:ext>
@@ -115,7 +130,7 @@
 <file path=ppt/revisionInfo.xml><?xml version="1.0" encoding="utf-8"?>
 <p1510:revInfo xmlns:a="http://schemas.openxmlformats.org/drawingml/2006/main" xmlns:r="http://schemas.openxmlformats.org/officeDocument/2006/relationships" xmlns:p1510="http://schemas.microsoft.com/office/powerpoint/2015/10/main">
   <p1510:revLst>
-    <p1510:client id="{EF6F24C5-38C6-4B78-ADE6-AEC5E0F11A2F}" v="67" dt="2023-02-20T14:04:15.732"/>
+    <p1510:client id="{C92B3A69-3E51-4C7A-8630-128B5FA811D7}" v="27" dt="2023-07-20T08:17:26.434"/>
   </p1510:revLst>
 </p1510:revInfo>
 </file>
@@ -2007,6 +2022,605 @@
             <ac:picMk id="61" creationId="{9515BB06-C658-4140-BDA5-C25BC235D103}"/>
           </ac:picMkLst>
         </pc:picChg>
+      </pc:sldChg>
+    </pc:docChg>
+  </pc:docChgLst>
+  <pc:docChgLst>
+    <pc:chgData name="Sam Welch" userId="346ebfb30976329f" providerId="LiveId" clId="{C92B3A69-3E51-4C7A-8630-128B5FA811D7}"/>
+    <pc:docChg chg="undo custSel addSld modSld sldOrd addSection modSection">
+      <pc:chgData name="Sam Welch" userId="346ebfb30976329f" providerId="LiveId" clId="{C92B3A69-3E51-4C7A-8630-128B5FA811D7}" dt="2023-07-20T08:19:07.392" v="579" actId="207"/>
+      <pc:docMkLst>
+        <pc:docMk/>
+      </pc:docMkLst>
+      <pc:sldChg chg="addSp delSp modSp mod">
+        <pc:chgData name="Sam Welch" userId="346ebfb30976329f" providerId="LiveId" clId="{C92B3A69-3E51-4C7A-8630-128B5FA811D7}" dt="2023-07-20T08:01:11.306" v="7" actId="478"/>
+        <pc:sldMkLst>
+          <pc:docMk/>
+          <pc:sldMk cId="997638543" sldId="256"/>
+        </pc:sldMkLst>
+        <pc:spChg chg="add del mod">
+          <ac:chgData name="Sam Welch" userId="346ebfb30976329f" providerId="LiveId" clId="{C92B3A69-3E51-4C7A-8630-128B5FA811D7}" dt="2023-07-20T08:01:10.434" v="5" actId="11529"/>
+          <ac:spMkLst>
+            <pc:docMk/>
+            <pc:sldMk cId="997638543" sldId="256"/>
+            <ac:spMk id="57" creationId="{11C69CEB-8C67-41AB-AD3E-F26608897FF1}"/>
+          </ac:spMkLst>
+        </pc:spChg>
+        <pc:spChg chg="add del">
+          <ac:chgData name="Sam Welch" userId="346ebfb30976329f" providerId="LiveId" clId="{C92B3A69-3E51-4C7A-8630-128B5FA811D7}" dt="2023-07-20T08:01:10.843" v="6" actId="478"/>
+          <ac:spMkLst>
+            <pc:docMk/>
+            <pc:sldMk cId="997638543" sldId="256"/>
+            <ac:spMk id="114" creationId="{C4223936-1B92-44A4-B9BA-5BFC9D06740B}"/>
+          </ac:spMkLst>
+        </pc:spChg>
+        <pc:spChg chg="add del">
+          <ac:chgData name="Sam Welch" userId="346ebfb30976329f" providerId="LiveId" clId="{C92B3A69-3E51-4C7A-8630-128B5FA811D7}" dt="2023-07-20T08:01:11.306" v="7" actId="478"/>
+          <ac:spMkLst>
+            <pc:docMk/>
+            <pc:sldMk cId="997638543" sldId="256"/>
+            <ac:spMk id="129" creationId="{EC3F9F2A-4E71-4A69-8612-114402A76BA2}"/>
+          </ac:spMkLst>
+        </pc:spChg>
+        <pc:grpChg chg="add del">
+          <ac:chgData name="Sam Welch" userId="346ebfb30976329f" providerId="LiveId" clId="{C92B3A69-3E51-4C7A-8630-128B5FA811D7}" dt="2023-07-20T08:01:11.306" v="7" actId="478"/>
+          <ac:grpSpMkLst>
+            <pc:docMk/>
+            <pc:sldMk cId="997638543" sldId="256"/>
+            <ac:grpSpMk id="53" creationId="{93C06E14-8BFB-4A11-A246-F666F18A0DAD}"/>
+          </ac:grpSpMkLst>
+        </pc:grpChg>
+      </pc:sldChg>
+      <pc:sldChg chg="addSp delSp modSp add mod ord">
+        <pc:chgData name="Sam Welch" userId="346ebfb30976329f" providerId="LiveId" clId="{C92B3A69-3E51-4C7A-8630-128B5FA811D7}" dt="2023-07-20T08:19:07.392" v="579" actId="207"/>
+        <pc:sldMkLst>
+          <pc:docMk/>
+          <pc:sldMk cId="158238256" sldId="257"/>
+        </pc:sldMkLst>
+        <pc:spChg chg="mod">
+          <ac:chgData name="Sam Welch" userId="346ebfb30976329f" providerId="LiveId" clId="{C92B3A69-3E51-4C7A-8630-128B5FA811D7}" dt="2023-07-20T08:01:47.911" v="16" actId="1076"/>
+          <ac:spMkLst>
+            <pc:docMk/>
+            <pc:sldMk cId="158238256" sldId="257"/>
+            <ac:spMk id="4" creationId="{9DD78998-DE57-4F8A-9FE7-581A791A83D6}"/>
+          </ac:spMkLst>
+        </pc:spChg>
+        <pc:spChg chg="add mod">
+          <ac:chgData name="Sam Welch" userId="346ebfb30976329f" providerId="LiveId" clId="{C92B3A69-3E51-4C7A-8630-128B5FA811D7}" dt="2023-07-20T08:19:07.392" v="579" actId="207"/>
+          <ac:spMkLst>
+            <pc:docMk/>
+            <pc:sldMk cId="158238256" sldId="257"/>
+            <ac:spMk id="57" creationId="{F90887A2-AA55-44CC-B47E-46B9542BE3C7}"/>
+          </ac:spMkLst>
+        </pc:spChg>
+        <pc:spChg chg="mod">
+          <ac:chgData name="Sam Welch" userId="346ebfb30976329f" providerId="LiveId" clId="{C92B3A69-3E51-4C7A-8630-128B5FA811D7}" dt="2023-07-20T08:01:47.911" v="16" actId="1076"/>
+          <ac:spMkLst>
+            <pc:docMk/>
+            <pc:sldMk cId="158238256" sldId="257"/>
+            <ac:spMk id="67" creationId="{0C615E0E-9A03-4358-AA48-E1C9A6CB1C2F}"/>
+          </ac:spMkLst>
+        </pc:spChg>
+        <pc:spChg chg="mod">
+          <ac:chgData name="Sam Welch" userId="346ebfb30976329f" providerId="LiveId" clId="{C92B3A69-3E51-4C7A-8630-128B5FA811D7}" dt="2023-07-20T08:01:47.911" v="16" actId="1076"/>
+          <ac:spMkLst>
+            <pc:docMk/>
+            <pc:sldMk cId="158238256" sldId="257"/>
+            <ac:spMk id="68" creationId="{CB87B02C-C52C-43CD-9F94-B08302770F6E}"/>
+          </ac:spMkLst>
+        </pc:spChg>
+        <pc:spChg chg="add mod">
+          <ac:chgData name="Sam Welch" userId="346ebfb30976329f" providerId="LiveId" clId="{C92B3A69-3E51-4C7A-8630-128B5FA811D7}" dt="2023-07-20T08:15:29.522" v="447" actId="1076"/>
+          <ac:spMkLst>
+            <pc:docMk/>
+            <pc:sldMk cId="158238256" sldId="257"/>
+            <ac:spMk id="80" creationId="{DB521980-1306-4109-ADC7-14F207F26A8F}"/>
+          </ac:spMkLst>
+        </pc:spChg>
+        <pc:spChg chg="mod">
+          <ac:chgData name="Sam Welch" userId="346ebfb30976329f" providerId="LiveId" clId="{C92B3A69-3E51-4C7A-8630-128B5FA811D7}" dt="2023-07-20T08:01:47.911" v="16" actId="1076"/>
+          <ac:spMkLst>
+            <pc:docMk/>
+            <pc:sldMk cId="158238256" sldId="257"/>
+            <ac:spMk id="81" creationId="{DFAA49C4-2D69-7E2A-C1BC-F48D94E3DF1C}"/>
+          </ac:spMkLst>
+        </pc:spChg>
+        <pc:spChg chg="add mod">
+          <ac:chgData name="Sam Welch" userId="346ebfb30976329f" providerId="LiveId" clId="{C92B3A69-3E51-4C7A-8630-128B5FA811D7}" dt="2023-07-20T08:15:25.876" v="446" actId="14100"/>
+          <ac:spMkLst>
+            <pc:docMk/>
+            <pc:sldMk cId="158238256" sldId="257"/>
+            <ac:spMk id="82" creationId="{5D07F77E-1C2E-4ADF-B0B7-F0B0CD824B65}"/>
+          </ac:spMkLst>
+        </pc:spChg>
+        <pc:spChg chg="add del">
+          <ac:chgData name="Sam Welch" userId="346ebfb30976329f" providerId="LiveId" clId="{C92B3A69-3E51-4C7A-8630-128B5FA811D7}" dt="2023-07-20T08:08:11.391" v="366" actId="478"/>
+          <ac:spMkLst>
+            <pc:docMk/>
+            <pc:sldMk cId="158238256" sldId="257"/>
+            <ac:spMk id="83" creationId="{FF3CD854-5D1B-4A6F-92F2-45139A6C0950}"/>
+          </ac:spMkLst>
+        </pc:spChg>
+        <pc:spChg chg="add mod">
+          <ac:chgData name="Sam Welch" userId="346ebfb30976329f" providerId="LiveId" clId="{C92B3A69-3E51-4C7A-8630-128B5FA811D7}" dt="2023-07-20T08:18:14.445" v="569" actId="692"/>
+          <ac:spMkLst>
+            <pc:docMk/>
+            <pc:sldMk cId="158238256" sldId="257"/>
+            <ac:spMk id="84" creationId="{C10F8FA8-8248-4D89-AE90-85A0AD75E161}"/>
+          </ac:spMkLst>
+        </pc:spChg>
+        <pc:spChg chg="mod">
+          <ac:chgData name="Sam Welch" userId="346ebfb30976329f" providerId="LiveId" clId="{C92B3A69-3E51-4C7A-8630-128B5FA811D7}" dt="2023-07-20T08:01:47.911" v="16" actId="1076"/>
+          <ac:spMkLst>
+            <pc:docMk/>
+            <pc:sldMk cId="158238256" sldId="257"/>
+            <ac:spMk id="90" creationId="{9D4D0254-488D-6C79-5A41-A213A1ECD8C4}"/>
+          </ac:spMkLst>
+        </pc:spChg>
+        <pc:spChg chg="mod">
+          <ac:chgData name="Sam Welch" userId="346ebfb30976329f" providerId="LiveId" clId="{C92B3A69-3E51-4C7A-8630-128B5FA811D7}" dt="2023-07-20T08:01:47.911" v="16" actId="1076"/>
+          <ac:spMkLst>
+            <pc:docMk/>
+            <pc:sldMk cId="158238256" sldId="257"/>
+            <ac:spMk id="97" creationId="{EBF30BA3-60AB-43E8-BAAA-488CF6C3B863}"/>
+          </ac:spMkLst>
+        </pc:spChg>
+        <pc:spChg chg="mod">
+          <ac:chgData name="Sam Welch" userId="346ebfb30976329f" providerId="LiveId" clId="{C92B3A69-3E51-4C7A-8630-128B5FA811D7}" dt="2023-07-20T08:01:47.911" v="16" actId="1076"/>
+          <ac:spMkLst>
+            <pc:docMk/>
+            <pc:sldMk cId="158238256" sldId="257"/>
+            <ac:spMk id="101" creationId="{DE4DD8D6-7135-4BCB-98C0-7D7003056912}"/>
+          </ac:spMkLst>
+        </pc:spChg>
+        <pc:spChg chg="mod">
+          <ac:chgData name="Sam Welch" userId="346ebfb30976329f" providerId="LiveId" clId="{C92B3A69-3E51-4C7A-8630-128B5FA811D7}" dt="2023-07-20T08:01:47.911" v="16" actId="1076"/>
+          <ac:spMkLst>
+            <pc:docMk/>
+            <pc:sldMk cId="158238256" sldId="257"/>
+            <ac:spMk id="107" creationId="{492CEE41-CF2A-40DD-AD83-AE133587F918}"/>
+          </ac:spMkLst>
+        </pc:spChg>
+        <pc:spChg chg="mod">
+          <ac:chgData name="Sam Welch" userId="346ebfb30976329f" providerId="LiveId" clId="{C92B3A69-3E51-4C7A-8630-128B5FA811D7}" dt="2023-07-20T08:01:47.911" v="16" actId="1076"/>
+          <ac:spMkLst>
+            <pc:docMk/>
+            <pc:sldMk cId="158238256" sldId="257"/>
+            <ac:spMk id="108" creationId="{EBC01BC7-F38D-4EA0-87AC-EE225FA0B84B}"/>
+          </ac:spMkLst>
+        </pc:spChg>
+        <pc:spChg chg="mod">
+          <ac:chgData name="Sam Welch" userId="346ebfb30976329f" providerId="LiveId" clId="{C92B3A69-3E51-4C7A-8630-128B5FA811D7}" dt="2023-07-20T08:01:47.911" v="16" actId="1076"/>
+          <ac:spMkLst>
+            <pc:docMk/>
+            <pc:sldMk cId="158238256" sldId="257"/>
+            <ac:spMk id="113" creationId="{89F3A573-91C8-4026-8D24-3E525D4D8D11}"/>
+          </ac:spMkLst>
+        </pc:spChg>
+        <pc:spChg chg="mod">
+          <ac:chgData name="Sam Welch" userId="346ebfb30976329f" providerId="LiveId" clId="{C92B3A69-3E51-4C7A-8630-128B5FA811D7}" dt="2023-07-20T08:01:47.911" v="16" actId="1076"/>
+          <ac:spMkLst>
+            <pc:docMk/>
+            <pc:sldMk cId="158238256" sldId="257"/>
+            <ac:spMk id="114" creationId="{C4223936-1B92-44A4-B9BA-5BFC9D06740B}"/>
+          </ac:spMkLst>
+        </pc:spChg>
+        <pc:spChg chg="mod">
+          <ac:chgData name="Sam Welch" userId="346ebfb30976329f" providerId="LiveId" clId="{C92B3A69-3E51-4C7A-8630-128B5FA811D7}" dt="2023-07-20T08:01:47.911" v="16" actId="1076"/>
+          <ac:spMkLst>
+            <pc:docMk/>
+            <pc:sldMk cId="158238256" sldId="257"/>
+            <ac:spMk id="115" creationId="{45D9FB7A-70B0-4350-8B46-F102F235DBFF}"/>
+          </ac:spMkLst>
+        </pc:spChg>
+        <pc:spChg chg="mod">
+          <ac:chgData name="Sam Welch" userId="346ebfb30976329f" providerId="LiveId" clId="{C92B3A69-3E51-4C7A-8630-128B5FA811D7}" dt="2023-07-20T08:01:47.911" v="16" actId="1076"/>
+          <ac:spMkLst>
+            <pc:docMk/>
+            <pc:sldMk cId="158238256" sldId="257"/>
+            <ac:spMk id="116" creationId="{AFC09300-5694-4661-BE73-B783B9C0981C}"/>
+          </ac:spMkLst>
+        </pc:spChg>
+        <pc:spChg chg="mod">
+          <ac:chgData name="Sam Welch" userId="346ebfb30976329f" providerId="LiveId" clId="{C92B3A69-3E51-4C7A-8630-128B5FA811D7}" dt="2023-07-20T08:01:47.911" v="16" actId="1076"/>
+          <ac:spMkLst>
+            <pc:docMk/>
+            <pc:sldMk cId="158238256" sldId="257"/>
+            <ac:spMk id="117" creationId="{FB0B3ECB-DB0A-49F2-8712-4FF5A2207898}"/>
+          </ac:spMkLst>
+        </pc:spChg>
+        <pc:spChg chg="mod">
+          <ac:chgData name="Sam Welch" userId="346ebfb30976329f" providerId="LiveId" clId="{C92B3A69-3E51-4C7A-8630-128B5FA811D7}" dt="2023-07-20T08:01:47.911" v="16" actId="1076"/>
+          <ac:spMkLst>
+            <pc:docMk/>
+            <pc:sldMk cId="158238256" sldId="257"/>
+            <ac:spMk id="118" creationId="{45DAB1C3-5754-4C81-B128-561988ECD137}"/>
+          </ac:spMkLst>
+        </pc:spChg>
+        <pc:spChg chg="mod">
+          <ac:chgData name="Sam Welch" userId="346ebfb30976329f" providerId="LiveId" clId="{C92B3A69-3E51-4C7A-8630-128B5FA811D7}" dt="2023-07-20T08:01:47.911" v="16" actId="1076"/>
+          <ac:spMkLst>
+            <pc:docMk/>
+            <pc:sldMk cId="158238256" sldId="257"/>
+            <ac:spMk id="119" creationId="{912CB807-F8BC-4ADD-A5E7-EB236F566A8C}"/>
+          </ac:spMkLst>
+        </pc:spChg>
+        <pc:spChg chg="add mod">
+          <ac:chgData name="Sam Welch" userId="346ebfb30976329f" providerId="LiveId" clId="{C92B3A69-3E51-4C7A-8630-128B5FA811D7}" dt="2023-07-20T08:19:07.392" v="579" actId="207"/>
+          <ac:spMkLst>
+            <pc:docMk/>
+            <pc:sldMk cId="158238256" sldId="257"/>
+            <ac:spMk id="121" creationId="{DC44B80B-D33C-4E97-9C6A-6DAD5C1084CD}"/>
+          </ac:spMkLst>
+        </pc:spChg>
+        <pc:spChg chg="mod">
+          <ac:chgData name="Sam Welch" userId="346ebfb30976329f" providerId="LiveId" clId="{C92B3A69-3E51-4C7A-8630-128B5FA811D7}" dt="2023-07-20T08:01:47.911" v="16" actId="1076"/>
+          <ac:spMkLst>
+            <pc:docMk/>
+            <pc:sldMk cId="158238256" sldId="257"/>
+            <ac:spMk id="128" creationId="{EB99E14E-2448-4D56-8D36-551554C60E2F}"/>
+          </ac:spMkLst>
+        </pc:spChg>
+        <pc:spChg chg="mod">
+          <ac:chgData name="Sam Welch" userId="346ebfb30976329f" providerId="LiveId" clId="{C92B3A69-3E51-4C7A-8630-128B5FA811D7}" dt="2023-07-20T08:01:47.911" v="16" actId="1076"/>
+          <ac:spMkLst>
+            <pc:docMk/>
+            <pc:sldMk cId="158238256" sldId="257"/>
+            <ac:spMk id="129" creationId="{EC3F9F2A-4E71-4A69-8612-114402A76BA2}"/>
+          </ac:spMkLst>
+        </pc:spChg>
+        <pc:spChg chg="mod">
+          <ac:chgData name="Sam Welch" userId="346ebfb30976329f" providerId="LiveId" clId="{C92B3A69-3E51-4C7A-8630-128B5FA811D7}" dt="2023-07-20T08:01:47.911" v="16" actId="1076"/>
+          <ac:spMkLst>
+            <pc:docMk/>
+            <pc:sldMk cId="158238256" sldId="257"/>
+            <ac:spMk id="130" creationId="{A0D9766A-287E-4F89-9C61-0E08C548CAC2}"/>
+          </ac:spMkLst>
+        </pc:spChg>
+        <pc:spChg chg="mod">
+          <ac:chgData name="Sam Welch" userId="346ebfb30976329f" providerId="LiveId" clId="{C92B3A69-3E51-4C7A-8630-128B5FA811D7}" dt="2023-07-20T08:01:47.911" v="16" actId="1076"/>
+          <ac:spMkLst>
+            <pc:docMk/>
+            <pc:sldMk cId="158238256" sldId="257"/>
+            <ac:spMk id="131" creationId="{B20C6C69-DAF3-4147-9577-9F00D5CCF996}"/>
+          </ac:spMkLst>
+        </pc:spChg>
+        <pc:spChg chg="mod">
+          <ac:chgData name="Sam Welch" userId="346ebfb30976329f" providerId="LiveId" clId="{C92B3A69-3E51-4C7A-8630-128B5FA811D7}" dt="2023-07-20T08:01:47.911" v="16" actId="1076"/>
+          <ac:spMkLst>
+            <pc:docMk/>
+            <pc:sldMk cId="158238256" sldId="257"/>
+            <ac:spMk id="132" creationId="{8792E48D-9CD0-47C7-8F70-2A11F041B178}"/>
+          </ac:spMkLst>
+        </pc:spChg>
+        <pc:spChg chg="add mod">
+          <ac:chgData name="Sam Welch" userId="346ebfb30976329f" providerId="LiveId" clId="{C92B3A69-3E51-4C7A-8630-128B5FA811D7}" dt="2023-07-20T08:18:58.819" v="576" actId="2085"/>
+          <ac:spMkLst>
+            <pc:docMk/>
+            <pc:sldMk cId="158238256" sldId="257"/>
+            <ac:spMk id="134" creationId="{019624CC-1982-4F07-BAFF-1B2FADBAD18D}"/>
+          </ac:spMkLst>
+        </pc:spChg>
+        <pc:spChg chg="add mod">
+          <ac:chgData name="Sam Welch" userId="346ebfb30976329f" providerId="LiveId" clId="{C92B3A69-3E51-4C7A-8630-128B5FA811D7}" dt="2023-07-20T08:18:58.819" v="576" actId="2085"/>
+          <ac:spMkLst>
+            <pc:docMk/>
+            <pc:sldMk cId="158238256" sldId="257"/>
+            <ac:spMk id="137" creationId="{0153576F-05F8-41A5-8A3F-58D4282E4777}"/>
+          </ac:spMkLst>
+        </pc:spChg>
+        <pc:spChg chg="add mod">
+          <ac:chgData name="Sam Welch" userId="346ebfb30976329f" providerId="LiveId" clId="{C92B3A69-3E51-4C7A-8630-128B5FA811D7}" dt="2023-07-20T08:19:07.392" v="579" actId="207"/>
+          <ac:spMkLst>
+            <pc:docMk/>
+            <pc:sldMk cId="158238256" sldId="257"/>
+            <ac:spMk id="138" creationId="{0E6D8A14-FE8E-4CED-8BC1-0C38C365B1B0}"/>
+          </ac:spMkLst>
+        </pc:spChg>
+        <pc:spChg chg="add del mod">
+          <ac:chgData name="Sam Welch" userId="346ebfb30976329f" providerId="LiveId" clId="{C92B3A69-3E51-4C7A-8630-128B5FA811D7}" dt="2023-07-20T08:06:34.791" v="346" actId="478"/>
+          <ac:spMkLst>
+            <pc:docMk/>
+            <pc:sldMk cId="158238256" sldId="257"/>
+            <ac:spMk id="139" creationId="{9BA403DE-2F75-4C05-AE2A-D152916DB3D7}"/>
+          </ac:spMkLst>
+        </pc:spChg>
+        <pc:spChg chg="add mod">
+          <ac:chgData name="Sam Welch" userId="346ebfb30976329f" providerId="LiveId" clId="{C92B3A69-3E51-4C7A-8630-128B5FA811D7}" dt="2023-07-20T08:18:58.819" v="576" actId="2085"/>
+          <ac:spMkLst>
+            <pc:docMk/>
+            <pc:sldMk cId="158238256" sldId="257"/>
+            <ac:spMk id="140" creationId="{5BF142F8-BCB7-4A89-B5C5-70B115A6868B}"/>
+          </ac:spMkLst>
+        </pc:spChg>
+        <pc:spChg chg="add mod">
+          <ac:chgData name="Sam Welch" userId="346ebfb30976329f" providerId="LiveId" clId="{C92B3A69-3E51-4C7A-8630-128B5FA811D7}" dt="2023-07-20T08:18:58.819" v="576" actId="2085"/>
+          <ac:spMkLst>
+            <pc:docMk/>
+            <pc:sldMk cId="158238256" sldId="257"/>
+            <ac:spMk id="141" creationId="{66140F72-10F7-49C9-A214-68D2A9A33F46}"/>
+          </ac:spMkLst>
+        </pc:spChg>
+        <pc:spChg chg="add mod">
+          <ac:chgData name="Sam Welch" userId="346ebfb30976329f" providerId="LiveId" clId="{C92B3A69-3E51-4C7A-8630-128B5FA811D7}" dt="2023-07-20T08:18:58.819" v="576" actId="2085"/>
+          <ac:spMkLst>
+            <pc:docMk/>
+            <pc:sldMk cId="158238256" sldId="257"/>
+            <ac:spMk id="142" creationId="{1C145CC8-3577-43CC-816D-99AC5F1B5A3B}"/>
+          </ac:spMkLst>
+        </pc:spChg>
+        <pc:spChg chg="add mod">
+          <ac:chgData name="Sam Welch" userId="346ebfb30976329f" providerId="LiveId" clId="{C92B3A69-3E51-4C7A-8630-128B5FA811D7}" dt="2023-07-20T08:18:58.819" v="576" actId="2085"/>
+          <ac:spMkLst>
+            <pc:docMk/>
+            <pc:sldMk cId="158238256" sldId="257"/>
+            <ac:spMk id="143" creationId="{F45768D4-195B-4FFF-8404-C4225E03FD96}"/>
+          </ac:spMkLst>
+        </pc:spChg>
+        <pc:spChg chg="add mod">
+          <ac:chgData name="Sam Welch" userId="346ebfb30976329f" providerId="LiveId" clId="{C92B3A69-3E51-4C7A-8630-128B5FA811D7}" dt="2023-07-20T08:18:58.819" v="576" actId="2085"/>
+          <ac:spMkLst>
+            <pc:docMk/>
+            <pc:sldMk cId="158238256" sldId="257"/>
+            <ac:spMk id="144" creationId="{DC5DC578-824C-4089-9546-1C14C012BCEC}"/>
+          </ac:spMkLst>
+        </pc:spChg>
+        <pc:spChg chg="add mod">
+          <ac:chgData name="Sam Welch" userId="346ebfb30976329f" providerId="LiveId" clId="{C92B3A69-3E51-4C7A-8630-128B5FA811D7}" dt="2023-07-20T08:19:07.392" v="579" actId="207"/>
+          <ac:spMkLst>
+            <pc:docMk/>
+            <pc:sldMk cId="158238256" sldId="257"/>
+            <ac:spMk id="145" creationId="{15B235EC-59D7-4646-8CDB-A4F3E2B837A1}"/>
+          </ac:spMkLst>
+        </pc:spChg>
+        <pc:spChg chg="add mod">
+          <ac:chgData name="Sam Welch" userId="346ebfb30976329f" providerId="LiveId" clId="{C92B3A69-3E51-4C7A-8630-128B5FA811D7}" dt="2023-07-20T08:19:07.392" v="579" actId="207"/>
+          <ac:spMkLst>
+            <pc:docMk/>
+            <pc:sldMk cId="158238256" sldId="257"/>
+            <ac:spMk id="146" creationId="{0EEC6034-F904-45AC-B913-7EBF4E2D3E46}"/>
+          </ac:spMkLst>
+        </pc:spChg>
+        <pc:spChg chg="add mod">
+          <ac:chgData name="Sam Welch" userId="346ebfb30976329f" providerId="LiveId" clId="{C92B3A69-3E51-4C7A-8630-128B5FA811D7}" dt="2023-07-20T08:19:07.392" v="579" actId="207"/>
+          <ac:spMkLst>
+            <pc:docMk/>
+            <pc:sldMk cId="158238256" sldId="257"/>
+            <ac:spMk id="147" creationId="{6297725C-2902-4225-986D-4A9FFC3E1237}"/>
+          </ac:spMkLst>
+        </pc:spChg>
+        <pc:spChg chg="add mod">
+          <ac:chgData name="Sam Welch" userId="346ebfb30976329f" providerId="LiveId" clId="{C92B3A69-3E51-4C7A-8630-128B5FA811D7}" dt="2023-07-20T08:18:14.445" v="569" actId="692"/>
+          <ac:spMkLst>
+            <pc:docMk/>
+            <pc:sldMk cId="158238256" sldId="257"/>
+            <ac:spMk id="148" creationId="{0C165A69-346F-4E44-8168-CF6C53C03A37}"/>
+          </ac:spMkLst>
+        </pc:spChg>
+        <pc:spChg chg="add mod">
+          <ac:chgData name="Sam Welch" userId="346ebfb30976329f" providerId="LiveId" clId="{C92B3A69-3E51-4C7A-8630-128B5FA811D7}" dt="2023-07-20T08:18:14.445" v="569" actId="692"/>
+          <ac:spMkLst>
+            <pc:docMk/>
+            <pc:sldMk cId="158238256" sldId="257"/>
+            <ac:spMk id="149" creationId="{F4A29EC5-A956-403F-82A1-54D880D2C0BE}"/>
+          </ac:spMkLst>
+        </pc:spChg>
+        <pc:spChg chg="add mod">
+          <ac:chgData name="Sam Welch" userId="346ebfb30976329f" providerId="LiveId" clId="{C92B3A69-3E51-4C7A-8630-128B5FA811D7}" dt="2023-07-20T08:18:14.445" v="569" actId="692"/>
+          <ac:spMkLst>
+            <pc:docMk/>
+            <pc:sldMk cId="158238256" sldId="257"/>
+            <ac:spMk id="150" creationId="{FE92E6D3-422E-4DD5-83DC-84261C3E5589}"/>
+          </ac:spMkLst>
+        </pc:spChg>
+        <pc:spChg chg="add mod">
+          <ac:chgData name="Sam Welch" userId="346ebfb30976329f" providerId="LiveId" clId="{C92B3A69-3E51-4C7A-8630-128B5FA811D7}" dt="2023-07-20T08:18:14.445" v="569" actId="692"/>
+          <ac:spMkLst>
+            <pc:docMk/>
+            <pc:sldMk cId="158238256" sldId="257"/>
+            <ac:spMk id="151" creationId="{7B0DB669-1384-42A1-81A5-16140D739C1B}"/>
+          </ac:spMkLst>
+        </pc:spChg>
+        <pc:spChg chg="add mod">
+          <ac:chgData name="Sam Welch" userId="346ebfb30976329f" providerId="LiveId" clId="{C92B3A69-3E51-4C7A-8630-128B5FA811D7}" dt="2023-07-20T08:18:14.445" v="569" actId="692"/>
+          <ac:spMkLst>
+            <pc:docMk/>
+            <pc:sldMk cId="158238256" sldId="257"/>
+            <ac:spMk id="152" creationId="{5C1B39C1-FB80-439C-BAB2-6E534261B5DD}"/>
+          </ac:spMkLst>
+        </pc:spChg>
+        <pc:spChg chg="add mod">
+          <ac:chgData name="Sam Welch" userId="346ebfb30976329f" providerId="LiveId" clId="{C92B3A69-3E51-4C7A-8630-128B5FA811D7}" dt="2023-07-20T08:18:14.445" v="569" actId="692"/>
+          <ac:spMkLst>
+            <pc:docMk/>
+            <pc:sldMk cId="158238256" sldId="257"/>
+            <ac:spMk id="153" creationId="{F3C70EC2-AD1B-47FC-A51E-0B4C464C6F78}"/>
+          </ac:spMkLst>
+        </pc:spChg>
+        <pc:spChg chg="add mod">
+          <ac:chgData name="Sam Welch" userId="346ebfb30976329f" providerId="LiveId" clId="{C92B3A69-3E51-4C7A-8630-128B5FA811D7}" dt="2023-07-20T08:18:14.445" v="569" actId="692"/>
+          <ac:spMkLst>
+            <pc:docMk/>
+            <pc:sldMk cId="158238256" sldId="257"/>
+            <ac:spMk id="154" creationId="{2E15B5DE-5509-48EF-8F1B-2523B9B63B7F}"/>
+          </ac:spMkLst>
+        </pc:spChg>
+        <pc:spChg chg="add mod">
+          <ac:chgData name="Sam Welch" userId="346ebfb30976329f" providerId="LiveId" clId="{C92B3A69-3E51-4C7A-8630-128B5FA811D7}" dt="2023-07-20T08:18:14.445" v="569" actId="692"/>
+          <ac:spMkLst>
+            <pc:docMk/>
+            <pc:sldMk cId="158238256" sldId="257"/>
+            <ac:spMk id="155" creationId="{638B3287-0CAE-4210-8C87-979E5D07C3DC}"/>
+          </ac:spMkLst>
+        </pc:spChg>
+        <pc:spChg chg="add mod">
+          <ac:chgData name="Sam Welch" userId="346ebfb30976329f" providerId="LiveId" clId="{C92B3A69-3E51-4C7A-8630-128B5FA811D7}" dt="2023-07-20T08:18:14.445" v="569" actId="692"/>
+          <ac:spMkLst>
+            <pc:docMk/>
+            <pc:sldMk cId="158238256" sldId="257"/>
+            <ac:spMk id="156" creationId="{3DE5E4D6-F31A-4570-9C1D-B4DB74EEA818}"/>
+          </ac:spMkLst>
+        </pc:spChg>
+        <pc:spChg chg="add del mod">
+          <ac:chgData name="Sam Welch" userId="346ebfb30976329f" providerId="LiveId" clId="{C92B3A69-3E51-4C7A-8630-128B5FA811D7}" dt="2023-07-20T08:17:19.260" v="559" actId="478"/>
+          <ac:spMkLst>
+            <pc:docMk/>
+            <pc:sldMk cId="158238256" sldId="257"/>
+            <ac:spMk id="157" creationId="{D486CDF4-587D-4601-BF8A-71FE4506513A}"/>
+          </ac:spMkLst>
+        </pc:spChg>
+        <pc:spChg chg="add mod">
+          <ac:chgData name="Sam Welch" userId="346ebfb30976329f" providerId="LiveId" clId="{C92B3A69-3E51-4C7A-8630-128B5FA811D7}" dt="2023-07-20T08:18:14.445" v="569" actId="692"/>
+          <ac:spMkLst>
+            <pc:docMk/>
+            <pc:sldMk cId="158238256" sldId="257"/>
+            <ac:spMk id="158" creationId="{9248E731-944D-4707-AB6C-924A453AC1D0}"/>
+          </ac:spMkLst>
+        </pc:spChg>
+        <pc:spChg chg="add mod">
+          <ac:chgData name="Sam Welch" userId="346ebfb30976329f" providerId="LiveId" clId="{C92B3A69-3E51-4C7A-8630-128B5FA811D7}" dt="2023-07-20T08:18:14.445" v="569" actId="692"/>
+          <ac:spMkLst>
+            <pc:docMk/>
+            <pc:sldMk cId="158238256" sldId="257"/>
+            <ac:spMk id="159" creationId="{DFA9F112-5D15-45C5-BA23-C5169EE71F49}"/>
+          </ac:spMkLst>
+        </pc:spChg>
+        <pc:grpChg chg="mod">
+          <ac:chgData name="Sam Welch" userId="346ebfb30976329f" providerId="LiveId" clId="{C92B3A69-3E51-4C7A-8630-128B5FA811D7}" dt="2023-07-20T08:01:47.911" v="16" actId="1076"/>
+          <ac:grpSpMkLst>
+            <pc:docMk/>
+            <pc:sldMk cId="158238256" sldId="257"/>
+            <ac:grpSpMk id="3" creationId="{A2AF9646-F878-436B-958E-702B600AF600}"/>
+          </ac:grpSpMkLst>
+        </pc:grpChg>
+        <pc:grpChg chg="mod">
+          <ac:chgData name="Sam Welch" userId="346ebfb30976329f" providerId="LiveId" clId="{C92B3A69-3E51-4C7A-8630-128B5FA811D7}" dt="2023-07-20T08:01:47.911" v="16" actId="1076"/>
+          <ac:grpSpMkLst>
+            <pc:docMk/>
+            <pc:sldMk cId="158238256" sldId="257"/>
+            <ac:grpSpMk id="5" creationId="{4CB3AE19-0821-4E79-A965-43EA5480215B}"/>
+          </ac:grpSpMkLst>
+        </pc:grpChg>
+        <pc:grpChg chg="mod">
+          <ac:chgData name="Sam Welch" userId="346ebfb30976329f" providerId="LiveId" clId="{C92B3A69-3E51-4C7A-8630-128B5FA811D7}" dt="2023-07-20T08:01:47.911" v="16" actId="1076"/>
+          <ac:grpSpMkLst>
+            <pc:docMk/>
+            <pc:sldMk cId="158238256" sldId="257"/>
+            <ac:grpSpMk id="22" creationId="{7AA48F97-2D65-4CED-BEF7-702B2B813751}"/>
+          </ac:grpSpMkLst>
+        </pc:grpChg>
+        <pc:grpChg chg="mod">
+          <ac:chgData name="Sam Welch" userId="346ebfb30976329f" providerId="LiveId" clId="{C92B3A69-3E51-4C7A-8630-128B5FA811D7}" dt="2023-07-20T08:01:47.911" v="16" actId="1076"/>
+          <ac:grpSpMkLst>
+            <pc:docMk/>
+            <pc:sldMk cId="158238256" sldId="257"/>
+            <ac:grpSpMk id="23" creationId="{66B13F49-5299-4E25-9FAD-712CC3EFA55B}"/>
+          </ac:grpSpMkLst>
+        </pc:grpChg>
+        <pc:grpChg chg="mod">
+          <ac:chgData name="Sam Welch" userId="346ebfb30976329f" providerId="LiveId" clId="{C92B3A69-3E51-4C7A-8630-128B5FA811D7}" dt="2023-07-20T08:01:47.911" v="16" actId="1076"/>
+          <ac:grpSpMkLst>
+            <pc:docMk/>
+            <pc:sldMk cId="158238256" sldId="257"/>
+            <ac:grpSpMk id="25" creationId="{DFE7A517-7FF4-49E8-9C92-8DE0D2A314F2}"/>
+          </ac:grpSpMkLst>
+        </pc:grpChg>
+        <pc:grpChg chg="mod">
+          <ac:chgData name="Sam Welch" userId="346ebfb30976329f" providerId="LiveId" clId="{C92B3A69-3E51-4C7A-8630-128B5FA811D7}" dt="2023-07-20T08:01:47.911" v="16" actId="1076"/>
+          <ac:grpSpMkLst>
+            <pc:docMk/>
+            <pc:sldMk cId="158238256" sldId="257"/>
+            <ac:grpSpMk id="26" creationId="{617D2E3E-8E17-423A-A182-C920E1A962A2}"/>
+          </ac:grpSpMkLst>
+        </pc:grpChg>
+        <pc:grpChg chg="mod">
+          <ac:chgData name="Sam Welch" userId="346ebfb30976329f" providerId="LiveId" clId="{C92B3A69-3E51-4C7A-8630-128B5FA811D7}" dt="2023-07-20T08:01:47.911" v="16" actId="1076"/>
+          <ac:grpSpMkLst>
+            <pc:docMk/>
+            <pc:sldMk cId="158238256" sldId="257"/>
+            <ac:grpSpMk id="27" creationId="{E5F37D89-4ACF-4B38-AF66-206079FC9422}"/>
+          </ac:grpSpMkLst>
+        </pc:grpChg>
+        <pc:grpChg chg="mod">
+          <ac:chgData name="Sam Welch" userId="346ebfb30976329f" providerId="LiveId" clId="{C92B3A69-3E51-4C7A-8630-128B5FA811D7}" dt="2023-07-20T08:01:47.911" v="16" actId="1076"/>
+          <ac:grpSpMkLst>
+            <pc:docMk/>
+            <pc:sldMk cId="158238256" sldId="257"/>
+            <ac:grpSpMk id="32" creationId="{E2C6DEDD-EBF1-4E5F-AD38-885229B0FC48}"/>
+          </ac:grpSpMkLst>
+        </pc:grpChg>
+        <pc:grpChg chg="mod">
+          <ac:chgData name="Sam Welch" userId="346ebfb30976329f" providerId="LiveId" clId="{C92B3A69-3E51-4C7A-8630-128B5FA811D7}" dt="2023-07-20T08:01:47.911" v="16" actId="1076"/>
+          <ac:grpSpMkLst>
+            <pc:docMk/>
+            <pc:sldMk cId="158238256" sldId="257"/>
+            <ac:grpSpMk id="34" creationId="{8D8C0F98-5AD9-4DF9-A4F2-1E9341C91F4B}"/>
+          </ac:grpSpMkLst>
+        </pc:grpChg>
+        <pc:grpChg chg="mod">
+          <ac:chgData name="Sam Welch" userId="346ebfb30976329f" providerId="LiveId" clId="{C92B3A69-3E51-4C7A-8630-128B5FA811D7}" dt="2023-07-20T08:01:47.911" v="16" actId="1076"/>
+          <ac:grpSpMkLst>
+            <pc:docMk/>
+            <pc:sldMk cId="158238256" sldId="257"/>
+            <ac:grpSpMk id="36" creationId="{D8012A60-C1B9-4997-8A5C-671C1F077A9C}"/>
+          </ac:grpSpMkLst>
+        </pc:grpChg>
+        <pc:grpChg chg="mod">
+          <ac:chgData name="Sam Welch" userId="346ebfb30976329f" providerId="LiveId" clId="{C92B3A69-3E51-4C7A-8630-128B5FA811D7}" dt="2023-07-20T08:01:47.911" v="16" actId="1076"/>
+          <ac:grpSpMkLst>
+            <pc:docMk/>
+            <pc:sldMk cId="158238256" sldId="257"/>
+            <ac:grpSpMk id="38" creationId="{59778963-4E14-48A5-80BF-46834E5C32A1}"/>
+          </ac:grpSpMkLst>
+        </pc:grpChg>
+        <pc:grpChg chg="mod">
+          <ac:chgData name="Sam Welch" userId="346ebfb30976329f" providerId="LiveId" clId="{C92B3A69-3E51-4C7A-8630-128B5FA811D7}" dt="2023-07-20T08:01:47.911" v="16" actId="1076"/>
+          <ac:grpSpMkLst>
+            <pc:docMk/>
+            <pc:sldMk cId="158238256" sldId="257"/>
+            <ac:grpSpMk id="47" creationId="{1E4C9DBE-EB3E-4B9B-8CE3-5E6711F6F12C}"/>
+          </ac:grpSpMkLst>
+        </pc:grpChg>
+        <pc:grpChg chg="mod">
+          <ac:chgData name="Sam Welch" userId="346ebfb30976329f" providerId="LiveId" clId="{C92B3A69-3E51-4C7A-8630-128B5FA811D7}" dt="2023-07-20T08:01:47.911" v="16" actId="1076"/>
+          <ac:grpSpMkLst>
+            <pc:docMk/>
+            <pc:sldMk cId="158238256" sldId="257"/>
+            <ac:grpSpMk id="53" creationId="{93C06E14-8BFB-4A11-A246-F666F18A0DAD}"/>
+          </ac:grpSpMkLst>
+        </pc:grpChg>
+        <pc:grpChg chg="mod">
+          <ac:chgData name="Sam Welch" userId="346ebfb30976329f" providerId="LiveId" clId="{C92B3A69-3E51-4C7A-8630-128B5FA811D7}" dt="2023-07-20T08:01:47.911" v="16" actId="1076"/>
+          <ac:grpSpMkLst>
+            <pc:docMk/>
+            <pc:sldMk cId="158238256" sldId="257"/>
+            <ac:grpSpMk id="54" creationId="{492A6B88-084B-4BC1-9365-4410C9A31F01}"/>
+          </ac:grpSpMkLst>
+        </pc:grpChg>
+        <pc:grpChg chg="mod">
+          <ac:chgData name="Sam Welch" userId="346ebfb30976329f" providerId="LiveId" clId="{C92B3A69-3E51-4C7A-8630-128B5FA811D7}" dt="2023-07-20T08:01:47.911" v="16" actId="1076"/>
+          <ac:grpSpMkLst>
+            <pc:docMk/>
+            <pc:sldMk cId="158238256" sldId="257"/>
+            <ac:grpSpMk id="56" creationId="{3E587C97-CA27-4710-99F2-74A8A39B4AD0}"/>
+          </ac:grpSpMkLst>
+        </pc:grpChg>
+        <pc:grpChg chg="mod">
+          <ac:chgData name="Sam Welch" userId="346ebfb30976329f" providerId="LiveId" clId="{C92B3A69-3E51-4C7A-8630-128B5FA811D7}" dt="2023-07-20T08:01:47.911" v="16" actId="1076"/>
+          <ac:grpSpMkLst>
+            <pc:docMk/>
+            <pc:sldMk cId="158238256" sldId="257"/>
+            <ac:grpSpMk id="58" creationId="{7262B170-D305-42A5-BD58-AD2BD1C11D34}"/>
+          </ac:grpSpMkLst>
+        </pc:grpChg>
+        <pc:grpChg chg="mod">
+          <ac:chgData name="Sam Welch" userId="346ebfb30976329f" providerId="LiveId" clId="{C92B3A69-3E51-4C7A-8630-128B5FA811D7}" dt="2023-07-20T08:01:47.911" v="16" actId="1076"/>
+          <ac:grpSpMkLst>
+            <pc:docMk/>
+            <pc:sldMk cId="158238256" sldId="257"/>
+            <ac:grpSpMk id="136" creationId="{762A8CF9-0B16-49F2-875C-DED46B743857}"/>
+          </ac:grpSpMkLst>
+        </pc:grpChg>
       </pc:sldChg>
     </pc:docChg>
   </pc:docChgLst>
@@ -2186,7 +2800,7 @@
           <a:p>
             <a:fld id="{FFCB109C-1392-4401-B401-9B62BF3E22B3}" type="datetimeFigureOut">
               <a:rPr lang="en-GB" smtClean="0"/>
-              <a:t>20/02/2023</a:t>
+              <a:t>20/07/2023</a:t>
             </a:fld>
             <a:endParaRPr lang="en-GB"/>
           </a:p>
@@ -2386,7 +3000,7 @@
           <a:p>
             <a:fld id="{FFCB109C-1392-4401-B401-9B62BF3E22B3}" type="datetimeFigureOut">
               <a:rPr lang="en-GB" smtClean="0"/>
-              <a:t>20/02/2023</a:t>
+              <a:t>20/07/2023</a:t>
             </a:fld>
             <a:endParaRPr lang="en-GB"/>
           </a:p>
@@ -2596,7 +3210,7 @@
           <a:p>
             <a:fld id="{FFCB109C-1392-4401-B401-9B62BF3E22B3}" type="datetimeFigureOut">
               <a:rPr lang="en-GB" smtClean="0"/>
-              <a:t>20/02/2023</a:t>
+              <a:t>20/07/2023</a:t>
             </a:fld>
             <a:endParaRPr lang="en-GB"/>
           </a:p>
@@ -2796,7 +3410,7 @@
           <a:p>
             <a:fld id="{FFCB109C-1392-4401-B401-9B62BF3E22B3}" type="datetimeFigureOut">
               <a:rPr lang="en-GB" smtClean="0"/>
-              <a:t>20/02/2023</a:t>
+              <a:t>20/07/2023</a:t>
             </a:fld>
             <a:endParaRPr lang="en-GB"/>
           </a:p>
@@ -3072,7 +3686,7 @@
           <a:p>
             <a:fld id="{FFCB109C-1392-4401-B401-9B62BF3E22B3}" type="datetimeFigureOut">
               <a:rPr lang="en-GB" smtClean="0"/>
-              <a:t>20/02/2023</a:t>
+              <a:t>20/07/2023</a:t>
             </a:fld>
             <a:endParaRPr lang="en-GB"/>
           </a:p>
@@ -3340,7 +3954,7 @@
           <a:p>
             <a:fld id="{FFCB109C-1392-4401-B401-9B62BF3E22B3}" type="datetimeFigureOut">
               <a:rPr lang="en-GB" smtClean="0"/>
-              <a:t>20/02/2023</a:t>
+              <a:t>20/07/2023</a:t>
             </a:fld>
             <a:endParaRPr lang="en-GB"/>
           </a:p>
@@ -3755,7 +4369,7 @@
           <a:p>
             <a:fld id="{FFCB109C-1392-4401-B401-9B62BF3E22B3}" type="datetimeFigureOut">
               <a:rPr lang="en-GB" smtClean="0"/>
-              <a:t>20/02/2023</a:t>
+              <a:t>20/07/2023</a:t>
             </a:fld>
             <a:endParaRPr lang="en-GB"/>
           </a:p>
@@ -3897,7 +4511,7 @@
           <a:p>
             <a:fld id="{FFCB109C-1392-4401-B401-9B62BF3E22B3}" type="datetimeFigureOut">
               <a:rPr lang="en-GB" smtClean="0"/>
-              <a:t>20/02/2023</a:t>
+              <a:t>20/07/2023</a:t>
             </a:fld>
             <a:endParaRPr lang="en-GB"/>
           </a:p>
@@ -4010,7 +4624,7 @@
           <a:p>
             <a:fld id="{FFCB109C-1392-4401-B401-9B62BF3E22B3}" type="datetimeFigureOut">
               <a:rPr lang="en-GB" smtClean="0"/>
-              <a:t>20/02/2023</a:t>
+              <a:t>20/07/2023</a:t>
             </a:fld>
             <a:endParaRPr lang="en-GB"/>
           </a:p>
@@ -4323,7 +4937,7 @@
           <a:p>
             <a:fld id="{FFCB109C-1392-4401-B401-9B62BF3E22B3}" type="datetimeFigureOut">
               <a:rPr lang="en-GB" smtClean="0"/>
-              <a:t>20/02/2023</a:t>
+              <a:t>20/07/2023</a:t>
             </a:fld>
             <a:endParaRPr lang="en-GB"/>
           </a:p>
@@ -4612,7 +5226,7 @@
           <a:p>
             <a:fld id="{FFCB109C-1392-4401-B401-9B62BF3E22B3}" type="datetimeFigureOut">
               <a:rPr lang="en-GB" smtClean="0"/>
-              <a:t>20/02/2023</a:t>
+              <a:t>20/07/2023</a:t>
             </a:fld>
             <a:endParaRPr lang="en-GB"/>
           </a:p>
@@ -4855,7 +5469,7 @@
           <a:p>
             <a:fld id="{FFCB109C-1392-4401-B401-9B62BF3E22B3}" type="datetimeFigureOut">
               <a:rPr lang="en-GB" smtClean="0"/>
-              <a:t>20/02/2023</a:t>
+              <a:t>20/07/2023</a:t>
             </a:fld>
             <a:endParaRPr lang="en-GB"/>
           </a:p>
@@ -9817,8 +10431,8 @@
           </p:sp>
         </mc:Fallback>
       </mc:AlternateContent>
-      <mc:AlternateContent xmlns:mc="http://schemas.openxmlformats.org/markup-compatibility/2006">
-        <mc:Choice xmlns:a14="http://schemas.microsoft.com/office/drawing/2010/main" Requires="a14">
+      <mc:AlternateContent xmlns:mc="http://schemas.openxmlformats.org/markup-compatibility/2006" xmlns:a14="http://schemas.microsoft.com/office/drawing/2010/main">
+        <mc:Choice Requires="a14">
           <p:sp>
             <p:nvSpPr>
               <p:cNvPr id="129" name="TextBox 128">
@@ -10108,7 +10722,7 @@
             </p:txBody>
           </p:sp>
         </mc:Choice>
-        <mc:Fallback>
+        <mc:Fallback xmlns="">
           <p:sp>
             <p:nvSpPr>
               <p:cNvPr id="129" name="TextBox 128">
@@ -10872,6 +11486,7170 @@
 </p:sld>
 </file>
 
+<file path=ppt/slides/slide2.xml><?xml version="1.0" encoding="utf-8"?>
+<p:sld xmlns:a="http://schemas.openxmlformats.org/drawingml/2006/main" xmlns:r="http://schemas.openxmlformats.org/officeDocument/2006/relationships" xmlns:p="http://schemas.openxmlformats.org/presentationml/2006/main">
+  <p:cSld>
+    <p:spTree>
+      <p:nvGrpSpPr>
+        <p:cNvPr id="1" name=""/>
+        <p:cNvGrpSpPr/>
+        <p:nvPr/>
+      </p:nvGrpSpPr>
+      <p:grpSpPr>
+        <a:xfrm>
+          <a:off x="0" y="0"/>
+          <a:ext cx="0" cy="0"/>
+          <a:chOff x="0" y="0"/>
+          <a:chExt cx="0" cy="0"/>
+        </a:xfrm>
+      </p:grpSpPr>
+      <p:sp>
+        <p:nvSpPr>
+          <p:cNvPr id="81" name="Arrow: Down 80">
+            <a:extLst>
+              <a:ext uri="{FF2B5EF4-FFF2-40B4-BE49-F238E27FC236}">
+                <a16:creationId xmlns:a16="http://schemas.microsoft.com/office/drawing/2014/main" id="{DFAA49C4-2D69-7E2A-C1BC-F48D94E3DF1C}"/>
+              </a:ext>
+            </a:extLst>
+          </p:cNvPr>
+          <p:cNvSpPr/>
+          <p:nvPr/>
+        </p:nvSpPr>
+        <p:spPr>
+          <a:xfrm rot="18900000">
+            <a:off x="-15679296" y="-484759"/>
+            <a:ext cx="190500" cy="622384"/>
+          </a:xfrm>
+          <a:prstGeom prst="downArrow">
+            <a:avLst>
+              <a:gd name="adj1" fmla="val 23333"/>
+              <a:gd name="adj2" fmla="val 123491"/>
+            </a:avLst>
+          </a:prstGeom>
+          <a:ln>
+            <a:noFill/>
+          </a:ln>
+        </p:spPr>
+        <p:style>
+          <a:lnRef idx="2">
+            <a:schemeClr val="accent3">
+              <a:shade val="50000"/>
+            </a:schemeClr>
+          </a:lnRef>
+          <a:fillRef idx="1">
+            <a:schemeClr val="accent3"/>
+          </a:fillRef>
+          <a:effectRef idx="0">
+            <a:schemeClr val="accent3"/>
+          </a:effectRef>
+          <a:fontRef idx="minor">
+            <a:schemeClr val="lt1"/>
+          </a:fontRef>
+        </p:style>
+        <p:txBody>
+          <a:bodyPr rtlCol="0" anchor="ctr"/>
+          <a:lstStyle/>
+          <a:p>
+            <a:pPr algn="ctr"/>
+            <a:endParaRPr lang="en-GB"/>
+          </a:p>
+        </p:txBody>
+      </p:sp>
+      <p:sp>
+        <p:nvSpPr>
+          <p:cNvPr id="90" name="Arrow: Down 89">
+            <a:extLst>
+              <a:ext uri="{FF2B5EF4-FFF2-40B4-BE49-F238E27FC236}">
+                <a16:creationId xmlns:a16="http://schemas.microsoft.com/office/drawing/2014/main" id="{9D4D0254-488D-6C79-5A41-A213A1ECD8C4}"/>
+              </a:ext>
+            </a:extLst>
+          </p:cNvPr>
+          <p:cNvSpPr/>
+          <p:nvPr/>
+        </p:nvSpPr>
+        <p:spPr>
+          <a:xfrm rot="2585687">
+            <a:off x="-14151208" y="11763902"/>
+            <a:ext cx="190500" cy="875844"/>
+          </a:xfrm>
+          <a:prstGeom prst="downArrow">
+            <a:avLst>
+              <a:gd name="adj1" fmla="val 23333"/>
+              <a:gd name="adj2" fmla="val 123491"/>
+            </a:avLst>
+          </a:prstGeom>
+          <a:ln>
+            <a:noFill/>
+          </a:ln>
+        </p:spPr>
+        <p:style>
+          <a:lnRef idx="2">
+            <a:schemeClr val="accent3">
+              <a:shade val="50000"/>
+            </a:schemeClr>
+          </a:lnRef>
+          <a:fillRef idx="1">
+            <a:schemeClr val="accent3"/>
+          </a:fillRef>
+          <a:effectRef idx="0">
+            <a:schemeClr val="accent3"/>
+          </a:effectRef>
+          <a:fontRef idx="minor">
+            <a:schemeClr val="lt1"/>
+          </a:fontRef>
+        </p:style>
+        <p:txBody>
+          <a:bodyPr rtlCol="0" anchor="ctr"/>
+          <a:lstStyle/>
+          <a:p>
+            <a:pPr algn="ctr"/>
+            <a:endParaRPr lang="en-GB"/>
+          </a:p>
+        </p:txBody>
+      </p:sp>
+      <p:sp>
+        <p:nvSpPr>
+          <p:cNvPr id="67" name="Arrow: Down 66">
+            <a:extLst>
+              <a:ext uri="{FF2B5EF4-FFF2-40B4-BE49-F238E27FC236}">
+                <a16:creationId xmlns:a16="http://schemas.microsoft.com/office/drawing/2014/main" id="{0C615E0E-9A03-4358-AA48-E1C9A6CB1C2F}"/>
+              </a:ext>
+            </a:extLst>
+          </p:cNvPr>
+          <p:cNvSpPr/>
+          <p:nvPr/>
+        </p:nvSpPr>
+        <p:spPr>
+          <a:xfrm>
+            <a:off x="-13770535" y="1214962"/>
+            <a:ext cx="192045" cy="531723"/>
+          </a:xfrm>
+          <a:prstGeom prst="downArrow">
+            <a:avLst>
+              <a:gd name="adj1" fmla="val 23333"/>
+              <a:gd name="adj2" fmla="val 123491"/>
+            </a:avLst>
+          </a:prstGeom>
+          <a:ln>
+            <a:noFill/>
+          </a:ln>
+        </p:spPr>
+        <p:style>
+          <a:lnRef idx="2">
+            <a:schemeClr val="accent3">
+              <a:shade val="50000"/>
+            </a:schemeClr>
+          </a:lnRef>
+          <a:fillRef idx="1">
+            <a:schemeClr val="accent3"/>
+          </a:fillRef>
+          <a:effectRef idx="0">
+            <a:schemeClr val="accent3"/>
+          </a:effectRef>
+          <a:fontRef idx="minor">
+            <a:schemeClr val="lt1"/>
+          </a:fontRef>
+        </p:style>
+        <p:txBody>
+          <a:bodyPr rtlCol="0" anchor="ctr"/>
+          <a:lstStyle/>
+          <a:p>
+            <a:pPr algn="ctr"/>
+            <a:endParaRPr lang="en-GB"/>
+          </a:p>
+        </p:txBody>
+      </p:sp>
+      <p:sp>
+        <p:nvSpPr>
+          <p:cNvPr id="68" name="Arrow: Down 67">
+            <a:extLst>
+              <a:ext uri="{FF2B5EF4-FFF2-40B4-BE49-F238E27FC236}">
+                <a16:creationId xmlns:a16="http://schemas.microsoft.com/office/drawing/2014/main" id="{CB87B02C-C52C-43CD-9F94-B08302770F6E}"/>
+              </a:ext>
+            </a:extLst>
+          </p:cNvPr>
+          <p:cNvSpPr/>
+          <p:nvPr/>
+        </p:nvSpPr>
+        <p:spPr>
+          <a:xfrm rot="2700000" flipH="1">
+            <a:off x="-14320993" y="-488341"/>
+            <a:ext cx="190500" cy="626580"/>
+          </a:xfrm>
+          <a:prstGeom prst="downArrow">
+            <a:avLst>
+              <a:gd name="adj1" fmla="val 23333"/>
+              <a:gd name="adj2" fmla="val 123491"/>
+            </a:avLst>
+          </a:prstGeom>
+          <a:ln>
+            <a:noFill/>
+          </a:ln>
+        </p:spPr>
+        <p:style>
+          <a:lnRef idx="2">
+            <a:schemeClr val="accent3">
+              <a:shade val="50000"/>
+            </a:schemeClr>
+          </a:lnRef>
+          <a:fillRef idx="1">
+            <a:schemeClr val="accent3"/>
+          </a:fillRef>
+          <a:effectRef idx="0">
+            <a:schemeClr val="accent3"/>
+          </a:effectRef>
+          <a:fontRef idx="minor">
+            <a:schemeClr val="lt1"/>
+          </a:fontRef>
+        </p:style>
+        <p:txBody>
+          <a:bodyPr rtlCol="0" anchor="ctr"/>
+          <a:lstStyle/>
+          <a:p>
+            <a:pPr algn="ctr"/>
+            <a:endParaRPr lang="en-GB"/>
+          </a:p>
+        </p:txBody>
+      </p:sp>
+      <p:grpSp>
+        <p:nvGrpSpPr>
+          <p:cNvPr id="3" name="Group 2">
+            <a:extLst>
+              <a:ext uri="{FF2B5EF4-FFF2-40B4-BE49-F238E27FC236}">
+                <a16:creationId xmlns:a16="http://schemas.microsoft.com/office/drawing/2014/main" id="{A2AF9646-F878-436B-958E-702B600AF600}"/>
+              </a:ext>
+            </a:extLst>
+          </p:cNvPr>
+          <p:cNvGrpSpPr/>
+          <p:nvPr/>
+        </p:nvGrpSpPr>
+        <p:grpSpPr>
+          <a:xfrm>
+            <a:off x="-20157479" y="-2280478"/>
+            <a:ext cx="5983013" cy="1815882"/>
+            <a:chOff x="955074" y="-1774290"/>
+            <a:chExt cx="5983013" cy="1815882"/>
+          </a:xfrm>
+        </p:grpSpPr>
+        <p:grpSp>
+          <p:nvGrpSpPr>
+            <p:cNvPr id="21" name="Group 20">
+              <a:extLst>
+                <a:ext uri="{FF2B5EF4-FFF2-40B4-BE49-F238E27FC236}">
+                  <a16:creationId xmlns:a16="http://schemas.microsoft.com/office/drawing/2014/main" id="{6B42CA4B-18BB-FC26-3D43-EDE485AE6B03}"/>
+                </a:ext>
+              </a:extLst>
+            </p:cNvPr>
+            <p:cNvGrpSpPr/>
+            <p:nvPr/>
+          </p:nvGrpSpPr>
+          <p:grpSpPr>
+            <a:xfrm>
+              <a:off x="1559135" y="-1774290"/>
+              <a:ext cx="5378952" cy="1815882"/>
+              <a:chOff x="1215081" y="1038890"/>
+              <a:chExt cx="5378952" cy="1815882"/>
+            </a:xfrm>
+          </p:grpSpPr>
+          <p:pic>
+            <p:nvPicPr>
+              <p:cNvPr id="9" name="Picture 8" descr="A picture containing text, first-aid kit, vector graphics, clipart&#10;&#10;Description automatically generated">
+                <a:extLst>
+                  <a:ext uri="{FF2B5EF4-FFF2-40B4-BE49-F238E27FC236}">
+                    <a16:creationId xmlns:a16="http://schemas.microsoft.com/office/drawing/2014/main" id="{37DFE2A8-A016-1E80-9230-680630D23E42}"/>
+                  </a:ext>
+                </a:extLst>
+              </p:cNvPr>
+              <p:cNvPicPr>
+                <a:picLocks noChangeAspect="1"/>
+              </p:cNvPicPr>
+              <p:nvPr/>
+            </p:nvPicPr>
+            <p:blipFill>
+              <a:blip r:embed="rId2">
+                <a:extLst>
+                  <a:ext uri="{28A0092B-C50C-407E-A947-70E740481C1C}">
+                    <a14:useLocalDpi xmlns:a14="http://schemas.microsoft.com/office/drawing/2010/main" val="0"/>
+                  </a:ext>
+                </a:extLst>
+              </a:blip>
+              <a:stretch>
+                <a:fillRect/>
+              </a:stretch>
+            </p:blipFill>
+            <p:spPr>
+              <a:xfrm>
+                <a:off x="1215081" y="1471096"/>
+                <a:ext cx="951470" cy="951470"/>
+              </a:xfrm>
+              <a:prstGeom prst="rect">
+                <a:avLst/>
+              </a:prstGeom>
+            </p:spPr>
+          </p:pic>
+          <p:sp>
+            <p:nvSpPr>
+              <p:cNvPr id="10" name="TextBox 9">
+                <a:extLst>
+                  <a:ext uri="{FF2B5EF4-FFF2-40B4-BE49-F238E27FC236}">
+                    <a16:creationId xmlns:a16="http://schemas.microsoft.com/office/drawing/2014/main" id="{453279B0-31D3-F2DF-D7E8-AED4B28D7E84}"/>
+                  </a:ext>
+                </a:extLst>
+              </p:cNvPr>
+              <p:cNvSpPr txBox="1"/>
+              <p:nvPr/>
+            </p:nvSpPr>
+            <p:spPr>
+              <a:xfrm>
+                <a:off x="2214308" y="1038890"/>
+                <a:ext cx="4379725" cy="1815882"/>
+              </a:xfrm>
+              <a:prstGeom prst="rect">
+                <a:avLst/>
+              </a:prstGeom>
+              <a:noFill/>
+            </p:spPr>
+            <p:txBody>
+              <a:bodyPr wrap="none" rtlCol="0">
+                <a:spAutoFit/>
+              </a:bodyPr>
+              <a:lstStyle/>
+              <a:p>
+                <a:r>
+                  <a:rPr lang="en-GB" sz="2800" b="1" dirty="0">
+                    <a:latin typeface="Arial" panose="020B0604020202020204" pitchFamily="34" charset="0"/>
+                    <a:cs typeface="Arial" panose="020B0604020202020204" pitchFamily="34" charset="0"/>
+                  </a:rPr>
+                  <a:t>Historic Pharmaceutical </a:t>
+                </a:r>
+              </a:p>
+              <a:p>
+                <a:r>
+                  <a:rPr lang="en-GB" sz="2800" b="1" dirty="0">
+                    <a:latin typeface="Arial" panose="020B0604020202020204" pitchFamily="34" charset="0"/>
+                    <a:cs typeface="Arial" panose="020B0604020202020204" pitchFamily="34" charset="0"/>
+                  </a:rPr>
+                  <a:t>Sales Weights</a:t>
+                </a:r>
+              </a:p>
+              <a:p>
+                <a:r>
+                  <a:rPr lang="en-GB" sz="2800" dirty="0">
+                    <a:latin typeface="Arial" panose="020B0604020202020204" pitchFamily="34" charset="0"/>
+                    <a:cs typeface="Arial" panose="020B0604020202020204" pitchFamily="34" charset="0"/>
+                  </a:rPr>
+                  <a:t>Norwegian Institute</a:t>
+                </a:r>
+              </a:p>
+              <a:p>
+                <a:r>
+                  <a:rPr lang="en-GB" sz="2800" dirty="0">
+                    <a:latin typeface="Arial" panose="020B0604020202020204" pitchFamily="34" charset="0"/>
+                    <a:cs typeface="Arial" panose="020B0604020202020204" pitchFamily="34" charset="0"/>
+                  </a:rPr>
+                  <a:t>for Public Health</a:t>
+                </a:r>
+              </a:p>
+            </p:txBody>
+          </p:sp>
+        </p:grpSp>
+        <p:sp>
+          <p:nvSpPr>
+            <p:cNvPr id="2" name="TextBox 1">
+              <a:extLst>
+                <a:ext uri="{FF2B5EF4-FFF2-40B4-BE49-F238E27FC236}">
+                  <a16:creationId xmlns:a16="http://schemas.microsoft.com/office/drawing/2014/main" id="{53D66BC2-DEE8-417C-B953-D9125AF0AA1A}"/>
+                </a:ext>
+              </a:extLst>
+            </p:cNvPr>
+            <p:cNvSpPr txBox="1"/>
+            <p:nvPr/>
+          </p:nvSpPr>
+          <p:spPr>
+            <a:xfrm>
+              <a:off x="955074" y="-1123099"/>
+              <a:ext cx="609600" cy="523220"/>
+            </a:xfrm>
+            <a:prstGeom prst="rect">
+              <a:avLst/>
+            </a:prstGeom>
+            <a:noFill/>
+          </p:spPr>
+          <p:txBody>
+            <a:bodyPr wrap="square" rtlCol="0">
+              <a:spAutoFit/>
+            </a:bodyPr>
+            <a:lstStyle/>
+            <a:p>
+              <a:r>
+                <a:rPr lang="en-GB" sz="2800" b="1" dirty="0">
+                  <a:latin typeface="Arial" panose="020B0604020202020204" pitchFamily="34" charset="0"/>
+                  <a:cs typeface="Arial" panose="020B0604020202020204" pitchFamily="34" charset="0"/>
+                </a:rPr>
+                <a:t>a)</a:t>
+              </a:r>
+            </a:p>
+          </p:txBody>
+        </p:sp>
+      </p:grpSp>
+      <p:grpSp>
+        <p:nvGrpSpPr>
+          <p:cNvPr id="5" name="Group 4">
+            <a:extLst>
+              <a:ext uri="{FF2B5EF4-FFF2-40B4-BE49-F238E27FC236}">
+                <a16:creationId xmlns:a16="http://schemas.microsoft.com/office/drawing/2014/main" id="{4CB3AE19-0821-4E79-A965-43EA5480215B}"/>
+              </a:ext>
+            </a:extLst>
+          </p:cNvPr>
+          <p:cNvGrpSpPr/>
+          <p:nvPr/>
+        </p:nvGrpSpPr>
+        <p:grpSpPr>
+          <a:xfrm>
+            <a:off x="-13996547" y="-2095388"/>
+            <a:ext cx="5053876" cy="1384995"/>
+            <a:chOff x="5578989" y="-1511020"/>
+            <a:chExt cx="5053876" cy="1384995"/>
+          </a:xfrm>
+        </p:grpSpPr>
+        <p:grpSp>
+          <p:nvGrpSpPr>
+            <p:cNvPr id="19" name="Group 18">
+              <a:extLst>
+                <a:ext uri="{FF2B5EF4-FFF2-40B4-BE49-F238E27FC236}">
+                  <a16:creationId xmlns:a16="http://schemas.microsoft.com/office/drawing/2014/main" id="{EB3F49CD-2511-A3F9-254B-883732BFFF11}"/>
+                </a:ext>
+              </a:extLst>
+            </p:cNvPr>
+            <p:cNvGrpSpPr/>
+            <p:nvPr/>
+          </p:nvGrpSpPr>
+          <p:grpSpPr>
+            <a:xfrm>
+              <a:off x="6098161" y="-1511020"/>
+              <a:ext cx="4534704" cy="1384995"/>
+              <a:chOff x="739346" y="5130928"/>
+              <a:chExt cx="4534704" cy="1384995"/>
+            </a:xfrm>
+          </p:grpSpPr>
+          <p:pic>
+            <p:nvPicPr>
+              <p:cNvPr id="17" name="Picture 16" descr="Icon&#10;&#10;Description automatically generated">
+                <a:extLst>
+                  <a:ext uri="{FF2B5EF4-FFF2-40B4-BE49-F238E27FC236}">
+                    <a16:creationId xmlns:a16="http://schemas.microsoft.com/office/drawing/2014/main" id="{898E5E0F-88B0-5305-AA39-EB51AD5471DD}"/>
+                  </a:ext>
+                </a:extLst>
+              </p:cNvPr>
+              <p:cNvPicPr>
+                <a:picLocks noChangeAspect="1"/>
+              </p:cNvPicPr>
+              <p:nvPr/>
+            </p:nvPicPr>
+            <p:blipFill>
+              <a:blip r:embed="rId3">
+                <a:extLst>
+                  <a:ext uri="{28A0092B-C50C-407E-A947-70E740481C1C}">
+                    <a14:useLocalDpi xmlns:a14="http://schemas.microsoft.com/office/drawing/2010/main" val="0"/>
+                  </a:ext>
+                </a:extLst>
+              </a:blip>
+              <a:stretch>
+                <a:fillRect/>
+              </a:stretch>
+            </p:blipFill>
+            <p:spPr>
+              <a:xfrm>
+                <a:off x="739346" y="5347690"/>
+                <a:ext cx="951470" cy="951470"/>
+              </a:xfrm>
+              <a:prstGeom prst="rect">
+                <a:avLst/>
+              </a:prstGeom>
+            </p:spPr>
+          </p:pic>
+          <p:sp>
+            <p:nvSpPr>
+              <p:cNvPr id="18" name="TextBox 17">
+                <a:extLst>
+                  <a:ext uri="{FF2B5EF4-FFF2-40B4-BE49-F238E27FC236}">
+                    <a16:creationId xmlns:a16="http://schemas.microsoft.com/office/drawing/2014/main" id="{9A9A3378-1191-0510-C76F-8ADFF13BEC8A}"/>
+                  </a:ext>
+                </a:extLst>
+              </p:cNvPr>
+              <p:cNvSpPr txBox="1"/>
+              <p:nvPr/>
+            </p:nvSpPr>
+            <p:spPr>
+              <a:xfrm>
+                <a:off x="1795213" y="5130928"/>
+                <a:ext cx="3478837" cy="1384995"/>
+              </a:xfrm>
+              <a:prstGeom prst="rect">
+                <a:avLst/>
+              </a:prstGeom>
+              <a:noFill/>
+            </p:spPr>
+            <p:txBody>
+              <a:bodyPr wrap="none" rtlCol="0">
+                <a:spAutoFit/>
+              </a:bodyPr>
+              <a:lstStyle/>
+              <a:p>
+                <a:r>
+                  <a:rPr lang="en-GB" sz="2800" b="1" dirty="0">
+                    <a:latin typeface="Arial" panose="020B0604020202020204" pitchFamily="34" charset="0"/>
+                    <a:cs typeface="Arial" panose="020B0604020202020204" pitchFamily="34" charset="0"/>
+                  </a:rPr>
+                  <a:t>Historic Population</a:t>
+                </a:r>
+              </a:p>
+              <a:p>
+                <a:r>
+                  <a:rPr lang="en-GB" sz="2800" b="1" dirty="0">
+                    <a:latin typeface="Arial" panose="020B0604020202020204" pitchFamily="34" charset="0"/>
+                    <a:cs typeface="Arial" panose="020B0604020202020204" pitchFamily="34" charset="0"/>
+                  </a:rPr>
+                  <a:t>Data</a:t>
+                </a:r>
+              </a:p>
+              <a:p>
+                <a:r>
+                  <a:rPr lang="en-GB" sz="2800" dirty="0">
+                    <a:latin typeface="Arial" panose="020B0604020202020204" pitchFamily="34" charset="0"/>
+                    <a:cs typeface="Arial" panose="020B0604020202020204" pitchFamily="34" charset="0"/>
+                  </a:rPr>
+                  <a:t>Statistics Norway</a:t>
+                </a:r>
+              </a:p>
+            </p:txBody>
+          </p:sp>
+        </p:grpSp>
+        <p:sp>
+          <p:nvSpPr>
+            <p:cNvPr id="69" name="TextBox 68">
+              <a:extLst>
+                <a:ext uri="{FF2B5EF4-FFF2-40B4-BE49-F238E27FC236}">
+                  <a16:creationId xmlns:a16="http://schemas.microsoft.com/office/drawing/2014/main" id="{FE0D646D-F99D-4030-9AE8-73FA4F9F15F0}"/>
+                </a:ext>
+              </a:extLst>
+            </p:cNvPr>
+            <p:cNvSpPr txBox="1"/>
+            <p:nvPr/>
+          </p:nvSpPr>
+          <p:spPr>
+            <a:xfrm>
+              <a:off x="5578989" y="-1080133"/>
+              <a:ext cx="609600" cy="523220"/>
+            </a:xfrm>
+            <a:prstGeom prst="rect">
+              <a:avLst/>
+            </a:prstGeom>
+            <a:noFill/>
+          </p:spPr>
+          <p:txBody>
+            <a:bodyPr wrap="square" rtlCol="0">
+              <a:spAutoFit/>
+            </a:bodyPr>
+            <a:lstStyle/>
+            <a:p>
+              <a:r>
+                <a:rPr lang="en-GB" sz="2800" b="1" dirty="0">
+                  <a:latin typeface="Arial" panose="020B0604020202020204" pitchFamily="34" charset="0"/>
+                  <a:cs typeface="Arial" panose="020B0604020202020204" pitchFamily="34" charset="0"/>
+                </a:rPr>
+                <a:t>b)</a:t>
+              </a:r>
+            </a:p>
+          </p:txBody>
+        </p:sp>
+      </p:grpSp>
+      <p:grpSp>
+        <p:nvGrpSpPr>
+          <p:cNvPr id="22" name="Group 21">
+            <a:extLst>
+              <a:ext uri="{FF2B5EF4-FFF2-40B4-BE49-F238E27FC236}">
+                <a16:creationId xmlns:a16="http://schemas.microsoft.com/office/drawing/2014/main" id="{7AA48F97-2D65-4CED-BEF7-702B2B813751}"/>
+              </a:ext>
+            </a:extLst>
+          </p:cNvPr>
+          <p:cNvGrpSpPr/>
+          <p:nvPr/>
+        </p:nvGrpSpPr>
+        <p:grpSpPr>
+          <a:xfrm>
+            <a:off x="-17192041" y="236806"/>
+            <a:ext cx="6648095" cy="954107"/>
+            <a:chOff x="2836269" y="649761"/>
+            <a:chExt cx="6648095" cy="954107"/>
+          </a:xfrm>
+        </p:grpSpPr>
+        <p:grpSp>
+          <p:nvGrpSpPr>
+            <p:cNvPr id="74" name="Group 73">
+              <a:extLst>
+                <a:ext uri="{FF2B5EF4-FFF2-40B4-BE49-F238E27FC236}">
+                  <a16:creationId xmlns:a16="http://schemas.microsoft.com/office/drawing/2014/main" id="{6FDE447F-0C86-EE8F-2CA4-DA754B413256}"/>
+                </a:ext>
+              </a:extLst>
+            </p:cNvPr>
+            <p:cNvGrpSpPr/>
+            <p:nvPr/>
+          </p:nvGrpSpPr>
+          <p:grpSpPr>
+            <a:xfrm>
+              <a:off x="3589366" y="649761"/>
+              <a:ext cx="5894998" cy="954107"/>
+              <a:chOff x="684914" y="3897405"/>
+              <a:chExt cx="5894998" cy="954107"/>
+            </a:xfrm>
+          </p:grpSpPr>
+          <p:sp>
+            <p:nvSpPr>
+              <p:cNvPr id="75" name="TextBox 74">
+                <a:extLst>
+                  <a:ext uri="{FF2B5EF4-FFF2-40B4-BE49-F238E27FC236}">
+                    <a16:creationId xmlns:a16="http://schemas.microsoft.com/office/drawing/2014/main" id="{D2782CB5-0CD8-9920-CC37-803C55CDDD88}"/>
+                  </a:ext>
+                </a:extLst>
+              </p:cNvPr>
+              <p:cNvSpPr txBox="1"/>
+              <p:nvPr/>
+            </p:nvSpPr>
+            <p:spPr>
+              <a:xfrm>
+                <a:off x="1569245" y="3897405"/>
+                <a:ext cx="5010667" cy="954107"/>
+              </a:xfrm>
+              <a:prstGeom prst="rect">
+                <a:avLst/>
+              </a:prstGeom>
+              <a:noFill/>
+            </p:spPr>
+            <p:txBody>
+              <a:bodyPr wrap="none" rtlCol="0">
+                <a:spAutoFit/>
+              </a:bodyPr>
+              <a:lstStyle/>
+              <a:p>
+                <a:r>
+                  <a:rPr lang="en-GB" sz="2800" b="1" dirty="0">
+                    <a:latin typeface="Arial" panose="020B0604020202020204" pitchFamily="34" charset="0"/>
+                    <a:cs typeface="Arial" panose="020B0604020202020204" pitchFamily="34" charset="0"/>
+                  </a:rPr>
+                  <a:t>Linear Model Fitted to </a:t>
+                </a:r>
+              </a:p>
+              <a:p>
+                <a:r>
+                  <a:rPr lang="en-GB" sz="2800" b="1" dirty="0">
+                    <a:latin typeface="Arial" panose="020B0604020202020204" pitchFamily="34" charset="0"/>
+                    <a:cs typeface="Arial" panose="020B0604020202020204" pitchFamily="34" charset="0"/>
+                  </a:rPr>
+                  <a:t>Sales Data, Population, Year</a:t>
+                </a:r>
+                <a:endParaRPr lang="en-GB" sz="2800" dirty="0">
+                  <a:latin typeface="Arial" panose="020B0604020202020204" pitchFamily="34" charset="0"/>
+                  <a:cs typeface="Arial" panose="020B0604020202020204" pitchFamily="34" charset="0"/>
+                </a:endParaRPr>
+              </a:p>
+            </p:txBody>
+          </p:sp>
+          <p:pic>
+            <p:nvPicPr>
+              <p:cNvPr id="76" name="Picture 75">
+                <a:extLst>
+                  <a:ext uri="{FF2B5EF4-FFF2-40B4-BE49-F238E27FC236}">
+                    <a16:creationId xmlns:a16="http://schemas.microsoft.com/office/drawing/2014/main" id="{D8A11661-1E64-3D9C-EB7A-9E90B86404FE}"/>
+                  </a:ext>
+                </a:extLst>
+              </p:cNvPr>
+              <p:cNvPicPr>
+                <a:picLocks noChangeAspect="1"/>
+              </p:cNvPicPr>
+              <p:nvPr/>
+            </p:nvPicPr>
+            <p:blipFill>
+              <a:blip r:embed="rId4">
+                <a:extLst>
+                  <a:ext uri="{BEBA8EAE-BF5A-486C-A8C5-ECC9F3942E4B}">
+                    <a14:imgProps xmlns:a14="http://schemas.microsoft.com/office/drawing/2010/main">
+                      <a14:imgLayer r:embed="rId5">
+                        <a14:imgEffect>
+                          <a14:brightnessContrast bright="-40000" contrast="40000"/>
+                        </a14:imgEffect>
+                      </a14:imgLayer>
+                    </a14:imgProps>
+                  </a:ext>
+                  <a:ext uri="{28A0092B-C50C-407E-A947-70E740481C1C}">
+                    <a14:useLocalDpi xmlns:a14="http://schemas.microsoft.com/office/drawing/2010/main" val="0"/>
+                  </a:ext>
+                </a:extLst>
+              </a:blip>
+              <a:srcRect/>
+              <a:stretch/>
+            </p:blipFill>
+            <p:spPr>
+              <a:xfrm>
+                <a:off x="684914" y="3911801"/>
+                <a:ext cx="875844" cy="875844"/>
+              </a:xfrm>
+              <a:prstGeom prst="rect">
+                <a:avLst/>
+              </a:prstGeom>
+            </p:spPr>
+          </p:pic>
+        </p:grpSp>
+        <p:sp>
+          <p:nvSpPr>
+            <p:cNvPr id="70" name="TextBox 69">
+              <a:extLst>
+                <a:ext uri="{FF2B5EF4-FFF2-40B4-BE49-F238E27FC236}">
+                  <a16:creationId xmlns:a16="http://schemas.microsoft.com/office/drawing/2014/main" id="{A14D874B-647A-4122-B838-5FF49B1D2D2E}"/>
+                </a:ext>
+              </a:extLst>
+            </p:cNvPr>
+            <p:cNvSpPr txBox="1"/>
+            <p:nvPr/>
+          </p:nvSpPr>
+          <p:spPr>
+            <a:xfrm>
+              <a:off x="2836269" y="825700"/>
+              <a:ext cx="609600" cy="523220"/>
+            </a:xfrm>
+            <a:prstGeom prst="rect">
+              <a:avLst/>
+            </a:prstGeom>
+            <a:noFill/>
+          </p:spPr>
+          <p:txBody>
+            <a:bodyPr wrap="square" rtlCol="0">
+              <a:spAutoFit/>
+            </a:bodyPr>
+            <a:lstStyle/>
+            <a:p>
+              <a:r>
+                <a:rPr lang="en-GB" sz="2800" b="1" dirty="0">
+                  <a:latin typeface="Arial" panose="020B0604020202020204" pitchFamily="34" charset="0"/>
+                  <a:cs typeface="Arial" panose="020B0604020202020204" pitchFamily="34" charset="0"/>
+                </a:rPr>
+                <a:t>c)</a:t>
+              </a:r>
+            </a:p>
+          </p:txBody>
+        </p:sp>
+      </p:grpSp>
+      <p:grpSp>
+        <p:nvGrpSpPr>
+          <p:cNvPr id="23" name="Group 22">
+            <a:extLst>
+              <a:ext uri="{FF2B5EF4-FFF2-40B4-BE49-F238E27FC236}">
+                <a16:creationId xmlns:a16="http://schemas.microsoft.com/office/drawing/2014/main" id="{66B13F49-5299-4E25-9FAD-712CC3EFA55B}"/>
+              </a:ext>
+            </a:extLst>
+          </p:cNvPr>
+          <p:cNvGrpSpPr/>
+          <p:nvPr/>
+        </p:nvGrpSpPr>
+        <p:grpSpPr>
+          <a:xfrm>
+            <a:off x="-16680430" y="1734348"/>
+            <a:ext cx="5618005" cy="969490"/>
+            <a:chOff x="2836269" y="2553344"/>
+            <a:chExt cx="5618005" cy="969490"/>
+          </a:xfrm>
+        </p:grpSpPr>
+        <p:grpSp>
+          <p:nvGrpSpPr>
+            <p:cNvPr id="59" name="Group 58">
+              <a:extLst>
+                <a:ext uri="{FF2B5EF4-FFF2-40B4-BE49-F238E27FC236}">
+                  <a16:creationId xmlns:a16="http://schemas.microsoft.com/office/drawing/2014/main" id="{C2EBBFC7-972F-4B56-91C5-414D3585C3FB}"/>
+                </a:ext>
+              </a:extLst>
+            </p:cNvPr>
+            <p:cNvGrpSpPr/>
+            <p:nvPr/>
+          </p:nvGrpSpPr>
+          <p:grpSpPr>
+            <a:xfrm>
+              <a:off x="3630429" y="2553344"/>
+              <a:ext cx="4823845" cy="969490"/>
+              <a:chOff x="725977" y="3952864"/>
+              <a:chExt cx="4823845" cy="969490"/>
+            </a:xfrm>
+          </p:grpSpPr>
+          <p:sp>
+            <p:nvSpPr>
+              <p:cNvPr id="60" name="TextBox 59">
+                <a:extLst>
+                  <a:ext uri="{FF2B5EF4-FFF2-40B4-BE49-F238E27FC236}">
+                    <a16:creationId xmlns:a16="http://schemas.microsoft.com/office/drawing/2014/main" id="{A9AED265-9158-45B4-B3F5-7C19F12E6F52}"/>
+                  </a:ext>
+                </a:extLst>
+              </p:cNvPr>
+              <p:cNvSpPr txBox="1"/>
+              <p:nvPr/>
+            </p:nvSpPr>
+            <p:spPr>
+              <a:xfrm>
+                <a:off x="1569245" y="3968247"/>
+                <a:ext cx="3980577" cy="954107"/>
+              </a:xfrm>
+              <a:prstGeom prst="rect">
+                <a:avLst/>
+              </a:prstGeom>
+              <a:noFill/>
+            </p:spPr>
+            <p:txBody>
+              <a:bodyPr wrap="none" rtlCol="0">
+                <a:spAutoFit/>
+              </a:bodyPr>
+              <a:lstStyle/>
+              <a:p>
+                <a:r>
+                  <a:rPr lang="en-GB" sz="2800" b="1" dirty="0">
+                    <a:latin typeface="Arial" panose="020B0604020202020204" pitchFamily="34" charset="0"/>
+                    <a:cs typeface="Arial" panose="020B0604020202020204" pitchFamily="34" charset="0"/>
+                  </a:rPr>
+                  <a:t>Pharmaceutical Sales </a:t>
+                </a:r>
+              </a:p>
+              <a:p>
+                <a:r>
+                  <a:rPr lang="en-GB" sz="2800" b="1" dirty="0">
+                    <a:latin typeface="Arial" panose="020B0604020202020204" pitchFamily="34" charset="0"/>
+                    <a:cs typeface="Arial" panose="020B0604020202020204" pitchFamily="34" charset="0"/>
+                  </a:rPr>
+                  <a:t>Weight Linear Models</a:t>
+                </a:r>
+                <a:endParaRPr lang="en-GB" sz="2800" dirty="0">
+                  <a:latin typeface="Arial" panose="020B0604020202020204" pitchFamily="34" charset="0"/>
+                  <a:cs typeface="Arial" panose="020B0604020202020204" pitchFamily="34" charset="0"/>
+                </a:endParaRPr>
+              </a:p>
+            </p:txBody>
+          </p:sp>
+          <p:pic>
+            <p:nvPicPr>
+              <p:cNvPr id="61" name="Picture 60">
+                <a:extLst>
+                  <a:ext uri="{FF2B5EF4-FFF2-40B4-BE49-F238E27FC236}">
+                    <a16:creationId xmlns:a16="http://schemas.microsoft.com/office/drawing/2014/main" id="{9515BB06-C658-4140-BDA5-C25BC235D103}"/>
+                  </a:ext>
+                </a:extLst>
+              </p:cNvPr>
+              <p:cNvPicPr>
+                <a:picLocks noChangeAspect="1"/>
+              </p:cNvPicPr>
+              <p:nvPr/>
+            </p:nvPicPr>
+            <p:blipFill>
+              <a:blip r:embed="rId6">
+                <a:extLst>
+                  <a:ext uri="{28A0092B-C50C-407E-A947-70E740481C1C}">
+                    <a14:useLocalDpi xmlns:a14="http://schemas.microsoft.com/office/drawing/2010/main" val="0"/>
+                  </a:ext>
+                </a:extLst>
+              </a:blip>
+              <a:srcRect/>
+              <a:stretch/>
+            </p:blipFill>
+            <p:spPr>
+              <a:xfrm>
+                <a:off x="725977" y="3952864"/>
+                <a:ext cx="793718" cy="793718"/>
+              </a:xfrm>
+              <a:prstGeom prst="rect">
+                <a:avLst/>
+              </a:prstGeom>
+            </p:spPr>
+          </p:pic>
+        </p:grpSp>
+        <p:sp>
+          <p:nvSpPr>
+            <p:cNvPr id="71" name="TextBox 70">
+              <a:extLst>
+                <a:ext uri="{FF2B5EF4-FFF2-40B4-BE49-F238E27FC236}">
+                  <a16:creationId xmlns:a16="http://schemas.microsoft.com/office/drawing/2014/main" id="{576BCE5A-DEFD-4600-A043-011F33D7CB49}"/>
+                </a:ext>
+              </a:extLst>
+            </p:cNvPr>
+            <p:cNvSpPr txBox="1"/>
+            <p:nvPr/>
+          </p:nvSpPr>
+          <p:spPr>
+            <a:xfrm>
+              <a:off x="2836269" y="2688593"/>
+              <a:ext cx="609600" cy="523220"/>
+            </a:xfrm>
+            <a:prstGeom prst="rect">
+              <a:avLst/>
+            </a:prstGeom>
+            <a:noFill/>
+          </p:spPr>
+          <p:txBody>
+            <a:bodyPr wrap="square" rtlCol="0">
+              <a:spAutoFit/>
+            </a:bodyPr>
+            <a:lstStyle/>
+            <a:p>
+              <a:r>
+                <a:rPr lang="en-GB" sz="2800" b="1" dirty="0">
+                  <a:latin typeface="Arial" panose="020B0604020202020204" pitchFamily="34" charset="0"/>
+                  <a:cs typeface="Arial" panose="020B0604020202020204" pitchFamily="34" charset="0"/>
+                </a:rPr>
+                <a:t>d)</a:t>
+              </a:r>
+            </a:p>
+          </p:txBody>
+        </p:sp>
+      </p:grpSp>
+      <p:grpSp>
+        <p:nvGrpSpPr>
+          <p:cNvPr id="26" name="Group 25">
+            <a:extLst>
+              <a:ext uri="{FF2B5EF4-FFF2-40B4-BE49-F238E27FC236}">
+                <a16:creationId xmlns:a16="http://schemas.microsoft.com/office/drawing/2014/main" id="{617D2E3E-8E17-423A-A182-C920E1A962A2}"/>
+              </a:ext>
+            </a:extLst>
+          </p:cNvPr>
+          <p:cNvGrpSpPr/>
+          <p:nvPr/>
+        </p:nvGrpSpPr>
+        <p:grpSpPr>
+          <a:xfrm>
+            <a:off x="-16539044" y="3548927"/>
+            <a:ext cx="6426061" cy="990391"/>
+            <a:chOff x="2836269" y="4292609"/>
+            <a:chExt cx="6426061" cy="990391"/>
+          </a:xfrm>
+        </p:grpSpPr>
+        <p:grpSp>
+          <p:nvGrpSpPr>
+            <p:cNvPr id="66" name="Group 65">
+              <a:extLst>
+                <a:ext uri="{FF2B5EF4-FFF2-40B4-BE49-F238E27FC236}">
+                  <a16:creationId xmlns:a16="http://schemas.microsoft.com/office/drawing/2014/main" id="{DABCA962-0AF0-E72D-B2C5-4B84F04A0BAF}"/>
+                </a:ext>
+              </a:extLst>
+            </p:cNvPr>
+            <p:cNvGrpSpPr/>
+            <p:nvPr/>
+          </p:nvGrpSpPr>
+          <p:grpSpPr>
+            <a:xfrm>
+              <a:off x="3856226" y="4292609"/>
+              <a:ext cx="5406104" cy="990391"/>
+              <a:chOff x="4785797" y="1556683"/>
+              <a:chExt cx="5406104" cy="990391"/>
+            </a:xfrm>
+          </p:grpSpPr>
+          <p:grpSp>
+            <p:nvGrpSpPr>
+              <p:cNvPr id="64" name="Group 63">
+                <a:extLst>
+                  <a:ext uri="{FF2B5EF4-FFF2-40B4-BE49-F238E27FC236}">
+                    <a16:creationId xmlns:a16="http://schemas.microsoft.com/office/drawing/2014/main" id="{C3F8F78D-B303-B50C-EB24-8D8FA03296BF}"/>
+                  </a:ext>
+                </a:extLst>
+              </p:cNvPr>
+              <p:cNvGrpSpPr/>
+              <p:nvPr/>
+            </p:nvGrpSpPr>
+            <p:grpSpPr>
+              <a:xfrm>
+                <a:off x="4785797" y="1556683"/>
+                <a:ext cx="828000" cy="900000"/>
+                <a:chOff x="4785797" y="1556683"/>
+                <a:chExt cx="957778" cy="1065848"/>
+              </a:xfrm>
+            </p:grpSpPr>
+            <p:pic>
+              <p:nvPicPr>
+                <p:cNvPr id="62" name="Picture 61" descr="Icon&#10;&#10;Description automatically generated">
+                  <a:extLst>
+                    <a:ext uri="{FF2B5EF4-FFF2-40B4-BE49-F238E27FC236}">
+                      <a16:creationId xmlns:a16="http://schemas.microsoft.com/office/drawing/2014/main" id="{70B3F316-6A5C-AD41-B4B2-3D7A067BE0B6}"/>
+                    </a:ext>
+                  </a:extLst>
+                </p:cNvPr>
+                <p:cNvPicPr>
+                  <a:picLocks noChangeAspect="1"/>
+                </p:cNvPicPr>
+                <p:nvPr/>
+              </p:nvPicPr>
+              <p:blipFill rotWithShape="1">
+                <a:blip r:embed="rId7">
+                  <a:extLst>
+                    <a:ext uri="{28A0092B-C50C-407E-A947-70E740481C1C}">
+                      <a14:useLocalDpi xmlns:a14="http://schemas.microsoft.com/office/drawing/2010/main" val="0"/>
+                    </a:ext>
+                  </a:extLst>
+                </a:blip>
+                <a:srcRect t="42904"/>
+                <a:stretch/>
+              </p:blipFill>
+              <p:spPr>
+                <a:xfrm>
+                  <a:off x="4785797" y="2075685"/>
+                  <a:ext cx="957778" cy="546846"/>
+                </a:xfrm>
+                <a:prstGeom prst="rect">
+                  <a:avLst/>
+                </a:prstGeom>
+              </p:spPr>
+            </p:pic>
+            <p:pic>
+              <p:nvPicPr>
+                <p:cNvPr id="63" name="Picture 62" descr="A picture containing text, first-aid kit, vector graphics, clipart&#10;&#10;Description automatically generated">
+                  <a:extLst>
+                    <a:ext uri="{FF2B5EF4-FFF2-40B4-BE49-F238E27FC236}">
+                      <a16:creationId xmlns:a16="http://schemas.microsoft.com/office/drawing/2014/main" id="{D89C7FB9-FCE9-CE97-C628-ADEDE1506CB7}"/>
+                    </a:ext>
+                  </a:extLst>
+                </p:cNvPr>
+                <p:cNvPicPr>
+                  <a:picLocks noChangeAspect="1"/>
+                </p:cNvPicPr>
+                <p:nvPr/>
+              </p:nvPicPr>
+              <p:blipFill>
+                <a:blip r:embed="rId2">
+                  <a:extLst>
+                    <a:ext uri="{28A0092B-C50C-407E-A947-70E740481C1C}">
+                      <a14:useLocalDpi xmlns:a14="http://schemas.microsoft.com/office/drawing/2010/main" val="0"/>
+                    </a:ext>
+                  </a:extLst>
+                </a:blip>
+                <a:stretch>
+                  <a:fillRect/>
+                </a:stretch>
+              </p:blipFill>
+              <p:spPr>
+                <a:xfrm>
+                  <a:off x="4995347" y="1556683"/>
+                  <a:ext cx="538678" cy="538678"/>
+                </a:xfrm>
+                <a:prstGeom prst="rect">
+                  <a:avLst/>
+                </a:prstGeom>
+              </p:spPr>
+            </p:pic>
+          </p:grpSp>
+          <p:sp>
+            <p:nvSpPr>
+              <p:cNvPr id="65" name="TextBox 64">
+                <a:extLst>
+                  <a:ext uri="{FF2B5EF4-FFF2-40B4-BE49-F238E27FC236}">
+                    <a16:creationId xmlns:a16="http://schemas.microsoft.com/office/drawing/2014/main" id="{1B68D461-CD81-5AAA-76D8-899599E5ED31}"/>
+                  </a:ext>
+                </a:extLst>
+              </p:cNvPr>
+              <p:cNvSpPr txBox="1"/>
+              <p:nvPr/>
+            </p:nvSpPr>
+            <p:spPr>
+              <a:xfrm>
+                <a:off x="5611801" y="1592967"/>
+                <a:ext cx="4580100" cy="954107"/>
+              </a:xfrm>
+              <a:prstGeom prst="rect">
+                <a:avLst/>
+              </a:prstGeom>
+              <a:noFill/>
+            </p:spPr>
+            <p:txBody>
+              <a:bodyPr wrap="none" rtlCol="0">
+                <a:spAutoFit/>
+              </a:bodyPr>
+              <a:lstStyle/>
+              <a:p>
+                <a:r>
+                  <a:rPr lang="en-GB" sz="2800" b="1" dirty="0">
+                    <a:latin typeface="Arial" panose="020B0604020202020204" pitchFamily="34" charset="0"/>
+                    <a:cs typeface="Arial" panose="020B0604020202020204" pitchFamily="34" charset="0"/>
+                  </a:rPr>
+                  <a:t>Predicted Pharmaceutical</a:t>
+                </a:r>
+              </a:p>
+              <a:p>
+                <a:r>
+                  <a:rPr lang="en-GB" sz="2800" b="1" dirty="0">
+                    <a:latin typeface="Arial" panose="020B0604020202020204" pitchFamily="34" charset="0"/>
+                    <a:cs typeface="Arial" panose="020B0604020202020204" pitchFamily="34" charset="0"/>
+                  </a:rPr>
+                  <a:t>Sales Weights</a:t>
+                </a:r>
+                <a:endParaRPr lang="en-GB" sz="2800" dirty="0">
+                  <a:latin typeface="Arial" panose="020B0604020202020204" pitchFamily="34" charset="0"/>
+                  <a:cs typeface="Arial" panose="020B0604020202020204" pitchFamily="34" charset="0"/>
+                </a:endParaRPr>
+              </a:p>
+            </p:txBody>
+          </p:sp>
+        </p:grpSp>
+        <p:sp>
+          <p:nvSpPr>
+            <p:cNvPr id="72" name="TextBox 71">
+              <a:extLst>
+                <a:ext uri="{FF2B5EF4-FFF2-40B4-BE49-F238E27FC236}">
+                  <a16:creationId xmlns:a16="http://schemas.microsoft.com/office/drawing/2014/main" id="{3F15B46E-4E94-4B2F-8ED8-F989B6CC8D72}"/>
+                </a:ext>
+              </a:extLst>
+            </p:cNvPr>
+            <p:cNvSpPr txBox="1"/>
+            <p:nvPr/>
+          </p:nvSpPr>
+          <p:spPr>
+            <a:xfrm>
+              <a:off x="2836269" y="4485858"/>
+              <a:ext cx="609600" cy="523220"/>
+            </a:xfrm>
+            <a:prstGeom prst="rect">
+              <a:avLst/>
+            </a:prstGeom>
+            <a:noFill/>
+          </p:spPr>
+          <p:txBody>
+            <a:bodyPr wrap="square" rtlCol="0">
+              <a:spAutoFit/>
+            </a:bodyPr>
+            <a:lstStyle/>
+            <a:p>
+              <a:r>
+                <a:rPr lang="en-GB" sz="2800" b="1" dirty="0">
+                  <a:latin typeface="Arial" panose="020B0604020202020204" pitchFamily="34" charset="0"/>
+                  <a:cs typeface="Arial" panose="020B0604020202020204" pitchFamily="34" charset="0"/>
+                </a:rPr>
+                <a:t>f)</a:t>
+              </a:r>
+            </a:p>
+          </p:txBody>
+        </p:sp>
+      </p:grpSp>
+      <p:grpSp>
+        <p:nvGrpSpPr>
+          <p:cNvPr id="27" name="Group 26">
+            <a:extLst>
+              <a:ext uri="{FF2B5EF4-FFF2-40B4-BE49-F238E27FC236}">
+                <a16:creationId xmlns:a16="http://schemas.microsoft.com/office/drawing/2014/main" id="{E5F37D89-4ACF-4B38-AF66-206079FC9422}"/>
+              </a:ext>
+            </a:extLst>
+          </p:cNvPr>
+          <p:cNvGrpSpPr/>
+          <p:nvPr/>
+        </p:nvGrpSpPr>
+        <p:grpSpPr>
+          <a:xfrm>
+            <a:off x="-16890958" y="5303473"/>
+            <a:ext cx="6021682" cy="954107"/>
+            <a:chOff x="2836269" y="6059261"/>
+            <a:chExt cx="6021682" cy="954107"/>
+          </a:xfrm>
+        </p:grpSpPr>
+        <p:grpSp>
+          <p:nvGrpSpPr>
+            <p:cNvPr id="50" name="Group 49">
+              <a:extLst>
+                <a:ext uri="{FF2B5EF4-FFF2-40B4-BE49-F238E27FC236}">
+                  <a16:creationId xmlns:a16="http://schemas.microsoft.com/office/drawing/2014/main" id="{D16BD511-DF52-4408-E8CA-B76CD0CF937F}"/>
+                </a:ext>
+              </a:extLst>
+            </p:cNvPr>
+            <p:cNvGrpSpPr/>
+            <p:nvPr/>
+          </p:nvGrpSpPr>
+          <p:grpSpPr>
+            <a:xfrm>
+              <a:off x="3500039" y="6059261"/>
+              <a:ext cx="5357912" cy="954107"/>
+              <a:chOff x="2680264" y="4808496"/>
+              <a:chExt cx="5357912" cy="954107"/>
+            </a:xfrm>
+          </p:grpSpPr>
+          <p:sp>
+            <p:nvSpPr>
+              <p:cNvPr id="28" name="TextBox 27">
+                <a:extLst>
+                  <a:ext uri="{FF2B5EF4-FFF2-40B4-BE49-F238E27FC236}">
+                    <a16:creationId xmlns:a16="http://schemas.microsoft.com/office/drawing/2014/main" id="{8541AADD-837C-14AC-34E0-29A0E434041B}"/>
+                  </a:ext>
+                </a:extLst>
+              </p:cNvPr>
+              <p:cNvSpPr txBox="1"/>
+              <p:nvPr/>
+            </p:nvSpPr>
+            <p:spPr>
+              <a:xfrm>
+                <a:off x="3599140" y="4808496"/>
+                <a:ext cx="4439036" cy="954107"/>
+              </a:xfrm>
+              <a:prstGeom prst="rect">
+                <a:avLst/>
+              </a:prstGeom>
+              <a:noFill/>
+            </p:spPr>
+            <p:txBody>
+              <a:bodyPr wrap="none" rtlCol="0">
+                <a:spAutoFit/>
+              </a:bodyPr>
+              <a:lstStyle/>
+              <a:p>
+                <a:r>
+                  <a:rPr lang="en-GB" sz="2800" b="1" dirty="0">
+                    <a:latin typeface="Arial" panose="020B0604020202020204" pitchFamily="34" charset="0"/>
+                    <a:cs typeface="Arial" panose="020B0604020202020204" pitchFamily="34" charset="0"/>
+                  </a:rPr>
+                  <a:t>Predicted Environmental</a:t>
+                </a:r>
+              </a:p>
+              <a:p>
+                <a:r>
+                  <a:rPr lang="en-GB" sz="2800" b="1" dirty="0">
+                    <a:latin typeface="Arial" panose="020B0604020202020204" pitchFamily="34" charset="0"/>
+                    <a:cs typeface="Arial" panose="020B0604020202020204" pitchFamily="34" charset="0"/>
+                  </a:rPr>
+                  <a:t>Concentration in Influent</a:t>
+                </a:r>
+              </a:p>
+            </p:txBody>
+          </p:sp>
+          <p:pic>
+            <p:nvPicPr>
+              <p:cNvPr id="33" name="Picture 32" descr="Icon&#10;&#10;Description automatically generated">
+                <a:extLst>
+                  <a:ext uri="{FF2B5EF4-FFF2-40B4-BE49-F238E27FC236}">
+                    <a16:creationId xmlns:a16="http://schemas.microsoft.com/office/drawing/2014/main" id="{577C0088-4375-A007-0D04-3C7322823CFB}"/>
+                  </a:ext>
+                </a:extLst>
+              </p:cNvPr>
+              <p:cNvPicPr>
+                <a:picLocks noChangeAspect="1"/>
+              </p:cNvPicPr>
+              <p:nvPr/>
+            </p:nvPicPr>
+            <p:blipFill>
+              <a:blip r:embed="rId8">
+                <a:extLst>
+                  <a:ext uri="{28A0092B-C50C-407E-A947-70E740481C1C}">
+                    <a14:useLocalDpi xmlns:a14="http://schemas.microsoft.com/office/drawing/2010/main" val="0"/>
+                  </a:ext>
+                </a:extLst>
+              </a:blip>
+              <a:stretch>
+                <a:fillRect/>
+              </a:stretch>
+            </p:blipFill>
+            <p:spPr>
+              <a:xfrm>
+                <a:off x="2680264" y="4847628"/>
+                <a:ext cx="875843" cy="875843"/>
+              </a:xfrm>
+              <a:prstGeom prst="rect">
+                <a:avLst/>
+              </a:prstGeom>
+            </p:spPr>
+          </p:pic>
+        </p:grpSp>
+        <p:sp>
+          <p:nvSpPr>
+            <p:cNvPr id="73" name="TextBox 72">
+              <a:extLst>
+                <a:ext uri="{FF2B5EF4-FFF2-40B4-BE49-F238E27FC236}">
+                  <a16:creationId xmlns:a16="http://schemas.microsoft.com/office/drawing/2014/main" id="{E3CD4BF6-53D7-4DD3-9848-966854E7F9E2}"/>
+                </a:ext>
+              </a:extLst>
+            </p:cNvPr>
+            <p:cNvSpPr txBox="1"/>
+            <p:nvPr/>
+          </p:nvSpPr>
+          <p:spPr>
+            <a:xfrm>
+              <a:off x="2836269" y="6283123"/>
+              <a:ext cx="609600" cy="523220"/>
+            </a:xfrm>
+            <a:prstGeom prst="rect">
+              <a:avLst/>
+            </a:prstGeom>
+            <a:noFill/>
+          </p:spPr>
+          <p:txBody>
+            <a:bodyPr wrap="square" rtlCol="0">
+              <a:spAutoFit/>
+            </a:bodyPr>
+            <a:lstStyle/>
+            <a:p>
+              <a:r>
+                <a:rPr lang="en-GB" sz="2800" b="1" dirty="0">
+                  <a:latin typeface="Arial" panose="020B0604020202020204" pitchFamily="34" charset="0"/>
+                  <a:cs typeface="Arial" panose="020B0604020202020204" pitchFamily="34" charset="0"/>
+                </a:rPr>
+                <a:t>g)</a:t>
+              </a:r>
+            </a:p>
+          </p:txBody>
+        </p:sp>
+      </p:grpSp>
+      <p:grpSp>
+        <p:nvGrpSpPr>
+          <p:cNvPr id="36" name="Group 35">
+            <a:extLst>
+              <a:ext uri="{FF2B5EF4-FFF2-40B4-BE49-F238E27FC236}">
+                <a16:creationId xmlns:a16="http://schemas.microsoft.com/office/drawing/2014/main" id="{D8012A60-C1B9-4997-8A5C-671C1F077A9C}"/>
+              </a:ext>
+            </a:extLst>
+          </p:cNvPr>
+          <p:cNvGrpSpPr/>
+          <p:nvPr/>
+        </p:nvGrpSpPr>
+        <p:grpSpPr>
+          <a:xfrm>
+            <a:off x="-16803259" y="6921215"/>
+            <a:ext cx="5943620" cy="1051123"/>
+            <a:chOff x="2941566" y="7717076"/>
+            <a:chExt cx="5943620" cy="1051123"/>
+          </a:xfrm>
+        </p:grpSpPr>
+        <p:grpSp>
+          <p:nvGrpSpPr>
+            <p:cNvPr id="49" name="Group 48">
+              <a:extLst>
+                <a:ext uri="{FF2B5EF4-FFF2-40B4-BE49-F238E27FC236}">
+                  <a16:creationId xmlns:a16="http://schemas.microsoft.com/office/drawing/2014/main" id="{6D2FD951-90F0-9E75-F429-8C892CEEAC7C}"/>
+                </a:ext>
+              </a:extLst>
+            </p:cNvPr>
+            <p:cNvGrpSpPr/>
+            <p:nvPr/>
+          </p:nvGrpSpPr>
+          <p:grpSpPr>
+            <a:xfrm>
+              <a:off x="3445869" y="7717076"/>
+              <a:ext cx="5439317" cy="1051123"/>
+              <a:chOff x="2680264" y="5711762"/>
+              <a:chExt cx="5439317" cy="1051123"/>
+            </a:xfrm>
+          </p:grpSpPr>
+          <p:sp>
+            <p:nvSpPr>
+              <p:cNvPr id="40" name="TextBox 39">
+                <a:extLst>
+                  <a:ext uri="{FF2B5EF4-FFF2-40B4-BE49-F238E27FC236}">
+                    <a16:creationId xmlns:a16="http://schemas.microsoft.com/office/drawing/2014/main" id="{EF001F08-CD58-898E-73B0-AA0CF1B6DB53}"/>
+                  </a:ext>
+                </a:extLst>
+              </p:cNvPr>
+              <p:cNvSpPr txBox="1"/>
+              <p:nvPr/>
+            </p:nvSpPr>
+            <p:spPr>
+              <a:xfrm>
+                <a:off x="3640470" y="5808778"/>
+                <a:ext cx="4479111" cy="954107"/>
+              </a:xfrm>
+              <a:prstGeom prst="rect">
+                <a:avLst/>
+              </a:prstGeom>
+              <a:noFill/>
+            </p:spPr>
+            <p:txBody>
+              <a:bodyPr wrap="none" rtlCol="0">
+                <a:spAutoFit/>
+              </a:bodyPr>
+              <a:lstStyle/>
+              <a:p>
+                <a:r>
+                  <a:rPr lang="en-GB" sz="2800" b="1" dirty="0">
+                    <a:latin typeface="Arial" panose="020B0604020202020204" pitchFamily="34" charset="0"/>
+                    <a:cs typeface="Arial" panose="020B0604020202020204" pitchFamily="34" charset="0"/>
+                  </a:rPr>
+                  <a:t>Predicted Environmental</a:t>
+                </a:r>
+              </a:p>
+              <a:p>
+                <a:r>
+                  <a:rPr lang="en-GB" sz="2800" b="1" dirty="0">
+                    <a:latin typeface="Arial" panose="020B0604020202020204" pitchFamily="34" charset="0"/>
+                    <a:cs typeface="Arial" panose="020B0604020202020204" pitchFamily="34" charset="0"/>
+                  </a:rPr>
+                  <a:t>Concentration in Effluent</a:t>
+                </a:r>
+              </a:p>
+            </p:txBody>
+          </p:sp>
+          <p:pic>
+            <p:nvPicPr>
+              <p:cNvPr id="48" name="Picture 47" descr="Icon&#10;&#10;Description automatically generated">
+                <a:extLst>
+                  <a:ext uri="{FF2B5EF4-FFF2-40B4-BE49-F238E27FC236}">
+                    <a16:creationId xmlns:a16="http://schemas.microsoft.com/office/drawing/2014/main" id="{2D4A0643-DB4A-7094-8E23-6CE9703227BD}"/>
+                  </a:ext>
+                </a:extLst>
+              </p:cNvPr>
+              <p:cNvPicPr>
+                <a:picLocks noChangeAspect="1"/>
+              </p:cNvPicPr>
+              <p:nvPr/>
+            </p:nvPicPr>
+            <p:blipFill>
+              <a:blip r:embed="rId9">
+                <a:extLst>
+                  <a:ext uri="{28A0092B-C50C-407E-A947-70E740481C1C}">
+                    <a14:useLocalDpi xmlns:a14="http://schemas.microsoft.com/office/drawing/2010/main" val="0"/>
+                  </a:ext>
+                </a:extLst>
+              </a:blip>
+              <a:stretch>
+                <a:fillRect/>
+              </a:stretch>
+            </p:blipFill>
+            <p:spPr>
+              <a:xfrm>
+                <a:off x="2680264" y="5711762"/>
+                <a:ext cx="900000" cy="900000"/>
+              </a:xfrm>
+              <a:prstGeom prst="rect">
+                <a:avLst/>
+              </a:prstGeom>
+            </p:spPr>
+          </p:pic>
+        </p:grpSp>
+        <p:sp>
+          <p:nvSpPr>
+            <p:cNvPr id="77" name="TextBox 76">
+              <a:extLst>
+                <a:ext uri="{FF2B5EF4-FFF2-40B4-BE49-F238E27FC236}">
+                  <a16:creationId xmlns:a16="http://schemas.microsoft.com/office/drawing/2014/main" id="{F4B1D2A3-3C82-43C3-97CE-EC3485E33627}"/>
+                </a:ext>
+              </a:extLst>
+            </p:cNvPr>
+            <p:cNvSpPr txBox="1"/>
+            <p:nvPr/>
+          </p:nvSpPr>
+          <p:spPr>
+            <a:xfrm>
+              <a:off x="2941566" y="7981027"/>
+              <a:ext cx="609600" cy="523220"/>
+            </a:xfrm>
+            <a:prstGeom prst="rect">
+              <a:avLst/>
+            </a:prstGeom>
+            <a:noFill/>
+          </p:spPr>
+          <p:txBody>
+            <a:bodyPr wrap="square" rtlCol="0">
+              <a:spAutoFit/>
+            </a:bodyPr>
+            <a:lstStyle/>
+            <a:p>
+              <a:r>
+                <a:rPr lang="en-GB" sz="2800" b="1" dirty="0" err="1">
+                  <a:latin typeface="Arial" panose="020B0604020202020204" pitchFamily="34" charset="0"/>
+                  <a:cs typeface="Arial" panose="020B0604020202020204" pitchFamily="34" charset="0"/>
+                </a:rPr>
+                <a:t>i</a:t>
+              </a:r>
+              <a:r>
+                <a:rPr lang="en-GB" sz="2800" b="1" dirty="0">
+                  <a:latin typeface="Arial" panose="020B0604020202020204" pitchFamily="34" charset="0"/>
+                  <a:cs typeface="Arial" panose="020B0604020202020204" pitchFamily="34" charset="0"/>
+                </a:rPr>
+                <a:t>)</a:t>
+              </a:r>
+            </a:p>
+          </p:txBody>
+        </p:sp>
+      </p:grpSp>
+      <p:grpSp>
+        <p:nvGrpSpPr>
+          <p:cNvPr id="38" name="Group 37">
+            <a:extLst>
+              <a:ext uri="{FF2B5EF4-FFF2-40B4-BE49-F238E27FC236}">
+                <a16:creationId xmlns:a16="http://schemas.microsoft.com/office/drawing/2014/main" id="{59778963-4E14-48A5-80BF-46834E5C32A1}"/>
+              </a:ext>
+            </a:extLst>
+          </p:cNvPr>
+          <p:cNvGrpSpPr/>
+          <p:nvPr/>
+        </p:nvGrpSpPr>
+        <p:grpSpPr>
+          <a:xfrm>
+            <a:off x="-16803259" y="8637664"/>
+            <a:ext cx="5947220" cy="1384995"/>
+            <a:chOff x="3016042" y="9570336"/>
+            <a:chExt cx="5947220" cy="1384995"/>
+          </a:xfrm>
+        </p:grpSpPr>
+        <p:grpSp>
+          <p:nvGrpSpPr>
+            <p:cNvPr id="46" name="Group 45">
+              <a:extLst>
+                <a:ext uri="{FF2B5EF4-FFF2-40B4-BE49-F238E27FC236}">
+                  <a16:creationId xmlns:a16="http://schemas.microsoft.com/office/drawing/2014/main" id="{1E7FA2D4-2135-5DC6-7BB0-BE7C69F54DB1}"/>
+                </a:ext>
+              </a:extLst>
+            </p:cNvPr>
+            <p:cNvGrpSpPr/>
+            <p:nvPr/>
+          </p:nvGrpSpPr>
+          <p:grpSpPr>
+            <a:xfrm>
+              <a:off x="3609460" y="9570336"/>
+              <a:ext cx="5353802" cy="1384995"/>
+              <a:chOff x="2693922" y="2576762"/>
+              <a:chExt cx="5353802" cy="1384995"/>
+            </a:xfrm>
+          </p:grpSpPr>
+          <p:pic>
+            <p:nvPicPr>
+              <p:cNvPr id="35" name="Picture 34" descr="Icon&#10;&#10;Description automatically generated">
+                <a:extLst>
+                  <a:ext uri="{FF2B5EF4-FFF2-40B4-BE49-F238E27FC236}">
+                    <a16:creationId xmlns:a16="http://schemas.microsoft.com/office/drawing/2014/main" id="{98DDDE12-9F98-43FE-F9D6-9DCCF2743279}"/>
+                  </a:ext>
+                </a:extLst>
+              </p:cNvPr>
+              <p:cNvPicPr>
+                <a:picLocks noChangeAspect="1"/>
+              </p:cNvPicPr>
+              <p:nvPr/>
+            </p:nvPicPr>
+            <p:blipFill>
+              <a:blip r:embed="rId10">
+                <a:extLst>
+                  <a:ext uri="{28A0092B-C50C-407E-A947-70E740481C1C}">
+                    <a14:useLocalDpi xmlns:a14="http://schemas.microsoft.com/office/drawing/2010/main" val="0"/>
+                  </a:ext>
+                </a:extLst>
+              </a:blip>
+              <a:stretch>
+                <a:fillRect/>
+              </a:stretch>
+            </p:blipFill>
+            <p:spPr>
+              <a:xfrm>
+                <a:off x="2693922" y="2819259"/>
+                <a:ext cx="900000" cy="900000"/>
+              </a:xfrm>
+              <a:prstGeom prst="rect">
+                <a:avLst/>
+              </a:prstGeom>
+            </p:spPr>
+          </p:pic>
+          <p:sp>
+            <p:nvSpPr>
+              <p:cNvPr id="45" name="TextBox 44">
+                <a:extLst>
+                  <a:ext uri="{FF2B5EF4-FFF2-40B4-BE49-F238E27FC236}">
+                    <a16:creationId xmlns:a16="http://schemas.microsoft.com/office/drawing/2014/main" id="{7552F390-9A22-AA99-6A9D-CD1E310E08D8}"/>
+                  </a:ext>
+                </a:extLst>
+              </p:cNvPr>
+              <p:cNvSpPr txBox="1"/>
+              <p:nvPr/>
+            </p:nvSpPr>
+            <p:spPr>
+              <a:xfrm>
+                <a:off x="3629527" y="2576762"/>
+                <a:ext cx="4418197" cy="1384995"/>
+              </a:xfrm>
+              <a:prstGeom prst="rect">
+                <a:avLst/>
+              </a:prstGeom>
+              <a:noFill/>
+            </p:spPr>
+            <p:txBody>
+              <a:bodyPr wrap="none" rtlCol="0">
+                <a:spAutoFit/>
+              </a:bodyPr>
+              <a:lstStyle/>
+              <a:p>
+                <a:r>
+                  <a:rPr lang="en-GB" sz="2800" b="1" dirty="0">
+                    <a:latin typeface="Arial" panose="020B0604020202020204" pitchFamily="34" charset="0"/>
+                    <a:cs typeface="Arial" panose="020B0604020202020204" pitchFamily="34" charset="0"/>
+                  </a:rPr>
+                  <a:t>Predicted Environmental</a:t>
+                </a:r>
+              </a:p>
+              <a:p>
+                <a:r>
+                  <a:rPr lang="en-GB" sz="2800" b="1" dirty="0">
+                    <a:latin typeface="Arial" panose="020B0604020202020204" pitchFamily="34" charset="0"/>
+                    <a:cs typeface="Arial" panose="020B0604020202020204" pitchFamily="34" charset="0"/>
+                  </a:rPr>
+                  <a:t>Concentration in </a:t>
+                </a:r>
+              </a:p>
+              <a:p>
+                <a:r>
+                  <a:rPr lang="en-GB" sz="2800" b="1" dirty="0">
+                    <a:latin typeface="Arial" panose="020B0604020202020204" pitchFamily="34" charset="0"/>
+                    <a:cs typeface="Arial" panose="020B0604020202020204" pitchFamily="34" charset="0"/>
+                  </a:rPr>
+                  <a:t>Surface Water</a:t>
+                </a:r>
+              </a:p>
+            </p:txBody>
+          </p:sp>
+        </p:grpSp>
+        <p:sp>
+          <p:nvSpPr>
+            <p:cNvPr id="78" name="TextBox 77">
+              <a:extLst>
+                <a:ext uri="{FF2B5EF4-FFF2-40B4-BE49-F238E27FC236}">
+                  <a16:creationId xmlns:a16="http://schemas.microsoft.com/office/drawing/2014/main" id="{D1FD302E-B6E1-4B93-8195-26A31850708E}"/>
+                </a:ext>
+              </a:extLst>
+            </p:cNvPr>
+            <p:cNvSpPr txBox="1"/>
+            <p:nvPr/>
+          </p:nvSpPr>
+          <p:spPr>
+            <a:xfrm>
+              <a:off x="3016042" y="10001223"/>
+              <a:ext cx="460648" cy="523220"/>
+            </a:xfrm>
+            <a:prstGeom prst="rect">
+              <a:avLst/>
+            </a:prstGeom>
+            <a:noFill/>
+          </p:spPr>
+          <p:txBody>
+            <a:bodyPr wrap="square" rtlCol="0">
+              <a:spAutoFit/>
+            </a:bodyPr>
+            <a:lstStyle/>
+            <a:p>
+              <a:r>
+                <a:rPr lang="en-GB" sz="2800" b="1" dirty="0">
+                  <a:latin typeface="Arial" panose="020B0604020202020204" pitchFamily="34" charset="0"/>
+                  <a:cs typeface="Arial" panose="020B0604020202020204" pitchFamily="34" charset="0"/>
+                </a:rPr>
+                <a:t>l)</a:t>
+              </a:r>
+            </a:p>
+          </p:txBody>
+        </p:sp>
+      </p:grpSp>
+      <p:grpSp>
+        <p:nvGrpSpPr>
+          <p:cNvPr id="47" name="Group 46">
+            <a:extLst>
+              <a:ext uri="{FF2B5EF4-FFF2-40B4-BE49-F238E27FC236}">
+                <a16:creationId xmlns:a16="http://schemas.microsoft.com/office/drawing/2014/main" id="{1E4C9DBE-EB3E-4B9B-8CE3-5E6711F6F12C}"/>
+              </a:ext>
+            </a:extLst>
+          </p:cNvPr>
+          <p:cNvGrpSpPr/>
+          <p:nvPr/>
+        </p:nvGrpSpPr>
+        <p:grpSpPr>
+          <a:xfrm>
+            <a:off x="-16230672" y="10779483"/>
+            <a:ext cx="4371438" cy="954107"/>
+            <a:chOff x="3309536" y="11337365"/>
+            <a:chExt cx="4371438" cy="954107"/>
+          </a:xfrm>
+        </p:grpSpPr>
+        <p:grpSp>
+          <p:nvGrpSpPr>
+            <p:cNvPr id="44" name="Group 43">
+              <a:extLst>
+                <a:ext uri="{FF2B5EF4-FFF2-40B4-BE49-F238E27FC236}">
+                  <a16:creationId xmlns:a16="http://schemas.microsoft.com/office/drawing/2014/main" id="{A3C4CD1F-0F9B-526B-06CD-9ED81A07873D}"/>
+                </a:ext>
+              </a:extLst>
+            </p:cNvPr>
+            <p:cNvGrpSpPr/>
+            <p:nvPr/>
+          </p:nvGrpSpPr>
+          <p:grpSpPr>
+            <a:xfrm>
+              <a:off x="4043420" y="11337365"/>
+              <a:ext cx="3637554" cy="954107"/>
+              <a:chOff x="2685061" y="2643197"/>
+              <a:chExt cx="3637554" cy="954107"/>
+            </a:xfrm>
+          </p:grpSpPr>
+          <p:pic>
+            <p:nvPicPr>
+              <p:cNvPr id="37" name="Picture 36" descr="Icon&#10;&#10;Description automatically generated">
+                <a:extLst>
+                  <a:ext uri="{FF2B5EF4-FFF2-40B4-BE49-F238E27FC236}">
+                    <a16:creationId xmlns:a16="http://schemas.microsoft.com/office/drawing/2014/main" id="{B35032CA-CE31-8E29-7223-271FEB35707E}"/>
+                  </a:ext>
+                </a:extLst>
+              </p:cNvPr>
+              <p:cNvPicPr>
+                <a:picLocks noChangeAspect="1"/>
+              </p:cNvPicPr>
+              <p:nvPr/>
+            </p:nvPicPr>
+            <p:blipFill>
+              <a:blip r:embed="rId11">
+                <a:extLst>
+                  <a:ext uri="{28A0092B-C50C-407E-A947-70E740481C1C}">
+                    <a14:useLocalDpi xmlns:a14="http://schemas.microsoft.com/office/drawing/2010/main" val="0"/>
+                  </a:ext>
+                </a:extLst>
+              </a:blip>
+              <a:stretch>
+                <a:fillRect/>
+              </a:stretch>
+            </p:blipFill>
+            <p:spPr>
+              <a:xfrm>
+                <a:off x="2685061" y="2670250"/>
+                <a:ext cx="900000" cy="900000"/>
+              </a:xfrm>
+              <a:prstGeom prst="rect">
+                <a:avLst/>
+              </a:prstGeom>
+            </p:spPr>
+          </p:pic>
+          <p:sp>
+            <p:nvSpPr>
+              <p:cNvPr id="43" name="TextBox 42">
+                <a:extLst>
+                  <a:ext uri="{FF2B5EF4-FFF2-40B4-BE49-F238E27FC236}">
+                    <a16:creationId xmlns:a16="http://schemas.microsoft.com/office/drawing/2014/main" id="{53BC5C51-5908-4B62-EE3E-CBB17003E5E4}"/>
+                  </a:ext>
+                </a:extLst>
+              </p:cNvPr>
+              <p:cNvSpPr txBox="1"/>
+              <p:nvPr/>
+            </p:nvSpPr>
+            <p:spPr>
+              <a:xfrm>
+                <a:off x="3640470" y="2643197"/>
+                <a:ext cx="2682145" cy="954107"/>
+              </a:xfrm>
+              <a:prstGeom prst="rect">
+                <a:avLst/>
+              </a:prstGeom>
+              <a:noFill/>
+            </p:spPr>
+            <p:txBody>
+              <a:bodyPr wrap="none" rtlCol="0">
+                <a:spAutoFit/>
+              </a:bodyPr>
+              <a:lstStyle/>
+              <a:p>
+                <a:r>
+                  <a:rPr lang="en-GB" sz="2800" b="1" dirty="0">
+                    <a:latin typeface="Arial" panose="020B0604020202020204" pitchFamily="34" charset="0"/>
+                    <a:cs typeface="Arial" panose="020B0604020202020204" pitchFamily="34" charset="0"/>
+                  </a:rPr>
+                  <a:t>Predicted Risk</a:t>
+                </a:r>
+              </a:p>
+              <a:p>
+                <a:r>
+                  <a:rPr lang="en-GB" sz="2800" dirty="0">
+                    <a:latin typeface="Arial" panose="020B0604020202020204" pitchFamily="34" charset="0"/>
+                    <a:cs typeface="Arial" panose="020B0604020202020204" pitchFamily="34" charset="0"/>
+                  </a:rPr>
+                  <a:t>(Risk Quotient)</a:t>
+                </a:r>
+              </a:p>
+            </p:txBody>
+          </p:sp>
+        </p:grpSp>
+        <p:sp>
+          <p:nvSpPr>
+            <p:cNvPr id="91" name="TextBox 90">
+              <a:extLst>
+                <a:ext uri="{FF2B5EF4-FFF2-40B4-BE49-F238E27FC236}">
+                  <a16:creationId xmlns:a16="http://schemas.microsoft.com/office/drawing/2014/main" id="{4CBE362A-D471-420A-968F-7F8406C57F55}"/>
+                </a:ext>
+              </a:extLst>
+            </p:cNvPr>
+            <p:cNvSpPr txBox="1"/>
+            <p:nvPr/>
+          </p:nvSpPr>
+          <p:spPr>
+            <a:xfrm>
+              <a:off x="3309536" y="11552808"/>
+              <a:ext cx="663770" cy="523220"/>
+            </a:xfrm>
+            <a:prstGeom prst="rect">
+              <a:avLst/>
+            </a:prstGeom>
+            <a:noFill/>
+          </p:spPr>
+          <p:txBody>
+            <a:bodyPr wrap="square" rtlCol="0">
+              <a:spAutoFit/>
+            </a:bodyPr>
+            <a:lstStyle/>
+            <a:p>
+              <a:r>
+                <a:rPr lang="en-GB" sz="2800" b="1" dirty="0">
+                  <a:latin typeface="Arial" panose="020B0604020202020204" pitchFamily="34" charset="0"/>
+                  <a:cs typeface="Arial" panose="020B0604020202020204" pitchFamily="34" charset="0"/>
+                </a:rPr>
+                <a:t>n)</a:t>
+              </a:r>
+            </a:p>
+          </p:txBody>
+        </p:sp>
+      </p:grpSp>
+      <p:grpSp>
+        <p:nvGrpSpPr>
+          <p:cNvPr id="25" name="Group 24">
+            <a:extLst>
+              <a:ext uri="{FF2B5EF4-FFF2-40B4-BE49-F238E27FC236}">
+                <a16:creationId xmlns:a16="http://schemas.microsoft.com/office/drawing/2014/main" id="{DFE7A517-7FF4-49E8-9C92-8DE0D2A314F2}"/>
+              </a:ext>
+            </a:extLst>
+          </p:cNvPr>
+          <p:cNvGrpSpPr/>
+          <p:nvPr/>
+        </p:nvGrpSpPr>
+        <p:grpSpPr>
+          <a:xfrm>
+            <a:off x="-10543946" y="1518741"/>
+            <a:ext cx="5149211" cy="1384995"/>
+            <a:chOff x="8443616" y="2313751"/>
+            <a:chExt cx="5149211" cy="1384995"/>
+          </a:xfrm>
+        </p:grpSpPr>
+        <p:grpSp>
+          <p:nvGrpSpPr>
+            <p:cNvPr id="20" name="Group 19">
+              <a:extLst>
+                <a:ext uri="{FF2B5EF4-FFF2-40B4-BE49-F238E27FC236}">
+                  <a16:creationId xmlns:a16="http://schemas.microsoft.com/office/drawing/2014/main" id="{D40079AA-2A8F-F909-A8AB-A88BF42943D0}"/>
+                </a:ext>
+              </a:extLst>
+            </p:cNvPr>
+            <p:cNvGrpSpPr/>
+            <p:nvPr/>
+          </p:nvGrpSpPr>
+          <p:grpSpPr>
+            <a:xfrm>
+              <a:off x="8982741" y="2313751"/>
+              <a:ext cx="4610086" cy="1384995"/>
+              <a:chOff x="4831492" y="5216929"/>
+              <a:chExt cx="4610086" cy="1384995"/>
+            </a:xfrm>
+          </p:grpSpPr>
+          <p:pic>
+            <p:nvPicPr>
+              <p:cNvPr id="12" name="Picture 11" descr="A screenshot of a video game&#10;&#10;Description automatically generated with low confidence">
+                <a:extLst>
+                  <a:ext uri="{FF2B5EF4-FFF2-40B4-BE49-F238E27FC236}">
+                    <a16:creationId xmlns:a16="http://schemas.microsoft.com/office/drawing/2014/main" id="{1A829758-CBA3-DE79-7A5C-03C96B759B3C}"/>
+                  </a:ext>
+                </a:extLst>
+              </p:cNvPr>
+              <p:cNvPicPr>
+                <a:picLocks noChangeAspect="1"/>
+              </p:cNvPicPr>
+              <p:nvPr/>
+            </p:nvPicPr>
+            <p:blipFill>
+              <a:blip r:embed="rId12">
+                <a:extLst>
+                  <a:ext uri="{28A0092B-C50C-407E-A947-70E740481C1C}">
+                    <a14:useLocalDpi xmlns:a14="http://schemas.microsoft.com/office/drawing/2010/main" val="0"/>
+                  </a:ext>
+                </a:extLst>
+              </a:blip>
+              <a:stretch>
+                <a:fillRect/>
+              </a:stretch>
+            </p:blipFill>
+            <p:spPr>
+              <a:xfrm>
+                <a:off x="4831492" y="5433691"/>
+                <a:ext cx="951470" cy="951470"/>
+              </a:xfrm>
+              <a:prstGeom prst="rect">
+                <a:avLst/>
+              </a:prstGeom>
+            </p:spPr>
+          </p:pic>
+          <p:sp>
+            <p:nvSpPr>
+              <p:cNvPr id="13" name="TextBox 12">
+                <a:extLst>
+                  <a:ext uri="{FF2B5EF4-FFF2-40B4-BE49-F238E27FC236}">
+                    <a16:creationId xmlns:a16="http://schemas.microsoft.com/office/drawing/2014/main" id="{A1ED7BF0-197F-2860-4100-4F4829A706A1}"/>
+                  </a:ext>
+                </a:extLst>
+              </p:cNvPr>
+              <p:cNvSpPr txBox="1"/>
+              <p:nvPr/>
+            </p:nvSpPr>
+            <p:spPr>
+              <a:xfrm>
+                <a:off x="5800838" y="5216929"/>
+                <a:ext cx="3640740" cy="1384995"/>
+              </a:xfrm>
+              <a:prstGeom prst="rect">
+                <a:avLst/>
+              </a:prstGeom>
+              <a:noFill/>
+            </p:spPr>
+            <p:txBody>
+              <a:bodyPr wrap="none" rtlCol="0">
+                <a:spAutoFit/>
+              </a:bodyPr>
+              <a:lstStyle/>
+              <a:p>
+                <a:r>
+                  <a:rPr lang="en-GB" sz="2800" b="1" dirty="0">
+                    <a:latin typeface="Arial" panose="020B0604020202020204" pitchFamily="34" charset="0"/>
+                    <a:cs typeface="Arial" panose="020B0604020202020204" pitchFamily="34" charset="0"/>
+                  </a:rPr>
+                  <a:t>Forecast Population</a:t>
+                </a:r>
+              </a:p>
+              <a:p>
+                <a:r>
+                  <a:rPr lang="en-GB" sz="2800" b="1" dirty="0">
+                    <a:latin typeface="Arial" panose="020B0604020202020204" pitchFamily="34" charset="0"/>
+                    <a:cs typeface="Arial" panose="020B0604020202020204" pitchFamily="34" charset="0"/>
+                  </a:rPr>
+                  <a:t>Scenarios</a:t>
+                </a:r>
+              </a:p>
+              <a:p>
+                <a:r>
+                  <a:rPr lang="en-GB" sz="2800" dirty="0">
+                    <a:latin typeface="Arial" panose="020B0604020202020204" pitchFamily="34" charset="0"/>
+                    <a:cs typeface="Arial" panose="020B0604020202020204" pitchFamily="34" charset="0"/>
+                  </a:rPr>
+                  <a:t>Statistics Norway</a:t>
+                </a:r>
+              </a:p>
+            </p:txBody>
+          </p:sp>
+        </p:grpSp>
+        <p:sp>
+          <p:nvSpPr>
+            <p:cNvPr id="93" name="TextBox 92">
+              <a:extLst>
+                <a:ext uri="{FF2B5EF4-FFF2-40B4-BE49-F238E27FC236}">
+                  <a16:creationId xmlns:a16="http://schemas.microsoft.com/office/drawing/2014/main" id="{F678B0D8-F441-4411-8E44-23B729E5184D}"/>
+                </a:ext>
+              </a:extLst>
+            </p:cNvPr>
+            <p:cNvSpPr txBox="1"/>
+            <p:nvPr/>
+          </p:nvSpPr>
+          <p:spPr>
+            <a:xfrm>
+              <a:off x="8443616" y="2744405"/>
+              <a:ext cx="609600" cy="523220"/>
+            </a:xfrm>
+            <a:prstGeom prst="rect">
+              <a:avLst/>
+            </a:prstGeom>
+            <a:noFill/>
+          </p:spPr>
+          <p:txBody>
+            <a:bodyPr wrap="square" rtlCol="0">
+              <a:spAutoFit/>
+            </a:bodyPr>
+            <a:lstStyle/>
+            <a:p>
+              <a:r>
+                <a:rPr lang="en-GB" sz="2800" b="1" dirty="0">
+                  <a:latin typeface="Arial" panose="020B0604020202020204" pitchFamily="34" charset="0"/>
+                  <a:cs typeface="Arial" panose="020B0604020202020204" pitchFamily="34" charset="0"/>
+                </a:rPr>
+                <a:t>e)</a:t>
+              </a:r>
+            </a:p>
+          </p:txBody>
+        </p:sp>
+      </p:grpSp>
+      <p:grpSp>
+        <p:nvGrpSpPr>
+          <p:cNvPr id="56" name="Group 55">
+            <a:extLst>
+              <a:ext uri="{FF2B5EF4-FFF2-40B4-BE49-F238E27FC236}">
+                <a16:creationId xmlns:a16="http://schemas.microsoft.com/office/drawing/2014/main" id="{3E587C97-CA27-4710-99F2-74A8A39B4AD0}"/>
+              </a:ext>
+            </a:extLst>
+          </p:cNvPr>
+          <p:cNvGrpSpPr/>
+          <p:nvPr/>
+        </p:nvGrpSpPr>
+        <p:grpSpPr>
+          <a:xfrm>
+            <a:off x="-10111924" y="10786261"/>
+            <a:ext cx="4770044" cy="961332"/>
+            <a:chOff x="8446276" y="11223827"/>
+            <a:chExt cx="4770044" cy="961332"/>
+          </a:xfrm>
+        </p:grpSpPr>
+        <p:grpSp>
+          <p:nvGrpSpPr>
+            <p:cNvPr id="42" name="Group 41">
+              <a:extLst>
+                <a:ext uri="{FF2B5EF4-FFF2-40B4-BE49-F238E27FC236}">
+                  <a16:creationId xmlns:a16="http://schemas.microsoft.com/office/drawing/2014/main" id="{BE6DEF42-46DE-6E63-16C1-47E59BA86742}"/>
+                </a:ext>
+              </a:extLst>
+            </p:cNvPr>
+            <p:cNvGrpSpPr/>
+            <p:nvPr/>
+          </p:nvGrpSpPr>
+          <p:grpSpPr>
+            <a:xfrm>
+              <a:off x="9037956" y="11223827"/>
+              <a:ext cx="4178364" cy="961332"/>
+              <a:chOff x="9280446" y="-121738"/>
+              <a:chExt cx="4178364" cy="961332"/>
+            </a:xfrm>
+          </p:grpSpPr>
+          <p:pic>
+            <p:nvPicPr>
+              <p:cNvPr id="39" name="Picture 38" descr="A picture containing icon&#10;&#10;Description automatically generated">
+                <a:extLst>
+                  <a:ext uri="{FF2B5EF4-FFF2-40B4-BE49-F238E27FC236}">
+                    <a16:creationId xmlns:a16="http://schemas.microsoft.com/office/drawing/2014/main" id="{70879693-6A5A-1748-EE8A-917D2320B45A}"/>
+                  </a:ext>
+                </a:extLst>
+              </p:cNvPr>
+              <p:cNvPicPr>
+                <a:picLocks noChangeAspect="1"/>
+              </p:cNvPicPr>
+              <p:nvPr/>
+            </p:nvPicPr>
+            <p:blipFill>
+              <a:blip r:embed="rId13">
+                <a:extLst>
+                  <a:ext uri="{28A0092B-C50C-407E-A947-70E740481C1C}">
+                    <a14:useLocalDpi xmlns:a14="http://schemas.microsoft.com/office/drawing/2010/main" val="0"/>
+                  </a:ext>
+                </a:extLst>
+              </a:blip>
+              <a:stretch>
+                <a:fillRect/>
+              </a:stretch>
+            </p:blipFill>
+            <p:spPr>
+              <a:xfrm>
+                <a:off x="9280446" y="-121738"/>
+                <a:ext cx="900000" cy="900000"/>
+              </a:xfrm>
+              <a:prstGeom prst="rect">
+                <a:avLst/>
+              </a:prstGeom>
+            </p:spPr>
+          </p:pic>
+          <p:sp>
+            <p:nvSpPr>
+              <p:cNvPr id="41" name="TextBox 40">
+                <a:extLst>
+                  <a:ext uri="{FF2B5EF4-FFF2-40B4-BE49-F238E27FC236}">
+                    <a16:creationId xmlns:a16="http://schemas.microsoft.com/office/drawing/2014/main" id="{015777A2-EB15-DD4F-024F-30068B6895B3}"/>
+                  </a:ext>
+                </a:extLst>
+              </p:cNvPr>
+              <p:cNvSpPr txBox="1"/>
+              <p:nvPr/>
+            </p:nvSpPr>
+            <p:spPr>
+              <a:xfrm>
+                <a:off x="10203816" y="-114513"/>
+                <a:ext cx="3254994" cy="954107"/>
+              </a:xfrm>
+              <a:prstGeom prst="rect">
+                <a:avLst/>
+              </a:prstGeom>
+              <a:noFill/>
+            </p:spPr>
+            <p:txBody>
+              <a:bodyPr wrap="none" rtlCol="0">
+                <a:spAutoFit/>
+              </a:bodyPr>
+              <a:lstStyle/>
+              <a:p>
+                <a:r>
+                  <a:rPr lang="en-GB" sz="2800" b="1" dirty="0">
+                    <a:latin typeface="Arial" panose="020B0604020202020204" pitchFamily="34" charset="0"/>
+                    <a:cs typeface="Arial" panose="020B0604020202020204" pitchFamily="34" charset="0"/>
+                  </a:rPr>
+                  <a:t>Predicted Toxicity</a:t>
+                </a:r>
+              </a:p>
+              <a:p>
+                <a:r>
+                  <a:rPr lang="en-GB" sz="2800" dirty="0">
+                    <a:latin typeface="Arial" panose="020B0604020202020204" pitchFamily="34" charset="0"/>
+                    <a:cs typeface="Arial" panose="020B0604020202020204" pitchFamily="34" charset="0"/>
+                  </a:rPr>
+                  <a:t>(PNEC)</a:t>
+                </a:r>
+              </a:p>
+            </p:txBody>
+          </p:sp>
+        </p:grpSp>
+        <p:sp>
+          <p:nvSpPr>
+            <p:cNvPr id="96" name="TextBox 95">
+              <a:extLst>
+                <a:ext uri="{FF2B5EF4-FFF2-40B4-BE49-F238E27FC236}">
+                  <a16:creationId xmlns:a16="http://schemas.microsoft.com/office/drawing/2014/main" id="{5314EA6E-2C5F-494E-87F9-AF896DF134EF}"/>
+                </a:ext>
+              </a:extLst>
+            </p:cNvPr>
+            <p:cNvSpPr txBox="1"/>
+            <p:nvPr/>
+          </p:nvSpPr>
+          <p:spPr>
+            <a:xfrm>
+              <a:off x="8446276" y="11462337"/>
+              <a:ext cx="736765" cy="523220"/>
+            </a:xfrm>
+            <a:prstGeom prst="rect">
+              <a:avLst/>
+            </a:prstGeom>
+            <a:noFill/>
+          </p:spPr>
+          <p:txBody>
+            <a:bodyPr wrap="square" rtlCol="0">
+              <a:spAutoFit/>
+            </a:bodyPr>
+            <a:lstStyle/>
+            <a:p>
+              <a:r>
+                <a:rPr lang="en-GB" sz="2800" b="1" dirty="0">
+                  <a:latin typeface="Arial" panose="020B0604020202020204" pitchFamily="34" charset="0"/>
+                  <a:cs typeface="Arial" panose="020B0604020202020204" pitchFamily="34" charset="0"/>
+                </a:rPr>
+                <a:t>l)</a:t>
+              </a:r>
+            </a:p>
+          </p:txBody>
+        </p:sp>
+      </p:grpSp>
+      <p:sp>
+        <p:nvSpPr>
+          <p:cNvPr id="97" name="Arrow: Down 96">
+            <a:extLst>
+              <a:ext uri="{FF2B5EF4-FFF2-40B4-BE49-F238E27FC236}">
+                <a16:creationId xmlns:a16="http://schemas.microsoft.com/office/drawing/2014/main" id="{EBF30BA3-60AB-43E8-BAAA-488CF6C3B863}"/>
+              </a:ext>
+            </a:extLst>
+          </p:cNvPr>
+          <p:cNvSpPr/>
+          <p:nvPr/>
+        </p:nvSpPr>
+        <p:spPr>
+          <a:xfrm rot="5400000">
+            <a:off x="-10876733" y="1990839"/>
+            <a:ext cx="190500" cy="479543"/>
+          </a:xfrm>
+          <a:prstGeom prst="downArrow">
+            <a:avLst>
+              <a:gd name="adj1" fmla="val 23333"/>
+              <a:gd name="adj2" fmla="val 123491"/>
+            </a:avLst>
+          </a:prstGeom>
+          <a:ln>
+            <a:noFill/>
+          </a:ln>
+        </p:spPr>
+        <p:style>
+          <a:lnRef idx="2">
+            <a:schemeClr val="accent3">
+              <a:shade val="50000"/>
+            </a:schemeClr>
+          </a:lnRef>
+          <a:fillRef idx="1">
+            <a:schemeClr val="accent3"/>
+          </a:fillRef>
+          <a:effectRef idx="0">
+            <a:schemeClr val="accent3"/>
+          </a:effectRef>
+          <a:fontRef idx="minor">
+            <a:schemeClr val="lt1"/>
+          </a:fontRef>
+        </p:style>
+        <p:txBody>
+          <a:bodyPr rtlCol="0" anchor="ctr"/>
+          <a:lstStyle/>
+          <a:p>
+            <a:pPr algn="ctr"/>
+            <a:endParaRPr lang="en-GB"/>
+          </a:p>
+        </p:txBody>
+      </p:sp>
+      <p:sp>
+        <p:nvSpPr>
+          <p:cNvPr id="101" name="Arrow: Down 100">
+            <a:extLst>
+              <a:ext uri="{FF2B5EF4-FFF2-40B4-BE49-F238E27FC236}">
+                <a16:creationId xmlns:a16="http://schemas.microsoft.com/office/drawing/2014/main" id="{DE4DD8D6-7135-4BCB-98C0-7D7003056912}"/>
+              </a:ext>
+            </a:extLst>
+          </p:cNvPr>
+          <p:cNvSpPr/>
+          <p:nvPr/>
+        </p:nvSpPr>
+        <p:spPr>
+          <a:xfrm rot="5400000">
+            <a:off x="-10591419" y="5569823"/>
+            <a:ext cx="190500" cy="479544"/>
+          </a:xfrm>
+          <a:prstGeom prst="downArrow">
+            <a:avLst>
+              <a:gd name="adj1" fmla="val 23333"/>
+              <a:gd name="adj2" fmla="val 123491"/>
+            </a:avLst>
+          </a:prstGeom>
+          <a:ln>
+            <a:noFill/>
+          </a:ln>
+        </p:spPr>
+        <p:style>
+          <a:lnRef idx="2">
+            <a:schemeClr val="accent3">
+              <a:shade val="50000"/>
+            </a:schemeClr>
+          </a:lnRef>
+          <a:fillRef idx="1">
+            <a:schemeClr val="accent3"/>
+          </a:fillRef>
+          <a:effectRef idx="0">
+            <a:schemeClr val="accent3"/>
+          </a:effectRef>
+          <a:fontRef idx="minor">
+            <a:schemeClr val="lt1"/>
+          </a:fontRef>
+        </p:style>
+        <p:txBody>
+          <a:bodyPr rtlCol="0" anchor="ctr"/>
+          <a:lstStyle/>
+          <a:p>
+            <a:pPr algn="ctr"/>
+            <a:endParaRPr lang="en-GB"/>
+          </a:p>
+        </p:txBody>
+      </p:sp>
+      <p:grpSp>
+        <p:nvGrpSpPr>
+          <p:cNvPr id="58" name="Group 57">
+            <a:extLst>
+              <a:ext uri="{FF2B5EF4-FFF2-40B4-BE49-F238E27FC236}">
+                <a16:creationId xmlns:a16="http://schemas.microsoft.com/office/drawing/2014/main" id="{7262B170-D305-42A5-BD58-AD2BD1C11D34}"/>
+              </a:ext>
+            </a:extLst>
+          </p:cNvPr>
+          <p:cNvGrpSpPr/>
+          <p:nvPr/>
+        </p:nvGrpSpPr>
+        <p:grpSpPr>
+          <a:xfrm>
+            <a:off x="-10111924" y="5060050"/>
+            <a:ext cx="4517103" cy="1384995"/>
+            <a:chOff x="9428812" y="5829323"/>
+            <a:chExt cx="4517103" cy="1384995"/>
+          </a:xfrm>
+        </p:grpSpPr>
+        <p:grpSp>
+          <p:nvGrpSpPr>
+            <p:cNvPr id="98" name="Group 97">
+              <a:extLst>
+                <a:ext uri="{FF2B5EF4-FFF2-40B4-BE49-F238E27FC236}">
+                  <a16:creationId xmlns:a16="http://schemas.microsoft.com/office/drawing/2014/main" id="{19B93E72-0F5D-4D5D-8C89-1B1EC9715055}"/>
+                </a:ext>
+              </a:extLst>
+            </p:cNvPr>
+            <p:cNvGrpSpPr/>
+            <p:nvPr/>
+          </p:nvGrpSpPr>
+          <p:grpSpPr>
+            <a:xfrm>
+              <a:off x="9979027" y="5829323"/>
+              <a:ext cx="3966888" cy="1384995"/>
+              <a:chOff x="739346" y="5023147"/>
+              <a:chExt cx="3966888" cy="1384995"/>
+            </a:xfrm>
+          </p:grpSpPr>
+          <p:pic>
+            <p:nvPicPr>
+              <p:cNvPr id="99" name="Picture 98">
+                <a:extLst>
+                  <a:ext uri="{FF2B5EF4-FFF2-40B4-BE49-F238E27FC236}">
+                    <a16:creationId xmlns:a16="http://schemas.microsoft.com/office/drawing/2014/main" id="{53C8DD7F-F455-4588-8B78-943643B895A5}"/>
+                  </a:ext>
+                </a:extLst>
+              </p:cNvPr>
+              <p:cNvPicPr>
+                <a:picLocks noChangeAspect="1"/>
+              </p:cNvPicPr>
+              <p:nvPr/>
+            </p:nvPicPr>
+            <p:blipFill>
+              <a:blip r:embed="rId14">
+                <a:extLst>
+                  <a:ext uri="{28A0092B-C50C-407E-A947-70E740481C1C}">
+                    <a14:useLocalDpi xmlns:a14="http://schemas.microsoft.com/office/drawing/2010/main" val="0"/>
+                  </a:ext>
+                </a:extLst>
+              </a:blip>
+              <a:srcRect/>
+              <a:stretch/>
+            </p:blipFill>
+            <p:spPr>
+              <a:xfrm>
+                <a:off x="739346" y="5260093"/>
+                <a:ext cx="951470" cy="950280"/>
+              </a:xfrm>
+              <a:prstGeom prst="rect">
+                <a:avLst/>
+              </a:prstGeom>
+            </p:spPr>
+          </p:pic>
+          <p:sp>
+            <p:nvSpPr>
+              <p:cNvPr id="100" name="TextBox 99">
+                <a:extLst>
+                  <a:ext uri="{FF2B5EF4-FFF2-40B4-BE49-F238E27FC236}">
+                    <a16:creationId xmlns:a16="http://schemas.microsoft.com/office/drawing/2014/main" id="{D74E6E6D-1F81-4772-911C-9CFD46EC2284}"/>
+                  </a:ext>
+                </a:extLst>
+              </p:cNvPr>
+              <p:cNvSpPr txBox="1"/>
+              <p:nvPr/>
+            </p:nvSpPr>
+            <p:spPr>
+              <a:xfrm>
+                <a:off x="1766006" y="5023147"/>
+                <a:ext cx="2940228" cy="1384995"/>
+              </a:xfrm>
+              <a:prstGeom prst="rect">
+                <a:avLst/>
+              </a:prstGeom>
+              <a:noFill/>
+            </p:spPr>
+            <p:txBody>
+              <a:bodyPr wrap="none" rtlCol="0">
+                <a:spAutoFit/>
+              </a:bodyPr>
+              <a:lstStyle/>
+              <a:p>
+                <a:r>
+                  <a:rPr lang="en-GB" sz="2800" b="1" dirty="0">
+                    <a:latin typeface="Arial" panose="020B0604020202020204" pitchFamily="34" charset="0"/>
+                    <a:cs typeface="Arial" panose="020B0604020202020204" pitchFamily="34" charset="0"/>
+                  </a:rPr>
+                  <a:t>2020 Water </a:t>
+                </a:r>
+              </a:p>
+              <a:p>
+                <a:r>
+                  <a:rPr lang="en-GB" sz="2800" b="1" dirty="0">
+                    <a:latin typeface="Arial" panose="020B0604020202020204" pitchFamily="34" charset="0"/>
+                    <a:cs typeface="Arial" panose="020B0604020202020204" pitchFamily="34" charset="0"/>
+                  </a:rPr>
+                  <a:t>Consumption</a:t>
+                </a:r>
+              </a:p>
+              <a:p>
+                <a:r>
+                  <a:rPr lang="en-GB" sz="2800" dirty="0">
+                    <a:latin typeface="Arial" panose="020B0604020202020204" pitchFamily="34" charset="0"/>
+                    <a:cs typeface="Arial" panose="020B0604020202020204" pitchFamily="34" charset="0"/>
+                  </a:rPr>
+                  <a:t>Statistics Norway</a:t>
+                </a:r>
+              </a:p>
+            </p:txBody>
+          </p:sp>
+        </p:grpSp>
+        <p:sp>
+          <p:nvSpPr>
+            <p:cNvPr id="102" name="TextBox 101">
+              <a:extLst>
+                <a:ext uri="{FF2B5EF4-FFF2-40B4-BE49-F238E27FC236}">
+                  <a16:creationId xmlns:a16="http://schemas.microsoft.com/office/drawing/2014/main" id="{B1B1449C-1611-4A1D-A4DC-4A0FB063AA2A}"/>
+                </a:ext>
+              </a:extLst>
+            </p:cNvPr>
+            <p:cNvSpPr txBox="1"/>
+            <p:nvPr/>
+          </p:nvSpPr>
+          <p:spPr>
+            <a:xfrm>
+              <a:off x="9428812" y="6260210"/>
+              <a:ext cx="609600" cy="523220"/>
+            </a:xfrm>
+            <a:prstGeom prst="rect">
+              <a:avLst/>
+            </a:prstGeom>
+            <a:noFill/>
+          </p:spPr>
+          <p:txBody>
+            <a:bodyPr wrap="square" rtlCol="0">
+              <a:spAutoFit/>
+            </a:bodyPr>
+            <a:lstStyle/>
+            <a:p>
+              <a:r>
+                <a:rPr lang="en-GB" sz="2800" b="1" dirty="0">
+                  <a:latin typeface="Arial" panose="020B0604020202020204" pitchFamily="34" charset="0"/>
+                  <a:cs typeface="Arial" panose="020B0604020202020204" pitchFamily="34" charset="0"/>
+                </a:rPr>
+                <a:t>h)</a:t>
+              </a:r>
+            </a:p>
+          </p:txBody>
+        </p:sp>
+      </p:grpSp>
+      <mc:AlternateContent xmlns:mc="http://schemas.openxmlformats.org/markup-compatibility/2006">
+        <mc:Choice xmlns:a14="http://schemas.microsoft.com/office/drawing/2010/main" Requires="a14">
+          <p:sp>
+            <p:nvSpPr>
+              <p:cNvPr id="4" name="TextBox 3">
+                <a:extLst>
+                  <a:ext uri="{FF2B5EF4-FFF2-40B4-BE49-F238E27FC236}">
+                    <a16:creationId xmlns:a16="http://schemas.microsoft.com/office/drawing/2014/main" id="{9DD78998-DE57-4F8A-9FE7-581A791A83D6}"/>
+                  </a:ext>
+                </a:extLst>
+              </p:cNvPr>
+              <p:cNvSpPr txBox="1"/>
+              <p:nvPr/>
+            </p:nvSpPr>
+            <p:spPr>
+              <a:xfrm>
+                <a:off x="-24886790" y="5538561"/>
+                <a:ext cx="7780143" cy="674095"/>
+              </a:xfrm>
+              <a:prstGeom prst="rect">
+                <a:avLst/>
+              </a:prstGeom>
+              <a:solidFill>
+                <a:schemeClr val="bg1">
+                  <a:lumMod val="95000"/>
+                </a:schemeClr>
+              </a:solidFill>
+            </p:spPr>
+            <p:txBody>
+              <a:bodyPr wrap="none" lIns="0" tIns="0" rIns="0" bIns="0" rtlCol="0">
+                <a:spAutoFit/>
+              </a:bodyPr>
+              <a:lstStyle/>
+              <a:p>
+                <a14:m>
+                  <m:oMath xmlns:m="http://schemas.openxmlformats.org/officeDocument/2006/math">
+                    <m:sSub>
+                      <m:sSubPr>
+                        <m:ctrlPr>
+                          <a:rPr lang="en-GB" sz="2800" i="1" smtClean="0">
+                            <a:latin typeface="Cambria Math" panose="02040503050406030204" pitchFamily="18" charset="0"/>
+                          </a:rPr>
+                        </m:ctrlPr>
+                      </m:sSubPr>
+                      <m:e>
+                        <m:r>
+                          <a:rPr lang="en-GB" sz="2800" b="0" i="1" smtClean="0">
+                            <a:latin typeface="Cambria Math" panose="02040503050406030204" pitchFamily="18" charset="0"/>
+                          </a:rPr>
+                          <m:t>𝑃𝐸𝐶</m:t>
+                        </m:r>
+                      </m:e>
+                      <m:sub>
+                        <m:r>
+                          <a:rPr lang="en-GB" sz="2800" b="0" i="1" smtClean="0">
+                            <a:latin typeface="Cambria Math" panose="02040503050406030204" pitchFamily="18" charset="0"/>
+                          </a:rPr>
+                          <m:t>𝑖𝑛𝑓𝑙𝑢𝑒𝑛𝑡</m:t>
+                        </m:r>
+                      </m:sub>
+                    </m:sSub>
+                    <m:r>
+                      <a:rPr lang="en-GB" sz="2800" b="0" i="1" smtClean="0">
+                        <a:latin typeface="Cambria Math" panose="02040503050406030204" pitchFamily="18" charset="0"/>
+                      </a:rPr>
+                      <m:t>= </m:t>
+                    </m:r>
+                    <m:f>
+                      <m:fPr>
+                        <m:ctrlPr>
+                          <a:rPr lang="en-GB" sz="2800" b="0" i="1" smtClean="0">
+                            <a:latin typeface="Cambria Math" panose="02040503050406030204" pitchFamily="18" charset="0"/>
+                          </a:rPr>
+                        </m:ctrlPr>
+                      </m:fPr>
+                      <m:num>
+                        <m:r>
+                          <a:rPr lang="en-GB" sz="2800" b="0" i="1" smtClean="0">
+                            <a:latin typeface="Cambria Math" panose="02040503050406030204" pitchFamily="18" charset="0"/>
+                          </a:rPr>
+                          <m:t>𝑃𝑟𝑒𝑑𝑖𝑐𝑡𝑒𝑑</m:t>
+                        </m:r>
+                        <m:r>
+                          <a:rPr lang="en-GB" sz="2800" b="0" i="1" smtClean="0">
+                            <a:latin typeface="Cambria Math" panose="02040503050406030204" pitchFamily="18" charset="0"/>
+                          </a:rPr>
+                          <m:t> </m:t>
+                        </m:r>
+                        <m:r>
+                          <a:rPr lang="en-GB" sz="2800" b="0" i="1" smtClean="0">
+                            <a:latin typeface="Cambria Math" panose="02040503050406030204" pitchFamily="18" charset="0"/>
+                          </a:rPr>
+                          <m:t>𝑃h𝑎𝑟𝑚𝑎𝑐𝑒𝑢𝑡𝑖𝑐𝑎𝑙</m:t>
+                        </m:r>
+                        <m:r>
+                          <a:rPr lang="en-GB" sz="2800" b="0" i="1" smtClean="0">
+                            <a:latin typeface="Cambria Math" panose="02040503050406030204" pitchFamily="18" charset="0"/>
+                          </a:rPr>
+                          <m:t> </m:t>
+                        </m:r>
+                        <m:r>
+                          <a:rPr lang="en-GB" sz="2800" b="0" i="1" smtClean="0">
+                            <a:latin typeface="Cambria Math" panose="02040503050406030204" pitchFamily="18" charset="0"/>
+                          </a:rPr>
+                          <m:t>𝑆𝑎𝑙𝑒𝑠</m:t>
+                        </m:r>
+                        <m:r>
+                          <a:rPr lang="en-GB" sz="2800" b="0" i="1" smtClean="0">
+                            <a:latin typeface="Cambria Math" panose="02040503050406030204" pitchFamily="18" charset="0"/>
+                          </a:rPr>
+                          <m:t> </m:t>
+                        </m:r>
+                        <m:r>
+                          <a:rPr lang="en-GB" sz="2800" b="0" i="1" smtClean="0">
+                            <a:latin typeface="Cambria Math" panose="02040503050406030204" pitchFamily="18" charset="0"/>
+                          </a:rPr>
+                          <m:t>𝑊𝑒𝑖𝑔h𝑡𝑠</m:t>
+                        </m:r>
+                      </m:num>
+                      <m:den>
+                        <m:r>
+                          <a:rPr lang="en-GB" sz="2800" b="0" i="1" smtClean="0">
+                            <a:latin typeface="Cambria Math" panose="02040503050406030204" pitchFamily="18" charset="0"/>
+                          </a:rPr>
+                          <m:t>𝑇𝑜𝑡𝑎𝑙</m:t>
+                        </m:r>
+                        <m:r>
+                          <a:rPr lang="en-GB" sz="2800" b="0" i="1" smtClean="0">
+                            <a:latin typeface="Cambria Math" panose="02040503050406030204" pitchFamily="18" charset="0"/>
+                          </a:rPr>
+                          <m:t> </m:t>
+                        </m:r>
+                        <m:r>
+                          <a:rPr lang="en-GB" sz="2800" b="0" i="1" smtClean="0">
+                            <a:latin typeface="Cambria Math" panose="02040503050406030204" pitchFamily="18" charset="0"/>
+                          </a:rPr>
+                          <m:t>𝑊𝑎𝑡𝑒𝑟</m:t>
+                        </m:r>
+                        <m:r>
+                          <a:rPr lang="en-GB" sz="2800" b="0" i="1" smtClean="0">
+                            <a:latin typeface="Cambria Math" panose="02040503050406030204" pitchFamily="18" charset="0"/>
+                          </a:rPr>
+                          <m:t> </m:t>
+                        </m:r>
+                        <m:r>
+                          <a:rPr lang="en-GB" sz="2800" b="0" i="1" smtClean="0">
+                            <a:latin typeface="Cambria Math" panose="02040503050406030204" pitchFamily="18" charset="0"/>
+                          </a:rPr>
+                          <m:t>𝐶𝑜𝑛𝑠𝑢𝑚𝑝𝑡𝑖𝑜𝑛</m:t>
+                        </m:r>
+                      </m:den>
+                    </m:f>
+                  </m:oMath>
+                </a14:m>
+                <a:r>
+                  <a:rPr lang="en-GB" sz="2800" dirty="0"/>
+                  <a:t>  </a:t>
+                </a:r>
+              </a:p>
+            </p:txBody>
+          </p:sp>
+        </mc:Choice>
+        <mc:Fallback>
+          <p:sp>
+            <p:nvSpPr>
+              <p:cNvPr id="4" name="TextBox 3">
+                <a:extLst>
+                  <a:ext uri="{FF2B5EF4-FFF2-40B4-BE49-F238E27FC236}">
+                    <a16:creationId xmlns:a16="http://schemas.microsoft.com/office/drawing/2014/main" id="{9DD78998-DE57-4F8A-9FE7-581A791A83D6}"/>
+                  </a:ext>
+                </a:extLst>
+              </p:cNvPr>
+              <p:cNvSpPr txBox="1">
+                <a:spLocks noRot="1" noChangeAspect="1" noMove="1" noResize="1" noEditPoints="1" noAdjustHandles="1" noChangeArrowheads="1" noChangeShapeType="1" noTextEdit="1"/>
+              </p:cNvSpPr>
+              <p:nvPr/>
+            </p:nvSpPr>
+            <p:spPr>
+              <a:xfrm>
+                <a:off x="-24886790" y="5538561"/>
+                <a:ext cx="7780143" cy="674095"/>
+              </a:xfrm>
+              <a:prstGeom prst="rect">
+                <a:avLst/>
+              </a:prstGeom>
+              <a:blipFill>
+                <a:blip r:embed="rId15"/>
+                <a:stretch>
+                  <a:fillRect/>
+                </a:stretch>
+              </a:blipFill>
+            </p:spPr>
+            <p:txBody>
+              <a:bodyPr/>
+              <a:lstStyle/>
+              <a:p>
+                <a:r>
+                  <a:rPr lang="en-GB">
+                    <a:noFill/>
+                  </a:rPr>
+                  <a:t> </a:t>
+                </a:r>
+              </a:p>
+            </p:txBody>
+          </p:sp>
+        </mc:Fallback>
+      </mc:AlternateContent>
+      <p:grpSp>
+        <p:nvGrpSpPr>
+          <p:cNvPr id="34" name="Group 33">
+            <a:extLst>
+              <a:ext uri="{FF2B5EF4-FFF2-40B4-BE49-F238E27FC236}">
+                <a16:creationId xmlns:a16="http://schemas.microsoft.com/office/drawing/2014/main" id="{8D8C0F98-5AD9-4DF9-A4F2-1E9341C91F4B}"/>
+              </a:ext>
+            </a:extLst>
+          </p:cNvPr>
+          <p:cNvGrpSpPr/>
+          <p:nvPr/>
+        </p:nvGrpSpPr>
+        <p:grpSpPr>
+          <a:xfrm>
+            <a:off x="-10111924" y="6726481"/>
+            <a:ext cx="5586441" cy="1384995"/>
+            <a:chOff x="8752015" y="7570635"/>
+            <a:chExt cx="5586441" cy="1384995"/>
+          </a:xfrm>
+        </p:grpSpPr>
+        <p:sp>
+          <p:nvSpPr>
+            <p:cNvPr id="103" name="TextBox 102">
+              <a:extLst>
+                <a:ext uri="{FF2B5EF4-FFF2-40B4-BE49-F238E27FC236}">
+                  <a16:creationId xmlns:a16="http://schemas.microsoft.com/office/drawing/2014/main" id="{4D186F02-5CD8-4D8F-B63C-15A0CB4F7777}"/>
+                </a:ext>
+              </a:extLst>
+            </p:cNvPr>
+            <p:cNvSpPr txBox="1"/>
+            <p:nvPr/>
+          </p:nvSpPr>
+          <p:spPr>
+            <a:xfrm>
+              <a:off x="10236051" y="7570635"/>
+              <a:ext cx="4102405" cy="1384995"/>
+            </a:xfrm>
+            <a:prstGeom prst="rect">
+              <a:avLst/>
+            </a:prstGeom>
+            <a:noFill/>
+          </p:spPr>
+          <p:txBody>
+            <a:bodyPr wrap="none" rtlCol="0">
+              <a:spAutoFit/>
+            </a:bodyPr>
+            <a:lstStyle/>
+            <a:p>
+              <a:r>
+                <a:rPr lang="en-GB" sz="2800" b="1" dirty="0">
+                  <a:latin typeface="Arial" panose="020B0604020202020204" pitchFamily="34" charset="0"/>
+                  <a:cs typeface="Arial" panose="020B0604020202020204" pitchFamily="34" charset="0"/>
+                </a:rPr>
+                <a:t>Mean Pharmaceutical </a:t>
+              </a:r>
+            </a:p>
+            <a:p>
+              <a:r>
+                <a:rPr lang="en-GB" sz="2800" b="1" dirty="0">
+                  <a:latin typeface="Arial" panose="020B0604020202020204" pitchFamily="34" charset="0"/>
+                  <a:cs typeface="Arial" panose="020B0604020202020204" pitchFamily="34" charset="0"/>
+                </a:rPr>
+                <a:t>Removal Rates</a:t>
+              </a:r>
+            </a:p>
+            <a:p>
+              <a:r>
+                <a:rPr lang="en-GB" sz="2800" dirty="0">
+                  <a:latin typeface="Arial" panose="020B0604020202020204" pitchFamily="34" charset="0"/>
+                  <a:cs typeface="Arial" panose="020B0604020202020204" pitchFamily="34" charset="0"/>
+                </a:rPr>
+                <a:t>van Dijk et al. (in review)</a:t>
+              </a:r>
+            </a:p>
+          </p:txBody>
+        </p:sp>
+        <p:sp>
+          <p:nvSpPr>
+            <p:cNvPr id="105" name="TextBox 104">
+              <a:extLst>
+                <a:ext uri="{FF2B5EF4-FFF2-40B4-BE49-F238E27FC236}">
+                  <a16:creationId xmlns:a16="http://schemas.microsoft.com/office/drawing/2014/main" id="{12C7C091-1875-44CE-AA00-5346CB3517FF}"/>
+                </a:ext>
+              </a:extLst>
+            </p:cNvPr>
+            <p:cNvSpPr txBox="1"/>
+            <p:nvPr/>
+          </p:nvSpPr>
+          <p:spPr>
+            <a:xfrm>
+              <a:off x="8752015" y="8038678"/>
+              <a:ext cx="609600" cy="523220"/>
+            </a:xfrm>
+            <a:prstGeom prst="rect">
+              <a:avLst/>
+            </a:prstGeom>
+            <a:noFill/>
+          </p:spPr>
+          <p:txBody>
+            <a:bodyPr wrap="square" rtlCol="0">
+              <a:spAutoFit/>
+            </a:bodyPr>
+            <a:lstStyle/>
+            <a:p>
+              <a:r>
+                <a:rPr lang="en-GB" sz="2800" b="1" dirty="0">
+                  <a:latin typeface="Arial" panose="020B0604020202020204" pitchFamily="34" charset="0"/>
+                  <a:cs typeface="Arial" panose="020B0604020202020204" pitchFamily="34" charset="0"/>
+                </a:rPr>
+                <a:t>j)</a:t>
+              </a:r>
+            </a:p>
+          </p:txBody>
+        </p:sp>
+        <p:pic>
+          <p:nvPicPr>
+            <p:cNvPr id="6" name="Picture 5" descr="A picture containing shape&#10;&#10;Description automatically generated">
+              <a:extLst>
+                <a:ext uri="{FF2B5EF4-FFF2-40B4-BE49-F238E27FC236}">
+                  <a16:creationId xmlns:a16="http://schemas.microsoft.com/office/drawing/2014/main" id="{46FCBFF7-DF13-4031-A9DB-C6757AC3DCC6}"/>
+                </a:ext>
+              </a:extLst>
+            </p:cNvPr>
+            <p:cNvPicPr>
+              <a:picLocks noChangeAspect="1"/>
+            </p:cNvPicPr>
+            <p:nvPr/>
+          </p:nvPicPr>
+          <p:blipFill>
+            <a:blip r:embed="rId16">
+              <a:extLst>
+                <a:ext uri="{28A0092B-C50C-407E-A947-70E740481C1C}">
+                  <a14:useLocalDpi xmlns:a14="http://schemas.microsoft.com/office/drawing/2010/main" val="0"/>
+                </a:ext>
+              </a:extLst>
+            </a:blip>
+            <a:stretch>
+              <a:fillRect/>
+            </a:stretch>
+          </p:blipFill>
+          <p:spPr>
+            <a:xfrm>
+              <a:off x="9339996" y="7952996"/>
+              <a:ext cx="694584" cy="694584"/>
+            </a:xfrm>
+            <a:prstGeom prst="rect">
+              <a:avLst/>
+            </a:prstGeom>
+          </p:spPr>
+        </p:pic>
+      </p:grpSp>
+      <mc:AlternateContent xmlns:mc="http://schemas.openxmlformats.org/markup-compatibility/2006">
+        <mc:Choice xmlns:a14="http://schemas.microsoft.com/office/drawing/2010/main" Requires="a14">
+          <p:sp>
+            <p:nvSpPr>
+              <p:cNvPr id="107" name="TextBox 106">
+                <a:extLst>
+                  <a:ext uri="{FF2B5EF4-FFF2-40B4-BE49-F238E27FC236}">
+                    <a16:creationId xmlns:a16="http://schemas.microsoft.com/office/drawing/2014/main" id="{492CEE41-CF2A-40DD-AD83-AE133587F918}"/>
+                  </a:ext>
+                </a:extLst>
+              </p:cNvPr>
+              <p:cNvSpPr txBox="1"/>
+              <p:nvPr/>
+            </p:nvSpPr>
+            <p:spPr>
+              <a:xfrm>
+                <a:off x="-24171244" y="6981392"/>
+                <a:ext cx="7084568" cy="930768"/>
+              </a:xfrm>
+              <a:prstGeom prst="rect">
+                <a:avLst/>
+              </a:prstGeom>
+              <a:solidFill>
+                <a:schemeClr val="bg1">
+                  <a:lumMod val="95000"/>
+                </a:schemeClr>
+              </a:solidFill>
+            </p:spPr>
+            <p:txBody>
+              <a:bodyPr wrap="none" lIns="0" tIns="0" rIns="0" bIns="0" rtlCol="0">
+                <a:spAutoFit/>
+              </a:bodyPr>
+              <a:lstStyle/>
+              <a:p>
+                <a:pPr/>
+                <a14:m>
+                  <m:oMathPara xmlns:m="http://schemas.openxmlformats.org/officeDocument/2006/math">
+                    <m:oMathParaPr>
+                      <m:jc m:val="centerGroup"/>
+                    </m:oMathParaPr>
+                    <m:oMath xmlns:m="http://schemas.openxmlformats.org/officeDocument/2006/math">
+                      <m:sSub>
+                        <m:sSubPr>
+                          <m:ctrlPr>
+                            <a:rPr lang="en-GB" sz="2800" i="1" smtClean="0">
+                              <a:latin typeface="Cambria Math" panose="02040503050406030204" pitchFamily="18" charset="0"/>
+                            </a:rPr>
+                          </m:ctrlPr>
+                        </m:sSubPr>
+                        <m:e>
+                          <m:r>
+                            <a:rPr lang="en-GB" sz="2800" b="0" i="1" smtClean="0">
+                              <a:latin typeface="Cambria Math" panose="02040503050406030204" pitchFamily="18" charset="0"/>
+                            </a:rPr>
+                            <m:t>𝑃𝐸𝐶</m:t>
+                          </m:r>
+                        </m:e>
+                        <m:sub>
+                          <m:r>
+                            <a:rPr lang="en-GB" sz="2800" b="0" i="1" smtClean="0">
+                              <a:latin typeface="Cambria Math" panose="02040503050406030204" pitchFamily="18" charset="0"/>
+                            </a:rPr>
+                            <m:t>𝑒𝑓𝑓𝑙𝑢𝑒𝑛𝑡</m:t>
+                          </m:r>
+                        </m:sub>
+                      </m:sSub>
+                      <m:r>
+                        <a:rPr lang="en-GB" sz="2800" b="0" i="1" smtClean="0">
+                          <a:latin typeface="Cambria Math" panose="02040503050406030204" pitchFamily="18" charset="0"/>
+                        </a:rPr>
+                        <m:t>=</m:t>
+                      </m:r>
+                    </m:oMath>
+                  </m:oMathPara>
+                </a14:m>
+                <a:endParaRPr lang="en-GB" sz="2800" b="0" i="1" dirty="0">
+                  <a:latin typeface="Cambria Math" panose="02040503050406030204" pitchFamily="18" charset="0"/>
+                </a:endParaRPr>
+              </a:p>
+              <a:p>
+                <a14:m>
+                  <m:oMath xmlns:m="http://schemas.openxmlformats.org/officeDocument/2006/math">
+                    <m:sSub>
+                      <m:sSubPr>
+                        <m:ctrlPr>
+                          <a:rPr lang="en-GB" sz="2800" i="1">
+                            <a:latin typeface="Cambria Math" panose="02040503050406030204" pitchFamily="18" charset="0"/>
+                          </a:rPr>
+                        </m:ctrlPr>
+                      </m:sSubPr>
+                      <m:e>
+                        <m:r>
+                          <a:rPr lang="en-GB" sz="2800" i="1">
+                            <a:latin typeface="Cambria Math" panose="02040503050406030204" pitchFamily="18" charset="0"/>
+                          </a:rPr>
+                          <m:t>𝑃𝐸𝐶</m:t>
+                        </m:r>
+                      </m:e>
+                      <m:sub>
+                        <m:r>
+                          <a:rPr lang="en-GB" sz="2800" i="1">
+                            <a:latin typeface="Cambria Math" panose="02040503050406030204" pitchFamily="18" charset="0"/>
+                          </a:rPr>
+                          <m:t>𝑖𝑛𝑓𝑙𝑢𝑒𝑛𝑡</m:t>
+                        </m:r>
+                      </m:sub>
+                    </m:sSub>
+                    <m:r>
+                      <a:rPr lang="en-GB" sz="2800" b="0" i="1" smtClean="0">
+                        <a:latin typeface="Cambria Math" panose="02040503050406030204" pitchFamily="18" charset="0"/>
+                      </a:rPr>
+                      <m:t> </m:t>
+                    </m:r>
+                    <m:r>
+                      <a:rPr lang="en-GB" sz="2800" b="0" i="1" smtClean="0">
+                        <a:latin typeface="Cambria Math" panose="02040503050406030204" pitchFamily="18" charset="0"/>
+                        <a:ea typeface="Cambria Math" panose="02040503050406030204" pitchFamily="18" charset="0"/>
+                      </a:rPr>
+                      <m:t>×(1−</m:t>
+                    </m:r>
+                    <m:r>
+                      <a:rPr lang="en-GB" sz="2800" b="0" i="1" smtClean="0">
+                        <a:latin typeface="Cambria Math" panose="02040503050406030204" pitchFamily="18" charset="0"/>
+                        <a:ea typeface="Cambria Math" panose="02040503050406030204" pitchFamily="18" charset="0"/>
+                      </a:rPr>
+                      <m:t>𝑀𝑒𝑑𝑖𝑐𝑖𝑛𝑒</m:t>
+                    </m:r>
+                    <m:r>
+                      <a:rPr lang="en-GB" sz="2800" b="0" i="1" smtClean="0">
+                        <a:latin typeface="Cambria Math" panose="02040503050406030204" pitchFamily="18" charset="0"/>
+                        <a:ea typeface="Cambria Math" panose="02040503050406030204" pitchFamily="18" charset="0"/>
+                      </a:rPr>
+                      <m:t> </m:t>
+                    </m:r>
+                    <m:r>
+                      <a:rPr lang="en-GB" sz="2800" b="0" i="1" smtClean="0">
+                        <a:latin typeface="Cambria Math" panose="02040503050406030204" pitchFamily="18" charset="0"/>
+                        <a:ea typeface="Cambria Math" panose="02040503050406030204" pitchFamily="18" charset="0"/>
+                      </a:rPr>
+                      <m:t>𝑅𝑒𝑚𝑜𝑣𝑎𝑙</m:t>
+                    </m:r>
+                    <m:r>
+                      <a:rPr lang="en-GB" sz="2800" b="0" i="1" smtClean="0">
+                        <a:latin typeface="Cambria Math" panose="02040503050406030204" pitchFamily="18" charset="0"/>
+                        <a:ea typeface="Cambria Math" panose="02040503050406030204" pitchFamily="18" charset="0"/>
+                      </a:rPr>
+                      <m:t> </m:t>
+                    </m:r>
+                    <m:r>
+                      <a:rPr lang="en-GB" sz="2800" b="0" i="1" smtClean="0">
+                        <a:latin typeface="Cambria Math" panose="02040503050406030204" pitchFamily="18" charset="0"/>
+                        <a:ea typeface="Cambria Math" panose="02040503050406030204" pitchFamily="18" charset="0"/>
+                      </a:rPr>
+                      <m:t>𝑅𝑎𝑡𝑒</m:t>
+                    </m:r>
+                    <m:r>
+                      <a:rPr lang="en-GB" sz="2800" b="0" i="1" smtClean="0">
+                        <a:latin typeface="Cambria Math" panose="02040503050406030204" pitchFamily="18" charset="0"/>
+                        <a:ea typeface="Cambria Math" panose="02040503050406030204" pitchFamily="18" charset="0"/>
+                      </a:rPr>
+                      <m:t>)</m:t>
+                    </m:r>
+                  </m:oMath>
+                </a14:m>
+                <a:r>
+                  <a:rPr lang="en-GB" sz="2800" dirty="0"/>
+                  <a:t> </a:t>
+                </a:r>
+              </a:p>
+            </p:txBody>
+          </p:sp>
+        </mc:Choice>
+        <mc:Fallback>
+          <p:sp>
+            <p:nvSpPr>
+              <p:cNvPr id="107" name="TextBox 106">
+                <a:extLst>
+                  <a:ext uri="{FF2B5EF4-FFF2-40B4-BE49-F238E27FC236}">
+                    <a16:creationId xmlns:a16="http://schemas.microsoft.com/office/drawing/2014/main" id="{492CEE41-CF2A-40DD-AD83-AE133587F918}"/>
+                  </a:ext>
+                </a:extLst>
+              </p:cNvPr>
+              <p:cNvSpPr txBox="1">
+                <a:spLocks noRot="1" noChangeAspect="1" noMove="1" noResize="1" noEditPoints="1" noAdjustHandles="1" noChangeArrowheads="1" noChangeShapeType="1" noTextEdit="1"/>
+              </p:cNvSpPr>
+              <p:nvPr/>
+            </p:nvSpPr>
+            <p:spPr>
+              <a:xfrm>
+                <a:off x="-24171244" y="6981392"/>
+                <a:ext cx="7084568" cy="930768"/>
+              </a:xfrm>
+              <a:prstGeom prst="rect">
+                <a:avLst/>
+              </a:prstGeom>
+              <a:blipFill>
+                <a:blip r:embed="rId17"/>
+                <a:stretch>
+                  <a:fillRect/>
+                </a:stretch>
+              </a:blipFill>
+            </p:spPr>
+            <p:txBody>
+              <a:bodyPr/>
+              <a:lstStyle/>
+              <a:p>
+                <a:r>
+                  <a:rPr lang="en-GB">
+                    <a:noFill/>
+                  </a:rPr>
+                  <a:t> </a:t>
+                </a:r>
+              </a:p>
+            </p:txBody>
+          </p:sp>
+        </mc:Fallback>
+      </mc:AlternateContent>
+      <mc:AlternateContent xmlns:mc="http://schemas.openxmlformats.org/markup-compatibility/2006">
+        <mc:Choice xmlns:a14="http://schemas.microsoft.com/office/drawing/2010/main" Requires="a14">
+          <p:sp>
+            <p:nvSpPr>
+              <p:cNvPr id="108" name="TextBox 107">
+                <a:extLst>
+                  <a:ext uri="{FF2B5EF4-FFF2-40B4-BE49-F238E27FC236}">
+                    <a16:creationId xmlns:a16="http://schemas.microsoft.com/office/drawing/2014/main" id="{EBC01BC7-F38D-4EA0-87AC-EE225FA0B84B}"/>
+                  </a:ext>
+                </a:extLst>
+              </p:cNvPr>
+              <p:cNvSpPr txBox="1"/>
+              <p:nvPr/>
+            </p:nvSpPr>
+            <p:spPr>
+              <a:xfrm>
+                <a:off x="-22860482" y="8853899"/>
+                <a:ext cx="5681876" cy="821892"/>
+              </a:xfrm>
+              <a:prstGeom prst="rect">
+                <a:avLst/>
+              </a:prstGeom>
+              <a:solidFill>
+                <a:schemeClr val="bg1">
+                  <a:lumMod val="95000"/>
+                </a:schemeClr>
+              </a:solidFill>
+            </p:spPr>
+            <p:txBody>
+              <a:bodyPr wrap="none" lIns="0" tIns="0" rIns="0" bIns="0" rtlCol="0">
+                <a:spAutoFit/>
+              </a:bodyPr>
+              <a:lstStyle/>
+              <a:p>
+                <a:pPr/>
+                <a14:m>
+                  <m:oMathPara xmlns:m="http://schemas.openxmlformats.org/officeDocument/2006/math">
+                    <m:oMathParaPr>
+                      <m:jc m:val="centerGroup"/>
+                    </m:oMathParaPr>
+                    <m:oMath xmlns:m="http://schemas.openxmlformats.org/officeDocument/2006/math">
+                      <m:sSub>
+                        <m:sSubPr>
+                          <m:ctrlPr>
+                            <a:rPr lang="en-GB" sz="2800" i="1" smtClean="0">
+                              <a:latin typeface="Cambria Math" panose="02040503050406030204" pitchFamily="18" charset="0"/>
+                            </a:rPr>
+                          </m:ctrlPr>
+                        </m:sSubPr>
+                        <m:e>
+                          <m:r>
+                            <a:rPr lang="en-GB" sz="2800" b="0" i="1" smtClean="0">
+                              <a:latin typeface="Cambria Math" panose="02040503050406030204" pitchFamily="18" charset="0"/>
+                            </a:rPr>
+                            <m:t>𝑃𝐸𝐶</m:t>
+                          </m:r>
+                        </m:e>
+                        <m:sub>
+                          <m:r>
+                            <a:rPr lang="en-GB" sz="2800" b="0" i="1" smtClean="0">
+                              <a:latin typeface="Cambria Math" panose="02040503050406030204" pitchFamily="18" charset="0"/>
+                            </a:rPr>
+                            <m:t>𝑠𝑢𝑟𝑓𝑎𝑐𝑒</m:t>
+                          </m:r>
+                          <m:r>
+                            <a:rPr lang="en-GB" sz="2800" b="0" i="1" smtClean="0">
+                              <a:latin typeface="Cambria Math" panose="02040503050406030204" pitchFamily="18" charset="0"/>
+                            </a:rPr>
+                            <m:t> </m:t>
+                          </m:r>
+                          <m:r>
+                            <a:rPr lang="en-GB" sz="2800" b="0" i="1" smtClean="0">
+                              <a:latin typeface="Cambria Math" panose="02040503050406030204" pitchFamily="18" charset="0"/>
+                            </a:rPr>
+                            <m:t>𝑤𝑎𝑡𝑒𝑟</m:t>
+                          </m:r>
+                        </m:sub>
+                      </m:sSub>
+                      <m:r>
+                        <a:rPr lang="en-GB" sz="2800" b="0" i="1" smtClean="0">
+                          <a:latin typeface="Cambria Math" panose="02040503050406030204" pitchFamily="18" charset="0"/>
+                        </a:rPr>
+                        <m:t>= </m:t>
+                      </m:r>
+                      <m:f>
+                        <m:fPr>
+                          <m:ctrlPr>
+                            <a:rPr lang="en-GB" sz="2800" b="0" i="1" smtClean="0">
+                              <a:latin typeface="Cambria Math" panose="02040503050406030204" pitchFamily="18" charset="0"/>
+                              <a:ea typeface="Cambria Math" panose="02040503050406030204" pitchFamily="18" charset="0"/>
+                            </a:rPr>
+                          </m:ctrlPr>
+                        </m:fPr>
+                        <m:num>
+                          <m:sSub>
+                            <m:sSubPr>
+                              <m:ctrlPr>
+                                <a:rPr lang="en-GB" sz="2800" i="1">
+                                  <a:latin typeface="Cambria Math" panose="02040503050406030204" pitchFamily="18" charset="0"/>
+                                </a:rPr>
+                              </m:ctrlPr>
+                            </m:sSubPr>
+                            <m:e>
+                              <m:r>
+                                <a:rPr lang="en-GB" sz="2800" i="1">
+                                  <a:latin typeface="Cambria Math" panose="02040503050406030204" pitchFamily="18" charset="0"/>
+                                </a:rPr>
+                                <m:t>𝑃𝐸𝐶</m:t>
+                              </m:r>
+                            </m:e>
+                            <m:sub>
+                              <m:r>
+                                <a:rPr lang="en-GB" sz="2800" i="1">
+                                  <a:latin typeface="Cambria Math" panose="02040503050406030204" pitchFamily="18" charset="0"/>
+                                </a:rPr>
+                                <m:t>𝑖𝑛𝑓𝑙𝑢𝑒𝑛𝑡</m:t>
+                              </m:r>
+                            </m:sub>
+                          </m:sSub>
+                        </m:num>
+                        <m:den>
+                          <m:r>
+                            <a:rPr lang="en-GB" sz="2800" i="1">
+                              <a:latin typeface="Cambria Math" panose="02040503050406030204" pitchFamily="18" charset="0"/>
+                              <a:ea typeface="Cambria Math" panose="02040503050406030204" pitchFamily="18" charset="0"/>
+                            </a:rPr>
+                            <m:t>𝐷𝑖𝑙𝑢𝑡𝑖𝑜𝑛</m:t>
+                          </m:r>
+                          <m:r>
+                            <a:rPr lang="en-GB" sz="2800" i="1">
+                              <a:latin typeface="Cambria Math" panose="02040503050406030204" pitchFamily="18" charset="0"/>
+                              <a:ea typeface="Cambria Math" panose="02040503050406030204" pitchFamily="18" charset="0"/>
+                            </a:rPr>
+                            <m:t> </m:t>
+                          </m:r>
+                          <m:r>
+                            <a:rPr lang="en-GB" sz="2800" i="1">
+                              <a:latin typeface="Cambria Math" panose="02040503050406030204" pitchFamily="18" charset="0"/>
+                              <a:ea typeface="Cambria Math" panose="02040503050406030204" pitchFamily="18" charset="0"/>
+                            </a:rPr>
+                            <m:t>𝐹𝑎𝑐𝑡𝑜𝑟</m:t>
+                          </m:r>
+                        </m:den>
+                      </m:f>
+                    </m:oMath>
+                  </m:oMathPara>
+                </a14:m>
+                <a:endParaRPr lang="en-GB" sz="2800" dirty="0"/>
+              </a:p>
+            </p:txBody>
+          </p:sp>
+        </mc:Choice>
+        <mc:Fallback>
+          <p:sp>
+            <p:nvSpPr>
+              <p:cNvPr id="108" name="TextBox 107">
+                <a:extLst>
+                  <a:ext uri="{FF2B5EF4-FFF2-40B4-BE49-F238E27FC236}">
+                    <a16:creationId xmlns:a16="http://schemas.microsoft.com/office/drawing/2014/main" id="{EBC01BC7-F38D-4EA0-87AC-EE225FA0B84B}"/>
+                  </a:ext>
+                </a:extLst>
+              </p:cNvPr>
+              <p:cNvSpPr txBox="1">
+                <a:spLocks noRot="1" noChangeAspect="1" noMove="1" noResize="1" noEditPoints="1" noAdjustHandles="1" noChangeArrowheads="1" noChangeShapeType="1" noTextEdit="1"/>
+              </p:cNvSpPr>
+              <p:nvPr/>
+            </p:nvSpPr>
+            <p:spPr>
+              <a:xfrm>
+                <a:off x="-22860482" y="8853899"/>
+                <a:ext cx="5681876" cy="821892"/>
+              </a:xfrm>
+              <a:prstGeom prst="rect">
+                <a:avLst/>
+              </a:prstGeom>
+              <a:blipFill>
+                <a:blip r:embed="rId18"/>
+                <a:stretch>
+                  <a:fillRect/>
+                </a:stretch>
+              </a:blipFill>
+            </p:spPr>
+            <p:txBody>
+              <a:bodyPr/>
+              <a:lstStyle/>
+              <a:p>
+                <a:r>
+                  <a:rPr lang="en-GB">
+                    <a:noFill/>
+                  </a:rPr>
+                  <a:t> </a:t>
+                </a:r>
+              </a:p>
+            </p:txBody>
+          </p:sp>
+        </mc:Fallback>
+      </mc:AlternateContent>
+      <p:grpSp>
+        <p:nvGrpSpPr>
+          <p:cNvPr id="32" name="Group 31">
+            <a:extLst>
+              <a:ext uri="{FF2B5EF4-FFF2-40B4-BE49-F238E27FC236}">
+                <a16:creationId xmlns:a16="http://schemas.microsoft.com/office/drawing/2014/main" id="{E2C6DEDD-EBF1-4E5F-AD38-885229B0FC48}"/>
+              </a:ext>
+            </a:extLst>
+          </p:cNvPr>
+          <p:cNvGrpSpPr/>
+          <p:nvPr/>
+        </p:nvGrpSpPr>
+        <p:grpSpPr>
+          <a:xfrm>
+            <a:off x="-10186553" y="8817790"/>
+            <a:ext cx="4271773" cy="954107"/>
+            <a:chOff x="8376320" y="9600038"/>
+            <a:chExt cx="4271773" cy="954107"/>
+          </a:xfrm>
+        </p:grpSpPr>
+        <p:sp>
+          <p:nvSpPr>
+            <p:cNvPr id="110" name="TextBox 109">
+              <a:extLst>
+                <a:ext uri="{FF2B5EF4-FFF2-40B4-BE49-F238E27FC236}">
+                  <a16:creationId xmlns:a16="http://schemas.microsoft.com/office/drawing/2014/main" id="{5309850E-E948-4AE3-8D15-7D2429918AB7}"/>
+                </a:ext>
+              </a:extLst>
+            </p:cNvPr>
+            <p:cNvSpPr txBox="1"/>
+            <p:nvPr/>
+          </p:nvSpPr>
+          <p:spPr>
+            <a:xfrm>
+              <a:off x="8376320" y="9815481"/>
+              <a:ext cx="663770" cy="523220"/>
+            </a:xfrm>
+            <a:prstGeom prst="rect">
+              <a:avLst/>
+            </a:prstGeom>
+            <a:noFill/>
+          </p:spPr>
+          <p:txBody>
+            <a:bodyPr wrap="square" rtlCol="0">
+              <a:spAutoFit/>
+            </a:bodyPr>
+            <a:lstStyle/>
+            <a:p>
+              <a:r>
+                <a:rPr lang="en-GB" sz="2800" b="1" dirty="0">
+                  <a:latin typeface="Arial" panose="020B0604020202020204" pitchFamily="34" charset="0"/>
+                  <a:cs typeface="Arial" panose="020B0604020202020204" pitchFamily="34" charset="0"/>
+                </a:rPr>
+                <a:t>m)</a:t>
+              </a:r>
+            </a:p>
+          </p:txBody>
+        </p:sp>
+        <p:grpSp>
+          <p:nvGrpSpPr>
+            <p:cNvPr id="29" name="Group 28">
+              <a:extLst>
+                <a:ext uri="{FF2B5EF4-FFF2-40B4-BE49-F238E27FC236}">
+                  <a16:creationId xmlns:a16="http://schemas.microsoft.com/office/drawing/2014/main" id="{C16C41E8-D25F-4166-AE90-04456E33EDCB}"/>
+                </a:ext>
+              </a:extLst>
+            </p:cNvPr>
+            <p:cNvGrpSpPr/>
+            <p:nvPr/>
+          </p:nvGrpSpPr>
+          <p:grpSpPr>
+            <a:xfrm>
+              <a:off x="9075440" y="9600038"/>
+              <a:ext cx="3572653" cy="954107"/>
+              <a:chOff x="9075440" y="9600038"/>
+              <a:chExt cx="3572653" cy="954107"/>
+            </a:xfrm>
+          </p:grpSpPr>
+          <p:grpSp>
+            <p:nvGrpSpPr>
+              <p:cNvPr id="8" name="Group 7">
+                <a:extLst>
+                  <a:ext uri="{FF2B5EF4-FFF2-40B4-BE49-F238E27FC236}">
+                    <a16:creationId xmlns:a16="http://schemas.microsoft.com/office/drawing/2014/main" id="{AB77D1FB-AE29-48CE-9700-6AB9A4438A6A}"/>
+                  </a:ext>
+                </a:extLst>
+              </p:cNvPr>
+              <p:cNvGrpSpPr/>
+              <p:nvPr/>
+            </p:nvGrpSpPr>
+            <p:grpSpPr>
+              <a:xfrm>
+                <a:off x="9075440" y="9698203"/>
+                <a:ext cx="715428" cy="757776"/>
+                <a:chOff x="9018471" y="9582113"/>
+                <a:chExt cx="715428" cy="757776"/>
+              </a:xfrm>
+            </p:grpSpPr>
+            <p:sp>
+              <p:nvSpPr>
+                <p:cNvPr id="7" name="Partial Circle 6">
+                  <a:extLst>
+                    <a:ext uri="{FF2B5EF4-FFF2-40B4-BE49-F238E27FC236}">
+                      <a16:creationId xmlns:a16="http://schemas.microsoft.com/office/drawing/2014/main" id="{BDFEBDAC-53FC-462D-9966-6DC340AA7518}"/>
+                    </a:ext>
+                  </a:extLst>
+                </p:cNvPr>
+                <p:cNvSpPr/>
+                <p:nvPr/>
+              </p:nvSpPr>
+              <p:spPr>
+                <a:xfrm>
+                  <a:off x="9018471" y="9645305"/>
+                  <a:ext cx="694584" cy="694584"/>
+                </a:xfrm>
+                <a:prstGeom prst="pie">
+                  <a:avLst>
+                    <a:gd name="adj1" fmla="val 18215076"/>
+                    <a:gd name="adj2" fmla="val 16200000"/>
+                  </a:avLst>
+                </a:prstGeom>
+                <a:solidFill>
+                  <a:srgbClr val="99EEFF"/>
+                </a:solidFill>
+                <a:ln>
+                  <a:noFill/>
+                </a:ln>
+              </p:spPr>
+              <p:style>
+                <a:lnRef idx="2">
+                  <a:schemeClr val="accent1">
+                    <a:shade val="50000"/>
+                  </a:schemeClr>
+                </a:lnRef>
+                <a:fillRef idx="1">
+                  <a:schemeClr val="accent1"/>
+                </a:fillRef>
+                <a:effectRef idx="0">
+                  <a:schemeClr val="accent1"/>
+                </a:effectRef>
+                <a:fontRef idx="minor">
+                  <a:schemeClr val="lt1"/>
+                </a:fontRef>
+              </p:style>
+              <p:txBody>
+                <a:bodyPr rtlCol="0" anchor="ctr"/>
+                <a:lstStyle/>
+                <a:p>
+                  <a:pPr algn="ctr"/>
+                  <a:endParaRPr lang="en-GB">
+                    <a:solidFill>
+                      <a:schemeClr val="tx1"/>
+                    </a:solidFill>
+                  </a:endParaRPr>
+                </a:p>
+              </p:txBody>
+            </p:sp>
+            <p:sp>
+              <p:nvSpPr>
+                <p:cNvPr id="109" name="Partial Circle 108">
+                  <a:extLst>
+                    <a:ext uri="{FF2B5EF4-FFF2-40B4-BE49-F238E27FC236}">
+                      <a16:creationId xmlns:a16="http://schemas.microsoft.com/office/drawing/2014/main" id="{67AA2C7D-3513-4D83-84B2-E6DA96E43674}"/>
+                    </a:ext>
+                  </a:extLst>
+                </p:cNvPr>
+                <p:cNvSpPr/>
+                <p:nvPr/>
+              </p:nvSpPr>
+              <p:spPr>
+                <a:xfrm>
+                  <a:off x="9039315" y="9582113"/>
+                  <a:ext cx="694584" cy="694584"/>
+                </a:xfrm>
+                <a:prstGeom prst="pie">
+                  <a:avLst>
+                    <a:gd name="adj1" fmla="val 16131963"/>
+                    <a:gd name="adj2" fmla="val 18218056"/>
+                  </a:avLst>
+                </a:prstGeom>
+                <a:solidFill>
+                  <a:srgbClr val="B5E6A8"/>
+                </a:solidFill>
+                <a:ln>
+                  <a:noFill/>
+                </a:ln>
+              </p:spPr>
+              <p:style>
+                <a:lnRef idx="2">
+                  <a:schemeClr val="accent1">
+                    <a:shade val="50000"/>
+                  </a:schemeClr>
+                </a:lnRef>
+                <a:fillRef idx="1">
+                  <a:schemeClr val="accent1"/>
+                </a:fillRef>
+                <a:effectRef idx="0">
+                  <a:schemeClr val="accent1"/>
+                </a:effectRef>
+                <a:fontRef idx="minor">
+                  <a:schemeClr val="lt1"/>
+                </a:fontRef>
+              </p:style>
+              <p:txBody>
+                <a:bodyPr rtlCol="0" anchor="ctr"/>
+                <a:lstStyle/>
+                <a:p>
+                  <a:pPr algn="ctr"/>
+                  <a:endParaRPr lang="en-GB">
+                    <a:solidFill>
+                      <a:schemeClr val="tx1"/>
+                    </a:solidFill>
+                  </a:endParaRPr>
+                </a:p>
+              </p:txBody>
+            </p:sp>
+          </p:grpSp>
+          <p:sp>
+            <p:nvSpPr>
+              <p:cNvPr id="112" name="TextBox 111">
+                <a:extLst>
+                  <a:ext uri="{FF2B5EF4-FFF2-40B4-BE49-F238E27FC236}">
+                    <a16:creationId xmlns:a16="http://schemas.microsoft.com/office/drawing/2014/main" id="{0E5993C8-E4B0-4C50-B420-098EB0F3F0A6}"/>
+                  </a:ext>
+                </a:extLst>
+              </p:cNvPr>
+              <p:cNvSpPr txBox="1"/>
+              <p:nvPr/>
+            </p:nvSpPr>
+            <p:spPr>
+              <a:xfrm>
+                <a:off x="9927476" y="9600038"/>
+                <a:ext cx="2720617" cy="954107"/>
+              </a:xfrm>
+              <a:prstGeom prst="rect">
+                <a:avLst/>
+              </a:prstGeom>
+              <a:noFill/>
+            </p:spPr>
+            <p:txBody>
+              <a:bodyPr wrap="none" rtlCol="0">
+                <a:spAutoFit/>
+              </a:bodyPr>
+              <a:lstStyle/>
+              <a:p>
+                <a:r>
+                  <a:rPr lang="en-GB" sz="2800" b="1" dirty="0">
+                    <a:latin typeface="Arial" panose="020B0604020202020204" pitchFamily="34" charset="0"/>
+                    <a:cs typeface="Arial" panose="020B0604020202020204" pitchFamily="34" charset="0"/>
+                  </a:rPr>
+                  <a:t>Dilution Factor</a:t>
+                </a:r>
+              </a:p>
+              <a:p>
+                <a:r>
+                  <a:rPr lang="en-GB" sz="2800" dirty="0">
+                    <a:latin typeface="Arial" panose="020B0604020202020204" pitchFamily="34" charset="0"/>
+                    <a:cs typeface="Arial" panose="020B0604020202020204" pitchFamily="34" charset="0"/>
+                  </a:rPr>
+                  <a:t>Fixed (10)</a:t>
+                </a:r>
+              </a:p>
+            </p:txBody>
+          </p:sp>
+        </p:grpSp>
+      </p:grpSp>
+      <mc:AlternateContent xmlns:mc="http://schemas.openxmlformats.org/markup-compatibility/2006">
+        <mc:Choice xmlns:a14="http://schemas.microsoft.com/office/drawing/2010/main" Requires="a14">
+          <p:sp>
+            <p:nvSpPr>
+              <p:cNvPr id="113" name="TextBox 112">
+                <a:extLst>
+                  <a:ext uri="{FF2B5EF4-FFF2-40B4-BE49-F238E27FC236}">
+                    <a16:creationId xmlns:a16="http://schemas.microsoft.com/office/drawing/2014/main" id="{89F3A573-91C8-4026-8D24-3E525D4D8D11}"/>
+                  </a:ext>
+                </a:extLst>
+              </p:cNvPr>
+              <p:cNvSpPr txBox="1"/>
+              <p:nvPr/>
+            </p:nvSpPr>
+            <p:spPr>
+              <a:xfrm>
+                <a:off x="-22949899" y="10575003"/>
+                <a:ext cx="5785302" cy="943143"/>
+              </a:xfrm>
+              <a:prstGeom prst="rect">
+                <a:avLst/>
+              </a:prstGeom>
+              <a:solidFill>
+                <a:schemeClr val="bg1">
+                  <a:lumMod val="95000"/>
+                </a:schemeClr>
+              </a:solidFill>
+            </p:spPr>
+            <p:txBody>
+              <a:bodyPr wrap="none" lIns="0" tIns="0" rIns="0" bIns="0" rtlCol="0">
+                <a:spAutoFit/>
+              </a:bodyPr>
+              <a:lstStyle/>
+              <a:p>
+                <a:pPr/>
+                <a14:m>
+                  <m:oMathPara xmlns:m="http://schemas.openxmlformats.org/officeDocument/2006/math">
+                    <m:oMathParaPr>
+                      <m:jc m:val="centerGroup"/>
+                    </m:oMathParaPr>
+                    <m:oMath xmlns:m="http://schemas.openxmlformats.org/officeDocument/2006/math">
+                      <m:sSub>
+                        <m:sSubPr>
+                          <m:ctrlPr>
+                            <a:rPr lang="en-GB" sz="2800" i="1" smtClean="0">
+                              <a:latin typeface="Cambria Math" panose="02040503050406030204" pitchFamily="18" charset="0"/>
+                            </a:rPr>
+                          </m:ctrlPr>
+                        </m:sSubPr>
+                        <m:e>
+                          <m:r>
+                            <a:rPr lang="en-GB" sz="2800" b="0" i="1" smtClean="0">
+                              <a:latin typeface="Cambria Math" panose="02040503050406030204" pitchFamily="18" charset="0"/>
+                            </a:rPr>
+                            <m:t>𝑅𝑄</m:t>
+                          </m:r>
+                        </m:e>
+                        <m:sub>
+                          <m:r>
+                            <a:rPr lang="en-GB" sz="2800" b="0" i="1" smtClean="0">
+                              <a:latin typeface="Cambria Math" panose="02040503050406030204" pitchFamily="18" charset="0"/>
+                            </a:rPr>
+                            <m:t>𝑠𝑢𝑟𝑓𝑎𝑐𝑒</m:t>
+                          </m:r>
+                          <m:r>
+                            <a:rPr lang="en-GB" sz="2800" b="0" i="1" smtClean="0">
+                              <a:latin typeface="Cambria Math" panose="02040503050406030204" pitchFamily="18" charset="0"/>
+                            </a:rPr>
+                            <m:t> </m:t>
+                          </m:r>
+                          <m:r>
+                            <a:rPr lang="en-GB" sz="2800" b="0" i="1" smtClean="0">
+                              <a:latin typeface="Cambria Math" panose="02040503050406030204" pitchFamily="18" charset="0"/>
+                            </a:rPr>
+                            <m:t>𝑤𝑎𝑡𝑒𝑟</m:t>
+                          </m:r>
+                        </m:sub>
+                      </m:sSub>
+                      <m:r>
+                        <a:rPr lang="en-GB" sz="2800" b="0" i="1" smtClean="0">
+                          <a:latin typeface="Cambria Math" panose="02040503050406030204" pitchFamily="18" charset="0"/>
+                        </a:rPr>
+                        <m:t>= </m:t>
+                      </m:r>
+                      <m:f>
+                        <m:fPr>
+                          <m:ctrlPr>
+                            <a:rPr lang="en-GB" sz="2800" b="0" i="1" smtClean="0">
+                              <a:latin typeface="Cambria Math" panose="02040503050406030204" pitchFamily="18" charset="0"/>
+                              <a:ea typeface="Cambria Math" panose="02040503050406030204" pitchFamily="18" charset="0"/>
+                            </a:rPr>
+                          </m:ctrlPr>
+                        </m:fPr>
+                        <m:num>
+                          <m:sSub>
+                            <m:sSubPr>
+                              <m:ctrlPr>
+                                <a:rPr lang="en-GB" sz="2800" i="1">
+                                  <a:latin typeface="Cambria Math" panose="02040503050406030204" pitchFamily="18" charset="0"/>
+                                </a:rPr>
+                              </m:ctrlPr>
+                            </m:sSubPr>
+                            <m:e>
+                              <m:r>
+                                <a:rPr lang="en-GB" sz="2800" i="1">
+                                  <a:latin typeface="Cambria Math" panose="02040503050406030204" pitchFamily="18" charset="0"/>
+                                </a:rPr>
+                                <m:t>𝑃𝐸𝐶</m:t>
+                              </m:r>
+                            </m:e>
+                            <m:sub>
+                              <m:r>
+                                <a:rPr lang="en-GB" sz="2800" i="1">
+                                  <a:latin typeface="Cambria Math" panose="02040503050406030204" pitchFamily="18" charset="0"/>
+                                </a:rPr>
+                                <m:t>𝑠𝑢𝑟𝑓𝑎𝑐𝑒</m:t>
+                              </m:r>
+                              <m:r>
+                                <a:rPr lang="en-GB" sz="2800" i="1">
+                                  <a:latin typeface="Cambria Math" panose="02040503050406030204" pitchFamily="18" charset="0"/>
+                                </a:rPr>
+                                <m:t> </m:t>
+                              </m:r>
+                              <m:r>
+                                <a:rPr lang="en-GB" sz="2800" i="1">
+                                  <a:latin typeface="Cambria Math" panose="02040503050406030204" pitchFamily="18" charset="0"/>
+                                </a:rPr>
+                                <m:t>𝑤𝑎𝑡𝑒𝑟</m:t>
+                              </m:r>
+                            </m:sub>
+                          </m:sSub>
+                        </m:num>
+                        <m:den>
+                          <m:sSub>
+                            <m:sSubPr>
+                              <m:ctrlPr>
+                                <a:rPr lang="en-GB" sz="2800" i="1">
+                                  <a:latin typeface="Cambria Math" panose="02040503050406030204" pitchFamily="18" charset="0"/>
+                                </a:rPr>
+                              </m:ctrlPr>
+                            </m:sSubPr>
+                            <m:e>
+                              <m:r>
+                                <a:rPr lang="en-GB" sz="2800" i="1">
+                                  <a:latin typeface="Cambria Math" panose="02040503050406030204" pitchFamily="18" charset="0"/>
+                                </a:rPr>
+                                <m:t>𝑃</m:t>
+                              </m:r>
+                              <m:r>
+                                <a:rPr lang="en-GB" sz="2800" b="0" i="1" smtClean="0">
+                                  <a:latin typeface="Cambria Math" panose="02040503050406030204" pitchFamily="18" charset="0"/>
+                                </a:rPr>
+                                <m:t>𝑁</m:t>
+                              </m:r>
+                              <m:r>
+                                <a:rPr lang="en-GB" sz="2800" i="1">
+                                  <a:latin typeface="Cambria Math" panose="02040503050406030204" pitchFamily="18" charset="0"/>
+                                </a:rPr>
+                                <m:t>𝐸𝐶</m:t>
+                              </m:r>
+                            </m:e>
+                            <m:sub>
+                              <m:r>
+                                <a:rPr lang="en-GB" sz="2800" i="1">
+                                  <a:latin typeface="Cambria Math" panose="02040503050406030204" pitchFamily="18" charset="0"/>
+                                </a:rPr>
+                                <m:t>𝑠𝑢𝑟𝑓𝑎𝑐𝑒</m:t>
+                              </m:r>
+                              <m:r>
+                                <a:rPr lang="en-GB" sz="2800" i="1">
+                                  <a:latin typeface="Cambria Math" panose="02040503050406030204" pitchFamily="18" charset="0"/>
+                                </a:rPr>
+                                <m:t> </m:t>
+                              </m:r>
+                              <m:r>
+                                <a:rPr lang="en-GB" sz="2800" i="1">
+                                  <a:latin typeface="Cambria Math" panose="02040503050406030204" pitchFamily="18" charset="0"/>
+                                </a:rPr>
+                                <m:t>𝑤𝑎𝑡𝑒𝑟</m:t>
+                              </m:r>
+                            </m:sub>
+                          </m:sSub>
+                        </m:den>
+                      </m:f>
+                    </m:oMath>
+                  </m:oMathPara>
+                </a14:m>
+                <a:endParaRPr lang="en-GB" sz="2800" dirty="0"/>
+              </a:p>
+            </p:txBody>
+          </p:sp>
+        </mc:Choice>
+        <mc:Fallback>
+          <p:sp>
+            <p:nvSpPr>
+              <p:cNvPr id="113" name="TextBox 112">
+                <a:extLst>
+                  <a:ext uri="{FF2B5EF4-FFF2-40B4-BE49-F238E27FC236}">
+                    <a16:creationId xmlns:a16="http://schemas.microsoft.com/office/drawing/2014/main" id="{89F3A573-91C8-4026-8D24-3E525D4D8D11}"/>
+                  </a:ext>
+                </a:extLst>
+              </p:cNvPr>
+              <p:cNvSpPr txBox="1">
+                <a:spLocks noRot="1" noChangeAspect="1" noMove="1" noResize="1" noEditPoints="1" noAdjustHandles="1" noChangeArrowheads="1" noChangeShapeType="1" noTextEdit="1"/>
+              </p:cNvSpPr>
+              <p:nvPr/>
+            </p:nvSpPr>
+            <p:spPr>
+              <a:xfrm>
+                <a:off x="-22949899" y="10575003"/>
+                <a:ext cx="5785302" cy="943143"/>
+              </a:xfrm>
+              <a:prstGeom prst="rect">
+                <a:avLst/>
+              </a:prstGeom>
+              <a:blipFill>
+                <a:blip r:embed="rId19"/>
+                <a:stretch>
+                  <a:fillRect/>
+                </a:stretch>
+              </a:blipFill>
+            </p:spPr>
+            <p:txBody>
+              <a:bodyPr/>
+              <a:lstStyle/>
+              <a:p>
+                <a:r>
+                  <a:rPr lang="en-GB">
+                    <a:noFill/>
+                  </a:rPr>
+                  <a:t> </a:t>
+                </a:r>
+              </a:p>
+            </p:txBody>
+          </p:sp>
+        </mc:Fallback>
+      </mc:AlternateContent>
+      <p:sp>
+        <p:nvSpPr>
+          <p:cNvPr id="114" name="Arrow: Down 113">
+            <a:extLst>
+              <a:ext uri="{FF2B5EF4-FFF2-40B4-BE49-F238E27FC236}">
+                <a16:creationId xmlns:a16="http://schemas.microsoft.com/office/drawing/2014/main" id="{C4223936-1B92-44A4-B9BA-5BFC9D06740B}"/>
+              </a:ext>
+            </a:extLst>
+          </p:cNvPr>
+          <p:cNvSpPr/>
+          <p:nvPr/>
+        </p:nvSpPr>
+        <p:spPr>
+          <a:xfrm rot="19014313" flipH="1">
+            <a:off x="-13374227" y="11763016"/>
+            <a:ext cx="190500" cy="875844"/>
+          </a:xfrm>
+          <a:prstGeom prst="downArrow">
+            <a:avLst>
+              <a:gd name="adj1" fmla="val 23333"/>
+              <a:gd name="adj2" fmla="val 123491"/>
+            </a:avLst>
+          </a:prstGeom>
+          <a:ln>
+            <a:noFill/>
+          </a:ln>
+        </p:spPr>
+        <p:style>
+          <a:lnRef idx="2">
+            <a:schemeClr val="accent3">
+              <a:shade val="50000"/>
+            </a:schemeClr>
+          </a:lnRef>
+          <a:fillRef idx="1">
+            <a:schemeClr val="accent3"/>
+          </a:fillRef>
+          <a:effectRef idx="0">
+            <a:schemeClr val="accent3"/>
+          </a:effectRef>
+          <a:fontRef idx="minor">
+            <a:schemeClr val="lt1"/>
+          </a:fontRef>
+        </p:style>
+        <p:txBody>
+          <a:bodyPr rtlCol="0" anchor="ctr"/>
+          <a:lstStyle/>
+          <a:p>
+            <a:pPr algn="ctr"/>
+            <a:endParaRPr lang="en-GB" dirty="0"/>
+          </a:p>
+        </p:txBody>
+      </p:sp>
+      <p:grpSp>
+        <p:nvGrpSpPr>
+          <p:cNvPr id="54" name="Group 53">
+            <a:extLst>
+              <a:ext uri="{FF2B5EF4-FFF2-40B4-BE49-F238E27FC236}">
+                <a16:creationId xmlns:a16="http://schemas.microsoft.com/office/drawing/2014/main" id="{492A6B88-084B-4BC1-9365-4410C9A31F01}"/>
+              </a:ext>
+            </a:extLst>
+          </p:cNvPr>
+          <p:cNvGrpSpPr/>
+          <p:nvPr/>
+        </p:nvGrpSpPr>
+        <p:grpSpPr>
+          <a:xfrm>
+            <a:off x="-17687352" y="12518864"/>
+            <a:ext cx="3750491" cy="954107"/>
+            <a:chOff x="1683518" y="12957785"/>
+            <a:chExt cx="3750491" cy="954107"/>
+          </a:xfrm>
+        </p:grpSpPr>
+        <p:sp>
+          <p:nvSpPr>
+            <p:cNvPr id="92" name="TextBox 91">
+              <a:extLst>
+                <a:ext uri="{FF2B5EF4-FFF2-40B4-BE49-F238E27FC236}">
+                  <a16:creationId xmlns:a16="http://schemas.microsoft.com/office/drawing/2014/main" id="{6E3095E4-3ACD-4ADF-BCEF-3F81B268D4E9}"/>
+                </a:ext>
+              </a:extLst>
+            </p:cNvPr>
+            <p:cNvSpPr txBox="1"/>
+            <p:nvPr/>
+          </p:nvSpPr>
+          <p:spPr>
+            <a:xfrm>
+              <a:off x="1683518" y="13173228"/>
+              <a:ext cx="609600" cy="523220"/>
+            </a:xfrm>
+            <a:prstGeom prst="rect">
+              <a:avLst/>
+            </a:prstGeom>
+            <a:noFill/>
+          </p:spPr>
+          <p:txBody>
+            <a:bodyPr wrap="square" rtlCol="0">
+              <a:spAutoFit/>
+            </a:bodyPr>
+            <a:lstStyle/>
+            <a:p>
+              <a:r>
+                <a:rPr lang="en-GB" sz="2800" b="1" dirty="0">
+                  <a:latin typeface="Arial" panose="020B0604020202020204" pitchFamily="34" charset="0"/>
+                  <a:cs typeface="Arial" panose="020B0604020202020204" pitchFamily="34" charset="0"/>
+                </a:rPr>
+                <a:t>o)</a:t>
+              </a:r>
+            </a:p>
+          </p:txBody>
+        </p:sp>
+        <p:grpSp>
+          <p:nvGrpSpPr>
+            <p:cNvPr id="51" name="Group 50">
+              <a:extLst>
+                <a:ext uri="{FF2B5EF4-FFF2-40B4-BE49-F238E27FC236}">
+                  <a16:creationId xmlns:a16="http://schemas.microsoft.com/office/drawing/2014/main" id="{87E286E7-FAA6-4BB7-A446-E2B4F466BDA5}"/>
+                </a:ext>
+              </a:extLst>
+            </p:cNvPr>
+            <p:cNvGrpSpPr/>
+            <p:nvPr/>
+          </p:nvGrpSpPr>
+          <p:grpSpPr>
+            <a:xfrm>
+              <a:off x="2293119" y="12957785"/>
+              <a:ext cx="3140890" cy="954107"/>
+              <a:chOff x="2293119" y="12957785"/>
+              <a:chExt cx="3140890" cy="954107"/>
+            </a:xfrm>
+          </p:grpSpPr>
+          <p:sp>
+            <p:nvSpPr>
+              <p:cNvPr id="55" name="TextBox 54">
+                <a:extLst>
+                  <a:ext uri="{FF2B5EF4-FFF2-40B4-BE49-F238E27FC236}">
+                    <a16:creationId xmlns:a16="http://schemas.microsoft.com/office/drawing/2014/main" id="{9951FE14-827F-ADB1-02C0-F7C614B4A792}"/>
+                  </a:ext>
+                </a:extLst>
+              </p:cNvPr>
+              <p:cNvSpPr txBox="1"/>
+              <p:nvPr/>
+            </p:nvSpPr>
+            <p:spPr>
+              <a:xfrm>
+                <a:off x="2973079" y="12957785"/>
+                <a:ext cx="2460930" cy="954107"/>
+              </a:xfrm>
+              <a:prstGeom prst="rect">
+                <a:avLst/>
+              </a:prstGeom>
+              <a:noFill/>
+            </p:spPr>
+            <p:txBody>
+              <a:bodyPr wrap="none" rtlCol="0">
+                <a:spAutoFit/>
+              </a:bodyPr>
+              <a:lstStyle/>
+              <a:p>
+                <a:r>
+                  <a:rPr lang="en-GB" sz="2800" b="1" dirty="0">
+                    <a:latin typeface="Arial" panose="020B0604020202020204" pitchFamily="34" charset="0"/>
+                    <a:cs typeface="Arial" panose="020B0604020202020204" pitchFamily="34" charset="0"/>
+                  </a:rPr>
+                  <a:t>Predicted </a:t>
+                </a:r>
+              </a:p>
+              <a:p>
+                <a:r>
+                  <a:rPr lang="en-GB" sz="2800" b="1" dirty="0">
+                    <a:latin typeface="Arial" panose="020B0604020202020204" pitchFamily="34" charset="0"/>
+                    <a:cs typeface="Arial" panose="020B0604020202020204" pitchFamily="34" charset="0"/>
+                  </a:rPr>
+                  <a:t>Sum of Risks</a:t>
+                </a:r>
+              </a:p>
+            </p:txBody>
+          </p:sp>
+          <p:grpSp>
+            <p:nvGrpSpPr>
+              <p:cNvPr id="16" name="Group 15">
+                <a:extLst>
+                  <a:ext uri="{FF2B5EF4-FFF2-40B4-BE49-F238E27FC236}">
+                    <a16:creationId xmlns:a16="http://schemas.microsoft.com/office/drawing/2014/main" id="{B82D7878-CB5A-4B11-BA2C-AD9D5D4CE122}"/>
+                  </a:ext>
+                </a:extLst>
+              </p:cNvPr>
+              <p:cNvGrpSpPr/>
+              <p:nvPr/>
+            </p:nvGrpSpPr>
+            <p:grpSpPr>
+              <a:xfrm>
+                <a:off x="2293119" y="13111673"/>
+                <a:ext cx="611255" cy="646331"/>
+                <a:chOff x="-2103120" y="12814541"/>
+                <a:chExt cx="611255" cy="646331"/>
+              </a:xfrm>
+            </p:grpSpPr>
+            <p:sp>
+              <p:nvSpPr>
+                <p:cNvPr id="11" name="Rectangle: Rounded Corners 10">
+                  <a:extLst>
+                    <a:ext uri="{FF2B5EF4-FFF2-40B4-BE49-F238E27FC236}">
+                      <a16:creationId xmlns:a16="http://schemas.microsoft.com/office/drawing/2014/main" id="{A67145D0-D72A-4FF6-88A1-EB9544912975}"/>
+                    </a:ext>
+                  </a:extLst>
+                </p:cNvPr>
+                <p:cNvSpPr/>
+                <p:nvPr/>
+              </p:nvSpPr>
+              <p:spPr>
+                <a:xfrm>
+                  <a:off x="-2103120" y="12832080"/>
+                  <a:ext cx="611255" cy="611255"/>
+                </a:xfrm>
+                <a:prstGeom prst="roundRect">
+                  <a:avLst/>
+                </a:prstGeom>
+                <a:solidFill>
+                  <a:srgbClr val="FFC000"/>
+                </a:solidFill>
+                <a:ln>
+                  <a:noFill/>
+                </a:ln>
+              </p:spPr>
+              <p:style>
+                <a:lnRef idx="2">
+                  <a:schemeClr val="accent1">
+                    <a:shade val="50000"/>
+                  </a:schemeClr>
+                </a:lnRef>
+                <a:fillRef idx="1">
+                  <a:schemeClr val="accent1"/>
+                </a:fillRef>
+                <a:effectRef idx="0">
+                  <a:schemeClr val="accent1"/>
+                </a:effectRef>
+                <a:fontRef idx="minor">
+                  <a:schemeClr val="lt1"/>
+                </a:fontRef>
+              </p:style>
+              <p:txBody>
+                <a:bodyPr rtlCol="0" anchor="ctr"/>
+                <a:lstStyle/>
+                <a:p>
+                  <a:pPr algn="ctr"/>
+                  <a:endParaRPr lang="en-GB"/>
+                </a:p>
+              </p:txBody>
+            </p:sp>
+            <p:sp>
+              <p:nvSpPr>
+                <p:cNvPr id="14" name="Rectangle 13">
+                  <a:extLst>
+                    <a:ext uri="{FF2B5EF4-FFF2-40B4-BE49-F238E27FC236}">
+                      <a16:creationId xmlns:a16="http://schemas.microsoft.com/office/drawing/2014/main" id="{3FDFA530-631F-479E-A305-8DE025BDACDE}"/>
+                    </a:ext>
+                  </a:extLst>
+                </p:cNvPr>
+                <p:cNvSpPr/>
+                <p:nvPr/>
+              </p:nvSpPr>
+              <p:spPr>
+                <a:xfrm>
+                  <a:off x="-1998029" y="12814541"/>
+                  <a:ext cx="401072" cy="646331"/>
+                </a:xfrm>
+                <a:prstGeom prst="rect">
+                  <a:avLst/>
+                </a:prstGeom>
+              </p:spPr>
+              <p:txBody>
+                <a:bodyPr wrap="none">
+                  <a:spAutoFit/>
+                </a:bodyPr>
+                <a:lstStyle/>
+                <a:p>
+                  <a:r>
+                    <a:rPr lang="en-GB" sz="3600" b="1" dirty="0">
+                      <a:solidFill>
+                        <a:srgbClr val="E1721F"/>
+                      </a:solidFill>
+                      <a:latin typeface="Arial Rounded MT Bold" panose="020F0704030504030204" pitchFamily="34" charset="0"/>
+                    </a:rPr>
+                    <a:t>Σ</a:t>
+                  </a:r>
+                </a:p>
+              </p:txBody>
+            </p:sp>
+            <p:sp>
+              <p:nvSpPr>
+                <p:cNvPr id="15" name="Arc 14">
+                  <a:extLst>
+                    <a:ext uri="{FF2B5EF4-FFF2-40B4-BE49-F238E27FC236}">
+                      <a16:creationId xmlns:a16="http://schemas.microsoft.com/office/drawing/2014/main" id="{23E7AAF3-8822-49E0-9C4D-DE2254129CD8}"/>
+                    </a:ext>
+                  </a:extLst>
+                </p:cNvPr>
+                <p:cNvSpPr/>
+                <p:nvPr/>
+              </p:nvSpPr>
+              <p:spPr>
+                <a:xfrm>
+                  <a:off x="-1623317" y="12892087"/>
+                  <a:ext cx="78906" cy="78906"/>
+                </a:xfrm>
+                <a:prstGeom prst="arc">
+                  <a:avLst/>
+                </a:prstGeom>
+                <a:ln w="41275" cap="rnd">
+                  <a:solidFill>
+                    <a:schemeClr val="bg1"/>
+                  </a:solidFill>
+                </a:ln>
+              </p:spPr>
+              <p:style>
+                <a:lnRef idx="1">
+                  <a:schemeClr val="accent1"/>
+                </a:lnRef>
+                <a:fillRef idx="0">
+                  <a:schemeClr val="accent1"/>
+                </a:fillRef>
+                <a:effectRef idx="0">
+                  <a:schemeClr val="accent1"/>
+                </a:effectRef>
+                <a:fontRef idx="minor">
+                  <a:schemeClr val="tx1"/>
+                </a:fontRef>
+              </p:style>
+              <p:txBody>
+                <a:bodyPr rtlCol="0" anchor="ctr"/>
+                <a:lstStyle/>
+                <a:p>
+                  <a:pPr algn="ctr"/>
+                  <a:endParaRPr lang="en-GB"/>
+                </a:p>
+              </p:txBody>
+            </p:sp>
+          </p:grpSp>
+        </p:grpSp>
+      </p:grpSp>
+      <p:grpSp>
+        <p:nvGrpSpPr>
+          <p:cNvPr id="53" name="Group 52">
+            <a:extLst>
+              <a:ext uri="{FF2B5EF4-FFF2-40B4-BE49-F238E27FC236}">
+                <a16:creationId xmlns:a16="http://schemas.microsoft.com/office/drawing/2014/main" id="{93C06E14-8BFB-4A11-A246-F666F18A0DAD}"/>
+              </a:ext>
+            </a:extLst>
+          </p:cNvPr>
+          <p:cNvGrpSpPr/>
+          <p:nvPr/>
+        </p:nvGrpSpPr>
+        <p:grpSpPr>
+          <a:xfrm>
+            <a:off x="-13478958" y="12310470"/>
+            <a:ext cx="5331778" cy="1384995"/>
+            <a:chOff x="5888096" y="12742341"/>
+            <a:chExt cx="5331778" cy="1384995"/>
+          </a:xfrm>
+        </p:grpSpPr>
+        <p:sp>
+          <p:nvSpPr>
+            <p:cNvPr id="123" name="TextBox 122">
+              <a:extLst>
+                <a:ext uri="{FF2B5EF4-FFF2-40B4-BE49-F238E27FC236}">
+                  <a16:creationId xmlns:a16="http://schemas.microsoft.com/office/drawing/2014/main" id="{C47F77CE-3843-4A7F-8DAB-959C3FC2A60E}"/>
+                </a:ext>
+              </a:extLst>
+            </p:cNvPr>
+            <p:cNvSpPr txBox="1"/>
+            <p:nvPr/>
+          </p:nvSpPr>
+          <p:spPr>
+            <a:xfrm>
+              <a:off x="5888096" y="13173228"/>
+              <a:ext cx="609600" cy="523220"/>
+            </a:xfrm>
+            <a:prstGeom prst="rect">
+              <a:avLst/>
+            </a:prstGeom>
+            <a:noFill/>
+          </p:spPr>
+          <p:txBody>
+            <a:bodyPr wrap="square" rtlCol="0">
+              <a:spAutoFit/>
+            </a:bodyPr>
+            <a:lstStyle/>
+            <a:p>
+              <a:r>
+                <a:rPr lang="en-GB" sz="2800" b="1" dirty="0">
+                  <a:latin typeface="Arial" panose="020B0604020202020204" pitchFamily="34" charset="0"/>
+                  <a:cs typeface="Arial" panose="020B0604020202020204" pitchFamily="34" charset="0"/>
+                </a:rPr>
+                <a:t>p)</a:t>
+              </a:r>
+            </a:p>
+          </p:txBody>
+        </p:sp>
+        <p:grpSp>
+          <p:nvGrpSpPr>
+            <p:cNvPr id="52" name="Group 51">
+              <a:extLst>
+                <a:ext uri="{FF2B5EF4-FFF2-40B4-BE49-F238E27FC236}">
+                  <a16:creationId xmlns:a16="http://schemas.microsoft.com/office/drawing/2014/main" id="{AD8042EB-CB60-4FCF-A311-5CED2806B0C4}"/>
+                </a:ext>
+              </a:extLst>
+            </p:cNvPr>
+            <p:cNvGrpSpPr/>
+            <p:nvPr/>
+          </p:nvGrpSpPr>
+          <p:grpSpPr>
+            <a:xfrm>
+              <a:off x="6468723" y="12742341"/>
+              <a:ext cx="4751151" cy="1384995"/>
+              <a:chOff x="6468723" y="12742341"/>
+              <a:chExt cx="4751151" cy="1384995"/>
+            </a:xfrm>
+          </p:grpSpPr>
+          <p:sp>
+            <p:nvSpPr>
+              <p:cNvPr id="122" name="TextBox 121">
+                <a:extLst>
+                  <a:ext uri="{FF2B5EF4-FFF2-40B4-BE49-F238E27FC236}">
+                    <a16:creationId xmlns:a16="http://schemas.microsoft.com/office/drawing/2014/main" id="{F4F268FE-C29F-46CA-B56A-8AA6172DA996}"/>
+                  </a:ext>
+                </a:extLst>
+              </p:cNvPr>
+              <p:cNvSpPr txBox="1"/>
+              <p:nvPr/>
+            </p:nvSpPr>
+            <p:spPr>
+              <a:xfrm>
+                <a:off x="7117469" y="12742341"/>
+                <a:ext cx="4102405" cy="1384995"/>
+              </a:xfrm>
+              <a:prstGeom prst="rect">
+                <a:avLst/>
+              </a:prstGeom>
+              <a:noFill/>
+            </p:spPr>
+            <p:txBody>
+              <a:bodyPr wrap="none" rtlCol="0">
+                <a:spAutoFit/>
+              </a:bodyPr>
+              <a:lstStyle/>
+              <a:p>
+                <a:r>
+                  <a:rPr lang="en-GB" sz="2800" b="1" dirty="0">
+                    <a:latin typeface="Arial" panose="020B0604020202020204" pitchFamily="34" charset="0"/>
+                    <a:cs typeface="Arial" panose="020B0604020202020204" pitchFamily="34" charset="0"/>
+                  </a:rPr>
+                  <a:t>Predicted Joint </a:t>
+                </a:r>
+              </a:p>
+              <a:p>
+                <a:r>
+                  <a:rPr lang="en-GB" sz="2800" b="1" dirty="0">
+                    <a:latin typeface="Arial" panose="020B0604020202020204" pitchFamily="34" charset="0"/>
+                    <a:cs typeface="Arial" panose="020B0604020202020204" pitchFamily="34" charset="0"/>
+                  </a:rPr>
+                  <a:t>Probability of Risk</a:t>
+                </a:r>
+              </a:p>
+              <a:p>
+                <a:r>
+                  <a:rPr lang="en-GB" sz="2800" b="1" dirty="0">
+                    <a:latin typeface="Arial" panose="020B0604020202020204" pitchFamily="34" charset="0"/>
+                    <a:cs typeface="Arial" panose="020B0604020202020204" pitchFamily="34" charset="0"/>
+                  </a:rPr>
+                  <a:t>Threshold Exceedance</a:t>
+                </a:r>
+              </a:p>
+            </p:txBody>
+          </p:sp>
+          <p:grpSp>
+            <p:nvGrpSpPr>
+              <p:cNvPr id="124" name="Group 123">
+                <a:extLst>
+                  <a:ext uri="{FF2B5EF4-FFF2-40B4-BE49-F238E27FC236}">
+                    <a16:creationId xmlns:a16="http://schemas.microsoft.com/office/drawing/2014/main" id="{5BD332ED-DEC1-4E50-AE72-6C123775EAEA}"/>
+                  </a:ext>
+                </a:extLst>
+              </p:cNvPr>
+              <p:cNvGrpSpPr/>
+              <p:nvPr/>
+            </p:nvGrpSpPr>
+            <p:grpSpPr>
+              <a:xfrm>
+                <a:off x="6468723" y="13127234"/>
+                <a:ext cx="611255" cy="615208"/>
+                <a:chOff x="-2103120" y="12828127"/>
+                <a:chExt cx="611255" cy="615208"/>
+              </a:xfrm>
+            </p:grpSpPr>
+            <p:sp>
+              <p:nvSpPr>
+                <p:cNvPr id="125" name="Rectangle: Rounded Corners 124">
+                  <a:extLst>
+                    <a:ext uri="{FF2B5EF4-FFF2-40B4-BE49-F238E27FC236}">
+                      <a16:creationId xmlns:a16="http://schemas.microsoft.com/office/drawing/2014/main" id="{D477DAB5-05DF-4966-8FE1-C742ACCD9BB6}"/>
+                    </a:ext>
+                  </a:extLst>
+                </p:cNvPr>
+                <p:cNvSpPr/>
+                <p:nvPr/>
+              </p:nvSpPr>
+              <p:spPr>
+                <a:xfrm>
+                  <a:off x="-2103120" y="12832080"/>
+                  <a:ext cx="611255" cy="611255"/>
+                </a:xfrm>
+                <a:prstGeom prst="roundRect">
+                  <a:avLst/>
+                </a:prstGeom>
+                <a:solidFill>
+                  <a:srgbClr val="FFC080"/>
+                </a:solidFill>
+                <a:ln>
+                  <a:noFill/>
+                </a:ln>
+              </p:spPr>
+              <p:style>
+                <a:lnRef idx="2">
+                  <a:schemeClr val="accent1">
+                    <a:shade val="50000"/>
+                  </a:schemeClr>
+                </a:lnRef>
+                <a:fillRef idx="1">
+                  <a:schemeClr val="accent1"/>
+                </a:fillRef>
+                <a:effectRef idx="0">
+                  <a:schemeClr val="accent1"/>
+                </a:effectRef>
+                <a:fontRef idx="minor">
+                  <a:schemeClr val="lt1"/>
+                </a:fontRef>
+              </p:style>
+              <p:txBody>
+                <a:bodyPr rtlCol="0" anchor="ctr"/>
+                <a:lstStyle/>
+                <a:p>
+                  <a:pPr algn="ctr"/>
+                  <a:endParaRPr lang="en-GB"/>
+                </a:p>
+              </p:txBody>
+            </p:sp>
+            <p:sp>
+              <p:nvSpPr>
+                <p:cNvPr id="126" name="Rectangle 125">
+                  <a:extLst>
+                    <a:ext uri="{FF2B5EF4-FFF2-40B4-BE49-F238E27FC236}">
+                      <a16:creationId xmlns:a16="http://schemas.microsoft.com/office/drawing/2014/main" id="{8C6B6632-9E0D-45E9-A1EA-B1C7EEB81E62}"/>
+                    </a:ext>
+                  </a:extLst>
+                </p:cNvPr>
+                <p:cNvSpPr/>
+                <p:nvPr/>
+              </p:nvSpPr>
+              <p:spPr>
+                <a:xfrm>
+                  <a:off x="-2053227" y="12828127"/>
+                  <a:ext cx="506324" cy="584775"/>
+                </a:xfrm>
+                <a:prstGeom prst="rect">
+                  <a:avLst/>
+                </a:prstGeom>
+              </p:spPr>
+              <p:txBody>
+                <a:bodyPr wrap="square">
+                  <a:spAutoFit/>
+                </a:bodyPr>
+                <a:lstStyle/>
+                <a:p>
+                  <a:r>
+                    <a:rPr lang="en-GB" sz="3200" b="1" dirty="0">
+                      <a:solidFill>
+                        <a:srgbClr val="E1721F"/>
+                      </a:solidFill>
+                      <a:latin typeface="Arial Rounded MT Bold" panose="020F0704030504030204" pitchFamily="34" charset="0"/>
+                    </a:rPr>
+                    <a:t>⋂</a:t>
+                  </a:r>
+                </a:p>
+              </p:txBody>
+            </p:sp>
+            <p:sp>
+              <p:nvSpPr>
+                <p:cNvPr id="127" name="Arc 126">
+                  <a:extLst>
+                    <a:ext uri="{FF2B5EF4-FFF2-40B4-BE49-F238E27FC236}">
+                      <a16:creationId xmlns:a16="http://schemas.microsoft.com/office/drawing/2014/main" id="{ACBB7E80-8534-4431-BCDC-30C8FC103867}"/>
+                    </a:ext>
+                  </a:extLst>
+                </p:cNvPr>
+                <p:cNvSpPr/>
+                <p:nvPr/>
+              </p:nvSpPr>
+              <p:spPr>
+                <a:xfrm>
+                  <a:off x="-1623317" y="12892087"/>
+                  <a:ext cx="78906" cy="78906"/>
+                </a:xfrm>
+                <a:prstGeom prst="arc">
+                  <a:avLst/>
+                </a:prstGeom>
+                <a:ln w="41275" cap="rnd">
+                  <a:solidFill>
+                    <a:schemeClr val="bg1"/>
+                  </a:solidFill>
+                </a:ln>
+              </p:spPr>
+              <p:style>
+                <a:lnRef idx="1">
+                  <a:schemeClr val="accent1"/>
+                </a:lnRef>
+                <a:fillRef idx="0">
+                  <a:schemeClr val="accent1"/>
+                </a:fillRef>
+                <a:effectRef idx="0">
+                  <a:schemeClr val="accent1"/>
+                </a:effectRef>
+                <a:fontRef idx="minor">
+                  <a:schemeClr val="tx1"/>
+                </a:fontRef>
+              </p:style>
+              <p:txBody>
+                <a:bodyPr rtlCol="0" anchor="ctr"/>
+                <a:lstStyle/>
+                <a:p>
+                  <a:pPr algn="ctr"/>
+                  <a:endParaRPr lang="en-GB"/>
+                </a:p>
+              </p:txBody>
+            </p:sp>
+          </p:grpSp>
+        </p:grpSp>
+      </p:grpSp>
+      <mc:AlternateContent xmlns:mc="http://schemas.openxmlformats.org/markup-compatibility/2006">
+        <mc:Choice xmlns:a14="http://schemas.microsoft.com/office/drawing/2010/main" Requires="a14">
+          <p:sp>
+            <p:nvSpPr>
+              <p:cNvPr id="128" name="TextBox 127">
+                <a:extLst>
+                  <a:ext uri="{FF2B5EF4-FFF2-40B4-BE49-F238E27FC236}">
+                    <a16:creationId xmlns:a16="http://schemas.microsoft.com/office/drawing/2014/main" id="{EB99E14E-2448-4D56-8D36-551554C60E2F}"/>
+                  </a:ext>
+                </a:extLst>
+              </p:cNvPr>
+              <p:cNvSpPr txBox="1"/>
+              <p:nvPr/>
+            </p:nvSpPr>
+            <p:spPr>
+              <a:xfrm>
+                <a:off x="-24105481" y="12189847"/>
+                <a:ext cx="6334939" cy="1508746"/>
+              </a:xfrm>
+              <a:prstGeom prst="rect">
+                <a:avLst/>
+              </a:prstGeom>
+              <a:solidFill>
+                <a:schemeClr val="bg1">
+                  <a:lumMod val="95000"/>
+                </a:schemeClr>
+              </a:solidFill>
+            </p:spPr>
+            <p:txBody>
+              <a:bodyPr wrap="none" lIns="0" tIns="0" rIns="0" bIns="0" rtlCol="0">
+                <a:spAutoFit/>
+              </a:bodyPr>
+              <a:lstStyle/>
+              <a:p>
+                <a:pPr/>
+                <a14:m>
+                  <m:oMathPara xmlns:m="http://schemas.openxmlformats.org/officeDocument/2006/math">
+                    <m:oMathParaPr>
+                      <m:jc m:val="centerGroup"/>
+                    </m:oMathParaPr>
+                    <m:oMath xmlns:m="http://schemas.openxmlformats.org/officeDocument/2006/math">
+                      <m:nary>
+                        <m:naryPr>
+                          <m:chr m:val="∑"/>
+                          <m:subHide m:val="on"/>
+                          <m:supHide m:val="on"/>
+                          <m:ctrlPr>
+                            <a:rPr lang="en-GB" sz="2800" b="0" i="1" smtClean="0">
+                              <a:latin typeface="Cambria Math" panose="02040503050406030204" pitchFamily="18" charset="0"/>
+                            </a:rPr>
+                          </m:ctrlPr>
+                        </m:naryPr>
+                        <m:sub/>
+                        <m:sup/>
+                        <m:e>
+                          <m:r>
+                            <a:rPr lang="en-GB" sz="2800" b="0" i="1" smtClean="0">
+                              <a:latin typeface="Cambria Math" panose="02040503050406030204" pitchFamily="18" charset="0"/>
+                            </a:rPr>
+                            <m:t>𝑅𝑄</m:t>
+                          </m:r>
+                        </m:e>
+                      </m:nary>
+                      <m:r>
+                        <a:rPr lang="en-GB" sz="2800" b="0" i="1" smtClean="0">
+                          <a:latin typeface="Cambria Math" panose="02040503050406030204" pitchFamily="18" charset="0"/>
+                        </a:rPr>
+                        <m:t>=</m:t>
+                      </m:r>
+                    </m:oMath>
+                  </m:oMathPara>
+                </a14:m>
+                <a:endParaRPr lang="en-GB" sz="2800" b="0" i="1" dirty="0">
+                  <a:latin typeface="Cambria Math" panose="02040503050406030204" pitchFamily="18" charset="0"/>
+                </a:endParaRPr>
+              </a:p>
+              <a:p>
+                <a:pPr/>
+                <a14:m>
+                  <m:oMathPara xmlns:m="http://schemas.openxmlformats.org/officeDocument/2006/math">
+                    <m:oMathParaPr>
+                      <m:jc m:val="centerGroup"/>
+                    </m:oMathParaPr>
+                    <m:oMath xmlns:m="http://schemas.openxmlformats.org/officeDocument/2006/math">
+                      <m:r>
+                        <a:rPr lang="en-GB" sz="2800" b="0" i="1" smtClean="0">
+                          <a:latin typeface="Cambria Math" panose="02040503050406030204" pitchFamily="18" charset="0"/>
+                        </a:rPr>
+                        <m:t>(</m:t>
+                      </m:r>
+                      <m:sSub>
+                        <m:sSubPr>
+                          <m:ctrlPr>
+                            <a:rPr lang="en-GB" sz="2800" b="0" i="1" smtClean="0">
+                              <a:latin typeface="Cambria Math" panose="02040503050406030204" pitchFamily="18" charset="0"/>
+                            </a:rPr>
+                          </m:ctrlPr>
+                        </m:sSubPr>
+                        <m:e>
+                          <m:r>
+                            <a:rPr lang="en-GB" sz="2800" b="0" i="1" smtClean="0">
+                              <a:latin typeface="Cambria Math" panose="02040503050406030204" pitchFamily="18" charset="0"/>
+                            </a:rPr>
+                            <m:t>𝑅𝑄</m:t>
+                          </m:r>
+                        </m:e>
+                        <m:sub>
+                          <m:r>
+                            <a:rPr lang="en-GB" sz="2800" i="1">
+                              <a:latin typeface="Cambria Math" panose="02040503050406030204" pitchFamily="18" charset="0"/>
+                            </a:rPr>
+                            <m:t>𝑐𝑖𝑝𝑟𝑜𝑓𝑙𝑜𝑥𝑎𝑐𝑖𝑛</m:t>
+                          </m:r>
+                        </m:sub>
+                      </m:sSub>
+                      <m:r>
+                        <a:rPr lang="en-GB" sz="2800" b="0" i="1" smtClean="0">
+                          <a:latin typeface="Cambria Math" panose="02040503050406030204" pitchFamily="18" charset="0"/>
+                        </a:rPr>
+                        <m:t>+</m:t>
+                      </m:r>
+                      <m:d>
+                        <m:dPr>
+                          <m:begChr m:val="["/>
+                          <m:endChr m:val="]"/>
+                          <m:ctrlPr>
+                            <a:rPr lang="en-GB" sz="2800" b="0" i="1" smtClean="0">
+                              <a:latin typeface="Cambria Math" panose="02040503050406030204" pitchFamily="18" charset="0"/>
+                            </a:rPr>
+                          </m:ctrlPr>
+                        </m:dPr>
+                        <m:e>
+                          <m:r>
+                            <a:rPr lang="en-GB" sz="2800" b="0" i="1" smtClean="0">
+                              <a:latin typeface="Cambria Math" panose="02040503050406030204" pitchFamily="18" charset="0"/>
+                            </a:rPr>
+                            <m:t>…</m:t>
+                          </m:r>
+                        </m:e>
+                      </m:d>
+                      <m:r>
+                        <a:rPr lang="en-GB" sz="2800" b="0" i="1" smtClean="0">
+                          <a:latin typeface="Cambria Math" panose="02040503050406030204" pitchFamily="18" charset="0"/>
+                        </a:rPr>
+                        <m:t>+ </m:t>
+                      </m:r>
+                      <m:sSub>
+                        <m:sSubPr>
+                          <m:ctrlPr>
+                            <a:rPr lang="en-GB" sz="2800" b="0" i="1" smtClean="0">
+                              <a:latin typeface="Cambria Math" panose="02040503050406030204" pitchFamily="18" charset="0"/>
+                            </a:rPr>
+                          </m:ctrlPr>
+                        </m:sSubPr>
+                        <m:e>
+                          <m:r>
+                            <a:rPr lang="en-GB" sz="2800" b="0" i="1" smtClean="0">
+                              <a:latin typeface="Cambria Math" panose="02040503050406030204" pitchFamily="18" charset="0"/>
+                            </a:rPr>
+                            <m:t>𝑅𝑄</m:t>
+                          </m:r>
+                        </m:e>
+                        <m:sub>
+                          <m:r>
+                            <a:rPr lang="en-GB" sz="2800" b="0" i="1" smtClean="0">
+                              <a:latin typeface="Cambria Math" panose="02040503050406030204" pitchFamily="18" charset="0"/>
+                            </a:rPr>
+                            <m:t>𝑝𝑎𝑟𝑎𝑐𝑒𝑡𝑎𝑚𝑜𝑙</m:t>
+                          </m:r>
+                        </m:sub>
+                      </m:sSub>
+                      <m:r>
+                        <a:rPr lang="en-GB" sz="2800" b="0" i="1" smtClean="0">
+                          <a:latin typeface="Cambria Math" panose="02040503050406030204" pitchFamily="18" charset="0"/>
+                        </a:rPr>
+                        <m:t>)</m:t>
+                      </m:r>
+                    </m:oMath>
+                  </m:oMathPara>
+                </a14:m>
+                <a:endParaRPr lang="en-GB" sz="2800" dirty="0"/>
+              </a:p>
+            </p:txBody>
+          </p:sp>
+        </mc:Choice>
+        <mc:Fallback>
+          <p:sp>
+            <p:nvSpPr>
+              <p:cNvPr id="128" name="TextBox 127">
+                <a:extLst>
+                  <a:ext uri="{FF2B5EF4-FFF2-40B4-BE49-F238E27FC236}">
+                    <a16:creationId xmlns:a16="http://schemas.microsoft.com/office/drawing/2014/main" id="{EB99E14E-2448-4D56-8D36-551554C60E2F}"/>
+                  </a:ext>
+                </a:extLst>
+              </p:cNvPr>
+              <p:cNvSpPr txBox="1">
+                <a:spLocks noRot="1" noChangeAspect="1" noMove="1" noResize="1" noEditPoints="1" noAdjustHandles="1" noChangeArrowheads="1" noChangeShapeType="1" noTextEdit="1"/>
+              </p:cNvSpPr>
+              <p:nvPr/>
+            </p:nvSpPr>
+            <p:spPr>
+              <a:xfrm>
+                <a:off x="-24105481" y="12189847"/>
+                <a:ext cx="6334939" cy="1508746"/>
+              </a:xfrm>
+              <a:prstGeom prst="rect">
+                <a:avLst/>
+              </a:prstGeom>
+              <a:blipFill>
+                <a:blip r:embed="rId20"/>
+                <a:stretch>
+                  <a:fillRect/>
+                </a:stretch>
+              </a:blipFill>
+            </p:spPr>
+            <p:txBody>
+              <a:bodyPr/>
+              <a:lstStyle/>
+              <a:p>
+                <a:r>
+                  <a:rPr lang="en-GB">
+                    <a:noFill/>
+                  </a:rPr>
+                  <a:t> </a:t>
+                </a:r>
+              </a:p>
+            </p:txBody>
+          </p:sp>
+        </mc:Fallback>
+      </mc:AlternateContent>
+      <mc:AlternateContent xmlns:mc="http://schemas.openxmlformats.org/markup-compatibility/2006">
+        <mc:Choice xmlns:a14="http://schemas.microsoft.com/office/drawing/2010/main" Requires="a14">
+          <p:sp>
+            <p:nvSpPr>
+              <p:cNvPr id="129" name="TextBox 128">
+                <a:extLst>
+                  <a:ext uri="{FF2B5EF4-FFF2-40B4-BE49-F238E27FC236}">
+                    <a16:creationId xmlns:a16="http://schemas.microsoft.com/office/drawing/2014/main" id="{EC3F9F2A-4E71-4A69-8612-114402A76BA2}"/>
+                  </a:ext>
+                </a:extLst>
+              </p:cNvPr>
+              <p:cNvSpPr txBox="1"/>
+              <p:nvPr/>
+            </p:nvSpPr>
+            <p:spPr>
+              <a:xfrm>
+                <a:off x="-8007206" y="12470287"/>
+                <a:ext cx="7708520" cy="1134157"/>
+              </a:xfrm>
+              <a:prstGeom prst="rect">
+                <a:avLst/>
+              </a:prstGeom>
+              <a:solidFill>
+                <a:schemeClr val="bg1">
+                  <a:lumMod val="95000"/>
+                </a:schemeClr>
+              </a:solidFill>
+            </p:spPr>
+            <p:txBody>
+              <a:bodyPr wrap="none" lIns="0" tIns="0" rIns="0" bIns="0" rtlCol="0">
+                <a:spAutoFit/>
+              </a:bodyPr>
+              <a:lstStyle/>
+              <a:p>
+                <a:pPr>
+                  <a:spcAft>
+                    <a:spcPts val="800"/>
+                  </a:spcAft>
+                </a:pPr>
+                <a14:m>
+                  <m:oMathPara xmlns:m="http://schemas.openxmlformats.org/officeDocument/2006/math">
+                    <m:oMathParaPr>
+                      <m:jc m:val="centerGroup"/>
+                    </m:oMathParaPr>
+                    <m:oMath xmlns:m="http://schemas.openxmlformats.org/officeDocument/2006/math">
+                      <m:r>
+                        <a:rPr lang="en-GB" sz="2800" i="1" smtClean="0">
+                          <a:latin typeface="Cambria Math" panose="02040503050406030204" pitchFamily="18" charset="0"/>
+                          <a:ea typeface="Calibri" panose="020F0502020204030204" pitchFamily="34" charset="0"/>
+                          <a:cs typeface="Arial" panose="020B0604020202020204" pitchFamily="34" charset="0"/>
+                        </a:rPr>
+                        <m:t>𝐴𝑡</m:t>
+                      </m:r>
+                      <m:r>
+                        <a:rPr lang="en-GB" sz="2800" i="1" smtClean="0">
+                          <a:latin typeface="Cambria Math" panose="02040503050406030204" pitchFamily="18" charset="0"/>
+                          <a:ea typeface="Calibri" panose="020F0502020204030204" pitchFamily="34" charset="0"/>
+                          <a:cs typeface="Arial" panose="020B0604020202020204" pitchFamily="34" charset="0"/>
+                        </a:rPr>
+                        <m:t> </m:t>
+                      </m:r>
+                      <m:r>
+                        <a:rPr lang="en-GB" sz="2800" i="1" smtClean="0">
+                          <a:latin typeface="Cambria Math" panose="02040503050406030204" pitchFamily="18" charset="0"/>
+                          <a:ea typeface="Calibri" panose="020F0502020204030204" pitchFamily="34" charset="0"/>
+                          <a:cs typeface="Arial" panose="020B0604020202020204" pitchFamily="34" charset="0"/>
+                        </a:rPr>
+                        <m:t>𝑙𝑒𝑎𝑠𝑡</m:t>
+                      </m:r>
+                      <m:r>
+                        <a:rPr lang="en-GB" sz="2800" i="1" smtClean="0">
+                          <a:latin typeface="Cambria Math" panose="02040503050406030204" pitchFamily="18" charset="0"/>
+                          <a:ea typeface="Calibri" panose="020F0502020204030204" pitchFamily="34" charset="0"/>
+                          <a:cs typeface="Arial" panose="020B0604020202020204" pitchFamily="34" charset="0"/>
+                        </a:rPr>
+                        <m:t> </m:t>
+                      </m:r>
+                      <m:r>
+                        <a:rPr lang="en-GB" sz="2800" i="1" smtClean="0">
+                          <a:latin typeface="Cambria Math" panose="02040503050406030204" pitchFamily="18" charset="0"/>
+                          <a:ea typeface="Calibri" panose="020F0502020204030204" pitchFamily="34" charset="0"/>
+                          <a:cs typeface="Arial" panose="020B0604020202020204" pitchFamily="34" charset="0"/>
+                        </a:rPr>
+                        <m:t>𝑜𝑛𝑒</m:t>
+                      </m:r>
+                      <m:r>
+                        <a:rPr lang="en-GB" sz="2800" i="1" smtClean="0">
+                          <a:latin typeface="Cambria Math" panose="02040503050406030204" pitchFamily="18" charset="0"/>
+                          <a:ea typeface="Calibri" panose="020F0502020204030204" pitchFamily="34" charset="0"/>
+                          <a:cs typeface="Arial" panose="020B0604020202020204" pitchFamily="34" charset="0"/>
+                        </a:rPr>
+                        <m:t> </m:t>
+                      </m:r>
+                      <m:r>
+                        <a:rPr lang="en-GB" sz="2800" i="1" smtClean="0">
+                          <a:latin typeface="Cambria Math" panose="02040503050406030204" pitchFamily="18" charset="0"/>
+                          <a:ea typeface="Calibri" panose="020F0502020204030204" pitchFamily="34" charset="0"/>
+                          <a:cs typeface="Arial" panose="020B0604020202020204" pitchFamily="34" charset="0"/>
+                        </a:rPr>
+                        <m:t>𝑅𝑄</m:t>
+                      </m:r>
+                      <m:r>
+                        <a:rPr lang="en-GB" sz="2800" i="1" smtClean="0">
+                          <a:latin typeface="Cambria Math" panose="02040503050406030204" pitchFamily="18" charset="0"/>
+                          <a:ea typeface="Calibri" panose="020F0502020204030204" pitchFamily="34" charset="0"/>
+                          <a:cs typeface="Arial" panose="020B0604020202020204" pitchFamily="34" charset="0"/>
+                        </a:rPr>
+                        <m:t>&gt;</m:t>
+                      </m:r>
+                      <m:r>
+                        <a:rPr lang="en-GB" sz="2800" i="1" smtClean="0">
+                          <a:latin typeface="Cambria Math" panose="02040503050406030204" pitchFamily="18" charset="0"/>
+                          <a:ea typeface="Calibri" panose="020F0502020204030204" pitchFamily="34" charset="0"/>
+                          <a:cs typeface="Arial" panose="020B0604020202020204" pitchFamily="34" charset="0"/>
+                        </a:rPr>
+                        <m:t>𝑡h𝑟𝑒𝑠h𝑜𝑙𝑑</m:t>
+                      </m:r>
+                      <m:r>
+                        <a:rPr lang="en-GB" sz="2800" i="1" smtClean="0">
+                          <a:latin typeface="Cambria Math" panose="02040503050406030204" pitchFamily="18" charset="0"/>
+                          <a:ea typeface="Calibri" panose="020F0502020204030204" pitchFamily="34" charset="0"/>
+                          <a:cs typeface="Arial" panose="020B0604020202020204" pitchFamily="34" charset="0"/>
+                        </a:rPr>
+                        <m:t>=</m:t>
+                      </m:r>
+                      <m:r>
+                        <a:rPr lang="en-GB" sz="2800" i="1" smtClean="0">
+                          <a:latin typeface="Cambria Math" panose="02040503050406030204" pitchFamily="18" charset="0"/>
+                          <a:ea typeface="Calibri" panose="020F0502020204030204" pitchFamily="34" charset="0"/>
+                          <a:cs typeface="Arial" panose="020B0604020202020204" pitchFamily="34" charset="0"/>
+                        </a:rPr>
+                        <m:t>𝑅</m:t>
+                      </m:r>
+                      <m:sSub>
+                        <m:sSubPr>
+                          <m:ctrlPr>
+                            <a:rPr lang="en-GB" sz="2800" i="1">
+                              <a:latin typeface="Cambria Math" panose="02040503050406030204" pitchFamily="18" charset="0"/>
+                              <a:ea typeface="Calibri" panose="020F0502020204030204" pitchFamily="34" charset="0"/>
+                              <a:cs typeface="Arial" panose="020B0604020202020204" pitchFamily="34" charset="0"/>
+                            </a:rPr>
+                          </m:ctrlPr>
+                        </m:sSubPr>
+                        <m:e>
+                          <m:r>
+                            <a:rPr lang="en-GB" sz="2800" i="1">
+                              <a:latin typeface="Cambria Math" panose="02040503050406030204" pitchFamily="18" charset="0"/>
+                              <a:ea typeface="Calibri" panose="020F0502020204030204" pitchFamily="34" charset="0"/>
+                              <a:cs typeface="Arial" panose="020B0604020202020204" pitchFamily="34" charset="0"/>
+                            </a:rPr>
+                            <m:t>𝑄</m:t>
+                          </m:r>
+                        </m:e>
+                        <m:sub>
+                          <m:r>
+                            <a:rPr lang="en-GB" sz="2800" i="1">
+                              <a:latin typeface="Cambria Math" panose="02040503050406030204" pitchFamily="18" charset="0"/>
+                              <a:ea typeface="Calibri" panose="020F0502020204030204" pitchFamily="34" charset="0"/>
+                              <a:cs typeface="Arial" panose="020B0604020202020204" pitchFamily="34" charset="0"/>
+                            </a:rPr>
+                            <m:t>𝑒𝑡h𝑖𝑛𝑦𝑙𝑒𝑠𝑡𝑟𝑎𝑑𝑖𝑜𝑙</m:t>
+                          </m:r>
+                        </m:sub>
+                      </m:sSub>
+                    </m:oMath>
+                  </m:oMathPara>
+                </a14:m>
+                <a:endParaRPr lang="en-GB" sz="2800" i="1" dirty="0">
+                  <a:latin typeface="Cambria Math" panose="02040503050406030204" pitchFamily="18" charset="0"/>
+                  <a:ea typeface="Calibri" panose="020F0502020204030204" pitchFamily="34" charset="0"/>
+                  <a:cs typeface="Arial" panose="020B0604020202020204" pitchFamily="34" charset="0"/>
+                </a:endParaRPr>
+              </a:p>
+              <a:p>
+                <a:pPr>
+                  <a:spcAft>
+                    <a:spcPts val="800"/>
+                  </a:spcAft>
+                </a:pPr>
+                <a14:m>
+                  <m:oMathPara xmlns:m="http://schemas.openxmlformats.org/officeDocument/2006/math">
+                    <m:oMathParaPr>
+                      <m:jc m:val="centerGroup"/>
+                    </m:oMathParaPr>
+                    <m:oMath xmlns:m="http://schemas.openxmlformats.org/officeDocument/2006/math">
+                      <m:r>
+                        <a:rPr lang="en-GB" sz="2800" i="1">
+                          <a:latin typeface="Cambria Math" panose="02040503050406030204" pitchFamily="18" charset="0"/>
+                          <a:ea typeface="Calibri" panose="020F0502020204030204" pitchFamily="34" charset="0"/>
+                          <a:cs typeface="Arial" panose="020B0604020202020204" pitchFamily="34" charset="0"/>
+                        </a:rPr>
+                        <m:t>∪</m:t>
+                      </m:r>
+                      <m:r>
+                        <a:rPr lang="en-GB" sz="2800" i="1">
+                          <a:latin typeface="Cambria Math" panose="02040503050406030204" pitchFamily="18" charset="0"/>
+                          <a:ea typeface="Calibri" panose="020F0502020204030204" pitchFamily="34" charset="0"/>
+                          <a:cs typeface="Arial" panose="020B0604020202020204" pitchFamily="34" charset="0"/>
+                        </a:rPr>
+                        <m:t>𝑅</m:t>
+                      </m:r>
+                      <m:sSub>
+                        <m:sSubPr>
+                          <m:ctrlPr>
+                            <a:rPr lang="en-GB" sz="2800" i="1">
+                              <a:latin typeface="Cambria Math" panose="02040503050406030204" pitchFamily="18" charset="0"/>
+                              <a:ea typeface="Calibri" panose="020F0502020204030204" pitchFamily="34" charset="0"/>
+                              <a:cs typeface="Arial" panose="020B0604020202020204" pitchFamily="34" charset="0"/>
+                            </a:rPr>
+                          </m:ctrlPr>
+                        </m:sSubPr>
+                        <m:e>
+                          <m:r>
+                            <a:rPr lang="en-GB" sz="2800" i="1">
+                              <a:latin typeface="Cambria Math" panose="02040503050406030204" pitchFamily="18" charset="0"/>
+                              <a:ea typeface="Calibri" panose="020F0502020204030204" pitchFamily="34" charset="0"/>
+                              <a:cs typeface="Arial" panose="020B0604020202020204" pitchFamily="34" charset="0"/>
+                            </a:rPr>
+                            <m:t>𝑄</m:t>
+                          </m:r>
+                        </m:e>
+                        <m:sub>
+                          <m:r>
+                            <a:rPr lang="en-GB" sz="2800" i="1">
+                              <a:latin typeface="Cambria Math" panose="02040503050406030204" pitchFamily="18" charset="0"/>
+                              <a:ea typeface="Calibri" panose="020F0502020204030204" pitchFamily="34" charset="0"/>
+                              <a:cs typeface="Arial" panose="020B0604020202020204" pitchFamily="34" charset="0"/>
+                            </a:rPr>
+                            <m:t>𝑒𝑠𝑡𝑟𝑎𝑑𝑖𝑜𝑙</m:t>
+                          </m:r>
+                        </m:sub>
+                      </m:sSub>
+                      <m:r>
+                        <a:rPr lang="en-GB" sz="2800" i="1">
+                          <a:latin typeface="Cambria Math" panose="02040503050406030204" pitchFamily="18" charset="0"/>
+                          <a:ea typeface="Calibri" panose="020F0502020204030204" pitchFamily="34" charset="0"/>
+                          <a:cs typeface="Arial" panose="020B0604020202020204" pitchFamily="34" charset="0"/>
+                        </a:rPr>
+                        <m:t>…∪</m:t>
+                      </m:r>
+                      <m:r>
+                        <a:rPr lang="en-GB" sz="2800" i="1">
+                          <a:latin typeface="Cambria Math" panose="02040503050406030204" pitchFamily="18" charset="0"/>
+                          <a:ea typeface="Calibri" panose="020F0502020204030204" pitchFamily="34" charset="0"/>
+                          <a:cs typeface="Arial" panose="020B0604020202020204" pitchFamily="34" charset="0"/>
+                        </a:rPr>
+                        <m:t>𝑅</m:t>
+                      </m:r>
+                      <m:sSub>
+                        <m:sSubPr>
+                          <m:ctrlPr>
+                            <a:rPr lang="en-GB" sz="2800" i="1">
+                              <a:latin typeface="Cambria Math" panose="02040503050406030204" pitchFamily="18" charset="0"/>
+                              <a:ea typeface="Calibri" panose="020F0502020204030204" pitchFamily="34" charset="0"/>
+                              <a:cs typeface="Arial" panose="020B0604020202020204" pitchFamily="34" charset="0"/>
+                            </a:rPr>
+                          </m:ctrlPr>
+                        </m:sSubPr>
+                        <m:e>
+                          <m:r>
+                            <a:rPr lang="en-GB" sz="2800" i="1">
+                              <a:latin typeface="Cambria Math" panose="02040503050406030204" pitchFamily="18" charset="0"/>
+                              <a:ea typeface="Calibri" panose="020F0502020204030204" pitchFamily="34" charset="0"/>
+                              <a:cs typeface="Arial" panose="020B0604020202020204" pitchFamily="34" charset="0"/>
+                            </a:rPr>
+                            <m:t>𝑄</m:t>
+                          </m:r>
+                        </m:e>
+                        <m:sub>
+                          <m:r>
+                            <a:rPr lang="en-GB" sz="2800" i="1">
+                              <a:latin typeface="Cambria Math" panose="02040503050406030204" pitchFamily="18" charset="0"/>
+                              <a:ea typeface="Calibri" panose="020F0502020204030204" pitchFamily="34" charset="0"/>
+                              <a:cs typeface="Arial" panose="020B0604020202020204" pitchFamily="34" charset="0"/>
+                            </a:rPr>
+                            <m:t>𝑝𝑎𝑟𝑎𝑐𝑒𝑡𝑎𝑚𝑜𝑙</m:t>
+                          </m:r>
+                        </m:sub>
+                      </m:sSub>
+                    </m:oMath>
+                  </m:oMathPara>
+                </a14:m>
+                <a:endParaRPr lang="en-GB" sz="2800" dirty="0">
+                  <a:latin typeface="Calibri" panose="020F0502020204030204" pitchFamily="34" charset="0"/>
+                  <a:ea typeface="Calibri" panose="020F0502020204030204" pitchFamily="34" charset="0"/>
+                  <a:cs typeface="Arial" panose="020B0604020202020204" pitchFamily="34" charset="0"/>
+                </a:endParaRPr>
+              </a:p>
+            </p:txBody>
+          </p:sp>
+        </mc:Choice>
+        <mc:Fallback>
+          <p:sp>
+            <p:nvSpPr>
+              <p:cNvPr id="129" name="TextBox 128">
+                <a:extLst>
+                  <a:ext uri="{FF2B5EF4-FFF2-40B4-BE49-F238E27FC236}">
+                    <a16:creationId xmlns:a16="http://schemas.microsoft.com/office/drawing/2014/main" id="{EC3F9F2A-4E71-4A69-8612-114402A76BA2}"/>
+                  </a:ext>
+                </a:extLst>
+              </p:cNvPr>
+              <p:cNvSpPr txBox="1">
+                <a:spLocks noRot="1" noChangeAspect="1" noMove="1" noResize="1" noEditPoints="1" noAdjustHandles="1" noChangeArrowheads="1" noChangeShapeType="1" noTextEdit="1"/>
+              </p:cNvSpPr>
+              <p:nvPr/>
+            </p:nvSpPr>
+            <p:spPr>
+              <a:xfrm>
+                <a:off x="-8007206" y="12470287"/>
+                <a:ext cx="7708520" cy="1134157"/>
+              </a:xfrm>
+              <a:prstGeom prst="rect">
+                <a:avLst/>
+              </a:prstGeom>
+              <a:blipFill>
+                <a:blip r:embed="rId21"/>
+                <a:stretch>
+                  <a:fillRect/>
+                </a:stretch>
+              </a:blipFill>
+            </p:spPr>
+            <p:txBody>
+              <a:bodyPr/>
+              <a:lstStyle/>
+              <a:p>
+                <a:r>
+                  <a:rPr lang="en-GB">
+                    <a:noFill/>
+                  </a:rPr>
+                  <a:t> </a:t>
+                </a:r>
+              </a:p>
+            </p:txBody>
+          </p:sp>
+        </mc:Fallback>
+      </mc:AlternateContent>
+      <p:sp>
+        <p:nvSpPr>
+          <p:cNvPr id="115" name="Arrow: Down 114">
+            <a:extLst>
+              <a:ext uri="{FF2B5EF4-FFF2-40B4-BE49-F238E27FC236}">
+                <a16:creationId xmlns:a16="http://schemas.microsoft.com/office/drawing/2014/main" id="{45D9FB7A-70B0-4350-8B46-F102F235DBFF}"/>
+              </a:ext>
+            </a:extLst>
+          </p:cNvPr>
+          <p:cNvSpPr/>
+          <p:nvPr/>
+        </p:nvSpPr>
+        <p:spPr>
+          <a:xfrm>
+            <a:off x="-13770535" y="2919520"/>
+            <a:ext cx="192045" cy="531723"/>
+          </a:xfrm>
+          <a:prstGeom prst="downArrow">
+            <a:avLst>
+              <a:gd name="adj1" fmla="val 23333"/>
+              <a:gd name="adj2" fmla="val 123491"/>
+            </a:avLst>
+          </a:prstGeom>
+          <a:ln>
+            <a:noFill/>
+          </a:ln>
+        </p:spPr>
+        <p:style>
+          <a:lnRef idx="2">
+            <a:schemeClr val="accent3">
+              <a:shade val="50000"/>
+            </a:schemeClr>
+          </a:lnRef>
+          <a:fillRef idx="1">
+            <a:schemeClr val="accent3"/>
+          </a:fillRef>
+          <a:effectRef idx="0">
+            <a:schemeClr val="accent3"/>
+          </a:effectRef>
+          <a:fontRef idx="minor">
+            <a:schemeClr val="lt1"/>
+          </a:fontRef>
+        </p:style>
+        <p:txBody>
+          <a:bodyPr rtlCol="0" anchor="ctr"/>
+          <a:lstStyle/>
+          <a:p>
+            <a:pPr algn="ctr"/>
+            <a:endParaRPr lang="en-GB"/>
+          </a:p>
+        </p:txBody>
+      </p:sp>
+      <p:sp>
+        <p:nvSpPr>
+          <p:cNvPr id="116" name="Arrow: Down 115">
+            <a:extLst>
+              <a:ext uri="{FF2B5EF4-FFF2-40B4-BE49-F238E27FC236}">
+                <a16:creationId xmlns:a16="http://schemas.microsoft.com/office/drawing/2014/main" id="{AFC09300-5694-4661-BE73-B783B9C0981C}"/>
+              </a:ext>
+            </a:extLst>
+          </p:cNvPr>
+          <p:cNvSpPr/>
+          <p:nvPr/>
+        </p:nvSpPr>
+        <p:spPr>
+          <a:xfrm>
+            <a:off x="-13770535" y="4624078"/>
+            <a:ext cx="192045" cy="531723"/>
+          </a:xfrm>
+          <a:prstGeom prst="downArrow">
+            <a:avLst>
+              <a:gd name="adj1" fmla="val 23333"/>
+              <a:gd name="adj2" fmla="val 123491"/>
+            </a:avLst>
+          </a:prstGeom>
+          <a:ln>
+            <a:noFill/>
+          </a:ln>
+        </p:spPr>
+        <p:style>
+          <a:lnRef idx="2">
+            <a:schemeClr val="accent3">
+              <a:shade val="50000"/>
+            </a:schemeClr>
+          </a:lnRef>
+          <a:fillRef idx="1">
+            <a:schemeClr val="accent3"/>
+          </a:fillRef>
+          <a:effectRef idx="0">
+            <a:schemeClr val="accent3"/>
+          </a:effectRef>
+          <a:fontRef idx="minor">
+            <a:schemeClr val="lt1"/>
+          </a:fontRef>
+        </p:style>
+        <p:txBody>
+          <a:bodyPr rtlCol="0" anchor="ctr"/>
+          <a:lstStyle/>
+          <a:p>
+            <a:pPr algn="ctr"/>
+            <a:endParaRPr lang="en-GB"/>
+          </a:p>
+        </p:txBody>
+      </p:sp>
+      <p:sp>
+        <p:nvSpPr>
+          <p:cNvPr id="117" name="Arrow: Down 116">
+            <a:extLst>
+              <a:ext uri="{FF2B5EF4-FFF2-40B4-BE49-F238E27FC236}">
+                <a16:creationId xmlns:a16="http://schemas.microsoft.com/office/drawing/2014/main" id="{FB0B3ECB-DB0A-49F2-8712-4FF5A2207898}"/>
+              </a:ext>
+            </a:extLst>
+          </p:cNvPr>
+          <p:cNvSpPr/>
+          <p:nvPr/>
+        </p:nvSpPr>
+        <p:spPr>
+          <a:xfrm>
+            <a:off x="-13770535" y="6328636"/>
+            <a:ext cx="192045" cy="531723"/>
+          </a:xfrm>
+          <a:prstGeom prst="downArrow">
+            <a:avLst>
+              <a:gd name="adj1" fmla="val 23333"/>
+              <a:gd name="adj2" fmla="val 123491"/>
+            </a:avLst>
+          </a:prstGeom>
+          <a:ln>
+            <a:noFill/>
+          </a:ln>
+        </p:spPr>
+        <p:style>
+          <a:lnRef idx="2">
+            <a:schemeClr val="accent3">
+              <a:shade val="50000"/>
+            </a:schemeClr>
+          </a:lnRef>
+          <a:fillRef idx="1">
+            <a:schemeClr val="accent3"/>
+          </a:fillRef>
+          <a:effectRef idx="0">
+            <a:schemeClr val="accent3"/>
+          </a:effectRef>
+          <a:fontRef idx="minor">
+            <a:schemeClr val="lt1"/>
+          </a:fontRef>
+        </p:style>
+        <p:txBody>
+          <a:bodyPr rtlCol="0" anchor="ctr"/>
+          <a:lstStyle/>
+          <a:p>
+            <a:pPr algn="ctr"/>
+            <a:endParaRPr lang="en-GB"/>
+          </a:p>
+        </p:txBody>
+      </p:sp>
+      <p:sp>
+        <p:nvSpPr>
+          <p:cNvPr id="118" name="Arrow: Down 117">
+            <a:extLst>
+              <a:ext uri="{FF2B5EF4-FFF2-40B4-BE49-F238E27FC236}">
+                <a16:creationId xmlns:a16="http://schemas.microsoft.com/office/drawing/2014/main" id="{45DAB1C3-5754-4C81-B128-561988ECD137}"/>
+              </a:ext>
+            </a:extLst>
+          </p:cNvPr>
+          <p:cNvSpPr/>
+          <p:nvPr/>
+        </p:nvSpPr>
+        <p:spPr>
+          <a:xfrm>
+            <a:off x="-13770535" y="8033194"/>
+            <a:ext cx="192045" cy="531723"/>
+          </a:xfrm>
+          <a:prstGeom prst="downArrow">
+            <a:avLst>
+              <a:gd name="adj1" fmla="val 23333"/>
+              <a:gd name="adj2" fmla="val 123491"/>
+            </a:avLst>
+          </a:prstGeom>
+          <a:ln>
+            <a:noFill/>
+          </a:ln>
+        </p:spPr>
+        <p:style>
+          <a:lnRef idx="2">
+            <a:schemeClr val="accent3">
+              <a:shade val="50000"/>
+            </a:schemeClr>
+          </a:lnRef>
+          <a:fillRef idx="1">
+            <a:schemeClr val="accent3"/>
+          </a:fillRef>
+          <a:effectRef idx="0">
+            <a:schemeClr val="accent3"/>
+          </a:effectRef>
+          <a:fontRef idx="minor">
+            <a:schemeClr val="lt1"/>
+          </a:fontRef>
+        </p:style>
+        <p:txBody>
+          <a:bodyPr rtlCol="0" anchor="ctr"/>
+          <a:lstStyle/>
+          <a:p>
+            <a:pPr algn="ctr"/>
+            <a:endParaRPr lang="en-GB"/>
+          </a:p>
+        </p:txBody>
+      </p:sp>
+      <p:sp>
+        <p:nvSpPr>
+          <p:cNvPr id="119" name="Arrow: Down 118">
+            <a:extLst>
+              <a:ext uri="{FF2B5EF4-FFF2-40B4-BE49-F238E27FC236}">
+                <a16:creationId xmlns:a16="http://schemas.microsoft.com/office/drawing/2014/main" id="{912CB807-F8BC-4ADD-A5E7-EB236F566A8C}"/>
+              </a:ext>
+            </a:extLst>
+          </p:cNvPr>
+          <p:cNvSpPr/>
+          <p:nvPr/>
+        </p:nvSpPr>
+        <p:spPr>
+          <a:xfrm>
+            <a:off x="-13751632" y="10181764"/>
+            <a:ext cx="192045" cy="531723"/>
+          </a:xfrm>
+          <a:prstGeom prst="downArrow">
+            <a:avLst>
+              <a:gd name="adj1" fmla="val 23333"/>
+              <a:gd name="adj2" fmla="val 123491"/>
+            </a:avLst>
+          </a:prstGeom>
+          <a:ln>
+            <a:noFill/>
+          </a:ln>
+        </p:spPr>
+        <p:style>
+          <a:lnRef idx="2">
+            <a:schemeClr val="accent3">
+              <a:shade val="50000"/>
+            </a:schemeClr>
+          </a:lnRef>
+          <a:fillRef idx="1">
+            <a:schemeClr val="accent3"/>
+          </a:fillRef>
+          <a:effectRef idx="0">
+            <a:schemeClr val="accent3"/>
+          </a:effectRef>
+          <a:fontRef idx="minor">
+            <a:schemeClr val="lt1"/>
+          </a:fontRef>
+        </p:style>
+        <p:txBody>
+          <a:bodyPr rtlCol="0" anchor="ctr"/>
+          <a:lstStyle/>
+          <a:p>
+            <a:pPr algn="ctr"/>
+            <a:endParaRPr lang="en-GB"/>
+          </a:p>
+        </p:txBody>
+      </p:sp>
+      <p:sp>
+        <p:nvSpPr>
+          <p:cNvPr id="130" name="Arrow: Down 129">
+            <a:extLst>
+              <a:ext uri="{FF2B5EF4-FFF2-40B4-BE49-F238E27FC236}">
+                <a16:creationId xmlns:a16="http://schemas.microsoft.com/office/drawing/2014/main" id="{A0D9766A-287E-4F89-9C61-0E08C548CAC2}"/>
+              </a:ext>
+            </a:extLst>
+          </p:cNvPr>
+          <p:cNvSpPr/>
+          <p:nvPr/>
+        </p:nvSpPr>
+        <p:spPr>
+          <a:xfrm rot="5400000">
+            <a:off x="-10618281" y="10990674"/>
+            <a:ext cx="192045" cy="531723"/>
+          </a:xfrm>
+          <a:prstGeom prst="downArrow">
+            <a:avLst>
+              <a:gd name="adj1" fmla="val 23333"/>
+              <a:gd name="adj2" fmla="val 123491"/>
+            </a:avLst>
+          </a:prstGeom>
+          <a:ln>
+            <a:noFill/>
+          </a:ln>
+        </p:spPr>
+        <p:style>
+          <a:lnRef idx="2">
+            <a:schemeClr val="accent3">
+              <a:shade val="50000"/>
+            </a:schemeClr>
+          </a:lnRef>
+          <a:fillRef idx="1">
+            <a:schemeClr val="accent3"/>
+          </a:fillRef>
+          <a:effectRef idx="0">
+            <a:schemeClr val="accent3"/>
+          </a:effectRef>
+          <a:fontRef idx="minor">
+            <a:schemeClr val="lt1"/>
+          </a:fontRef>
+        </p:style>
+        <p:txBody>
+          <a:bodyPr rtlCol="0" anchor="ctr"/>
+          <a:lstStyle/>
+          <a:p>
+            <a:pPr algn="ctr"/>
+            <a:endParaRPr lang="en-GB"/>
+          </a:p>
+        </p:txBody>
+      </p:sp>
+      <p:sp>
+        <p:nvSpPr>
+          <p:cNvPr id="131" name="Arrow: Down 130">
+            <a:extLst>
+              <a:ext uri="{FF2B5EF4-FFF2-40B4-BE49-F238E27FC236}">
+                <a16:creationId xmlns:a16="http://schemas.microsoft.com/office/drawing/2014/main" id="{B20C6C69-DAF3-4147-9577-9F00D5CCF996}"/>
+              </a:ext>
+            </a:extLst>
+          </p:cNvPr>
+          <p:cNvSpPr/>
+          <p:nvPr/>
+        </p:nvSpPr>
+        <p:spPr>
+          <a:xfrm rot="5400000">
+            <a:off x="-10591419" y="7284347"/>
+            <a:ext cx="190500" cy="479544"/>
+          </a:xfrm>
+          <a:prstGeom prst="downArrow">
+            <a:avLst>
+              <a:gd name="adj1" fmla="val 23333"/>
+              <a:gd name="adj2" fmla="val 123491"/>
+            </a:avLst>
+          </a:prstGeom>
+          <a:ln>
+            <a:noFill/>
+          </a:ln>
+        </p:spPr>
+        <p:style>
+          <a:lnRef idx="2">
+            <a:schemeClr val="accent3">
+              <a:shade val="50000"/>
+            </a:schemeClr>
+          </a:lnRef>
+          <a:fillRef idx="1">
+            <a:schemeClr val="accent3"/>
+          </a:fillRef>
+          <a:effectRef idx="0">
+            <a:schemeClr val="accent3"/>
+          </a:effectRef>
+          <a:fontRef idx="minor">
+            <a:schemeClr val="lt1"/>
+          </a:fontRef>
+        </p:style>
+        <p:txBody>
+          <a:bodyPr rtlCol="0" anchor="ctr"/>
+          <a:lstStyle/>
+          <a:p>
+            <a:pPr algn="ctr"/>
+            <a:endParaRPr lang="en-GB"/>
+          </a:p>
+        </p:txBody>
+      </p:sp>
+      <p:sp>
+        <p:nvSpPr>
+          <p:cNvPr id="132" name="Arrow: Down 131">
+            <a:extLst>
+              <a:ext uri="{FF2B5EF4-FFF2-40B4-BE49-F238E27FC236}">
+                <a16:creationId xmlns:a16="http://schemas.microsoft.com/office/drawing/2014/main" id="{8792E48D-9CD0-47C7-8F70-2A11F041B178}"/>
+              </a:ext>
+            </a:extLst>
+          </p:cNvPr>
+          <p:cNvSpPr/>
+          <p:nvPr/>
+        </p:nvSpPr>
+        <p:spPr>
+          <a:xfrm rot="5400000">
+            <a:off x="-10591419" y="9086667"/>
+            <a:ext cx="190500" cy="479544"/>
+          </a:xfrm>
+          <a:prstGeom prst="downArrow">
+            <a:avLst>
+              <a:gd name="adj1" fmla="val 23333"/>
+              <a:gd name="adj2" fmla="val 123491"/>
+            </a:avLst>
+          </a:prstGeom>
+          <a:ln>
+            <a:noFill/>
+          </a:ln>
+        </p:spPr>
+        <p:style>
+          <a:lnRef idx="2">
+            <a:schemeClr val="accent3">
+              <a:shade val="50000"/>
+            </a:schemeClr>
+          </a:lnRef>
+          <a:fillRef idx="1">
+            <a:schemeClr val="accent3"/>
+          </a:fillRef>
+          <a:effectRef idx="0">
+            <a:schemeClr val="accent3"/>
+          </a:effectRef>
+          <a:fontRef idx="minor">
+            <a:schemeClr val="lt1"/>
+          </a:fontRef>
+        </p:style>
+        <p:txBody>
+          <a:bodyPr rtlCol="0" anchor="ctr"/>
+          <a:lstStyle/>
+          <a:p>
+            <a:pPr algn="ctr"/>
+            <a:endParaRPr lang="en-GB"/>
+          </a:p>
+        </p:txBody>
+      </p:sp>
+      <p:grpSp>
+        <p:nvGrpSpPr>
+          <p:cNvPr id="136" name="Group 135">
+            <a:extLst>
+              <a:ext uri="{FF2B5EF4-FFF2-40B4-BE49-F238E27FC236}">
+                <a16:creationId xmlns:a16="http://schemas.microsoft.com/office/drawing/2014/main" id="{762A8CF9-0B16-49F2-875C-DED46B743857}"/>
+              </a:ext>
+            </a:extLst>
+          </p:cNvPr>
+          <p:cNvGrpSpPr/>
+          <p:nvPr/>
+        </p:nvGrpSpPr>
+        <p:grpSpPr>
+          <a:xfrm>
+            <a:off x="-6740689" y="3585211"/>
+            <a:ext cx="5641121" cy="3926850"/>
+            <a:chOff x="13287621" y="3998166"/>
+            <a:chExt cx="5641121" cy="3926850"/>
+          </a:xfrm>
+        </p:grpSpPr>
+        <p:grpSp>
+          <p:nvGrpSpPr>
+            <p:cNvPr id="79" name="Group 78">
+              <a:extLst>
+                <a:ext uri="{FF2B5EF4-FFF2-40B4-BE49-F238E27FC236}">
+                  <a16:creationId xmlns:a16="http://schemas.microsoft.com/office/drawing/2014/main" id="{C2FABDEE-6CAD-47BD-AF80-6599550EB5B7}"/>
+                </a:ext>
+              </a:extLst>
+            </p:cNvPr>
+            <p:cNvGrpSpPr/>
+            <p:nvPr/>
+          </p:nvGrpSpPr>
+          <p:grpSpPr>
+            <a:xfrm>
+              <a:off x="13287621" y="3998166"/>
+              <a:ext cx="5641121" cy="1384995"/>
+              <a:chOff x="15049087" y="8753690"/>
+              <a:chExt cx="5641121" cy="1384995"/>
+            </a:xfrm>
+          </p:grpSpPr>
+          <p:grpSp>
+            <p:nvGrpSpPr>
+              <p:cNvPr id="31" name="Group 30">
+                <a:extLst>
+                  <a:ext uri="{FF2B5EF4-FFF2-40B4-BE49-F238E27FC236}">
+                    <a16:creationId xmlns:a16="http://schemas.microsoft.com/office/drawing/2014/main" id="{C6C1FCEF-6A43-B637-7DB7-BD801DF191C7}"/>
+                  </a:ext>
+                </a:extLst>
+              </p:cNvPr>
+              <p:cNvGrpSpPr/>
+              <p:nvPr/>
+            </p:nvGrpSpPr>
+            <p:grpSpPr>
+              <a:xfrm>
+                <a:off x="15787446" y="8753690"/>
+                <a:ext cx="4902762" cy="1384995"/>
+                <a:chOff x="684914" y="3911801"/>
+                <a:chExt cx="4902762" cy="1384995"/>
+              </a:xfrm>
+            </p:grpSpPr>
+            <p:sp>
+              <p:nvSpPr>
+                <p:cNvPr id="24" name="TextBox 23">
+                  <a:extLst>
+                    <a:ext uri="{FF2B5EF4-FFF2-40B4-BE49-F238E27FC236}">
+                      <a16:creationId xmlns:a16="http://schemas.microsoft.com/office/drawing/2014/main" id="{BAE75AE2-EFA4-410D-D33A-46A66C1CD620}"/>
+                    </a:ext>
+                  </a:extLst>
+                </p:cNvPr>
+                <p:cNvSpPr txBox="1"/>
+                <p:nvPr/>
+              </p:nvSpPr>
+              <p:spPr>
+                <a:xfrm>
+                  <a:off x="1598571" y="3911801"/>
+                  <a:ext cx="3989105" cy="1384995"/>
+                </a:xfrm>
+                <a:prstGeom prst="rect">
+                  <a:avLst/>
+                </a:prstGeom>
+                <a:noFill/>
+              </p:spPr>
+              <p:txBody>
+                <a:bodyPr wrap="none" rtlCol="0">
+                  <a:spAutoFit/>
+                </a:bodyPr>
+                <a:lstStyle/>
+                <a:p>
+                  <a:r>
+                    <a:rPr lang="en-GB" sz="2800" b="1" dirty="0">
+                      <a:latin typeface="Arial" panose="020B0604020202020204" pitchFamily="34" charset="0"/>
+                      <a:cs typeface="Arial" panose="020B0604020202020204" pitchFamily="34" charset="0"/>
+                    </a:rPr>
+                    <a:t>Wastewater Treatment</a:t>
+                  </a:r>
+                </a:p>
+                <a:p>
+                  <a:r>
+                    <a:rPr lang="en-GB" sz="2800" b="1" dirty="0">
+                      <a:latin typeface="Arial" panose="020B0604020202020204" pitchFamily="34" charset="0"/>
+                      <a:cs typeface="Arial" panose="020B0604020202020204" pitchFamily="34" charset="0"/>
+                    </a:rPr>
+                    <a:t>Upgrade Scenarios</a:t>
+                  </a:r>
+                </a:p>
+                <a:p>
+                  <a:r>
+                    <a:rPr lang="en-GB" sz="2800" dirty="0">
+                      <a:latin typeface="Arial" panose="020B0604020202020204" pitchFamily="34" charset="0"/>
+                      <a:cs typeface="Arial" panose="020B0604020202020204" pitchFamily="34" charset="0"/>
+                    </a:rPr>
+                    <a:t>Theoretical</a:t>
+                  </a:r>
+                </a:p>
+              </p:txBody>
+            </p:sp>
+            <p:pic>
+              <p:nvPicPr>
+                <p:cNvPr id="30" name="Picture 29">
+                  <a:extLst>
+                    <a:ext uri="{FF2B5EF4-FFF2-40B4-BE49-F238E27FC236}">
+                      <a16:creationId xmlns:a16="http://schemas.microsoft.com/office/drawing/2014/main" id="{96AC9A2B-33A1-136F-2679-53BA5D2E1F05}"/>
+                    </a:ext>
+                  </a:extLst>
+                </p:cNvPr>
+                <p:cNvPicPr>
+                  <a:picLocks noChangeAspect="1"/>
+                </p:cNvPicPr>
+                <p:nvPr/>
+              </p:nvPicPr>
+              <p:blipFill>
+                <a:blip r:embed="rId22">
+                  <a:extLst>
+                    <a:ext uri="{28A0092B-C50C-407E-A947-70E740481C1C}">
+                      <a14:useLocalDpi xmlns:a14="http://schemas.microsoft.com/office/drawing/2010/main" val="0"/>
+                    </a:ext>
+                  </a:extLst>
+                </a:blip>
+                <a:srcRect/>
+                <a:stretch/>
+              </p:blipFill>
+              <p:spPr>
+                <a:xfrm>
+                  <a:off x="684914" y="4166924"/>
+                  <a:ext cx="875844" cy="874749"/>
+                </a:xfrm>
+                <a:prstGeom prst="rect">
+                  <a:avLst/>
+                </a:prstGeom>
+              </p:spPr>
+            </p:pic>
+          </p:grpSp>
+          <p:sp>
+            <p:nvSpPr>
+              <p:cNvPr id="95" name="TextBox 94">
+                <a:extLst>
+                  <a:ext uri="{FF2B5EF4-FFF2-40B4-BE49-F238E27FC236}">
+                    <a16:creationId xmlns:a16="http://schemas.microsoft.com/office/drawing/2014/main" id="{1C499811-BFB4-4FCA-9F90-E31EF176E120}"/>
+                  </a:ext>
+                </a:extLst>
+              </p:cNvPr>
+              <p:cNvSpPr txBox="1"/>
+              <p:nvPr/>
+            </p:nvSpPr>
+            <p:spPr>
+              <a:xfrm>
+                <a:off x="15049087" y="9184577"/>
+                <a:ext cx="609600" cy="523220"/>
+              </a:xfrm>
+              <a:prstGeom prst="rect">
+                <a:avLst/>
+              </a:prstGeom>
+              <a:noFill/>
+            </p:spPr>
+            <p:txBody>
+              <a:bodyPr wrap="square" rtlCol="0">
+                <a:spAutoFit/>
+              </a:bodyPr>
+              <a:lstStyle/>
+              <a:p>
+                <a:r>
+                  <a:rPr lang="en-GB" sz="2800" b="1" dirty="0">
+                    <a:latin typeface="Arial" panose="020B0604020202020204" pitchFamily="34" charset="0"/>
+                    <a:cs typeface="Arial" panose="020B0604020202020204" pitchFamily="34" charset="0"/>
+                  </a:rPr>
+                  <a:t>k)</a:t>
+                </a:r>
+              </a:p>
+            </p:txBody>
+          </p:sp>
+        </p:grpSp>
+        <p:sp>
+          <p:nvSpPr>
+            <p:cNvPr id="133" name="Arrow: Down 132">
+              <a:extLst>
+                <a:ext uri="{FF2B5EF4-FFF2-40B4-BE49-F238E27FC236}">
+                  <a16:creationId xmlns:a16="http://schemas.microsoft.com/office/drawing/2014/main" id="{A688F398-0287-4EB4-8322-4638DD9AFC58}"/>
+                </a:ext>
+              </a:extLst>
+            </p:cNvPr>
+            <p:cNvSpPr/>
+            <p:nvPr/>
+          </p:nvSpPr>
+          <p:spPr>
+            <a:xfrm rot="5400000">
+              <a:off x="14608424" y="7589994"/>
+              <a:ext cx="190500" cy="479544"/>
+            </a:xfrm>
+            <a:prstGeom prst="downArrow">
+              <a:avLst>
+                <a:gd name="adj1" fmla="val 23333"/>
+                <a:gd name="adj2" fmla="val 123491"/>
+              </a:avLst>
+            </a:prstGeom>
+            <a:ln>
+              <a:noFill/>
+            </a:ln>
+          </p:spPr>
+          <p:style>
+            <a:lnRef idx="2">
+              <a:schemeClr val="accent3">
+                <a:shade val="50000"/>
+              </a:schemeClr>
+            </a:lnRef>
+            <a:fillRef idx="1">
+              <a:schemeClr val="accent3"/>
+            </a:fillRef>
+            <a:effectRef idx="0">
+              <a:schemeClr val="accent3"/>
+            </a:effectRef>
+            <a:fontRef idx="minor">
+              <a:schemeClr val="lt1"/>
+            </a:fontRef>
+          </p:style>
+          <p:txBody>
+            <a:bodyPr rtlCol="0" anchor="ctr"/>
+            <a:lstStyle/>
+            <a:p>
+              <a:pPr algn="ctr"/>
+              <a:endParaRPr lang="en-GB"/>
+            </a:p>
+          </p:txBody>
+        </p:sp>
+        <p:cxnSp>
+          <p:nvCxnSpPr>
+            <p:cNvPr id="135" name="Connector: Elbow 134">
+              <a:extLst>
+                <a:ext uri="{FF2B5EF4-FFF2-40B4-BE49-F238E27FC236}">
+                  <a16:creationId xmlns:a16="http://schemas.microsoft.com/office/drawing/2014/main" id="{5F3BDCF7-B71D-40A4-BC98-F7D4CDC67DEA}"/>
+                </a:ext>
+              </a:extLst>
+            </p:cNvPr>
+            <p:cNvCxnSpPr>
+              <a:cxnSpLocks/>
+              <a:stCxn id="24" idx="2"/>
+            </p:cNvCxnSpPr>
+            <p:nvPr/>
+          </p:nvCxnSpPr>
+          <p:spPr>
+            <a:xfrm rot="5400000">
+              <a:off x="14581168" y="5478911"/>
+              <a:ext cx="2448773" cy="2257272"/>
+            </a:xfrm>
+            <a:prstGeom prst="bentConnector2">
+              <a:avLst/>
+            </a:prstGeom>
+            <a:ln w="47625">
+              <a:solidFill>
+                <a:srgbClr val="A5A5A5"/>
+              </a:solidFill>
+              <a:headEnd type="none" w="med" len="med"/>
+              <a:tailEnd type="none" w="med" len="med"/>
+            </a:ln>
+          </p:spPr>
+          <p:style>
+            <a:lnRef idx="1">
+              <a:schemeClr val="accent3"/>
+            </a:lnRef>
+            <a:fillRef idx="0">
+              <a:schemeClr val="accent3"/>
+            </a:fillRef>
+            <a:effectRef idx="0">
+              <a:schemeClr val="accent3"/>
+            </a:effectRef>
+            <a:fontRef idx="minor">
+              <a:schemeClr val="tx1"/>
+            </a:fontRef>
+          </p:style>
+        </p:cxnSp>
+      </p:grpSp>
+      <p:sp>
+        <p:nvSpPr>
+          <p:cNvPr id="57" name="Rectangle 56">
+            <a:extLst>
+              <a:ext uri="{FF2B5EF4-FFF2-40B4-BE49-F238E27FC236}">
+                <a16:creationId xmlns:a16="http://schemas.microsoft.com/office/drawing/2014/main" id="{F90887A2-AA55-44CC-B47E-46B9542BE3C7}"/>
+              </a:ext>
+            </a:extLst>
+          </p:cNvPr>
+          <p:cNvSpPr/>
+          <p:nvPr/>
+        </p:nvSpPr>
+        <p:spPr>
+          <a:xfrm>
+            <a:off x="4709070" y="-909399"/>
+            <a:ext cx="1931723" cy="834964"/>
+          </a:xfrm>
+          <a:prstGeom prst="rect">
+            <a:avLst/>
+          </a:prstGeom>
+          <a:noFill/>
+          <a:ln>
+            <a:solidFill>
+              <a:schemeClr val="tx1"/>
+            </a:solidFill>
+          </a:ln>
+        </p:spPr>
+        <p:style>
+          <a:lnRef idx="2">
+            <a:schemeClr val="accent1">
+              <a:shade val="50000"/>
+            </a:schemeClr>
+          </a:lnRef>
+          <a:fillRef idx="1">
+            <a:schemeClr val="accent1"/>
+          </a:fillRef>
+          <a:effectRef idx="0">
+            <a:schemeClr val="accent1"/>
+          </a:effectRef>
+          <a:fontRef idx="minor">
+            <a:schemeClr val="lt1"/>
+          </a:fontRef>
+        </p:style>
+        <p:txBody>
+          <a:bodyPr rtlCol="0" anchor="ctr"/>
+          <a:lstStyle/>
+          <a:p>
+            <a:pPr algn="ctr"/>
+            <a:r>
+              <a:rPr lang="en-GB" dirty="0">
+                <a:solidFill>
+                  <a:schemeClr val="tx1"/>
+                </a:solidFill>
+                <a:latin typeface="Noto Sans" panose="020B0502040504020204" pitchFamily="34" charset="0"/>
+                <a:ea typeface="Noto Sans" panose="020B0502040504020204" pitchFamily="34" charset="0"/>
+                <a:cs typeface="Noto Sans" panose="020B0502040504020204" pitchFamily="34" charset="0"/>
+              </a:rPr>
+              <a:t>a) Historic Sales</a:t>
+            </a:r>
+          </a:p>
+        </p:txBody>
+      </p:sp>
+      <p:sp>
+        <p:nvSpPr>
+          <p:cNvPr id="121" name="Rectangle 120">
+            <a:extLst>
+              <a:ext uri="{FF2B5EF4-FFF2-40B4-BE49-F238E27FC236}">
+                <a16:creationId xmlns:a16="http://schemas.microsoft.com/office/drawing/2014/main" id="{DC44B80B-D33C-4E97-9C6A-6DAD5C1084CD}"/>
+              </a:ext>
+            </a:extLst>
+          </p:cNvPr>
+          <p:cNvSpPr/>
+          <p:nvPr/>
+        </p:nvSpPr>
+        <p:spPr>
+          <a:xfrm>
+            <a:off x="8075987" y="-894958"/>
+            <a:ext cx="1931723" cy="834964"/>
+          </a:xfrm>
+          <a:prstGeom prst="rect">
+            <a:avLst/>
+          </a:prstGeom>
+          <a:noFill/>
+          <a:ln>
+            <a:solidFill>
+              <a:schemeClr val="tx1"/>
+            </a:solidFill>
+          </a:ln>
+        </p:spPr>
+        <p:style>
+          <a:lnRef idx="2">
+            <a:schemeClr val="accent1">
+              <a:shade val="50000"/>
+            </a:schemeClr>
+          </a:lnRef>
+          <a:fillRef idx="1">
+            <a:schemeClr val="accent1"/>
+          </a:fillRef>
+          <a:effectRef idx="0">
+            <a:schemeClr val="accent1"/>
+          </a:effectRef>
+          <a:fontRef idx="minor">
+            <a:schemeClr val="lt1"/>
+          </a:fontRef>
+        </p:style>
+        <p:txBody>
+          <a:bodyPr rtlCol="0" anchor="ctr"/>
+          <a:lstStyle/>
+          <a:p>
+            <a:pPr algn="ctr"/>
+            <a:r>
+              <a:rPr lang="en-GB" dirty="0">
+                <a:solidFill>
+                  <a:schemeClr val="tx1"/>
+                </a:solidFill>
+                <a:latin typeface="Noto Sans" panose="020B0502040504020204" pitchFamily="34" charset="0"/>
+                <a:ea typeface="Noto Sans" panose="020B0502040504020204" pitchFamily="34" charset="0"/>
+                <a:cs typeface="Noto Sans" panose="020B0502040504020204" pitchFamily="34" charset="0"/>
+              </a:rPr>
+              <a:t>b) Historic Population</a:t>
+            </a:r>
+          </a:p>
+        </p:txBody>
+      </p:sp>
+      <p:sp>
+        <p:nvSpPr>
+          <p:cNvPr id="134" name="Rectangle 133">
+            <a:extLst>
+              <a:ext uri="{FF2B5EF4-FFF2-40B4-BE49-F238E27FC236}">
+                <a16:creationId xmlns:a16="http://schemas.microsoft.com/office/drawing/2014/main" id="{019624CC-1982-4F07-BAFF-1B2FADBAD18D}"/>
+              </a:ext>
+            </a:extLst>
+          </p:cNvPr>
+          <p:cNvSpPr/>
+          <p:nvPr/>
+        </p:nvSpPr>
+        <p:spPr>
+          <a:xfrm>
+            <a:off x="6381136" y="638623"/>
+            <a:ext cx="1931723" cy="834964"/>
+          </a:xfrm>
+          <a:prstGeom prst="rect">
+            <a:avLst/>
+          </a:prstGeom>
+          <a:solidFill>
+            <a:srgbClr val="A5A5A5"/>
+          </a:solidFill>
+          <a:ln>
+            <a:noFill/>
+          </a:ln>
+        </p:spPr>
+        <p:style>
+          <a:lnRef idx="2">
+            <a:schemeClr val="accent1">
+              <a:shade val="50000"/>
+            </a:schemeClr>
+          </a:lnRef>
+          <a:fillRef idx="1">
+            <a:schemeClr val="accent1"/>
+          </a:fillRef>
+          <a:effectRef idx="0">
+            <a:schemeClr val="accent1"/>
+          </a:effectRef>
+          <a:fontRef idx="minor">
+            <a:schemeClr val="lt1"/>
+          </a:fontRef>
+        </p:style>
+        <p:txBody>
+          <a:bodyPr rtlCol="0" anchor="ctr"/>
+          <a:lstStyle/>
+          <a:p>
+            <a:pPr algn="ctr"/>
+            <a:r>
+              <a:rPr lang="en-GB" dirty="0">
+                <a:latin typeface="Noto Sans" panose="020B0502040504020204" pitchFamily="34" charset="0"/>
+                <a:ea typeface="Noto Sans" panose="020B0502040504020204" pitchFamily="34" charset="0"/>
+                <a:cs typeface="Noto Sans" panose="020B0502040504020204" pitchFamily="34" charset="0"/>
+              </a:rPr>
+              <a:t>c) Sales Per Capita Predictions</a:t>
+            </a:r>
+          </a:p>
+        </p:txBody>
+      </p:sp>
+      <p:sp>
+        <p:nvSpPr>
+          <p:cNvPr id="137" name="Rectangle 136">
+            <a:extLst>
+              <a:ext uri="{FF2B5EF4-FFF2-40B4-BE49-F238E27FC236}">
+                <a16:creationId xmlns:a16="http://schemas.microsoft.com/office/drawing/2014/main" id="{0153576F-05F8-41A5-8A3F-58D4282E4777}"/>
+              </a:ext>
+            </a:extLst>
+          </p:cNvPr>
+          <p:cNvSpPr/>
+          <p:nvPr/>
+        </p:nvSpPr>
+        <p:spPr>
+          <a:xfrm>
+            <a:off x="6381136" y="2022455"/>
+            <a:ext cx="1931723" cy="834964"/>
+          </a:xfrm>
+          <a:prstGeom prst="rect">
+            <a:avLst/>
+          </a:prstGeom>
+          <a:solidFill>
+            <a:srgbClr val="A5A5A5"/>
+          </a:solidFill>
+          <a:ln>
+            <a:noFill/>
+          </a:ln>
+        </p:spPr>
+        <p:style>
+          <a:lnRef idx="2">
+            <a:schemeClr val="accent1">
+              <a:shade val="50000"/>
+            </a:schemeClr>
+          </a:lnRef>
+          <a:fillRef idx="1">
+            <a:schemeClr val="accent1"/>
+          </a:fillRef>
+          <a:effectRef idx="0">
+            <a:schemeClr val="accent1"/>
+          </a:effectRef>
+          <a:fontRef idx="minor">
+            <a:schemeClr val="lt1"/>
+          </a:fontRef>
+        </p:style>
+        <p:txBody>
+          <a:bodyPr rtlCol="0" anchor="ctr"/>
+          <a:lstStyle/>
+          <a:p>
+            <a:pPr algn="ctr"/>
+            <a:r>
+              <a:rPr lang="en-GB" dirty="0">
+                <a:latin typeface="Noto Sans" panose="020B0502040504020204" pitchFamily="34" charset="0"/>
+                <a:ea typeface="Noto Sans" panose="020B0502040504020204" pitchFamily="34" charset="0"/>
+                <a:cs typeface="Noto Sans" panose="020B0502040504020204" pitchFamily="34" charset="0"/>
+              </a:rPr>
+              <a:t>d) Predicted Sales Weights</a:t>
+            </a:r>
+          </a:p>
+        </p:txBody>
+      </p:sp>
+      <p:sp>
+        <p:nvSpPr>
+          <p:cNvPr id="138" name="Rectangle 137">
+            <a:extLst>
+              <a:ext uri="{FF2B5EF4-FFF2-40B4-BE49-F238E27FC236}">
+                <a16:creationId xmlns:a16="http://schemas.microsoft.com/office/drawing/2014/main" id="{0E6D8A14-FE8E-4CED-8BC1-0C38C365B1B0}"/>
+              </a:ext>
+            </a:extLst>
+          </p:cNvPr>
+          <p:cNvSpPr/>
+          <p:nvPr/>
+        </p:nvSpPr>
+        <p:spPr>
+          <a:xfrm>
+            <a:off x="9041848" y="2011591"/>
+            <a:ext cx="1931723" cy="834964"/>
+          </a:xfrm>
+          <a:prstGeom prst="rect">
+            <a:avLst/>
+          </a:prstGeom>
+          <a:noFill/>
+          <a:ln>
+            <a:solidFill>
+              <a:schemeClr val="tx1"/>
+            </a:solidFill>
+          </a:ln>
+        </p:spPr>
+        <p:style>
+          <a:lnRef idx="2">
+            <a:schemeClr val="accent1">
+              <a:shade val="50000"/>
+            </a:schemeClr>
+          </a:lnRef>
+          <a:fillRef idx="1">
+            <a:schemeClr val="accent1"/>
+          </a:fillRef>
+          <a:effectRef idx="0">
+            <a:schemeClr val="accent1"/>
+          </a:effectRef>
+          <a:fontRef idx="minor">
+            <a:schemeClr val="lt1"/>
+          </a:fontRef>
+        </p:style>
+        <p:txBody>
+          <a:bodyPr rtlCol="0" anchor="ctr"/>
+          <a:lstStyle/>
+          <a:p>
+            <a:pPr algn="ctr"/>
+            <a:r>
+              <a:rPr lang="en-GB" dirty="0">
+                <a:solidFill>
+                  <a:schemeClr val="tx1"/>
+                </a:solidFill>
+                <a:latin typeface="Noto Sans" panose="020B0502040504020204" pitchFamily="34" charset="0"/>
+                <a:ea typeface="Noto Sans" panose="020B0502040504020204" pitchFamily="34" charset="0"/>
+                <a:cs typeface="Noto Sans" panose="020B0502040504020204" pitchFamily="34" charset="0"/>
+              </a:rPr>
+              <a:t>e) Forecast Population</a:t>
+            </a:r>
+          </a:p>
+          <a:p>
+            <a:pPr algn="ctr"/>
+            <a:r>
+              <a:rPr lang="en-GB" dirty="0">
+                <a:solidFill>
+                  <a:schemeClr val="tx1"/>
+                </a:solidFill>
+                <a:latin typeface="Noto Sans" panose="020B0502040504020204" pitchFamily="34" charset="0"/>
+                <a:ea typeface="Noto Sans" panose="020B0502040504020204" pitchFamily="34" charset="0"/>
+                <a:cs typeface="Noto Sans" panose="020B0502040504020204" pitchFamily="34" charset="0"/>
+              </a:rPr>
+              <a:t>Scenarios</a:t>
+            </a:r>
+          </a:p>
+        </p:txBody>
+      </p:sp>
+      <p:sp>
+        <p:nvSpPr>
+          <p:cNvPr id="140" name="Rectangle 139">
+            <a:extLst>
+              <a:ext uri="{FF2B5EF4-FFF2-40B4-BE49-F238E27FC236}">
+                <a16:creationId xmlns:a16="http://schemas.microsoft.com/office/drawing/2014/main" id="{5BF142F8-BCB7-4A89-B5C5-70B115A6868B}"/>
+              </a:ext>
+            </a:extLst>
+          </p:cNvPr>
+          <p:cNvSpPr/>
+          <p:nvPr/>
+        </p:nvSpPr>
+        <p:spPr>
+          <a:xfrm>
+            <a:off x="6354804" y="3517244"/>
+            <a:ext cx="1931723" cy="646180"/>
+          </a:xfrm>
+          <a:prstGeom prst="rect">
+            <a:avLst/>
+          </a:prstGeom>
+          <a:solidFill>
+            <a:srgbClr val="A5A5A5"/>
+          </a:solidFill>
+          <a:ln>
+            <a:noFill/>
+          </a:ln>
+        </p:spPr>
+        <p:style>
+          <a:lnRef idx="2">
+            <a:schemeClr val="accent1">
+              <a:shade val="50000"/>
+            </a:schemeClr>
+          </a:lnRef>
+          <a:fillRef idx="1">
+            <a:schemeClr val="accent1"/>
+          </a:fillRef>
+          <a:effectRef idx="0">
+            <a:schemeClr val="accent1"/>
+          </a:effectRef>
+          <a:fontRef idx="minor">
+            <a:schemeClr val="lt1"/>
+          </a:fontRef>
+        </p:style>
+        <p:txBody>
+          <a:bodyPr rtlCol="0" anchor="ctr"/>
+          <a:lstStyle/>
+          <a:p>
+            <a:pPr algn="ctr"/>
+            <a:r>
+              <a:rPr lang="en-GB" dirty="0">
+                <a:latin typeface="Noto Sans" panose="020B0502040504020204" pitchFamily="34" charset="0"/>
+                <a:ea typeface="Noto Sans" panose="020B0502040504020204" pitchFamily="34" charset="0"/>
+                <a:cs typeface="Noto Sans" panose="020B0502040504020204" pitchFamily="34" charset="0"/>
+              </a:rPr>
+              <a:t>f) Influent</a:t>
+            </a:r>
+          </a:p>
+        </p:txBody>
+      </p:sp>
+      <p:sp>
+        <p:nvSpPr>
+          <p:cNvPr id="141" name="Rectangle 140">
+            <a:extLst>
+              <a:ext uri="{FF2B5EF4-FFF2-40B4-BE49-F238E27FC236}">
+                <a16:creationId xmlns:a16="http://schemas.microsoft.com/office/drawing/2014/main" id="{66140F72-10F7-49C9-A214-68D2A9A33F46}"/>
+              </a:ext>
+            </a:extLst>
+          </p:cNvPr>
+          <p:cNvSpPr/>
+          <p:nvPr/>
+        </p:nvSpPr>
+        <p:spPr>
+          <a:xfrm>
+            <a:off x="6354804" y="4583257"/>
+            <a:ext cx="1931723" cy="646180"/>
+          </a:xfrm>
+          <a:prstGeom prst="rect">
+            <a:avLst/>
+          </a:prstGeom>
+          <a:solidFill>
+            <a:srgbClr val="A5A5A5"/>
+          </a:solidFill>
+          <a:ln>
+            <a:noFill/>
+          </a:ln>
+        </p:spPr>
+        <p:style>
+          <a:lnRef idx="2">
+            <a:schemeClr val="accent1">
+              <a:shade val="50000"/>
+            </a:schemeClr>
+          </a:lnRef>
+          <a:fillRef idx="1">
+            <a:schemeClr val="accent1"/>
+          </a:fillRef>
+          <a:effectRef idx="0">
+            <a:schemeClr val="accent1"/>
+          </a:effectRef>
+          <a:fontRef idx="minor">
+            <a:schemeClr val="lt1"/>
+          </a:fontRef>
+        </p:style>
+        <p:txBody>
+          <a:bodyPr rtlCol="0" anchor="ctr"/>
+          <a:lstStyle/>
+          <a:p>
+            <a:pPr algn="ctr"/>
+            <a:r>
+              <a:rPr lang="en-GB" dirty="0">
+                <a:latin typeface="Noto Sans" panose="020B0502040504020204" pitchFamily="34" charset="0"/>
+                <a:ea typeface="Noto Sans" panose="020B0502040504020204" pitchFamily="34" charset="0"/>
+                <a:cs typeface="Noto Sans" panose="020B0502040504020204" pitchFamily="34" charset="0"/>
+              </a:rPr>
+              <a:t>h) Effluent</a:t>
+            </a:r>
+          </a:p>
+        </p:txBody>
+      </p:sp>
+      <p:sp>
+        <p:nvSpPr>
+          <p:cNvPr id="142" name="Rectangle 141">
+            <a:extLst>
+              <a:ext uri="{FF2B5EF4-FFF2-40B4-BE49-F238E27FC236}">
+                <a16:creationId xmlns:a16="http://schemas.microsoft.com/office/drawing/2014/main" id="{1C145CC8-3577-43CC-816D-99AC5F1B5A3B}"/>
+              </a:ext>
+            </a:extLst>
+          </p:cNvPr>
+          <p:cNvSpPr/>
+          <p:nvPr/>
+        </p:nvSpPr>
+        <p:spPr>
+          <a:xfrm>
+            <a:off x="6381133" y="5640100"/>
+            <a:ext cx="1931723" cy="646180"/>
+          </a:xfrm>
+          <a:prstGeom prst="rect">
+            <a:avLst/>
+          </a:prstGeom>
+          <a:solidFill>
+            <a:srgbClr val="A5A5A5"/>
+          </a:solidFill>
+          <a:ln>
+            <a:noFill/>
+          </a:ln>
+        </p:spPr>
+        <p:style>
+          <a:lnRef idx="2">
+            <a:schemeClr val="accent1">
+              <a:shade val="50000"/>
+            </a:schemeClr>
+          </a:lnRef>
+          <a:fillRef idx="1">
+            <a:schemeClr val="accent1"/>
+          </a:fillRef>
+          <a:effectRef idx="0">
+            <a:schemeClr val="accent1"/>
+          </a:effectRef>
+          <a:fontRef idx="minor">
+            <a:schemeClr val="lt1"/>
+          </a:fontRef>
+        </p:style>
+        <p:txBody>
+          <a:bodyPr rtlCol="0" anchor="ctr"/>
+          <a:lstStyle/>
+          <a:p>
+            <a:pPr algn="ctr"/>
+            <a:r>
+              <a:rPr lang="en-GB" dirty="0">
+                <a:latin typeface="Noto Sans" panose="020B0502040504020204" pitchFamily="34" charset="0"/>
+                <a:ea typeface="Noto Sans" panose="020B0502040504020204" pitchFamily="34" charset="0"/>
+                <a:cs typeface="Noto Sans" panose="020B0502040504020204" pitchFamily="34" charset="0"/>
+              </a:rPr>
+              <a:t>j) Surface Water</a:t>
+            </a:r>
+          </a:p>
+        </p:txBody>
+      </p:sp>
+      <p:sp>
+        <p:nvSpPr>
+          <p:cNvPr id="143" name="Rectangle 142">
+            <a:extLst>
+              <a:ext uri="{FF2B5EF4-FFF2-40B4-BE49-F238E27FC236}">
+                <a16:creationId xmlns:a16="http://schemas.microsoft.com/office/drawing/2014/main" id="{F45768D4-195B-4FFF-8404-C4225E03FD96}"/>
+              </a:ext>
+            </a:extLst>
+          </p:cNvPr>
+          <p:cNvSpPr/>
+          <p:nvPr/>
+        </p:nvSpPr>
+        <p:spPr>
+          <a:xfrm>
+            <a:off x="6381133" y="6842634"/>
+            <a:ext cx="1931723" cy="834964"/>
+          </a:xfrm>
+          <a:prstGeom prst="rect">
+            <a:avLst/>
+          </a:prstGeom>
+          <a:solidFill>
+            <a:srgbClr val="A5A5A5"/>
+          </a:solidFill>
+          <a:ln>
+            <a:noFill/>
+          </a:ln>
+        </p:spPr>
+        <p:style>
+          <a:lnRef idx="2">
+            <a:schemeClr val="accent1">
+              <a:shade val="50000"/>
+            </a:schemeClr>
+          </a:lnRef>
+          <a:fillRef idx="1">
+            <a:schemeClr val="accent1"/>
+          </a:fillRef>
+          <a:effectRef idx="0">
+            <a:schemeClr val="accent1"/>
+          </a:effectRef>
+          <a:fontRef idx="minor">
+            <a:schemeClr val="lt1"/>
+          </a:fontRef>
+        </p:style>
+        <p:txBody>
+          <a:bodyPr rtlCol="0" anchor="ctr"/>
+          <a:lstStyle/>
+          <a:p>
+            <a:pPr algn="ctr"/>
+            <a:r>
+              <a:rPr lang="en-GB" dirty="0">
+                <a:latin typeface="Noto Sans" panose="020B0502040504020204" pitchFamily="34" charset="0"/>
+                <a:ea typeface="Noto Sans" panose="020B0502040504020204" pitchFamily="34" charset="0"/>
+                <a:cs typeface="Noto Sans" panose="020B0502040504020204" pitchFamily="34" charset="0"/>
+              </a:rPr>
+              <a:t>l) Predicted Risk Quotients</a:t>
+            </a:r>
+          </a:p>
+        </p:txBody>
+      </p:sp>
+      <p:sp>
+        <p:nvSpPr>
+          <p:cNvPr id="144" name="Rectangle 143">
+            <a:extLst>
+              <a:ext uri="{FF2B5EF4-FFF2-40B4-BE49-F238E27FC236}">
+                <a16:creationId xmlns:a16="http://schemas.microsoft.com/office/drawing/2014/main" id="{DC5DC578-824C-4089-9546-1C14C012BCEC}"/>
+              </a:ext>
+            </a:extLst>
+          </p:cNvPr>
+          <p:cNvSpPr/>
+          <p:nvPr/>
+        </p:nvSpPr>
+        <p:spPr>
+          <a:xfrm>
+            <a:off x="6381133" y="8258592"/>
+            <a:ext cx="1931723" cy="834964"/>
+          </a:xfrm>
+          <a:prstGeom prst="rect">
+            <a:avLst/>
+          </a:prstGeom>
+          <a:solidFill>
+            <a:srgbClr val="A5A5A5"/>
+          </a:solidFill>
+          <a:ln>
+            <a:noFill/>
+          </a:ln>
+        </p:spPr>
+        <p:style>
+          <a:lnRef idx="2">
+            <a:schemeClr val="accent1">
+              <a:shade val="50000"/>
+            </a:schemeClr>
+          </a:lnRef>
+          <a:fillRef idx="1">
+            <a:schemeClr val="accent1"/>
+          </a:fillRef>
+          <a:effectRef idx="0">
+            <a:schemeClr val="accent1"/>
+          </a:effectRef>
+          <a:fontRef idx="minor">
+            <a:schemeClr val="lt1"/>
+          </a:fontRef>
+        </p:style>
+        <p:txBody>
+          <a:bodyPr rtlCol="0" anchor="ctr"/>
+          <a:lstStyle/>
+          <a:p>
+            <a:pPr algn="ctr"/>
+            <a:r>
+              <a:rPr lang="en-GB" dirty="0">
+                <a:latin typeface="Noto Sans" panose="020B0502040504020204" pitchFamily="34" charset="0"/>
+                <a:ea typeface="Noto Sans" panose="020B0502040504020204" pitchFamily="34" charset="0"/>
+                <a:cs typeface="Noto Sans" panose="020B0502040504020204" pitchFamily="34" charset="0"/>
+              </a:rPr>
+              <a:t>m) Sum of Predicted Risk Quotients</a:t>
+            </a:r>
+          </a:p>
+        </p:txBody>
+      </p:sp>
+      <p:sp>
+        <p:nvSpPr>
+          <p:cNvPr id="145" name="Rectangle 144">
+            <a:extLst>
+              <a:ext uri="{FF2B5EF4-FFF2-40B4-BE49-F238E27FC236}">
+                <a16:creationId xmlns:a16="http://schemas.microsoft.com/office/drawing/2014/main" id="{15B235EC-59D7-4646-8CDB-A4F3E2B837A1}"/>
+              </a:ext>
+            </a:extLst>
+          </p:cNvPr>
+          <p:cNvSpPr/>
+          <p:nvPr/>
+        </p:nvSpPr>
+        <p:spPr>
+          <a:xfrm>
+            <a:off x="9041848" y="5643540"/>
+            <a:ext cx="1931723" cy="646180"/>
+          </a:xfrm>
+          <a:prstGeom prst="rect">
+            <a:avLst/>
+          </a:prstGeom>
+          <a:noFill/>
+          <a:ln>
+            <a:solidFill>
+              <a:schemeClr val="tx1"/>
+            </a:solidFill>
+          </a:ln>
+        </p:spPr>
+        <p:style>
+          <a:lnRef idx="2">
+            <a:schemeClr val="accent1">
+              <a:shade val="50000"/>
+            </a:schemeClr>
+          </a:lnRef>
+          <a:fillRef idx="1">
+            <a:schemeClr val="accent1"/>
+          </a:fillRef>
+          <a:effectRef idx="0">
+            <a:schemeClr val="accent1"/>
+          </a:effectRef>
+          <a:fontRef idx="minor">
+            <a:schemeClr val="lt1"/>
+          </a:fontRef>
+        </p:style>
+        <p:txBody>
+          <a:bodyPr rtlCol="0" anchor="ctr"/>
+          <a:lstStyle/>
+          <a:p>
+            <a:pPr algn="ctr"/>
+            <a:r>
+              <a:rPr lang="en-GB" dirty="0">
+                <a:solidFill>
+                  <a:schemeClr val="tx1"/>
+                </a:solidFill>
+                <a:latin typeface="Noto Sans" panose="020B0502040504020204" pitchFamily="34" charset="0"/>
+                <a:ea typeface="Noto Sans" panose="020B0502040504020204" pitchFamily="34" charset="0"/>
+                <a:cs typeface="Noto Sans" panose="020B0502040504020204" pitchFamily="34" charset="0"/>
+              </a:rPr>
+              <a:t>k) Estimated Dilution Factors</a:t>
+            </a:r>
+          </a:p>
+        </p:txBody>
+      </p:sp>
+      <p:sp>
+        <p:nvSpPr>
+          <p:cNvPr id="146" name="Rectangle 145">
+            <a:extLst>
+              <a:ext uri="{FF2B5EF4-FFF2-40B4-BE49-F238E27FC236}">
+                <a16:creationId xmlns:a16="http://schemas.microsoft.com/office/drawing/2014/main" id="{0EEC6034-F904-45AC-B913-7EBF4E2D3E46}"/>
+              </a:ext>
+            </a:extLst>
+          </p:cNvPr>
+          <p:cNvSpPr/>
+          <p:nvPr/>
+        </p:nvSpPr>
+        <p:spPr>
+          <a:xfrm>
+            <a:off x="9041848" y="4582399"/>
+            <a:ext cx="1931723" cy="643234"/>
+          </a:xfrm>
+          <a:prstGeom prst="rect">
+            <a:avLst/>
+          </a:prstGeom>
+          <a:noFill/>
+          <a:ln>
+            <a:solidFill>
+              <a:schemeClr val="tx1"/>
+            </a:solidFill>
+          </a:ln>
+        </p:spPr>
+        <p:style>
+          <a:lnRef idx="2">
+            <a:schemeClr val="accent1">
+              <a:shade val="50000"/>
+            </a:schemeClr>
+          </a:lnRef>
+          <a:fillRef idx="1">
+            <a:schemeClr val="accent1"/>
+          </a:fillRef>
+          <a:effectRef idx="0">
+            <a:schemeClr val="accent1"/>
+          </a:effectRef>
+          <a:fontRef idx="minor">
+            <a:schemeClr val="lt1"/>
+          </a:fontRef>
+        </p:style>
+        <p:txBody>
+          <a:bodyPr rtlCol="0" anchor="ctr"/>
+          <a:lstStyle/>
+          <a:p>
+            <a:pPr algn="ctr"/>
+            <a:r>
+              <a:rPr lang="en-GB" dirty="0" err="1">
+                <a:solidFill>
+                  <a:schemeClr val="tx1"/>
+                </a:solidFill>
+                <a:latin typeface="Noto Sans" panose="020B0502040504020204" pitchFamily="34" charset="0"/>
+                <a:ea typeface="Noto Sans" panose="020B0502040504020204" pitchFamily="34" charset="0"/>
+                <a:cs typeface="Noto Sans" panose="020B0502040504020204" pitchFamily="34" charset="0"/>
+              </a:rPr>
+              <a:t>i</a:t>
+            </a:r>
+            <a:r>
+              <a:rPr lang="en-GB" dirty="0">
+                <a:solidFill>
+                  <a:schemeClr val="tx1"/>
+                </a:solidFill>
+                <a:latin typeface="Noto Sans" panose="020B0502040504020204" pitchFamily="34" charset="0"/>
+                <a:ea typeface="Noto Sans" panose="020B0502040504020204" pitchFamily="34" charset="0"/>
+                <a:cs typeface="Noto Sans" panose="020B0502040504020204" pitchFamily="34" charset="0"/>
+              </a:rPr>
+              <a:t>) Theoretical Removal Rates</a:t>
+            </a:r>
+          </a:p>
+        </p:txBody>
+      </p:sp>
+      <p:sp>
+        <p:nvSpPr>
+          <p:cNvPr id="147" name="Rectangle 146">
+            <a:extLst>
+              <a:ext uri="{FF2B5EF4-FFF2-40B4-BE49-F238E27FC236}">
+                <a16:creationId xmlns:a16="http://schemas.microsoft.com/office/drawing/2014/main" id="{6297725C-2902-4225-986D-4A9FFC3E1237}"/>
+              </a:ext>
+            </a:extLst>
+          </p:cNvPr>
+          <p:cNvSpPr/>
+          <p:nvPr/>
+        </p:nvSpPr>
+        <p:spPr>
+          <a:xfrm>
+            <a:off x="9041848" y="3474013"/>
+            <a:ext cx="1931723" cy="651564"/>
+          </a:xfrm>
+          <a:prstGeom prst="rect">
+            <a:avLst/>
+          </a:prstGeom>
+          <a:noFill/>
+          <a:ln>
+            <a:solidFill>
+              <a:schemeClr val="tx1"/>
+            </a:solidFill>
+          </a:ln>
+        </p:spPr>
+        <p:style>
+          <a:lnRef idx="2">
+            <a:schemeClr val="accent1">
+              <a:shade val="50000"/>
+            </a:schemeClr>
+          </a:lnRef>
+          <a:fillRef idx="1">
+            <a:schemeClr val="accent1"/>
+          </a:fillRef>
+          <a:effectRef idx="0">
+            <a:schemeClr val="accent1"/>
+          </a:effectRef>
+          <a:fontRef idx="minor">
+            <a:schemeClr val="lt1"/>
+          </a:fontRef>
+        </p:style>
+        <p:txBody>
+          <a:bodyPr rtlCol="0" anchor="ctr"/>
+          <a:lstStyle/>
+          <a:p>
+            <a:pPr algn="ctr"/>
+            <a:r>
+              <a:rPr lang="en-GB" dirty="0">
+                <a:solidFill>
+                  <a:schemeClr val="tx1"/>
+                </a:solidFill>
+                <a:latin typeface="Noto Sans" panose="020B0502040504020204" pitchFamily="34" charset="0"/>
+                <a:ea typeface="Noto Sans" panose="020B0502040504020204" pitchFamily="34" charset="0"/>
+                <a:cs typeface="Noto Sans" panose="020B0502040504020204" pitchFamily="34" charset="0"/>
+              </a:rPr>
+              <a:t>g) 2020 Water Consumption</a:t>
+            </a:r>
+          </a:p>
+        </p:txBody>
+      </p:sp>
+      <p:sp>
+        <p:nvSpPr>
+          <p:cNvPr id="80" name="Rectangle 79">
+            <a:extLst>
+              <a:ext uri="{FF2B5EF4-FFF2-40B4-BE49-F238E27FC236}">
+                <a16:creationId xmlns:a16="http://schemas.microsoft.com/office/drawing/2014/main" id="{DB521980-1306-4109-ADC7-14F207F26A8F}"/>
+              </a:ext>
+            </a:extLst>
+          </p:cNvPr>
+          <p:cNvSpPr/>
+          <p:nvPr/>
+        </p:nvSpPr>
+        <p:spPr>
+          <a:xfrm>
+            <a:off x="3797293" y="4457015"/>
+            <a:ext cx="1823555" cy="923330"/>
+          </a:xfrm>
+          <a:prstGeom prst="rect">
+            <a:avLst/>
+          </a:prstGeom>
+        </p:spPr>
+        <p:txBody>
+          <a:bodyPr wrap="square">
+            <a:spAutoFit/>
+          </a:bodyPr>
+          <a:lstStyle/>
+          <a:p>
+            <a:pPr algn="ctr"/>
+            <a:r>
+              <a:rPr lang="en-GB" dirty="0">
+                <a:latin typeface="Noto Sans" panose="020B0502040504020204" pitchFamily="34" charset="0"/>
+                <a:ea typeface="Noto Sans" panose="020B0502040504020204" pitchFamily="34" charset="0"/>
+                <a:cs typeface="Noto Sans" panose="020B0502040504020204" pitchFamily="34" charset="0"/>
+              </a:rPr>
+              <a:t>Predicted Environmental Concentrations</a:t>
+            </a:r>
+          </a:p>
+        </p:txBody>
+      </p:sp>
+      <p:sp>
+        <p:nvSpPr>
+          <p:cNvPr id="82" name="Left Brace 81">
+            <a:extLst>
+              <a:ext uri="{FF2B5EF4-FFF2-40B4-BE49-F238E27FC236}">
+                <a16:creationId xmlns:a16="http://schemas.microsoft.com/office/drawing/2014/main" id="{5D07F77E-1C2E-4ADF-B0B7-F0B0CD824B65}"/>
+              </a:ext>
+            </a:extLst>
+          </p:cNvPr>
+          <p:cNvSpPr/>
+          <p:nvPr/>
+        </p:nvSpPr>
+        <p:spPr>
+          <a:xfrm>
+            <a:off x="5829660" y="3551080"/>
+            <a:ext cx="242275" cy="2735200"/>
+          </a:xfrm>
+          <a:prstGeom prst="leftBrace">
+            <a:avLst>
+              <a:gd name="adj1" fmla="val 81721"/>
+              <a:gd name="adj2" fmla="val 50000"/>
+            </a:avLst>
+          </a:prstGeom>
+          <a:ln>
+            <a:solidFill>
+              <a:schemeClr val="tx1"/>
+            </a:solidFill>
+          </a:ln>
+        </p:spPr>
+        <p:style>
+          <a:lnRef idx="1">
+            <a:schemeClr val="accent1"/>
+          </a:lnRef>
+          <a:fillRef idx="0">
+            <a:schemeClr val="accent1"/>
+          </a:fillRef>
+          <a:effectRef idx="0">
+            <a:schemeClr val="accent1"/>
+          </a:effectRef>
+          <a:fontRef idx="minor">
+            <a:schemeClr val="tx1"/>
+          </a:fontRef>
+        </p:style>
+        <p:txBody>
+          <a:bodyPr rtlCol="0" anchor="ctr"/>
+          <a:lstStyle/>
+          <a:p>
+            <a:pPr algn="ctr"/>
+            <a:endParaRPr lang="en-GB">
+              <a:latin typeface="Noto Sans" panose="020B0502040504020204" pitchFamily="34" charset="0"/>
+              <a:ea typeface="Noto Sans" panose="020B0502040504020204" pitchFamily="34" charset="0"/>
+              <a:cs typeface="Noto Sans" panose="020B0502040504020204" pitchFamily="34" charset="0"/>
+            </a:endParaRPr>
+          </a:p>
+        </p:txBody>
+      </p:sp>
+      <p:sp>
+        <p:nvSpPr>
+          <p:cNvPr id="84" name="Arrow: Down 83">
+            <a:extLst>
+              <a:ext uri="{FF2B5EF4-FFF2-40B4-BE49-F238E27FC236}">
+                <a16:creationId xmlns:a16="http://schemas.microsoft.com/office/drawing/2014/main" id="{C10F8FA8-8248-4D89-AE90-85A0AD75E161}"/>
+              </a:ext>
+            </a:extLst>
+          </p:cNvPr>
+          <p:cNvSpPr/>
+          <p:nvPr/>
+        </p:nvSpPr>
+        <p:spPr>
+          <a:xfrm rot="18913149">
+            <a:off x="6824715" y="-87171"/>
+            <a:ext cx="315558" cy="716939"/>
+          </a:xfrm>
+          <a:prstGeom prst="downArrow">
+            <a:avLst/>
+          </a:prstGeom>
+          <a:noFill/>
+          <a:ln w="19050" cap="rnd">
+            <a:solidFill>
+              <a:schemeClr val="tx1"/>
+            </a:solidFill>
+            <a:round/>
+          </a:ln>
+        </p:spPr>
+        <p:style>
+          <a:lnRef idx="2">
+            <a:schemeClr val="accent3">
+              <a:shade val="50000"/>
+            </a:schemeClr>
+          </a:lnRef>
+          <a:fillRef idx="1">
+            <a:schemeClr val="accent3"/>
+          </a:fillRef>
+          <a:effectRef idx="0">
+            <a:schemeClr val="accent3"/>
+          </a:effectRef>
+          <a:fontRef idx="minor">
+            <a:schemeClr val="lt1"/>
+          </a:fontRef>
+        </p:style>
+        <p:txBody>
+          <a:bodyPr rtlCol="0" anchor="ctr"/>
+          <a:lstStyle/>
+          <a:p>
+            <a:pPr algn="ctr"/>
+            <a:endParaRPr lang="en-GB"/>
+          </a:p>
+        </p:txBody>
+      </p:sp>
+      <p:sp>
+        <p:nvSpPr>
+          <p:cNvPr id="148" name="Arrow: Down 147">
+            <a:extLst>
+              <a:ext uri="{FF2B5EF4-FFF2-40B4-BE49-F238E27FC236}">
+                <a16:creationId xmlns:a16="http://schemas.microsoft.com/office/drawing/2014/main" id="{0C165A69-346F-4E44-8168-CF6C53C03A37}"/>
+              </a:ext>
+            </a:extLst>
+          </p:cNvPr>
+          <p:cNvSpPr/>
+          <p:nvPr/>
+        </p:nvSpPr>
+        <p:spPr>
+          <a:xfrm rot="2686851" flipH="1">
+            <a:off x="7553710" y="-93122"/>
+            <a:ext cx="315558" cy="716939"/>
+          </a:xfrm>
+          <a:prstGeom prst="downArrow">
+            <a:avLst/>
+          </a:prstGeom>
+          <a:noFill/>
+          <a:ln w="19050" cap="rnd">
+            <a:solidFill>
+              <a:schemeClr val="tx1"/>
+            </a:solidFill>
+            <a:round/>
+          </a:ln>
+        </p:spPr>
+        <p:style>
+          <a:lnRef idx="2">
+            <a:schemeClr val="accent3">
+              <a:shade val="50000"/>
+            </a:schemeClr>
+          </a:lnRef>
+          <a:fillRef idx="1">
+            <a:schemeClr val="accent3"/>
+          </a:fillRef>
+          <a:effectRef idx="0">
+            <a:schemeClr val="accent3"/>
+          </a:effectRef>
+          <a:fontRef idx="minor">
+            <a:schemeClr val="lt1"/>
+          </a:fontRef>
+        </p:style>
+        <p:txBody>
+          <a:bodyPr rtlCol="0" anchor="ctr"/>
+          <a:lstStyle/>
+          <a:p>
+            <a:pPr algn="ctr"/>
+            <a:endParaRPr lang="en-GB"/>
+          </a:p>
+        </p:txBody>
+      </p:sp>
+      <p:sp>
+        <p:nvSpPr>
+          <p:cNvPr id="149" name="Arrow: Down 148">
+            <a:extLst>
+              <a:ext uri="{FF2B5EF4-FFF2-40B4-BE49-F238E27FC236}">
+                <a16:creationId xmlns:a16="http://schemas.microsoft.com/office/drawing/2014/main" id="{F4A29EC5-A956-403F-82A1-54D880D2C0BE}"/>
+              </a:ext>
+            </a:extLst>
+          </p:cNvPr>
+          <p:cNvSpPr/>
+          <p:nvPr/>
+        </p:nvSpPr>
+        <p:spPr>
+          <a:xfrm flipH="1">
+            <a:off x="7189215" y="1556046"/>
+            <a:ext cx="315558" cy="397444"/>
+          </a:xfrm>
+          <a:prstGeom prst="downArrow">
+            <a:avLst/>
+          </a:prstGeom>
+          <a:noFill/>
+          <a:ln w="19050" cap="rnd">
+            <a:solidFill>
+              <a:schemeClr val="tx1"/>
+            </a:solidFill>
+            <a:round/>
+          </a:ln>
+        </p:spPr>
+        <p:style>
+          <a:lnRef idx="2">
+            <a:schemeClr val="accent3">
+              <a:shade val="50000"/>
+            </a:schemeClr>
+          </a:lnRef>
+          <a:fillRef idx="1">
+            <a:schemeClr val="accent3"/>
+          </a:fillRef>
+          <a:effectRef idx="0">
+            <a:schemeClr val="accent3"/>
+          </a:effectRef>
+          <a:fontRef idx="minor">
+            <a:schemeClr val="lt1"/>
+          </a:fontRef>
+        </p:style>
+        <p:txBody>
+          <a:bodyPr rtlCol="0" anchor="ctr"/>
+          <a:lstStyle/>
+          <a:p>
+            <a:pPr algn="ctr"/>
+            <a:endParaRPr lang="en-GB"/>
+          </a:p>
+        </p:txBody>
+      </p:sp>
+      <p:sp>
+        <p:nvSpPr>
+          <p:cNvPr id="150" name="Arrow: Down 149">
+            <a:extLst>
+              <a:ext uri="{FF2B5EF4-FFF2-40B4-BE49-F238E27FC236}">
+                <a16:creationId xmlns:a16="http://schemas.microsoft.com/office/drawing/2014/main" id="{FE92E6D3-422E-4DD5-83DC-84261C3E5589}"/>
+              </a:ext>
+            </a:extLst>
+          </p:cNvPr>
+          <p:cNvSpPr/>
+          <p:nvPr/>
+        </p:nvSpPr>
+        <p:spPr>
+          <a:xfrm flipH="1">
+            <a:off x="7189213" y="3031556"/>
+            <a:ext cx="315558" cy="397444"/>
+          </a:xfrm>
+          <a:prstGeom prst="downArrow">
+            <a:avLst/>
+          </a:prstGeom>
+          <a:noFill/>
+          <a:ln w="19050" cap="rnd">
+            <a:solidFill>
+              <a:schemeClr val="tx1"/>
+            </a:solidFill>
+            <a:round/>
+          </a:ln>
+        </p:spPr>
+        <p:style>
+          <a:lnRef idx="2">
+            <a:schemeClr val="accent3">
+              <a:shade val="50000"/>
+            </a:schemeClr>
+          </a:lnRef>
+          <a:fillRef idx="1">
+            <a:schemeClr val="accent3"/>
+          </a:fillRef>
+          <a:effectRef idx="0">
+            <a:schemeClr val="accent3"/>
+          </a:effectRef>
+          <a:fontRef idx="minor">
+            <a:schemeClr val="lt1"/>
+          </a:fontRef>
+        </p:style>
+        <p:txBody>
+          <a:bodyPr rtlCol="0" anchor="ctr"/>
+          <a:lstStyle/>
+          <a:p>
+            <a:pPr algn="ctr"/>
+            <a:endParaRPr lang="en-GB"/>
+          </a:p>
+        </p:txBody>
+      </p:sp>
+      <p:sp>
+        <p:nvSpPr>
+          <p:cNvPr id="151" name="Arrow: Down 150">
+            <a:extLst>
+              <a:ext uri="{FF2B5EF4-FFF2-40B4-BE49-F238E27FC236}">
+                <a16:creationId xmlns:a16="http://schemas.microsoft.com/office/drawing/2014/main" id="{7B0DB669-1384-42A1-81A5-16140D739C1B}"/>
+              </a:ext>
+            </a:extLst>
+          </p:cNvPr>
+          <p:cNvSpPr/>
+          <p:nvPr/>
+        </p:nvSpPr>
+        <p:spPr>
+          <a:xfrm flipH="1">
+            <a:off x="7162886" y="4251668"/>
+            <a:ext cx="315558" cy="243345"/>
+          </a:xfrm>
+          <a:prstGeom prst="downArrow">
+            <a:avLst>
+              <a:gd name="adj1" fmla="val 50000"/>
+              <a:gd name="adj2" fmla="val 77399"/>
+            </a:avLst>
+          </a:prstGeom>
+          <a:noFill/>
+          <a:ln w="19050" cap="rnd">
+            <a:solidFill>
+              <a:schemeClr val="tx1"/>
+            </a:solidFill>
+            <a:round/>
+          </a:ln>
+        </p:spPr>
+        <p:style>
+          <a:lnRef idx="2">
+            <a:schemeClr val="accent3">
+              <a:shade val="50000"/>
+            </a:schemeClr>
+          </a:lnRef>
+          <a:fillRef idx="1">
+            <a:schemeClr val="accent3"/>
+          </a:fillRef>
+          <a:effectRef idx="0">
+            <a:schemeClr val="accent3"/>
+          </a:effectRef>
+          <a:fontRef idx="minor">
+            <a:schemeClr val="lt1"/>
+          </a:fontRef>
+        </p:style>
+        <p:txBody>
+          <a:bodyPr rtlCol="0" anchor="ctr"/>
+          <a:lstStyle/>
+          <a:p>
+            <a:pPr algn="ctr"/>
+            <a:endParaRPr lang="en-GB"/>
+          </a:p>
+        </p:txBody>
+      </p:sp>
+      <p:sp>
+        <p:nvSpPr>
+          <p:cNvPr id="152" name="Arrow: Down 151">
+            <a:extLst>
+              <a:ext uri="{FF2B5EF4-FFF2-40B4-BE49-F238E27FC236}">
+                <a16:creationId xmlns:a16="http://schemas.microsoft.com/office/drawing/2014/main" id="{5C1B39C1-FB80-439C-BAB2-6E534261B5DD}"/>
+              </a:ext>
+            </a:extLst>
+          </p:cNvPr>
+          <p:cNvSpPr/>
+          <p:nvPr/>
+        </p:nvSpPr>
+        <p:spPr>
+          <a:xfrm flipH="1">
+            <a:off x="7162886" y="5303473"/>
+            <a:ext cx="315558" cy="243345"/>
+          </a:xfrm>
+          <a:prstGeom prst="downArrow">
+            <a:avLst>
+              <a:gd name="adj1" fmla="val 50000"/>
+              <a:gd name="adj2" fmla="val 77399"/>
+            </a:avLst>
+          </a:prstGeom>
+          <a:noFill/>
+          <a:ln w="19050" cap="rnd">
+            <a:solidFill>
+              <a:schemeClr val="tx1"/>
+            </a:solidFill>
+            <a:round/>
+          </a:ln>
+        </p:spPr>
+        <p:style>
+          <a:lnRef idx="2">
+            <a:schemeClr val="accent3">
+              <a:shade val="50000"/>
+            </a:schemeClr>
+          </a:lnRef>
+          <a:fillRef idx="1">
+            <a:schemeClr val="accent3"/>
+          </a:fillRef>
+          <a:effectRef idx="0">
+            <a:schemeClr val="accent3"/>
+          </a:effectRef>
+          <a:fontRef idx="minor">
+            <a:schemeClr val="lt1"/>
+          </a:fontRef>
+        </p:style>
+        <p:txBody>
+          <a:bodyPr rtlCol="0" anchor="ctr"/>
+          <a:lstStyle/>
+          <a:p>
+            <a:pPr algn="ctr"/>
+            <a:endParaRPr lang="en-GB"/>
+          </a:p>
+        </p:txBody>
+      </p:sp>
+      <p:sp>
+        <p:nvSpPr>
+          <p:cNvPr id="153" name="Arrow: Down 152">
+            <a:extLst>
+              <a:ext uri="{FF2B5EF4-FFF2-40B4-BE49-F238E27FC236}">
+                <a16:creationId xmlns:a16="http://schemas.microsoft.com/office/drawing/2014/main" id="{F3C70EC2-AD1B-47FC-A51E-0B4C464C6F78}"/>
+              </a:ext>
+            </a:extLst>
+          </p:cNvPr>
+          <p:cNvSpPr/>
+          <p:nvPr/>
+        </p:nvSpPr>
+        <p:spPr>
+          <a:xfrm flipH="1">
+            <a:off x="7162886" y="6360697"/>
+            <a:ext cx="315558" cy="397444"/>
+          </a:xfrm>
+          <a:prstGeom prst="downArrow">
+            <a:avLst/>
+          </a:prstGeom>
+          <a:noFill/>
+          <a:ln w="19050" cap="rnd">
+            <a:solidFill>
+              <a:schemeClr val="tx1"/>
+            </a:solidFill>
+            <a:round/>
+          </a:ln>
+        </p:spPr>
+        <p:style>
+          <a:lnRef idx="2">
+            <a:schemeClr val="accent3">
+              <a:shade val="50000"/>
+            </a:schemeClr>
+          </a:lnRef>
+          <a:fillRef idx="1">
+            <a:schemeClr val="accent3"/>
+          </a:fillRef>
+          <a:effectRef idx="0">
+            <a:schemeClr val="accent3"/>
+          </a:effectRef>
+          <a:fontRef idx="minor">
+            <a:schemeClr val="lt1"/>
+          </a:fontRef>
+        </p:style>
+        <p:txBody>
+          <a:bodyPr rtlCol="0" anchor="ctr"/>
+          <a:lstStyle/>
+          <a:p>
+            <a:pPr algn="ctr"/>
+            <a:endParaRPr lang="en-GB"/>
+          </a:p>
+        </p:txBody>
+      </p:sp>
+      <p:sp>
+        <p:nvSpPr>
+          <p:cNvPr id="154" name="Arrow: Down 153">
+            <a:extLst>
+              <a:ext uri="{FF2B5EF4-FFF2-40B4-BE49-F238E27FC236}">
+                <a16:creationId xmlns:a16="http://schemas.microsoft.com/office/drawing/2014/main" id="{2E15B5DE-5509-48EF-8F1B-2523B9B63B7F}"/>
+              </a:ext>
+            </a:extLst>
+          </p:cNvPr>
+          <p:cNvSpPr/>
+          <p:nvPr/>
+        </p:nvSpPr>
+        <p:spPr>
+          <a:xfrm flipH="1">
+            <a:off x="7162886" y="7795535"/>
+            <a:ext cx="315558" cy="397444"/>
+          </a:xfrm>
+          <a:prstGeom prst="downArrow">
+            <a:avLst/>
+          </a:prstGeom>
+          <a:noFill/>
+          <a:ln w="19050" cap="rnd">
+            <a:solidFill>
+              <a:schemeClr val="tx1"/>
+            </a:solidFill>
+            <a:round/>
+          </a:ln>
+        </p:spPr>
+        <p:style>
+          <a:lnRef idx="2">
+            <a:schemeClr val="accent3">
+              <a:shade val="50000"/>
+            </a:schemeClr>
+          </a:lnRef>
+          <a:fillRef idx="1">
+            <a:schemeClr val="accent3"/>
+          </a:fillRef>
+          <a:effectRef idx="0">
+            <a:schemeClr val="accent3"/>
+          </a:effectRef>
+          <a:fontRef idx="minor">
+            <a:schemeClr val="lt1"/>
+          </a:fontRef>
+        </p:style>
+        <p:txBody>
+          <a:bodyPr rtlCol="0" anchor="ctr"/>
+          <a:lstStyle/>
+          <a:p>
+            <a:pPr algn="ctr"/>
+            <a:endParaRPr lang="en-GB"/>
+          </a:p>
+        </p:txBody>
+      </p:sp>
+      <p:sp>
+        <p:nvSpPr>
+          <p:cNvPr id="155" name="Arrow: Down 154">
+            <a:extLst>
+              <a:ext uri="{FF2B5EF4-FFF2-40B4-BE49-F238E27FC236}">
+                <a16:creationId xmlns:a16="http://schemas.microsoft.com/office/drawing/2014/main" id="{638B3287-0CAE-4210-8C87-979E5D07C3DC}"/>
+              </a:ext>
+            </a:extLst>
+          </p:cNvPr>
+          <p:cNvSpPr/>
+          <p:nvPr/>
+        </p:nvSpPr>
+        <p:spPr>
+          <a:xfrm rot="5400000" flipH="1">
+            <a:off x="8491885" y="2230351"/>
+            <a:ext cx="315558" cy="397444"/>
+          </a:xfrm>
+          <a:prstGeom prst="downArrow">
+            <a:avLst/>
+          </a:prstGeom>
+          <a:noFill/>
+          <a:ln w="19050" cap="rnd">
+            <a:solidFill>
+              <a:schemeClr val="tx1"/>
+            </a:solidFill>
+            <a:round/>
+          </a:ln>
+        </p:spPr>
+        <p:style>
+          <a:lnRef idx="2">
+            <a:schemeClr val="accent3">
+              <a:shade val="50000"/>
+            </a:schemeClr>
+          </a:lnRef>
+          <a:fillRef idx="1">
+            <a:schemeClr val="accent3"/>
+          </a:fillRef>
+          <a:effectRef idx="0">
+            <a:schemeClr val="accent3"/>
+          </a:effectRef>
+          <a:fontRef idx="minor">
+            <a:schemeClr val="lt1"/>
+          </a:fontRef>
+        </p:style>
+        <p:txBody>
+          <a:bodyPr rtlCol="0" anchor="ctr"/>
+          <a:lstStyle/>
+          <a:p>
+            <a:pPr algn="ctr"/>
+            <a:endParaRPr lang="en-GB"/>
+          </a:p>
+        </p:txBody>
+      </p:sp>
+      <p:sp>
+        <p:nvSpPr>
+          <p:cNvPr id="156" name="Arrow: Down 155">
+            <a:extLst>
+              <a:ext uri="{FF2B5EF4-FFF2-40B4-BE49-F238E27FC236}">
+                <a16:creationId xmlns:a16="http://schemas.microsoft.com/office/drawing/2014/main" id="{3DE5E4D6-F31A-4570-9C1D-B4DB74EEA818}"/>
+              </a:ext>
+            </a:extLst>
+          </p:cNvPr>
+          <p:cNvSpPr/>
+          <p:nvPr/>
+        </p:nvSpPr>
+        <p:spPr>
+          <a:xfrm rot="5400000" flipH="1">
+            <a:off x="8501071" y="3601073"/>
+            <a:ext cx="315558" cy="397444"/>
+          </a:xfrm>
+          <a:prstGeom prst="downArrow">
+            <a:avLst/>
+          </a:prstGeom>
+          <a:noFill/>
+          <a:ln w="19050" cap="rnd">
+            <a:solidFill>
+              <a:schemeClr val="tx1"/>
+            </a:solidFill>
+            <a:round/>
+          </a:ln>
+        </p:spPr>
+        <p:style>
+          <a:lnRef idx="2">
+            <a:schemeClr val="accent3">
+              <a:shade val="50000"/>
+            </a:schemeClr>
+          </a:lnRef>
+          <a:fillRef idx="1">
+            <a:schemeClr val="accent3"/>
+          </a:fillRef>
+          <a:effectRef idx="0">
+            <a:schemeClr val="accent3"/>
+          </a:effectRef>
+          <a:fontRef idx="minor">
+            <a:schemeClr val="lt1"/>
+          </a:fontRef>
+        </p:style>
+        <p:txBody>
+          <a:bodyPr rtlCol="0" anchor="ctr"/>
+          <a:lstStyle/>
+          <a:p>
+            <a:pPr algn="ctr"/>
+            <a:endParaRPr lang="en-GB"/>
+          </a:p>
+        </p:txBody>
+      </p:sp>
+      <p:sp>
+        <p:nvSpPr>
+          <p:cNvPr id="158" name="Arrow: Down 157">
+            <a:extLst>
+              <a:ext uri="{FF2B5EF4-FFF2-40B4-BE49-F238E27FC236}">
+                <a16:creationId xmlns:a16="http://schemas.microsoft.com/office/drawing/2014/main" id="{9248E731-944D-4707-AB6C-924A453AC1D0}"/>
+              </a:ext>
+            </a:extLst>
+          </p:cNvPr>
+          <p:cNvSpPr/>
+          <p:nvPr/>
+        </p:nvSpPr>
+        <p:spPr>
+          <a:xfrm rot="5400000" flipH="1">
+            <a:off x="8491885" y="4707625"/>
+            <a:ext cx="315558" cy="397444"/>
+          </a:xfrm>
+          <a:prstGeom prst="downArrow">
+            <a:avLst/>
+          </a:prstGeom>
+          <a:noFill/>
+          <a:ln w="19050" cap="rnd">
+            <a:solidFill>
+              <a:schemeClr val="tx1"/>
+            </a:solidFill>
+            <a:round/>
+          </a:ln>
+        </p:spPr>
+        <p:style>
+          <a:lnRef idx="2">
+            <a:schemeClr val="accent3">
+              <a:shade val="50000"/>
+            </a:schemeClr>
+          </a:lnRef>
+          <a:fillRef idx="1">
+            <a:schemeClr val="accent3"/>
+          </a:fillRef>
+          <a:effectRef idx="0">
+            <a:schemeClr val="accent3"/>
+          </a:effectRef>
+          <a:fontRef idx="minor">
+            <a:schemeClr val="lt1"/>
+          </a:fontRef>
+        </p:style>
+        <p:txBody>
+          <a:bodyPr rtlCol="0" anchor="ctr"/>
+          <a:lstStyle/>
+          <a:p>
+            <a:pPr algn="ctr"/>
+            <a:endParaRPr lang="en-GB"/>
+          </a:p>
+        </p:txBody>
+      </p:sp>
+      <p:sp>
+        <p:nvSpPr>
+          <p:cNvPr id="159" name="Arrow: Down 158">
+            <a:extLst>
+              <a:ext uri="{FF2B5EF4-FFF2-40B4-BE49-F238E27FC236}">
+                <a16:creationId xmlns:a16="http://schemas.microsoft.com/office/drawing/2014/main" id="{DFA9F112-5D15-45C5-BA23-C5169EE71F49}"/>
+              </a:ext>
+            </a:extLst>
+          </p:cNvPr>
+          <p:cNvSpPr/>
+          <p:nvPr/>
+        </p:nvSpPr>
+        <p:spPr>
+          <a:xfrm rot="5400000" flipH="1">
+            <a:off x="8464275" y="5806824"/>
+            <a:ext cx="315558" cy="397444"/>
+          </a:xfrm>
+          <a:prstGeom prst="downArrow">
+            <a:avLst/>
+          </a:prstGeom>
+          <a:noFill/>
+          <a:ln w="19050" cap="rnd">
+            <a:solidFill>
+              <a:schemeClr val="tx1"/>
+            </a:solidFill>
+            <a:round/>
+          </a:ln>
+        </p:spPr>
+        <p:style>
+          <a:lnRef idx="2">
+            <a:schemeClr val="accent3">
+              <a:shade val="50000"/>
+            </a:schemeClr>
+          </a:lnRef>
+          <a:fillRef idx="1">
+            <a:schemeClr val="accent3"/>
+          </a:fillRef>
+          <a:effectRef idx="0">
+            <a:schemeClr val="accent3"/>
+          </a:effectRef>
+          <a:fontRef idx="minor">
+            <a:schemeClr val="lt1"/>
+          </a:fontRef>
+        </p:style>
+        <p:txBody>
+          <a:bodyPr rtlCol="0" anchor="ctr"/>
+          <a:lstStyle/>
+          <a:p>
+            <a:pPr algn="ctr"/>
+            <a:endParaRPr lang="en-GB"/>
+          </a:p>
+        </p:txBody>
+      </p:sp>
+    </p:spTree>
+    <p:extLst>
+      <p:ext uri="{BB962C8B-B14F-4D97-AF65-F5344CB8AC3E}">
+        <p14:creationId xmlns:p14="http://schemas.microsoft.com/office/powerpoint/2010/main" val="158238256"/>
+      </p:ext>
+    </p:extLst>
+  </p:cSld>
+  <p:clrMapOvr>
+    <a:masterClrMapping/>
+  </p:clrMapOvr>
+</p:sld>
+</file>
+
 <file path=ppt/theme/theme1.xml><?xml version="1.0" encoding="utf-8"?>
 <a:theme xmlns:a="http://schemas.openxmlformats.org/drawingml/2006/main" name="Office Theme">
   <a:themeElements>
